--- a/Arduino-Basics/Arduino講座1.pptx
+++ b/Arduino-Basics/Arduino講座1.pptx
@@ -5,10 +5,10 @@
     <p:sldMasterId id="2147483648" r:id="rId1"/>
   </p:sldMasterIdLst>
   <p:notesMasterIdLst>
-    <p:notesMasterId r:id="rId25"/>
+    <p:notesMasterId r:id="rId26"/>
   </p:notesMasterIdLst>
   <p:handoutMasterIdLst>
-    <p:handoutMasterId r:id="rId26"/>
+    <p:handoutMasterId r:id="rId27"/>
   </p:handoutMasterIdLst>
   <p:sldIdLst>
     <p:sldId id="256" r:id="rId2"/>
@@ -32,8 +32,9 @@
     <p:sldId id="283" r:id="rId20"/>
     <p:sldId id="287" r:id="rId21"/>
     <p:sldId id="269" r:id="rId22"/>
-    <p:sldId id="275" r:id="rId23"/>
-    <p:sldId id="274" r:id="rId24"/>
+    <p:sldId id="288" r:id="rId23"/>
+    <p:sldId id="275" r:id="rId24"/>
+    <p:sldId id="274" r:id="rId25"/>
   </p:sldIdLst>
   <p:sldSz cx="12192000" cy="6858000"/>
   <p:notesSz cx="9926638" cy="6797675"/>
@@ -236,7 +237,7 @@
           <a:p>
             <a:fld id="{61D52CAA-1629-4F3B-BC32-28EF3794F7FF}" type="datetimeFigureOut">
               <a:rPr kumimoji="1" lang="ja-JP" altLang="en-US" smtClean="0"/>
-              <a:t>2024/4/21</a:t>
+              <a:t>2024/4/26</a:t>
             </a:fld>
             <a:endParaRPr kumimoji="1" lang="ja-JP" altLang="en-US"/>
           </a:p>
@@ -401,7 +402,7 @@
           <a:p>
             <a:fld id="{E8A95779-CF2D-49CB-8DDC-484EC6F920B8}" type="datetimeFigureOut">
               <a:rPr kumimoji="1" lang="ja-JP" altLang="en-US" smtClean="0"/>
-              <a:t>2024/4/21</a:t>
+              <a:t>2024/4/26</a:t>
             </a:fld>
             <a:endParaRPr kumimoji="1" lang="ja-JP" altLang="en-US"/>
           </a:p>
@@ -879,7 +880,7 @@
           <a:p>
             <a:fld id="{49E4A2EE-82B8-459E-BAD9-68F0572733D4}" type="datetime1">
               <a:rPr kumimoji="1" lang="ja-JP" altLang="en-US" smtClean="0"/>
-              <a:t>2024/4/21</a:t>
+              <a:t>2024/4/26</a:t>
             </a:fld>
             <a:endParaRPr kumimoji="1" lang="ja-JP" altLang="en-US"/>
           </a:p>
@@ -1056,7 +1057,7 @@
           <a:p>
             <a:fld id="{7C66CE52-B912-41FC-909F-A50C0A600600}" type="datetime1">
               <a:rPr kumimoji="1" lang="ja-JP" altLang="en-US" smtClean="0"/>
-              <a:t>2024/4/21</a:t>
+              <a:t>2024/4/26</a:t>
             </a:fld>
             <a:endParaRPr kumimoji="1" lang="ja-JP" altLang="en-US"/>
           </a:p>
@@ -1266,7 +1267,7 @@
           <a:p>
             <a:fld id="{B86E3337-ADA4-4DA0-B249-E4E732D2ED9A}" type="datetime1">
               <a:rPr kumimoji="1" lang="ja-JP" altLang="en-US" smtClean="0"/>
-              <a:t>2024/4/21</a:t>
+              <a:t>2024/4/26</a:t>
             </a:fld>
             <a:endParaRPr kumimoji="1" lang="ja-JP" altLang="en-US"/>
           </a:p>
@@ -1508,7 +1509,7 @@
           <a:p>
             <a:fld id="{DF84F4DC-3C72-410D-87E4-A0D0E3440389}" type="datetime1">
               <a:rPr kumimoji="1" lang="ja-JP" altLang="en-US" smtClean="0"/>
-              <a:t>2024/4/21</a:t>
+              <a:t>2024/4/26</a:t>
             </a:fld>
             <a:endParaRPr kumimoji="1" lang="ja-JP" altLang="en-US"/>
           </a:p>
@@ -1808,7 +1809,7 @@
           <a:p>
             <a:fld id="{220318DF-8AE2-439A-BBF2-FDF6B47D1697}" type="datetime1">
               <a:rPr kumimoji="1" lang="ja-JP" altLang="en-US" smtClean="0"/>
-              <a:t>2024/4/21</a:t>
+              <a:t>2024/4/26</a:t>
             </a:fld>
             <a:endParaRPr kumimoji="1" lang="ja-JP" altLang="en-US"/>
           </a:p>
@@ -2157,7 +2158,7 @@
           <a:p>
             <a:fld id="{E30D6303-F4D8-45D5-B534-5D37418C3C2F}" type="datetime1">
               <a:rPr kumimoji="1" lang="ja-JP" altLang="en-US" smtClean="0"/>
-              <a:t>2024/4/21</a:t>
+              <a:t>2024/4/26</a:t>
             </a:fld>
             <a:endParaRPr kumimoji="1" lang="ja-JP" altLang="en-US"/>
           </a:p>
@@ -2640,7 +2641,7 @@
           <a:p>
             <a:fld id="{6A67610D-136C-4651-9391-42C47935B03F}" type="datetime1">
               <a:rPr kumimoji="1" lang="ja-JP" altLang="en-US" smtClean="0"/>
-              <a:t>2024/4/21</a:t>
+              <a:t>2024/4/26</a:t>
             </a:fld>
             <a:endParaRPr kumimoji="1" lang="ja-JP" altLang="en-US"/>
           </a:p>
@@ -2757,7 +2758,7 @@
           <a:p>
             <a:fld id="{2921171F-A464-4519-B2F3-0A794BA79D94}" type="datetime1">
               <a:rPr kumimoji="1" lang="ja-JP" altLang="en-US" smtClean="0"/>
-              <a:t>2024/4/21</a:t>
+              <a:t>2024/4/26</a:t>
             </a:fld>
             <a:endParaRPr kumimoji="1" lang="ja-JP" altLang="en-US"/>
           </a:p>
@@ -2852,7 +2853,7 @@
           <a:p>
             <a:fld id="{E80CA86D-75D3-4C2B-90B2-F9D3AAFCB9A3}" type="datetime1">
               <a:rPr kumimoji="1" lang="ja-JP" altLang="en-US" smtClean="0"/>
-              <a:t>2024/4/21</a:t>
+              <a:t>2024/4/26</a:t>
             </a:fld>
             <a:endParaRPr kumimoji="1" lang="ja-JP" altLang="en-US"/>
           </a:p>
@@ -3159,7 +3160,7 @@
           <a:p>
             <a:fld id="{DAF57502-37DE-427E-96ED-9F5F542057C3}" type="datetime1">
               <a:rPr kumimoji="1" lang="ja-JP" altLang="en-US" smtClean="0"/>
-              <a:t>2024/4/21</a:t>
+              <a:t>2024/4/26</a:t>
             </a:fld>
             <a:endParaRPr kumimoji="1" lang="ja-JP" altLang="en-US"/>
           </a:p>
@@ -3414,7 +3415,7 @@
           <a:p>
             <a:fld id="{0BCFF1FF-8B83-45E3-A4A8-27105D12E67F}" type="datetime1">
               <a:rPr kumimoji="1" lang="ja-JP" altLang="en-US" smtClean="0"/>
-              <a:t>2024/4/21</a:t>
+              <a:t>2024/4/26</a:t>
             </a:fld>
             <a:endParaRPr kumimoji="1" lang="ja-JP" altLang="en-US"/>
           </a:p>
@@ -3657,7 +3658,7 @@
           <a:p>
             <a:fld id="{159CD5AA-60CC-4185-95B1-148B4B00604C}" type="datetime1">
               <a:rPr kumimoji="1" lang="ja-JP" altLang="en-US" smtClean="0"/>
-              <a:t>2024/4/21</a:t>
+              <a:t>2024/4/26</a:t>
             </a:fld>
             <a:endParaRPr kumimoji="1" lang="ja-JP" altLang="en-US"/>
           </a:p>
@@ -11235,7 +11236,7 @@
           <p:cNvPr id="2" name="タイトル 1">
             <a:extLst>
               <a:ext uri="{FF2B5EF4-FFF2-40B4-BE49-F238E27FC236}">
-                <a16:creationId xmlns:a16="http://schemas.microsoft.com/office/drawing/2014/main" id="{7C0BD70C-E20D-CACD-CE21-DB6F00BAE40F}"/>
+                <a16:creationId xmlns:a16="http://schemas.microsoft.com/office/drawing/2014/main" id="{E83F635B-04E1-3E2F-6A1A-E28F471867BC}"/>
               </a:ext>
             </a:extLst>
           </p:cNvPr>
@@ -11278,7 +11279,7 @@
           <p:cNvPr id="3" name="コンテンツ プレースホルダー 2">
             <a:extLst>
               <a:ext uri="{FF2B5EF4-FFF2-40B4-BE49-F238E27FC236}">
-                <a16:creationId xmlns:a16="http://schemas.microsoft.com/office/drawing/2014/main" id="{5199E655-E993-F4D9-2313-2A4979FD5CC4}"/>
+                <a16:creationId xmlns:a16="http://schemas.microsoft.com/office/drawing/2014/main" id="{804809AE-B255-CB38-8F76-32BE480AA851}"/>
               </a:ext>
             </a:extLst>
           </p:cNvPr>
@@ -11291,140 +11292,23 @@
         </p:nvSpPr>
         <p:spPr/>
         <p:txBody>
-          <a:bodyPr>
-            <a:normAutofit/>
-          </a:bodyPr>
+          <a:bodyPr/>
           <a:lstStyle/>
           <a:p>
             <a:pPr marL="0" indent="0">
               <a:buNone/>
             </a:pPr>
-            <a:endParaRPr lang="en-US" altLang="ja-JP" sz="2000" dirty="0"/>
-          </a:p>
-          <a:p>
-            <a:pPr marL="0" indent="0">
-              <a:buNone/>
-            </a:pPr>
-            <a:r>
-              <a:rPr lang="en-US" altLang="ja-JP" sz="2000" dirty="0"/>
-              <a:t>[</a:t>
-            </a:r>
-            <a:r>
-              <a:rPr lang="ja-JP" altLang="en-US" sz="2000" dirty="0"/>
-              <a:t>ブロック崩しゲーム </a:t>
-            </a:r>
-            <a:r>
-              <a:rPr lang="en-US" altLang="ja-JP" sz="2000" dirty="0"/>
-              <a:t>- python</a:t>
-            </a:r>
-            <a:r>
-              <a:rPr lang="ja-JP" altLang="en-US" sz="2000" dirty="0"/>
-              <a:t>ソース</a:t>
-            </a:r>
-            <a:r>
-              <a:rPr lang="en-US" altLang="ja-JP" sz="2000" dirty="0"/>
-              <a:t>]</a:t>
-            </a:r>
-          </a:p>
-          <a:p>
-            <a:pPr marL="0" indent="0">
-              <a:buNone/>
-            </a:pPr>
-            <a:endParaRPr lang="en-US" altLang="ja-JP" sz="900" dirty="0"/>
-          </a:p>
-          <a:p>
-            <a:r>
-              <a:rPr lang="en-US" altLang="ja-JP" sz="1600" dirty="0">
-                <a:hlinkClick r:id="rId2"/>
-              </a:rPr>
-              <a:t>https://kusakarism.info/?p=11237</a:t>
-            </a:r>
-            <a:endParaRPr lang="en-US" altLang="ja-JP" sz="1600" dirty="0"/>
-          </a:p>
-          <a:p>
-            <a:endParaRPr lang="en-US" altLang="ja-JP" sz="700" dirty="0"/>
-          </a:p>
-          <a:p>
-            <a:r>
-              <a:rPr lang="en-US" altLang="ja-JP" sz="1600" dirty="0">
-                <a:hlinkClick r:id="rId3"/>
-              </a:rPr>
-              <a:t>https://github.com/M-yuhki/breakout</a:t>
-            </a:r>
-            <a:endParaRPr lang="en-US" altLang="ja-JP" sz="1600" dirty="0"/>
-          </a:p>
-          <a:p>
-            <a:pPr marL="457200" indent="-457200">
-              <a:buFont typeface="+mj-lt"/>
-              <a:buAutoNum type="arabicPeriod"/>
-            </a:pPr>
-            <a:endParaRPr lang="en-US" altLang="ja-JP" sz="700" dirty="0"/>
-          </a:p>
-          <a:p>
-            <a:r>
-              <a:rPr lang="en-US" altLang="ja-JP" sz="1600" dirty="0">
-                <a:hlinkClick r:id="rId4"/>
-              </a:rPr>
-              <a:t>https://note.com/forte_python/n/na2575fd1a30f</a:t>
-            </a:r>
-            <a:endParaRPr lang="en-US" altLang="ja-JP" sz="1600" dirty="0"/>
-          </a:p>
-          <a:p>
-            <a:pPr marL="457200" indent="-457200">
-              <a:buFont typeface="+mj-lt"/>
-              <a:buAutoNum type="arabicPeriod"/>
-            </a:pPr>
-            <a:endParaRPr lang="en-US" altLang="ja-JP" sz="2000" dirty="0"/>
-          </a:p>
-          <a:p>
-            <a:pPr marL="0" indent="0">
-              <a:buNone/>
-            </a:pPr>
-            <a:r>
-              <a:rPr lang="en-US" altLang="ja-JP" sz="2000" dirty="0"/>
-              <a:t>[python – Arduino </a:t>
-            </a:r>
-            <a:r>
-              <a:rPr lang="ja-JP" altLang="en-US" sz="2000" dirty="0"/>
-              <a:t>間のシリアル通信</a:t>
-            </a:r>
-            <a:r>
-              <a:rPr lang="en-US" altLang="ja-JP" sz="2000" dirty="0"/>
-              <a:t>]</a:t>
-            </a:r>
-          </a:p>
-          <a:p>
-            <a:r>
-              <a:rPr lang="en-US" altLang="ja-JP" sz="1600" dirty="0">
-                <a:hlinkClick r:id="rId5"/>
-              </a:rPr>
-              <a:t>Serial Communication between Python and Arduino</a:t>
-            </a:r>
-            <a:endParaRPr lang="en-US" altLang="ja-JP" sz="1600" dirty="0"/>
-          </a:p>
-          <a:p>
-            <a:pPr marL="0" indent="0">
-              <a:buNone/>
-            </a:pPr>
-            <a:endParaRPr lang="en-US" altLang="ja-JP" dirty="0"/>
-          </a:p>
-          <a:p>
-            <a:pPr marL="0" indent="0">
-              <a:buNone/>
-            </a:pPr>
-            <a:endParaRPr lang="en-US" altLang="ja-JP" sz="1000" dirty="0"/>
-          </a:p>
-          <a:p>
-            <a:pPr marL="0" indent="0">
-              <a:buNone/>
-            </a:pPr>
-            <a:r>
-              <a:rPr lang="ja-JP" altLang="en-US" b="1" dirty="0">
+            <a:r>
+              <a:rPr lang="ja-JP" altLang="en-US" dirty="0"/>
+              <a:t>・・・</a:t>
+            </a:r>
+            <a:r>
+              <a:rPr kumimoji="1" lang="ja-JP" altLang="en-US" b="1" dirty="0">
                 <a:solidFill>
                   <a:srgbClr val="FF0000"/>
                 </a:solidFill>
               </a:rPr>
-              <a:t>　ソースコードからバーを動かす部分を見つけだし，</a:t>
+              <a:t>ブロック崩しのバーを可変抵抗器で操作しよう</a:t>
             </a:r>
             <a:endParaRPr lang="en-US" altLang="ja-JP" b="1" dirty="0">
               <a:solidFill>
@@ -11436,39 +11320,7 @@
             <a:pPr marL="0" indent="0">
               <a:buNone/>
             </a:pPr>
-            <a:r>
-              <a:rPr lang="en-US" altLang="ja-JP" b="1" dirty="0">
-                <a:solidFill>
-                  <a:srgbClr val="FF0000"/>
-                </a:solidFill>
-              </a:rPr>
-              <a:t>	</a:t>
-            </a:r>
-            <a:r>
-              <a:rPr lang="ja-JP" altLang="en-US" b="1" dirty="0">
-                <a:solidFill>
-                  <a:srgbClr val="FF0000"/>
-                </a:solidFill>
-              </a:rPr>
-              <a:t>　</a:t>
-            </a:r>
-            <a:r>
-              <a:rPr lang="en-US" altLang="ja-JP" b="1" dirty="0">
-                <a:solidFill>
-                  <a:srgbClr val="FF0000"/>
-                </a:solidFill>
-              </a:rPr>
-              <a:t>Arduino </a:t>
-            </a:r>
-            <a:r>
-              <a:rPr lang="ja-JP" altLang="en-US" b="1" dirty="0">
-                <a:solidFill>
-                  <a:srgbClr val="FF0000"/>
-                </a:solidFill>
-              </a:rPr>
-              <a:t>からの信号によって動かすように変更すればよい</a:t>
-            </a:r>
-            <a:endParaRPr lang="en-US" altLang="ja-JP" b="1" dirty="0">
+            <a:endParaRPr lang="en-US" altLang="ja-JP" sz="2000" b="1" dirty="0">
               <a:solidFill>
                 <a:srgbClr val="FF0000"/>
               </a:solidFill>
@@ -11478,6 +11330,65 @@
             <a:pPr marL="0" indent="0">
               <a:buNone/>
             </a:pPr>
+            <a:endParaRPr lang="en-US" altLang="ja-JP" sz="1000" b="1" dirty="0">
+              <a:solidFill>
+                <a:srgbClr val="FF0000"/>
+              </a:solidFill>
+            </a:endParaRPr>
+          </a:p>
+          <a:p>
+            <a:pPr marL="0" indent="0">
+              <a:buNone/>
+            </a:pPr>
+            <a:r>
+              <a:rPr lang="en-US" altLang="ja-JP" b="1" dirty="0"/>
+              <a:t>【 1</a:t>
+            </a:r>
+            <a:r>
+              <a:rPr lang="en-US" altLang="ja-JP" b="1" baseline="30000" dirty="0"/>
+              <a:t>st</a:t>
+            </a:r>
+            <a:r>
+              <a:rPr lang="en-US" altLang="ja-JP" b="1" dirty="0"/>
+              <a:t> Step 】</a:t>
+            </a:r>
+          </a:p>
+          <a:p>
+            <a:pPr marL="0" indent="0">
+              <a:buNone/>
+            </a:pPr>
+            <a:endParaRPr lang="en-US" altLang="ja-JP" sz="1000" dirty="0"/>
+          </a:p>
+          <a:p>
+            <a:pPr marL="0" indent="0">
+              <a:buNone/>
+            </a:pPr>
+            <a:r>
+              <a:rPr lang="ja-JP" altLang="en-US" dirty="0"/>
+              <a:t>　</a:t>
+            </a:r>
+            <a:r>
+              <a:rPr lang="ja-JP" altLang="en-US" b="1" dirty="0"/>
+              <a:t>ブロック崩しのソースコードを用意</a:t>
+            </a:r>
+            <a:endParaRPr lang="en-US" altLang="ja-JP" b="1" dirty="0"/>
+          </a:p>
+          <a:p>
+            <a:pPr lvl="1"/>
+            <a:r>
+              <a:rPr lang="en-US" altLang="ja-JP" dirty="0"/>
+              <a:t>Sample: </a:t>
+            </a:r>
+            <a:r>
+              <a:rPr lang="en-US" altLang="ja-JP" dirty="0">
+                <a:hlinkClick r:id="rId2"/>
+              </a:rPr>
+              <a:t>BlockGame_SimpleVer.py</a:t>
+            </a:r>
+            <a:endParaRPr lang="en-US" altLang="ja-JP" dirty="0"/>
+          </a:p>
+          <a:p>
+            <a:pPr lvl="1"/>
             <a:endParaRPr lang="en-US" altLang="ja-JP" dirty="0"/>
           </a:p>
           <a:p>
@@ -11489,6 +11400,9 @@
           <a:p>
             <a:endParaRPr lang="en-US" altLang="ja-JP" dirty="0"/>
           </a:p>
+          <a:p>
+            <a:endParaRPr kumimoji="1" lang="ja-JP" altLang="en-US" dirty="0"/>
+          </a:p>
         </p:txBody>
       </p:sp>
       <p:sp>
@@ -11496,7 +11410,7 @@
           <p:cNvPr id="4" name="スライド番号プレースホルダー 3">
             <a:extLst>
               <a:ext uri="{FF2B5EF4-FFF2-40B4-BE49-F238E27FC236}">
-                <a16:creationId xmlns:a16="http://schemas.microsoft.com/office/drawing/2014/main" id="{EA2BD82D-D8B2-0B30-1CDE-182FCBE9A5F7}"/>
+                <a16:creationId xmlns:a16="http://schemas.microsoft.com/office/drawing/2014/main" id="{55FCAD2E-5B05-AB02-3590-68DD22631CF3}"/>
               </a:ext>
             </a:extLst>
           </p:cNvPr>
@@ -11516,6 +11430,327 @@
               <a:rPr lang="ja-JP" altLang="en-US" smtClean="0"/>
               <a:pPr/>
               <a:t>22</a:t>
+            </a:fld>
+            <a:endParaRPr lang="ja-JP" altLang="en-US" dirty="0"/>
+          </a:p>
+        </p:txBody>
+      </p:sp>
+    </p:spTree>
+    <p:extLst>
+      <p:ext uri="{BB962C8B-B14F-4D97-AF65-F5344CB8AC3E}">
+        <p14:creationId xmlns:p14="http://schemas.microsoft.com/office/powerpoint/2010/main" val="2823323749"/>
+      </p:ext>
+    </p:extLst>
+  </p:cSld>
+  <p:clrMapOvr>
+    <a:masterClrMapping/>
+  </p:clrMapOvr>
+</p:sld>
+</file>
+
+<file path=ppt/slides/slide23.xml><?xml version="1.0" encoding="utf-8"?>
+<p:sld xmlns:a="http://schemas.openxmlformats.org/drawingml/2006/main" xmlns:r="http://schemas.openxmlformats.org/officeDocument/2006/relationships" xmlns:p="http://schemas.openxmlformats.org/presentationml/2006/main">
+  <p:cSld>
+    <p:spTree>
+      <p:nvGrpSpPr>
+        <p:cNvPr id="1" name=""/>
+        <p:cNvGrpSpPr/>
+        <p:nvPr/>
+      </p:nvGrpSpPr>
+      <p:grpSpPr>
+        <a:xfrm>
+          <a:off x="0" y="0"/>
+          <a:ext cx="0" cy="0"/>
+          <a:chOff x="0" y="0"/>
+          <a:chExt cx="0" cy="0"/>
+        </a:xfrm>
+      </p:grpSpPr>
+      <p:sp>
+        <p:nvSpPr>
+          <p:cNvPr id="2" name="タイトル 1">
+            <a:extLst>
+              <a:ext uri="{FF2B5EF4-FFF2-40B4-BE49-F238E27FC236}">
+                <a16:creationId xmlns:a16="http://schemas.microsoft.com/office/drawing/2014/main" id="{7C0BD70C-E20D-CACD-CE21-DB6F00BAE40F}"/>
+              </a:ext>
+            </a:extLst>
+          </p:cNvPr>
+          <p:cNvSpPr>
+            <a:spLocks noGrp="1"/>
+          </p:cNvSpPr>
+          <p:nvPr>
+            <p:ph type="title"/>
+          </p:nvPr>
+        </p:nvSpPr>
+        <p:spPr/>
+        <p:txBody>
+          <a:bodyPr/>
+          <a:lstStyle/>
+          <a:p>
+            <a:r>
+              <a:rPr lang="en-US" altLang="ja-JP" dirty="0">
+                <a:latin typeface="Times New Roman" panose="02020603050405020304" pitchFamily="18" charset="0"/>
+                <a:cs typeface="Times New Roman" panose="02020603050405020304" pitchFamily="18" charset="0"/>
+              </a:rPr>
+              <a:t>3.</a:t>
+            </a:r>
+            <a:r>
+              <a:rPr lang="ja-JP" altLang="en-US" dirty="0">
+                <a:latin typeface="Times New Roman" panose="02020603050405020304" pitchFamily="18" charset="0"/>
+                <a:cs typeface="Times New Roman" panose="02020603050405020304" pitchFamily="18" charset="0"/>
+              </a:rPr>
+              <a:t>  </a:t>
+            </a:r>
+            <a:r>
+              <a:rPr lang="ja-JP" altLang="en-US" dirty="0"/>
+              <a:t>ブロック崩しゲームのコントローラ作成</a:t>
+            </a:r>
+            <a:endParaRPr kumimoji="1" lang="ja-JP" altLang="en-US" dirty="0"/>
+          </a:p>
+        </p:txBody>
+      </p:sp>
+      <p:sp>
+        <p:nvSpPr>
+          <p:cNvPr id="3" name="コンテンツ プレースホルダー 2">
+            <a:extLst>
+              <a:ext uri="{FF2B5EF4-FFF2-40B4-BE49-F238E27FC236}">
+                <a16:creationId xmlns:a16="http://schemas.microsoft.com/office/drawing/2014/main" id="{5199E655-E993-F4D9-2313-2A4979FD5CC4}"/>
+              </a:ext>
+            </a:extLst>
+          </p:cNvPr>
+          <p:cNvSpPr>
+            <a:spLocks noGrp="1"/>
+          </p:cNvSpPr>
+          <p:nvPr>
+            <p:ph idx="1"/>
+          </p:nvPr>
+        </p:nvSpPr>
+        <p:spPr/>
+        <p:txBody>
+          <a:bodyPr>
+            <a:normAutofit/>
+          </a:bodyPr>
+          <a:lstStyle/>
+          <a:p>
+            <a:pPr marL="0" indent="0">
+              <a:buNone/>
+            </a:pPr>
+            <a:endParaRPr lang="en-US" altLang="ja-JP" sz="2000" dirty="0"/>
+          </a:p>
+          <a:p>
+            <a:pPr marL="0" indent="0">
+              <a:buNone/>
+            </a:pPr>
+            <a:r>
+              <a:rPr lang="en-US" altLang="ja-JP" sz="2000" dirty="0"/>
+              <a:t>[</a:t>
+            </a:r>
+            <a:r>
+              <a:rPr lang="ja-JP" altLang="en-US" sz="2000" dirty="0"/>
+              <a:t>ブロック崩しゲーム </a:t>
+            </a:r>
+            <a:r>
+              <a:rPr lang="en-US" altLang="ja-JP" sz="2000" dirty="0"/>
+              <a:t>- python</a:t>
+            </a:r>
+            <a:r>
+              <a:rPr lang="ja-JP" altLang="en-US" sz="2000" dirty="0"/>
+              <a:t>ソース</a:t>
+            </a:r>
+            <a:r>
+              <a:rPr lang="en-US" altLang="ja-JP" sz="2000" dirty="0"/>
+              <a:t>]</a:t>
+            </a:r>
+          </a:p>
+          <a:p>
+            <a:pPr marL="0" indent="0">
+              <a:buNone/>
+            </a:pPr>
+            <a:endParaRPr lang="en-US" altLang="ja-JP" sz="900" dirty="0"/>
+          </a:p>
+          <a:p>
+            <a:r>
+              <a:rPr lang="en-US" altLang="ja-JP" sz="1600" dirty="0">
+                <a:hlinkClick r:id="rId2"/>
+              </a:rPr>
+              <a:t>https://kusakarism.info/?p=11237</a:t>
+            </a:r>
+            <a:endParaRPr lang="en-US" altLang="ja-JP" sz="1600" dirty="0"/>
+          </a:p>
+          <a:p>
+            <a:endParaRPr lang="en-US" altLang="ja-JP" sz="700" dirty="0"/>
+          </a:p>
+          <a:p>
+            <a:r>
+              <a:rPr lang="en-US" altLang="ja-JP" sz="1600" dirty="0">
+                <a:hlinkClick r:id="rId3"/>
+              </a:rPr>
+              <a:t>https://github.com/M-yuhki/breakout</a:t>
+            </a:r>
+            <a:endParaRPr lang="en-US" altLang="ja-JP" sz="1600" dirty="0"/>
+          </a:p>
+          <a:p>
+            <a:pPr marL="457200" indent="-457200">
+              <a:buFont typeface="+mj-lt"/>
+              <a:buAutoNum type="arabicPeriod"/>
+            </a:pPr>
+            <a:endParaRPr lang="en-US" altLang="ja-JP" sz="700" dirty="0"/>
+          </a:p>
+          <a:p>
+            <a:r>
+              <a:rPr lang="en-US" altLang="ja-JP" sz="1600" dirty="0">
+                <a:hlinkClick r:id="rId4"/>
+              </a:rPr>
+              <a:t>https://note.com/forte_python/n/na2575fd1a30f</a:t>
+            </a:r>
+            <a:endParaRPr lang="en-US" altLang="ja-JP" sz="1600" dirty="0"/>
+          </a:p>
+          <a:p>
+            <a:pPr marL="457200" indent="-457200">
+              <a:buFont typeface="+mj-lt"/>
+              <a:buAutoNum type="arabicPeriod"/>
+            </a:pPr>
+            <a:endParaRPr lang="en-US" altLang="ja-JP" sz="2000" dirty="0"/>
+          </a:p>
+          <a:p>
+            <a:pPr marL="0" indent="0">
+              <a:buNone/>
+            </a:pPr>
+            <a:r>
+              <a:rPr lang="en-US" altLang="ja-JP" sz="2000" dirty="0"/>
+              <a:t>[python – Arduino </a:t>
+            </a:r>
+            <a:r>
+              <a:rPr lang="ja-JP" altLang="en-US" sz="2000" dirty="0"/>
+              <a:t>間のシリアル通信</a:t>
+            </a:r>
+            <a:r>
+              <a:rPr lang="en-US" altLang="ja-JP" sz="2000" dirty="0"/>
+              <a:t>]</a:t>
+            </a:r>
+          </a:p>
+          <a:p>
+            <a:r>
+              <a:rPr lang="en-US" altLang="ja-JP" sz="1600" dirty="0">
+                <a:hlinkClick r:id="rId5"/>
+              </a:rPr>
+              <a:t>Serial Communication between Python and Arduino</a:t>
+            </a:r>
+            <a:endParaRPr lang="en-US" altLang="ja-JP" sz="1600" dirty="0"/>
+          </a:p>
+          <a:p>
+            <a:pPr marL="0" indent="0">
+              <a:buNone/>
+            </a:pPr>
+            <a:endParaRPr lang="en-US" altLang="ja-JP" dirty="0"/>
+          </a:p>
+          <a:p>
+            <a:pPr marL="0" indent="0">
+              <a:buNone/>
+            </a:pPr>
+            <a:endParaRPr lang="en-US" altLang="ja-JP" sz="1000" dirty="0"/>
+          </a:p>
+          <a:p>
+            <a:pPr marL="0" indent="0">
+              <a:buNone/>
+            </a:pPr>
+            <a:r>
+              <a:rPr lang="ja-JP" altLang="en-US" b="1" dirty="0">
+                <a:solidFill>
+                  <a:srgbClr val="FF0000"/>
+                </a:solidFill>
+              </a:rPr>
+              <a:t>　ソースコードからバーを動かす部分を見つけだし，</a:t>
+            </a:r>
+            <a:endParaRPr lang="en-US" altLang="ja-JP" b="1" dirty="0">
+              <a:solidFill>
+                <a:srgbClr val="FF0000"/>
+              </a:solidFill>
+            </a:endParaRPr>
+          </a:p>
+          <a:p>
+            <a:pPr marL="0" indent="0">
+              <a:buNone/>
+            </a:pPr>
+            <a:r>
+              <a:rPr lang="en-US" altLang="ja-JP" b="1" dirty="0">
+                <a:solidFill>
+                  <a:srgbClr val="FF0000"/>
+                </a:solidFill>
+              </a:rPr>
+              <a:t>	</a:t>
+            </a:r>
+            <a:r>
+              <a:rPr lang="ja-JP" altLang="en-US" b="1" dirty="0">
+                <a:solidFill>
+                  <a:srgbClr val="FF0000"/>
+                </a:solidFill>
+              </a:rPr>
+              <a:t>　</a:t>
+            </a:r>
+            <a:r>
+              <a:rPr lang="en-US" altLang="ja-JP" b="1" dirty="0">
+                <a:solidFill>
+                  <a:srgbClr val="FF0000"/>
+                </a:solidFill>
+              </a:rPr>
+              <a:t>Arduino </a:t>
+            </a:r>
+            <a:r>
+              <a:rPr lang="ja-JP" altLang="en-US" b="1" dirty="0">
+                <a:solidFill>
+                  <a:srgbClr val="FF0000"/>
+                </a:solidFill>
+              </a:rPr>
+              <a:t>からの信号によって動かすように変更すればよい</a:t>
+            </a:r>
+            <a:endParaRPr lang="en-US" altLang="ja-JP" b="1" dirty="0">
+              <a:solidFill>
+                <a:srgbClr val="FF0000"/>
+              </a:solidFill>
+            </a:endParaRPr>
+          </a:p>
+          <a:p>
+            <a:pPr marL="0" indent="0">
+              <a:buNone/>
+            </a:pPr>
+            <a:endParaRPr lang="en-US" altLang="ja-JP" dirty="0"/>
+          </a:p>
+          <a:p>
+            <a:pPr marL="0" indent="0">
+              <a:buNone/>
+            </a:pPr>
+            <a:endParaRPr lang="en-US" altLang="ja-JP" dirty="0"/>
+          </a:p>
+          <a:p>
+            <a:endParaRPr lang="en-US" altLang="ja-JP" dirty="0"/>
+          </a:p>
+        </p:txBody>
+      </p:sp>
+      <p:sp>
+        <p:nvSpPr>
+          <p:cNvPr id="4" name="スライド番号プレースホルダー 3">
+            <a:extLst>
+              <a:ext uri="{FF2B5EF4-FFF2-40B4-BE49-F238E27FC236}">
+                <a16:creationId xmlns:a16="http://schemas.microsoft.com/office/drawing/2014/main" id="{EA2BD82D-D8B2-0B30-1CDE-182FCBE9A5F7}"/>
+              </a:ext>
+            </a:extLst>
+          </p:cNvPr>
+          <p:cNvSpPr>
+            <a:spLocks noGrp="1"/>
+          </p:cNvSpPr>
+          <p:nvPr>
+            <p:ph type="sldNum" sz="quarter" idx="12"/>
+          </p:nvPr>
+        </p:nvSpPr>
+        <p:spPr/>
+        <p:txBody>
+          <a:bodyPr/>
+          <a:lstStyle/>
+          <a:p>
+            <a:fld id="{167E14B9-D607-4902-8FEC-B1687B44AC2F}" type="slidenum">
+              <a:rPr lang="ja-JP" altLang="en-US" smtClean="0"/>
+              <a:pPr/>
+              <a:t>23</a:t>
             </a:fld>
             <a:endParaRPr lang="ja-JP" altLang="en-US" dirty="0"/>
           </a:p>
@@ -11534,7 +11769,7 @@
 </p:sld>
 </file>
 
-<file path=ppt/slides/slide23.xml><?xml version="1.0" encoding="utf-8"?>
+<file path=ppt/slides/slide24.xml><?xml version="1.0" encoding="utf-8"?>
 <p:sld xmlns:a="http://schemas.openxmlformats.org/drawingml/2006/main" xmlns:r="http://schemas.openxmlformats.org/officeDocument/2006/relationships" xmlns:p="http://schemas.openxmlformats.org/presentationml/2006/main" show="0">
   <p:cSld>
     <p:spTree>
@@ -11709,7 +11944,7 @@
             <a:fld id="{167E14B9-D607-4902-8FEC-B1687B44AC2F}" type="slidenum">
               <a:rPr lang="ja-JP" altLang="en-US" smtClean="0"/>
               <a:pPr/>
-              <a:t>23</a:t>
+              <a:t>24</a:t>
             </a:fld>
             <a:endParaRPr lang="ja-JP" altLang="en-US" dirty="0"/>
           </a:p>

--- a/Arduino-Basics/Arduino講座1.pptx
+++ b/Arduino-Basics/Arduino講座1.pptx
@@ -5,10 +5,10 @@
     <p:sldMasterId id="2147483648" r:id="rId1"/>
   </p:sldMasterIdLst>
   <p:notesMasterIdLst>
-    <p:notesMasterId r:id="rId26"/>
+    <p:notesMasterId r:id="rId32"/>
   </p:notesMasterIdLst>
   <p:handoutMasterIdLst>
-    <p:handoutMasterId r:id="rId27"/>
+    <p:handoutMasterId r:id="rId33"/>
   </p:handoutMasterIdLst>
   <p:sldIdLst>
     <p:sldId id="256" r:id="rId2"/>
@@ -22,19 +22,25 @@
     <p:sldId id="272" r:id="rId10"/>
     <p:sldId id="276" r:id="rId11"/>
     <p:sldId id="277" r:id="rId12"/>
-    <p:sldId id="285" r:id="rId13"/>
-    <p:sldId id="260" r:id="rId14"/>
-    <p:sldId id="279" r:id="rId15"/>
-    <p:sldId id="280" r:id="rId16"/>
-    <p:sldId id="286" r:id="rId17"/>
-    <p:sldId id="281" r:id="rId18"/>
-    <p:sldId id="282" r:id="rId19"/>
-    <p:sldId id="283" r:id="rId20"/>
-    <p:sldId id="287" r:id="rId21"/>
-    <p:sldId id="269" r:id="rId22"/>
-    <p:sldId id="288" r:id="rId23"/>
-    <p:sldId id="275" r:id="rId24"/>
-    <p:sldId id="274" r:id="rId25"/>
+    <p:sldId id="293" r:id="rId13"/>
+    <p:sldId id="285" r:id="rId14"/>
+    <p:sldId id="260" r:id="rId15"/>
+    <p:sldId id="279" r:id="rId16"/>
+    <p:sldId id="280" r:id="rId17"/>
+    <p:sldId id="286" r:id="rId18"/>
+    <p:sldId id="281" r:id="rId19"/>
+    <p:sldId id="282" r:id="rId20"/>
+    <p:sldId id="283" r:id="rId21"/>
+    <p:sldId id="287" r:id="rId22"/>
+    <p:sldId id="269" r:id="rId23"/>
+    <p:sldId id="288" r:id="rId24"/>
+    <p:sldId id="291" r:id="rId25"/>
+    <p:sldId id="289" r:id="rId26"/>
+    <p:sldId id="294" r:id="rId27"/>
+    <p:sldId id="290" r:id="rId28"/>
+    <p:sldId id="295" r:id="rId29"/>
+    <p:sldId id="275" r:id="rId30"/>
+    <p:sldId id="274" r:id="rId31"/>
   </p:sldIdLst>
   <p:sldSz cx="12192000" cy="6858000"/>
   <p:notesSz cx="9926638" cy="6797675"/>
@@ -237,7 +243,7 @@
           <a:p>
             <a:fld id="{61D52CAA-1629-4F3B-BC32-28EF3794F7FF}" type="datetimeFigureOut">
               <a:rPr kumimoji="1" lang="ja-JP" altLang="en-US" smtClean="0"/>
-              <a:t>2024/4/26</a:t>
+              <a:t>2024/5/1</a:t>
             </a:fld>
             <a:endParaRPr kumimoji="1" lang="ja-JP" altLang="en-US"/>
           </a:p>
@@ -402,7 +408,7 @@
           <a:p>
             <a:fld id="{E8A95779-CF2D-49CB-8DDC-484EC6F920B8}" type="datetimeFigureOut">
               <a:rPr kumimoji="1" lang="ja-JP" altLang="en-US" smtClean="0"/>
-              <a:t>2024/4/26</a:t>
+              <a:t>2024/5/1</a:t>
             </a:fld>
             <a:endParaRPr kumimoji="1" lang="ja-JP" altLang="en-US"/>
           </a:p>
@@ -880,7 +886,7 @@
           <a:p>
             <a:fld id="{49E4A2EE-82B8-459E-BAD9-68F0572733D4}" type="datetime1">
               <a:rPr kumimoji="1" lang="ja-JP" altLang="en-US" smtClean="0"/>
-              <a:t>2024/4/26</a:t>
+              <a:t>2024/5/1</a:t>
             </a:fld>
             <a:endParaRPr kumimoji="1" lang="ja-JP" altLang="en-US"/>
           </a:p>
@@ -1057,7 +1063,7 @@
           <a:p>
             <a:fld id="{7C66CE52-B912-41FC-909F-A50C0A600600}" type="datetime1">
               <a:rPr kumimoji="1" lang="ja-JP" altLang="en-US" smtClean="0"/>
-              <a:t>2024/4/26</a:t>
+              <a:t>2024/5/1</a:t>
             </a:fld>
             <a:endParaRPr kumimoji="1" lang="ja-JP" altLang="en-US"/>
           </a:p>
@@ -1267,7 +1273,7 @@
           <a:p>
             <a:fld id="{B86E3337-ADA4-4DA0-B249-E4E732D2ED9A}" type="datetime1">
               <a:rPr kumimoji="1" lang="ja-JP" altLang="en-US" smtClean="0"/>
-              <a:t>2024/4/26</a:t>
+              <a:t>2024/5/1</a:t>
             </a:fld>
             <a:endParaRPr kumimoji="1" lang="ja-JP" altLang="en-US"/>
           </a:p>
@@ -1509,7 +1515,7 @@
           <a:p>
             <a:fld id="{DF84F4DC-3C72-410D-87E4-A0D0E3440389}" type="datetime1">
               <a:rPr kumimoji="1" lang="ja-JP" altLang="en-US" smtClean="0"/>
-              <a:t>2024/4/26</a:t>
+              <a:t>2024/5/1</a:t>
             </a:fld>
             <a:endParaRPr kumimoji="1" lang="ja-JP" altLang="en-US"/>
           </a:p>
@@ -1809,7 +1815,7 @@
           <a:p>
             <a:fld id="{220318DF-8AE2-439A-BBF2-FDF6B47D1697}" type="datetime1">
               <a:rPr kumimoji="1" lang="ja-JP" altLang="en-US" smtClean="0"/>
-              <a:t>2024/4/26</a:t>
+              <a:t>2024/5/1</a:t>
             </a:fld>
             <a:endParaRPr kumimoji="1" lang="ja-JP" altLang="en-US"/>
           </a:p>
@@ -2158,7 +2164,7 @@
           <a:p>
             <a:fld id="{E30D6303-F4D8-45D5-B534-5D37418C3C2F}" type="datetime1">
               <a:rPr kumimoji="1" lang="ja-JP" altLang="en-US" smtClean="0"/>
-              <a:t>2024/4/26</a:t>
+              <a:t>2024/5/1</a:t>
             </a:fld>
             <a:endParaRPr kumimoji="1" lang="ja-JP" altLang="en-US"/>
           </a:p>
@@ -2641,7 +2647,7 @@
           <a:p>
             <a:fld id="{6A67610D-136C-4651-9391-42C47935B03F}" type="datetime1">
               <a:rPr kumimoji="1" lang="ja-JP" altLang="en-US" smtClean="0"/>
-              <a:t>2024/4/26</a:t>
+              <a:t>2024/5/1</a:t>
             </a:fld>
             <a:endParaRPr kumimoji="1" lang="ja-JP" altLang="en-US"/>
           </a:p>
@@ -2758,7 +2764,7 @@
           <a:p>
             <a:fld id="{2921171F-A464-4519-B2F3-0A794BA79D94}" type="datetime1">
               <a:rPr kumimoji="1" lang="ja-JP" altLang="en-US" smtClean="0"/>
-              <a:t>2024/4/26</a:t>
+              <a:t>2024/5/1</a:t>
             </a:fld>
             <a:endParaRPr kumimoji="1" lang="ja-JP" altLang="en-US"/>
           </a:p>
@@ -2853,7 +2859,7 @@
           <a:p>
             <a:fld id="{E80CA86D-75D3-4C2B-90B2-F9D3AAFCB9A3}" type="datetime1">
               <a:rPr kumimoji="1" lang="ja-JP" altLang="en-US" smtClean="0"/>
-              <a:t>2024/4/26</a:t>
+              <a:t>2024/5/1</a:t>
             </a:fld>
             <a:endParaRPr kumimoji="1" lang="ja-JP" altLang="en-US"/>
           </a:p>
@@ -3160,7 +3166,7 @@
           <a:p>
             <a:fld id="{DAF57502-37DE-427E-96ED-9F5F542057C3}" type="datetime1">
               <a:rPr kumimoji="1" lang="ja-JP" altLang="en-US" smtClean="0"/>
-              <a:t>2024/4/26</a:t>
+              <a:t>2024/5/1</a:t>
             </a:fld>
             <a:endParaRPr kumimoji="1" lang="ja-JP" altLang="en-US"/>
           </a:p>
@@ -3415,7 +3421,7 @@
           <a:p>
             <a:fld id="{0BCFF1FF-8B83-45E3-A4A8-27105D12E67F}" type="datetime1">
               <a:rPr kumimoji="1" lang="ja-JP" altLang="en-US" smtClean="0"/>
-              <a:t>2024/4/26</a:t>
+              <a:t>2024/5/1</a:t>
             </a:fld>
             <a:endParaRPr kumimoji="1" lang="ja-JP" altLang="en-US"/>
           </a:p>
@@ -3658,7 +3664,7 @@
           <a:p>
             <a:fld id="{159CD5AA-60CC-4185-95B1-148B4B00604C}" type="datetime1">
               <a:rPr kumimoji="1" lang="ja-JP" altLang="en-US" smtClean="0"/>
-              <a:t>2024/4/26</a:t>
+              <a:t>2024/5/1</a:t>
             </a:fld>
             <a:endParaRPr kumimoji="1" lang="ja-JP" altLang="en-US"/>
           </a:p>
@@ -5576,7 +5582,7 @@
           <p:cNvPr id="2" name="タイトル 1">
             <a:extLst>
               <a:ext uri="{FF2B5EF4-FFF2-40B4-BE49-F238E27FC236}">
-                <a16:creationId xmlns:a16="http://schemas.microsoft.com/office/drawing/2014/main" id="{861E04A1-68B5-35D5-40AE-BD0057FC9410}"/>
+                <a16:creationId xmlns:a16="http://schemas.microsoft.com/office/drawing/2014/main" id="{CBAAB9A6-8285-F4BC-0991-BE6196CEB30B}"/>
               </a:ext>
             </a:extLst>
           </p:cNvPr>
@@ -5593,8 +5599,19 @@
           <a:lstStyle/>
           <a:p>
             <a:r>
+              <a:rPr lang="en-US" altLang="ja-JP" dirty="0">
+                <a:latin typeface="Times New Roman" panose="02020603050405020304" pitchFamily="18" charset="0"/>
+                <a:cs typeface="Times New Roman" panose="02020603050405020304" pitchFamily="18" charset="0"/>
+              </a:rPr>
+              <a:t>0. </a:t>
+            </a:r>
+            <a:r>
+              <a:rPr lang="ja-JP" altLang="en-US" dirty="0"/>
+              <a:t>準備</a:t>
+            </a:r>
+            <a:r>
               <a:rPr kumimoji="1" lang="ja-JP" altLang="en-US" dirty="0"/>
-              <a:t>本講座の目的</a:t>
+              <a:t>：便利なショートカット</a:t>
             </a:r>
           </a:p>
         </p:txBody>
@@ -5604,7 +5621,7 @@
           <p:cNvPr id="3" name="コンテンツ プレースホルダー 2">
             <a:extLst>
               <a:ext uri="{FF2B5EF4-FFF2-40B4-BE49-F238E27FC236}">
-                <a16:creationId xmlns:a16="http://schemas.microsoft.com/office/drawing/2014/main" id="{D5BF9D89-3871-9BAE-6DF1-74F6957A3CE1}"/>
+                <a16:creationId xmlns:a16="http://schemas.microsoft.com/office/drawing/2014/main" id="{46165B2D-9C14-3F0C-8ABD-837A5E6F5D0C}"/>
               </a:ext>
             </a:extLst>
           </p:cNvPr>
@@ -5627,192 +5644,50 @@
               <a:rPr kumimoji="1" lang="ja-JP" altLang="en-US" dirty="0"/>
               <a:t>　</a:t>
             </a:r>
-            <a:endParaRPr kumimoji="1" lang="en-US" altLang="ja-JP" dirty="0"/>
-          </a:p>
-          <a:p>
-            <a:pPr marL="0" indent="0">
-              <a:buNone/>
-            </a:pPr>
-            <a:r>
-              <a:rPr lang="ja-JP" altLang="en-US" dirty="0"/>
-              <a:t>　</a:t>
-            </a:r>
-            <a:r>
-              <a:rPr kumimoji="1" lang="en-US" altLang="ja-JP" sz="2800" b="1" dirty="0"/>
-              <a:t>Arduino</a:t>
-            </a:r>
-            <a:r>
-              <a:rPr kumimoji="1" lang="ja-JP" altLang="en-US" sz="2800" b="1" dirty="0"/>
-              <a:t>の基本機能を理解して簡単な電子工作を行おう</a:t>
-            </a:r>
-            <a:endParaRPr lang="en-US" altLang="ja-JP" b="1" dirty="0"/>
-          </a:p>
-          <a:p>
-            <a:pPr marL="0" indent="0">
-              <a:buNone/>
-            </a:pPr>
-            <a:endParaRPr lang="en-US" altLang="ja-JP" dirty="0"/>
-          </a:p>
-          <a:p>
-            <a:pPr marL="0" indent="0">
-              <a:buNone/>
-            </a:pPr>
-            <a:endParaRPr lang="en-US" altLang="ja-JP" sz="1000" dirty="0"/>
-          </a:p>
-          <a:p>
-            <a:pPr marL="0" indent="0">
-              <a:buNone/>
-            </a:pPr>
-            <a:r>
-              <a:rPr lang="ja-JP" altLang="en-US" dirty="0"/>
-              <a:t>　</a:t>
-            </a:r>
-            <a:r>
-              <a:rPr lang="en-US" altLang="ja-JP" dirty="0"/>
-              <a:t>[</a:t>
-            </a:r>
-            <a:r>
-              <a:rPr lang="ja-JP" altLang="en-US" dirty="0"/>
-              <a:t>目次</a:t>
-            </a:r>
-            <a:r>
-              <a:rPr lang="en-US" altLang="ja-JP" dirty="0"/>
-              <a:t>]</a:t>
-            </a:r>
-          </a:p>
-          <a:p>
-            <a:pPr marL="0" indent="0">
-              <a:buNone/>
-            </a:pPr>
-            <a:endParaRPr lang="en-US" altLang="ja-JP" sz="1000" dirty="0"/>
-          </a:p>
-          <a:p>
-            <a:pPr marL="0" indent="0">
-              <a:buNone/>
-            </a:pPr>
-            <a:r>
-              <a:rPr lang="ja-JP" altLang="en-US" sz="2000" dirty="0"/>
-              <a:t>　</a:t>
-            </a:r>
-            <a:r>
-              <a:rPr lang="en-US" altLang="ja-JP" sz="2000" dirty="0"/>
-              <a:t>0.  </a:t>
-            </a:r>
-            <a:r>
-              <a:rPr lang="ja-JP" altLang="en-US" sz="2000" dirty="0"/>
-              <a:t>準備</a:t>
-            </a:r>
-            <a:endParaRPr lang="en-US" altLang="ja-JP" sz="2000" dirty="0"/>
-          </a:p>
-          <a:p>
-            <a:pPr marL="0" indent="0">
-              <a:buNone/>
-            </a:pPr>
-            <a:endParaRPr lang="en-US" altLang="ja-JP" sz="900" dirty="0"/>
-          </a:p>
-          <a:p>
-            <a:pPr marL="0" indent="0">
-              <a:buNone/>
-            </a:pPr>
-            <a:r>
-              <a:rPr lang="ja-JP" altLang="en-US" sz="2000" dirty="0"/>
-              <a:t>　</a:t>
-            </a:r>
-            <a:r>
-              <a:rPr lang="en-US" altLang="ja-JP" sz="2000" dirty="0"/>
-              <a:t>1.  </a:t>
-            </a:r>
-            <a:r>
-              <a:rPr lang="ja-JP" altLang="en-US" sz="2000" b="1" dirty="0">
+            <a:r>
+              <a:rPr kumimoji="1" lang="ja-JP" altLang="en-US" b="1" dirty="0">
                 <a:solidFill>
                   <a:srgbClr val="FF0000"/>
                 </a:solidFill>
               </a:rPr>
-              <a:t>スイッチによる</a:t>
-            </a:r>
-            <a:r>
-              <a:rPr lang="en-US" altLang="ja-JP" sz="2000" b="1" dirty="0">
+              <a:t>覚えることでプログラミング効率が高まる</a:t>
+            </a:r>
+            <a:endParaRPr kumimoji="1" lang="en-US" altLang="ja-JP" b="1" dirty="0">
+              <a:solidFill>
+                <a:srgbClr val="FF0000"/>
+              </a:solidFill>
+            </a:endParaRPr>
+          </a:p>
+          <a:p>
+            <a:pPr marL="0" indent="0">
+              <a:buNone/>
+            </a:pPr>
+            <a:endParaRPr lang="en-US" altLang="ja-JP" b="1" dirty="0">
+              <a:solidFill>
+                <a:srgbClr val="FF0000"/>
+              </a:solidFill>
+            </a:endParaRPr>
+          </a:p>
+          <a:p>
+            <a:pPr marL="0" indent="0">
+              <a:buNone/>
+            </a:pPr>
+            <a:r>
+              <a:rPr kumimoji="1" lang="en-US" altLang="ja-JP" b="1" dirty="0">
                 <a:solidFill>
                   <a:srgbClr val="FF0000"/>
                 </a:solidFill>
               </a:rPr>
-              <a:t>L</a:t>
-            </a:r>
-            <a:r>
-              <a:rPr lang="ja-JP" altLang="en-US" sz="2000" b="1" dirty="0">
+              <a:t>	</a:t>
+            </a:r>
+            <a:r>
+              <a:rPr kumimoji="1" lang="ja-JP" altLang="en-US" b="1" dirty="0">
                 <a:solidFill>
                   <a:srgbClr val="FF0000"/>
                 </a:solidFill>
               </a:rPr>
-              <a:t>チカ</a:t>
-            </a:r>
-            <a:endParaRPr lang="en-US" altLang="ja-JP" sz="2000" b="1" dirty="0">
-              <a:solidFill>
-                <a:srgbClr val="FF0000"/>
-              </a:solidFill>
-            </a:endParaRPr>
-          </a:p>
-          <a:p>
-            <a:pPr marL="0" indent="0">
-              <a:buNone/>
-            </a:pPr>
-            <a:endParaRPr lang="en-US" altLang="ja-JP" sz="900" dirty="0"/>
-          </a:p>
-          <a:p>
-            <a:pPr marL="0" indent="0">
-              <a:buNone/>
-            </a:pPr>
-            <a:r>
-              <a:rPr lang="ja-JP" altLang="en-US" sz="2000" dirty="0"/>
               <a:t>　</a:t>
             </a:r>
-            <a:r>
-              <a:rPr lang="en-US" altLang="ja-JP" sz="2000" dirty="0"/>
-              <a:t>2.  </a:t>
-            </a:r>
-            <a:r>
-              <a:rPr lang="ja-JP" altLang="en-US" sz="2000" b="1" dirty="0"/>
-              <a:t>可変抵抗による</a:t>
-            </a:r>
-            <a:r>
-              <a:rPr lang="en-US" altLang="ja-JP" sz="2000" b="1" dirty="0"/>
-              <a:t>LED</a:t>
-            </a:r>
-            <a:r>
-              <a:rPr lang="ja-JP" altLang="en-US" sz="2000" b="1" dirty="0"/>
-              <a:t>の明るさ調節</a:t>
-            </a:r>
-            <a:endParaRPr lang="en-US" altLang="ja-JP" sz="2000" b="1" dirty="0"/>
-          </a:p>
-          <a:p>
-            <a:pPr marL="0" indent="0">
-              <a:buNone/>
-            </a:pPr>
-            <a:endParaRPr lang="en-US" altLang="ja-JP" sz="900" dirty="0"/>
-          </a:p>
-          <a:p>
-            <a:pPr marL="0" indent="0">
-              <a:buNone/>
-            </a:pPr>
-            <a:r>
-              <a:rPr lang="ja-JP" altLang="en-US" sz="2000" dirty="0"/>
-              <a:t>　</a:t>
-            </a:r>
-            <a:r>
-              <a:rPr lang="en-US" altLang="ja-JP" sz="2000" dirty="0"/>
-              <a:t>3.  </a:t>
-            </a:r>
-            <a:r>
-              <a:rPr lang="ja-JP" altLang="en-US" sz="2000" b="1" dirty="0"/>
-              <a:t>ブロック崩しゲームのコントローラ作成</a:t>
-            </a:r>
-            <a:endParaRPr lang="en-US" altLang="ja-JP" dirty="0"/>
-          </a:p>
-          <a:p>
-            <a:endParaRPr lang="en-US" altLang="ja-JP" dirty="0"/>
-          </a:p>
-          <a:p>
-            <a:endParaRPr kumimoji="1" lang="ja-JP" altLang="en-US" dirty="0"/>
           </a:p>
         </p:txBody>
       </p:sp>
@@ -5821,7 +5696,7 @@
           <p:cNvPr id="4" name="スライド番号プレースホルダー 3">
             <a:extLst>
               <a:ext uri="{FF2B5EF4-FFF2-40B4-BE49-F238E27FC236}">
-                <a16:creationId xmlns:a16="http://schemas.microsoft.com/office/drawing/2014/main" id="{8DC9770B-BB1D-1FC5-5754-022680CD8194}"/>
+                <a16:creationId xmlns:a16="http://schemas.microsoft.com/office/drawing/2014/main" id="{B60C39EA-5CDF-D79D-E9E8-6C7E83CDD493}"/>
               </a:ext>
             </a:extLst>
           </p:cNvPr>
@@ -5841,6 +5716,968 @@
               <a:rPr lang="ja-JP" altLang="en-US" smtClean="0"/>
               <a:pPr/>
               <a:t>12</a:t>
+            </a:fld>
+            <a:endParaRPr lang="ja-JP" altLang="en-US" dirty="0"/>
+          </a:p>
+        </p:txBody>
+      </p:sp>
+      <p:sp>
+        <p:nvSpPr>
+          <p:cNvPr id="6" name="テキスト ボックス 5">
+            <a:extLst>
+              <a:ext uri="{FF2B5EF4-FFF2-40B4-BE49-F238E27FC236}">
+                <a16:creationId xmlns:a16="http://schemas.microsoft.com/office/drawing/2014/main" id="{9F121060-0A3D-0E45-BEB5-F33CEEB98B18}"/>
+              </a:ext>
+            </a:extLst>
+          </p:cNvPr>
+          <p:cNvSpPr txBox="1"/>
+          <p:nvPr/>
+        </p:nvSpPr>
+        <p:spPr>
+          <a:xfrm>
+            <a:off x="1919535" y="2348880"/>
+            <a:ext cx="8640961" cy="3785652"/>
+          </a:xfrm>
+          <a:prstGeom prst="rect">
+            <a:avLst/>
+          </a:prstGeom>
+          <a:noFill/>
+        </p:spPr>
+        <p:txBody>
+          <a:bodyPr wrap="square" rtlCol="0">
+            <a:spAutoFit/>
+          </a:bodyPr>
+          <a:lstStyle/>
+          <a:p>
+            <a:r>
+              <a:rPr kumimoji="1" lang="ja-JP" altLang="en-US" sz="2400" b="1" dirty="0"/>
+              <a:t>　</a:t>
+            </a:r>
+            <a:r>
+              <a:rPr kumimoji="1" lang="ja-JP" altLang="en-US" sz="2400" b="1" dirty="0">
+                <a:solidFill>
+                  <a:schemeClr val="tx1">
+                    <a:lumMod val="85000"/>
+                    <a:lumOff val="15000"/>
+                  </a:schemeClr>
+                </a:solidFill>
+              </a:rPr>
+              <a:t>コピー　　　　</a:t>
+            </a:r>
+            <a:r>
+              <a:rPr kumimoji="1" lang="en-US" altLang="ja-JP" sz="2400" b="1" dirty="0">
+                <a:solidFill>
+                  <a:schemeClr val="tx1">
+                    <a:lumMod val="85000"/>
+                    <a:lumOff val="15000"/>
+                  </a:schemeClr>
+                </a:solidFill>
+              </a:rPr>
+              <a:t>		</a:t>
+            </a:r>
+            <a:r>
+              <a:rPr kumimoji="1" lang="ja-JP" altLang="en-US" sz="2400" b="1" dirty="0">
+                <a:solidFill>
+                  <a:schemeClr val="tx1">
+                    <a:lumMod val="85000"/>
+                    <a:lumOff val="15000"/>
+                  </a:schemeClr>
+                </a:solidFill>
+              </a:rPr>
+              <a:t>　</a:t>
+            </a:r>
+            <a:r>
+              <a:rPr kumimoji="1" lang="en-US" altLang="ja-JP" sz="2400" b="1" dirty="0">
+                <a:solidFill>
+                  <a:schemeClr val="tx1">
+                    <a:lumMod val="85000"/>
+                    <a:lumOff val="15000"/>
+                  </a:schemeClr>
+                </a:solidFill>
+              </a:rPr>
+              <a:t>Ctrl + c</a:t>
+            </a:r>
+          </a:p>
+          <a:p>
+            <a:r>
+              <a:rPr lang="ja-JP" altLang="en-US" sz="2400" b="1" dirty="0">
+                <a:solidFill>
+                  <a:schemeClr val="tx1">
+                    <a:lumMod val="85000"/>
+                    <a:lumOff val="15000"/>
+                  </a:schemeClr>
+                </a:solidFill>
+              </a:rPr>
+              <a:t>　ペースト　　　　</a:t>
+            </a:r>
+            <a:r>
+              <a:rPr lang="en-US" altLang="ja-JP" sz="2400" b="1" dirty="0">
+                <a:solidFill>
+                  <a:schemeClr val="tx1">
+                    <a:lumMod val="85000"/>
+                    <a:lumOff val="15000"/>
+                  </a:schemeClr>
+                </a:solidFill>
+              </a:rPr>
+              <a:t>	</a:t>
+            </a:r>
+            <a:r>
+              <a:rPr lang="ja-JP" altLang="en-US" sz="2400" b="1" dirty="0">
+                <a:solidFill>
+                  <a:schemeClr val="tx1">
+                    <a:lumMod val="85000"/>
+                    <a:lumOff val="15000"/>
+                  </a:schemeClr>
+                </a:solidFill>
+              </a:rPr>
+              <a:t>　</a:t>
+            </a:r>
+            <a:r>
+              <a:rPr lang="en-US" altLang="ja-JP" sz="2400" b="1" dirty="0">
+                <a:solidFill>
+                  <a:schemeClr val="tx1">
+                    <a:lumMod val="85000"/>
+                    <a:lumOff val="15000"/>
+                  </a:schemeClr>
+                </a:solidFill>
+              </a:rPr>
+              <a:t>Ctrl + v</a:t>
+            </a:r>
+          </a:p>
+          <a:p>
+            <a:r>
+              <a:rPr kumimoji="1" lang="ja-JP" altLang="en-US" sz="2400" b="1" dirty="0">
+                <a:solidFill>
+                  <a:schemeClr val="tx1">
+                    <a:lumMod val="85000"/>
+                    <a:lumOff val="15000"/>
+                  </a:schemeClr>
+                </a:solidFill>
+              </a:rPr>
+              <a:t>　全選択　　　　　</a:t>
+            </a:r>
+            <a:r>
+              <a:rPr kumimoji="1" lang="en-US" altLang="ja-JP" sz="2400" b="1" dirty="0">
+                <a:solidFill>
+                  <a:schemeClr val="tx1">
+                    <a:lumMod val="85000"/>
+                    <a:lumOff val="15000"/>
+                  </a:schemeClr>
+                </a:solidFill>
+              </a:rPr>
+              <a:t>	</a:t>
+            </a:r>
+            <a:r>
+              <a:rPr kumimoji="1" lang="ja-JP" altLang="en-US" sz="2400" b="1" dirty="0">
+                <a:solidFill>
+                  <a:schemeClr val="tx1">
+                    <a:lumMod val="85000"/>
+                    <a:lumOff val="15000"/>
+                  </a:schemeClr>
+                </a:solidFill>
+              </a:rPr>
+              <a:t>　</a:t>
+            </a:r>
+            <a:r>
+              <a:rPr kumimoji="1" lang="en-US" altLang="ja-JP" sz="2400" b="1" dirty="0">
+                <a:solidFill>
+                  <a:schemeClr val="tx1">
+                    <a:lumMod val="85000"/>
+                    <a:lumOff val="15000"/>
+                  </a:schemeClr>
+                </a:solidFill>
+              </a:rPr>
+              <a:t>Ctrl + a</a:t>
+            </a:r>
+          </a:p>
+          <a:p>
+            <a:r>
+              <a:rPr lang="ja-JP" altLang="en-US" sz="2400" b="1" dirty="0">
+                <a:solidFill>
+                  <a:schemeClr val="tx1">
+                    <a:lumMod val="85000"/>
+                    <a:lumOff val="15000"/>
+                  </a:schemeClr>
+                </a:solidFill>
+              </a:rPr>
+              <a:t>一個前に戻る　　</a:t>
+            </a:r>
+            <a:r>
+              <a:rPr lang="en-US" altLang="ja-JP" sz="2400" b="1" dirty="0">
+                <a:solidFill>
+                  <a:schemeClr val="tx1">
+                    <a:lumMod val="85000"/>
+                    <a:lumOff val="15000"/>
+                  </a:schemeClr>
+                </a:solidFill>
+              </a:rPr>
+              <a:t>		</a:t>
+            </a:r>
+            <a:r>
+              <a:rPr lang="ja-JP" altLang="en-US" sz="2400" b="1" dirty="0">
+                <a:solidFill>
+                  <a:schemeClr val="tx1">
+                    <a:lumMod val="85000"/>
+                    <a:lumOff val="15000"/>
+                  </a:schemeClr>
+                </a:solidFill>
+              </a:rPr>
+              <a:t>　</a:t>
+            </a:r>
+            <a:r>
+              <a:rPr lang="en-US" altLang="ja-JP" sz="2400" b="1" dirty="0">
+                <a:solidFill>
+                  <a:schemeClr val="tx1">
+                    <a:lumMod val="85000"/>
+                    <a:lumOff val="15000"/>
+                  </a:schemeClr>
+                </a:solidFill>
+              </a:rPr>
+              <a:t>Ctrl + z</a:t>
+            </a:r>
+          </a:p>
+          <a:p>
+            <a:r>
+              <a:rPr lang="ja-JP" altLang="en-US" sz="2400" b="1" dirty="0">
+                <a:solidFill>
+                  <a:schemeClr val="tx1">
+                    <a:lumMod val="85000"/>
+                    <a:lumOff val="15000"/>
+                  </a:schemeClr>
+                </a:solidFill>
+              </a:rPr>
+              <a:t>単語単位の移動　</a:t>
+            </a:r>
+            <a:r>
+              <a:rPr lang="en-US" altLang="ja-JP" sz="2400" b="1" dirty="0">
+                <a:solidFill>
+                  <a:schemeClr val="tx1">
+                    <a:lumMod val="85000"/>
+                    <a:lumOff val="15000"/>
+                  </a:schemeClr>
+                </a:solidFill>
+              </a:rPr>
+              <a:t>		</a:t>
+            </a:r>
+            <a:r>
+              <a:rPr lang="ja-JP" altLang="en-US" sz="2400" b="1" dirty="0">
+                <a:solidFill>
+                  <a:schemeClr val="tx1">
+                    <a:lumMod val="85000"/>
+                    <a:lumOff val="15000"/>
+                  </a:schemeClr>
+                </a:solidFill>
+              </a:rPr>
+              <a:t>　</a:t>
+            </a:r>
+            <a:r>
+              <a:rPr lang="en-US" altLang="ja-JP" sz="2400" b="1" dirty="0">
+                <a:solidFill>
+                  <a:schemeClr val="tx1">
+                    <a:lumMod val="85000"/>
+                    <a:lumOff val="15000"/>
+                  </a:schemeClr>
+                </a:solidFill>
+              </a:rPr>
+              <a:t>Ctrl + →, Ctrl + ←</a:t>
+            </a:r>
+          </a:p>
+          <a:p>
+            <a:r>
+              <a:rPr lang="ja-JP" altLang="en-US" sz="2400" b="1" i="0" dirty="0">
+                <a:solidFill>
+                  <a:schemeClr val="tx1">
+                    <a:lumMod val="85000"/>
+                    <a:lumOff val="15000"/>
+                  </a:schemeClr>
+                </a:solidFill>
+                <a:effectLst/>
+                <a:highlight>
+                  <a:srgbClr val="FFFFFF"/>
+                </a:highlight>
+                <a:latin typeface="Helvetica Neue"/>
+              </a:rPr>
+              <a:t>単語単位の選択</a:t>
+            </a:r>
+            <a:r>
+              <a:rPr lang="en-US" altLang="ja-JP" sz="2400" b="1" i="0" dirty="0">
+                <a:solidFill>
+                  <a:schemeClr val="tx1">
+                    <a:lumMod val="85000"/>
+                    <a:lumOff val="15000"/>
+                  </a:schemeClr>
+                </a:solidFill>
+                <a:effectLst/>
+                <a:highlight>
+                  <a:srgbClr val="FFFFFF"/>
+                </a:highlight>
+                <a:latin typeface="Helvetica Neue"/>
+              </a:rPr>
+              <a:t>		</a:t>
+            </a:r>
+            <a:r>
+              <a:rPr lang="ja-JP" altLang="en-US" sz="2400" b="1" i="0" dirty="0">
+                <a:solidFill>
+                  <a:schemeClr val="tx1">
+                    <a:lumMod val="85000"/>
+                    <a:lumOff val="15000"/>
+                  </a:schemeClr>
+                </a:solidFill>
+                <a:effectLst/>
+                <a:highlight>
+                  <a:srgbClr val="FFFFFF"/>
+                </a:highlight>
+                <a:latin typeface="Helvetica Neue"/>
+              </a:rPr>
+              <a:t>　</a:t>
+            </a:r>
+            <a:r>
+              <a:rPr lang="en-US" altLang="ja-JP" sz="2400" b="1" i="0" dirty="0">
+                <a:solidFill>
+                  <a:schemeClr val="tx1">
+                    <a:lumMod val="85000"/>
+                    <a:lumOff val="15000"/>
+                  </a:schemeClr>
+                </a:solidFill>
+                <a:effectLst/>
+                <a:highlight>
+                  <a:srgbClr val="FFFFFF"/>
+                </a:highlight>
+                <a:latin typeface="Calibri" panose="020F0502020204030204" pitchFamily="34" charset="0"/>
+                <a:ea typeface="Calibri" panose="020F0502020204030204" pitchFamily="34" charset="0"/>
+                <a:cs typeface="Calibri" panose="020F0502020204030204" pitchFamily="34" charset="0"/>
+              </a:rPr>
+              <a:t>Ctrl + </a:t>
+            </a:r>
+            <a:r>
+              <a:rPr lang="en-US" altLang="ja-JP" sz="2400" b="1" i="0" dirty="0" err="1">
+                <a:solidFill>
+                  <a:schemeClr val="tx1">
+                    <a:lumMod val="85000"/>
+                    <a:lumOff val="15000"/>
+                  </a:schemeClr>
+                </a:solidFill>
+                <a:effectLst/>
+                <a:highlight>
+                  <a:srgbClr val="FFFFFF"/>
+                </a:highlight>
+                <a:latin typeface="Calibri" panose="020F0502020204030204" pitchFamily="34" charset="0"/>
+                <a:ea typeface="Calibri" panose="020F0502020204030204" pitchFamily="34" charset="0"/>
+                <a:cs typeface="Calibri" panose="020F0502020204030204" pitchFamily="34" charset="0"/>
+              </a:rPr>
+              <a:t>Shft</a:t>
+            </a:r>
+            <a:r>
+              <a:rPr lang="en-US" altLang="ja-JP" sz="2400" b="1" i="0" dirty="0">
+                <a:solidFill>
+                  <a:schemeClr val="tx1">
+                    <a:lumMod val="85000"/>
+                    <a:lumOff val="15000"/>
+                  </a:schemeClr>
+                </a:solidFill>
+                <a:effectLst/>
+                <a:highlight>
+                  <a:srgbClr val="FFFFFF"/>
+                </a:highlight>
+                <a:latin typeface="Calibri" panose="020F0502020204030204" pitchFamily="34" charset="0"/>
+                <a:ea typeface="Calibri" panose="020F0502020204030204" pitchFamily="34" charset="0"/>
+                <a:cs typeface="Calibri" panose="020F0502020204030204" pitchFamily="34" charset="0"/>
+              </a:rPr>
+              <a:t> + →, Ctrl + </a:t>
+            </a:r>
+            <a:r>
+              <a:rPr lang="en-US" altLang="ja-JP" sz="2400" b="1" i="0" dirty="0" err="1">
+                <a:solidFill>
+                  <a:schemeClr val="tx1">
+                    <a:lumMod val="85000"/>
+                    <a:lumOff val="15000"/>
+                  </a:schemeClr>
+                </a:solidFill>
+                <a:effectLst/>
+                <a:highlight>
+                  <a:srgbClr val="FFFFFF"/>
+                </a:highlight>
+                <a:latin typeface="Calibri" panose="020F0502020204030204" pitchFamily="34" charset="0"/>
+                <a:ea typeface="Calibri" panose="020F0502020204030204" pitchFamily="34" charset="0"/>
+                <a:cs typeface="Calibri" panose="020F0502020204030204" pitchFamily="34" charset="0"/>
+              </a:rPr>
+              <a:t>Shft</a:t>
+            </a:r>
+            <a:r>
+              <a:rPr lang="en-US" altLang="ja-JP" sz="2400" b="1" i="0" dirty="0">
+                <a:solidFill>
+                  <a:schemeClr val="tx1">
+                    <a:lumMod val="85000"/>
+                    <a:lumOff val="15000"/>
+                  </a:schemeClr>
+                </a:solidFill>
+                <a:effectLst/>
+                <a:highlight>
+                  <a:srgbClr val="FFFFFF"/>
+                </a:highlight>
+                <a:latin typeface="Calibri" panose="020F0502020204030204" pitchFamily="34" charset="0"/>
+                <a:ea typeface="Calibri" panose="020F0502020204030204" pitchFamily="34" charset="0"/>
+                <a:cs typeface="Calibri" panose="020F0502020204030204" pitchFamily="34" charset="0"/>
+              </a:rPr>
+              <a:t> + ←</a:t>
+            </a:r>
+          </a:p>
+          <a:p>
+            <a:r>
+              <a:rPr lang="ja-JP" altLang="en-US" sz="2400" b="1" i="0" dirty="0">
+                <a:solidFill>
+                  <a:schemeClr val="tx1">
+                    <a:lumMod val="85000"/>
+                    <a:lumOff val="15000"/>
+                  </a:schemeClr>
+                </a:solidFill>
+                <a:effectLst/>
+                <a:highlight>
+                  <a:srgbClr val="FFFFFF"/>
+                </a:highlight>
+                <a:latin typeface="Helvetica Neue"/>
+              </a:rPr>
+              <a:t>単語単位の削除</a:t>
+            </a:r>
+            <a:r>
+              <a:rPr lang="en-US" altLang="ja-JP" sz="2400" b="1" i="0" dirty="0">
+                <a:solidFill>
+                  <a:schemeClr val="tx1">
+                    <a:lumMod val="85000"/>
+                    <a:lumOff val="15000"/>
+                  </a:schemeClr>
+                </a:solidFill>
+                <a:effectLst/>
+                <a:highlight>
+                  <a:srgbClr val="FFFFFF"/>
+                </a:highlight>
+                <a:latin typeface="Helvetica Neue"/>
+              </a:rPr>
+              <a:t>		</a:t>
+            </a:r>
+            <a:r>
+              <a:rPr lang="ja-JP" altLang="en-US" sz="2400" b="1" i="0" dirty="0">
+                <a:solidFill>
+                  <a:schemeClr val="tx1">
+                    <a:lumMod val="85000"/>
+                    <a:lumOff val="15000"/>
+                  </a:schemeClr>
+                </a:solidFill>
+                <a:effectLst/>
+                <a:highlight>
+                  <a:srgbClr val="FFFFFF"/>
+                </a:highlight>
+                <a:latin typeface="Helvetica Neue"/>
+              </a:rPr>
+              <a:t>　</a:t>
+            </a:r>
+            <a:r>
+              <a:rPr lang="en-US" altLang="ja-JP" sz="2400" b="1" i="0" dirty="0">
+                <a:solidFill>
+                  <a:schemeClr val="tx1">
+                    <a:lumMod val="85000"/>
+                    <a:lumOff val="15000"/>
+                  </a:schemeClr>
+                </a:solidFill>
+                <a:effectLst/>
+                <a:highlight>
+                  <a:srgbClr val="FFFFFF"/>
+                </a:highlight>
+                <a:latin typeface="Calibri" panose="020F0502020204030204" pitchFamily="34" charset="0"/>
+                <a:ea typeface="Calibri" panose="020F0502020204030204" pitchFamily="34" charset="0"/>
+                <a:cs typeface="Calibri" panose="020F0502020204030204" pitchFamily="34" charset="0"/>
+              </a:rPr>
+              <a:t>Ctrl + </a:t>
+            </a:r>
+            <a:r>
+              <a:rPr lang="en-US" altLang="ja-JP" sz="2400" b="1" i="0" dirty="0" err="1">
+                <a:solidFill>
+                  <a:schemeClr val="tx1">
+                    <a:lumMod val="85000"/>
+                    <a:lumOff val="15000"/>
+                  </a:schemeClr>
+                </a:solidFill>
+                <a:effectLst/>
+                <a:highlight>
+                  <a:srgbClr val="FFFFFF"/>
+                </a:highlight>
+                <a:latin typeface="Calibri" panose="020F0502020204030204" pitchFamily="34" charset="0"/>
+                <a:ea typeface="Calibri" panose="020F0502020204030204" pitchFamily="34" charset="0"/>
+                <a:cs typeface="Calibri" panose="020F0502020204030204" pitchFamily="34" charset="0"/>
+              </a:rPr>
+              <a:t>BackSpace</a:t>
+            </a:r>
+            <a:endParaRPr lang="en-US" altLang="ja-JP" sz="2400" b="1" i="0" dirty="0">
+              <a:solidFill>
+                <a:schemeClr val="tx1">
+                  <a:lumMod val="85000"/>
+                  <a:lumOff val="15000"/>
+                </a:schemeClr>
+              </a:solidFill>
+              <a:effectLst/>
+              <a:highlight>
+                <a:srgbClr val="FFFFFF"/>
+              </a:highlight>
+              <a:latin typeface="Calibri" panose="020F0502020204030204" pitchFamily="34" charset="0"/>
+              <a:ea typeface="Calibri" panose="020F0502020204030204" pitchFamily="34" charset="0"/>
+              <a:cs typeface="Calibri" panose="020F0502020204030204" pitchFamily="34" charset="0"/>
+            </a:endParaRPr>
+          </a:p>
+          <a:p>
+            <a:r>
+              <a:rPr lang="ja-JP" altLang="en-US" sz="2400" b="1" i="0" dirty="0">
+                <a:solidFill>
+                  <a:schemeClr val="tx1">
+                    <a:lumMod val="85000"/>
+                    <a:lumOff val="15000"/>
+                  </a:schemeClr>
+                </a:solidFill>
+                <a:effectLst/>
+                <a:highlight>
+                  <a:srgbClr val="FFFFFF"/>
+                </a:highlight>
+                <a:latin typeface="Helvetica Neue"/>
+              </a:rPr>
+              <a:t>行の先頭・末尾に移動</a:t>
+            </a:r>
+            <a:r>
+              <a:rPr lang="en-US" altLang="ja-JP" sz="2400" b="1" i="0" dirty="0">
+                <a:solidFill>
+                  <a:schemeClr val="tx1">
+                    <a:lumMod val="85000"/>
+                    <a:lumOff val="15000"/>
+                  </a:schemeClr>
+                </a:solidFill>
+                <a:effectLst/>
+                <a:highlight>
+                  <a:srgbClr val="FFFFFF"/>
+                </a:highlight>
+                <a:latin typeface="Helvetica Neue"/>
+              </a:rPr>
+              <a:t>	</a:t>
+            </a:r>
+            <a:r>
+              <a:rPr lang="ja-JP" altLang="en-US" sz="2400" b="1" i="0" dirty="0">
+                <a:solidFill>
+                  <a:schemeClr val="tx1">
+                    <a:lumMod val="85000"/>
+                    <a:lumOff val="15000"/>
+                  </a:schemeClr>
+                </a:solidFill>
+                <a:effectLst/>
+                <a:highlight>
+                  <a:srgbClr val="FFFFFF"/>
+                </a:highlight>
+                <a:latin typeface="Helvetica Neue"/>
+              </a:rPr>
+              <a:t>　</a:t>
+            </a:r>
+            <a:r>
+              <a:rPr lang="en-US" altLang="ja-JP" sz="2400" b="1" i="0" dirty="0">
+                <a:solidFill>
+                  <a:schemeClr val="tx1">
+                    <a:lumMod val="85000"/>
+                    <a:lumOff val="15000"/>
+                  </a:schemeClr>
+                </a:solidFill>
+                <a:effectLst/>
+                <a:highlight>
+                  <a:srgbClr val="FFFFFF"/>
+                </a:highlight>
+                <a:latin typeface="Calibri" panose="020F0502020204030204" pitchFamily="34" charset="0"/>
+                <a:ea typeface="Calibri" panose="020F0502020204030204" pitchFamily="34" charset="0"/>
+                <a:cs typeface="Calibri" panose="020F0502020204030204" pitchFamily="34" charset="0"/>
+              </a:rPr>
+              <a:t>Home, End</a:t>
+            </a:r>
+          </a:p>
+          <a:p>
+            <a:r>
+              <a:rPr lang="ja-JP" altLang="en-US" sz="2400" b="1" i="0" dirty="0">
+                <a:solidFill>
+                  <a:schemeClr val="tx1">
+                    <a:lumMod val="85000"/>
+                    <a:lumOff val="15000"/>
+                  </a:schemeClr>
+                </a:solidFill>
+                <a:effectLst/>
+                <a:highlight>
+                  <a:srgbClr val="FFFFFF"/>
+                </a:highlight>
+                <a:latin typeface="Helvetica Neue"/>
+              </a:rPr>
+              <a:t>行の先頭・末尾まで選択</a:t>
+            </a:r>
+            <a:r>
+              <a:rPr lang="en-US" altLang="ja-JP" sz="2400" b="1" i="0" dirty="0">
+                <a:solidFill>
+                  <a:schemeClr val="tx1">
+                    <a:lumMod val="85000"/>
+                    <a:lumOff val="15000"/>
+                  </a:schemeClr>
+                </a:solidFill>
+                <a:effectLst/>
+                <a:highlight>
+                  <a:srgbClr val="FFFFFF"/>
+                </a:highlight>
+                <a:latin typeface="Helvetica Neue"/>
+              </a:rPr>
+              <a:t>	</a:t>
+            </a:r>
+            <a:r>
+              <a:rPr lang="ja-JP" altLang="en-US" sz="2400" b="1" i="0" dirty="0">
+                <a:solidFill>
+                  <a:schemeClr val="tx1">
+                    <a:lumMod val="85000"/>
+                    <a:lumOff val="15000"/>
+                  </a:schemeClr>
+                </a:solidFill>
+                <a:effectLst/>
+                <a:highlight>
+                  <a:srgbClr val="FFFFFF"/>
+                </a:highlight>
+                <a:latin typeface="Helvetica Neue"/>
+              </a:rPr>
+              <a:t>　</a:t>
+            </a:r>
+            <a:r>
+              <a:rPr lang="en-US" altLang="ja-JP" sz="2400" b="1" i="0" dirty="0">
+                <a:solidFill>
+                  <a:schemeClr val="tx1">
+                    <a:lumMod val="85000"/>
+                    <a:lumOff val="15000"/>
+                  </a:schemeClr>
+                </a:solidFill>
+                <a:effectLst/>
+                <a:highlight>
+                  <a:srgbClr val="FFFFFF"/>
+                </a:highlight>
+                <a:latin typeface="Calibri" panose="020F0502020204030204" pitchFamily="34" charset="0"/>
+                <a:ea typeface="Calibri" panose="020F0502020204030204" pitchFamily="34" charset="0"/>
+                <a:cs typeface="Calibri" panose="020F0502020204030204" pitchFamily="34" charset="0"/>
+              </a:rPr>
+              <a:t>Shift + Home, Shift + End</a:t>
+            </a:r>
+            <a:endParaRPr lang="ja-JP" altLang="en-US" sz="2400" b="1" i="0" dirty="0">
+              <a:solidFill>
+                <a:schemeClr val="tx1">
+                  <a:lumMod val="85000"/>
+                  <a:lumOff val="15000"/>
+                </a:schemeClr>
+              </a:solidFill>
+              <a:effectLst/>
+              <a:highlight>
+                <a:srgbClr val="FFFFFF"/>
+              </a:highlight>
+              <a:latin typeface="Calibri" panose="020F0502020204030204" pitchFamily="34" charset="0"/>
+              <a:cs typeface="Calibri" panose="020F0502020204030204" pitchFamily="34" charset="0"/>
+            </a:endParaRPr>
+          </a:p>
+          <a:p>
+            <a:endParaRPr lang="en-US" altLang="ja-JP" sz="2400" b="1" dirty="0"/>
+          </a:p>
+        </p:txBody>
+      </p:sp>
+    </p:spTree>
+    <p:extLst>
+      <p:ext uri="{BB962C8B-B14F-4D97-AF65-F5344CB8AC3E}">
+        <p14:creationId xmlns:p14="http://schemas.microsoft.com/office/powerpoint/2010/main" val="321047930"/>
+      </p:ext>
+    </p:extLst>
+  </p:cSld>
+  <p:clrMapOvr>
+    <a:masterClrMapping/>
+  </p:clrMapOvr>
+</p:sld>
+</file>
+
+<file path=ppt/slides/slide13.xml><?xml version="1.0" encoding="utf-8"?>
+<p:sld xmlns:a="http://schemas.openxmlformats.org/drawingml/2006/main" xmlns:r="http://schemas.openxmlformats.org/officeDocument/2006/relationships" xmlns:p="http://schemas.openxmlformats.org/presentationml/2006/main">
+  <p:cSld>
+    <p:spTree>
+      <p:nvGrpSpPr>
+        <p:cNvPr id="1" name=""/>
+        <p:cNvGrpSpPr/>
+        <p:nvPr/>
+      </p:nvGrpSpPr>
+      <p:grpSpPr>
+        <a:xfrm>
+          <a:off x="0" y="0"/>
+          <a:ext cx="0" cy="0"/>
+          <a:chOff x="0" y="0"/>
+          <a:chExt cx="0" cy="0"/>
+        </a:xfrm>
+      </p:grpSpPr>
+      <p:sp>
+        <p:nvSpPr>
+          <p:cNvPr id="2" name="タイトル 1">
+            <a:extLst>
+              <a:ext uri="{FF2B5EF4-FFF2-40B4-BE49-F238E27FC236}">
+                <a16:creationId xmlns:a16="http://schemas.microsoft.com/office/drawing/2014/main" id="{861E04A1-68B5-35D5-40AE-BD0057FC9410}"/>
+              </a:ext>
+            </a:extLst>
+          </p:cNvPr>
+          <p:cNvSpPr>
+            <a:spLocks noGrp="1"/>
+          </p:cNvSpPr>
+          <p:nvPr>
+            <p:ph type="title"/>
+          </p:nvPr>
+        </p:nvSpPr>
+        <p:spPr/>
+        <p:txBody>
+          <a:bodyPr/>
+          <a:lstStyle/>
+          <a:p>
+            <a:r>
+              <a:rPr kumimoji="1" lang="ja-JP" altLang="en-US" dirty="0"/>
+              <a:t>本講座の目的</a:t>
+            </a:r>
+          </a:p>
+        </p:txBody>
+      </p:sp>
+      <p:sp>
+        <p:nvSpPr>
+          <p:cNvPr id="3" name="コンテンツ プレースホルダー 2">
+            <a:extLst>
+              <a:ext uri="{FF2B5EF4-FFF2-40B4-BE49-F238E27FC236}">
+                <a16:creationId xmlns:a16="http://schemas.microsoft.com/office/drawing/2014/main" id="{D5BF9D89-3871-9BAE-6DF1-74F6957A3CE1}"/>
+              </a:ext>
+            </a:extLst>
+          </p:cNvPr>
+          <p:cNvSpPr>
+            <a:spLocks noGrp="1"/>
+          </p:cNvSpPr>
+          <p:nvPr>
+            <p:ph idx="1"/>
+          </p:nvPr>
+        </p:nvSpPr>
+        <p:spPr/>
+        <p:txBody>
+          <a:bodyPr/>
+          <a:lstStyle/>
+          <a:p>
+            <a:pPr marL="0" indent="0">
+              <a:buNone/>
+            </a:pPr>
+            <a:r>
+              <a:rPr kumimoji="1" lang="ja-JP" altLang="en-US" dirty="0"/>
+              <a:t>　</a:t>
+            </a:r>
+            <a:endParaRPr kumimoji="1" lang="en-US" altLang="ja-JP" dirty="0"/>
+          </a:p>
+          <a:p>
+            <a:pPr marL="0" indent="0">
+              <a:buNone/>
+            </a:pPr>
+            <a:r>
+              <a:rPr lang="ja-JP" altLang="en-US" dirty="0"/>
+              <a:t>　</a:t>
+            </a:r>
+            <a:r>
+              <a:rPr kumimoji="1" lang="en-US" altLang="ja-JP" sz="2800" b="1" dirty="0"/>
+              <a:t>Arduino</a:t>
+            </a:r>
+            <a:r>
+              <a:rPr kumimoji="1" lang="ja-JP" altLang="en-US" sz="2800" b="1" dirty="0"/>
+              <a:t>の基本機能を理解して簡単な電子工作を行おう</a:t>
+            </a:r>
+            <a:endParaRPr lang="en-US" altLang="ja-JP" b="1" dirty="0"/>
+          </a:p>
+          <a:p>
+            <a:pPr marL="0" indent="0">
+              <a:buNone/>
+            </a:pPr>
+            <a:endParaRPr lang="en-US" altLang="ja-JP" dirty="0"/>
+          </a:p>
+          <a:p>
+            <a:pPr marL="0" indent="0">
+              <a:buNone/>
+            </a:pPr>
+            <a:endParaRPr lang="en-US" altLang="ja-JP" sz="1000" dirty="0"/>
+          </a:p>
+          <a:p>
+            <a:pPr marL="0" indent="0">
+              <a:buNone/>
+            </a:pPr>
+            <a:r>
+              <a:rPr lang="ja-JP" altLang="en-US" dirty="0"/>
+              <a:t>　</a:t>
+            </a:r>
+            <a:r>
+              <a:rPr lang="en-US" altLang="ja-JP" dirty="0"/>
+              <a:t>[</a:t>
+            </a:r>
+            <a:r>
+              <a:rPr lang="ja-JP" altLang="en-US" dirty="0"/>
+              <a:t>目次</a:t>
+            </a:r>
+            <a:r>
+              <a:rPr lang="en-US" altLang="ja-JP" dirty="0"/>
+              <a:t>]</a:t>
+            </a:r>
+          </a:p>
+          <a:p>
+            <a:pPr marL="0" indent="0">
+              <a:buNone/>
+            </a:pPr>
+            <a:endParaRPr lang="en-US" altLang="ja-JP" sz="1000" dirty="0"/>
+          </a:p>
+          <a:p>
+            <a:pPr marL="0" indent="0">
+              <a:buNone/>
+            </a:pPr>
+            <a:r>
+              <a:rPr lang="ja-JP" altLang="en-US" sz="2000" dirty="0"/>
+              <a:t>　</a:t>
+            </a:r>
+            <a:r>
+              <a:rPr lang="en-US" altLang="ja-JP" sz="2000" dirty="0"/>
+              <a:t>0.  </a:t>
+            </a:r>
+            <a:r>
+              <a:rPr lang="ja-JP" altLang="en-US" sz="2000" dirty="0"/>
+              <a:t>準備</a:t>
+            </a:r>
+            <a:endParaRPr lang="en-US" altLang="ja-JP" sz="2000" dirty="0"/>
+          </a:p>
+          <a:p>
+            <a:pPr marL="0" indent="0">
+              <a:buNone/>
+            </a:pPr>
+            <a:endParaRPr lang="en-US" altLang="ja-JP" sz="900" dirty="0"/>
+          </a:p>
+          <a:p>
+            <a:pPr marL="0" indent="0">
+              <a:buNone/>
+            </a:pPr>
+            <a:r>
+              <a:rPr lang="ja-JP" altLang="en-US" sz="2000" dirty="0"/>
+              <a:t>　</a:t>
+            </a:r>
+            <a:r>
+              <a:rPr lang="en-US" altLang="ja-JP" sz="2000" dirty="0"/>
+              <a:t>1.  </a:t>
+            </a:r>
+            <a:r>
+              <a:rPr lang="ja-JP" altLang="en-US" sz="2000" b="1" dirty="0">
+                <a:solidFill>
+                  <a:srgbClr val="FF0000"/>
+                </a:solidFill>
+              </a:rPr>
+              <a:t>スイッチによる</a:t>
+            </a:r>
+            <a:r>
+              <a:rPr lang="en-US" altLang="ja-JP" sz="2000" b="1" dirty="0">
+                <a:solidFill>
+                  <a:srgbClr val="FF0000"/>
+                </a:solidFill>
+              </a:rPr>
+              <a:t>L</a:t>
+            </a:r>
+            <a:r>
+              <a:rPr lang="ja-JP" altLang="en-US" sz="2000" b="1" dirty="0">
+                <a:solidFill>
+                  <a:srgbClr val="FF0000"/>
+                </a:solidFill>
+              </a:rPr>
+              <a:t>チカ</a:t>
+            </a:r>
+            <a:endParaRPr lang="en-US" altLang="ja-JP" sz="2000" b="1" dirty="0">
+              <a:solidFill>
+                <a:srgbClr val="FF0000"/>
+              </a:solidFill>
+            </a:endParaRPr>
+          </a:p>
+          <a:p>
+            <a:pPr marL="0" indent="0">
+              <a:buNone/>
+            </a:pPr>
+            <a:endParaRPr lang="en-US" altLang="ja-JP" sz="900" dirty="0"/>
+          </a:p>
+          <a:p>
+            <a:pPr marL="0" indent="0">
+              <a:buNone/>
+            </a:pPr>
+            <a:r>
+              <a:rPr lang="ja-JP" altLang="en-US" sz="2000" dirty="0"/>
+              <a:t>　</a:t>
+            </a:r>
+            <a:r>
+              <a:rPr lang="en-US" altLang="ja-JP" sz="2000" dirty="0"/>
+              <a:t>2.  </a:t>
+            </a:r>
+            <a:r>
+              <a:rPr lang="ja-JP" altLang="en-US" sz="2000" b="1" dirty="0"/>
+              <a:t>可変抵抗による</a:t>
+            </a:r>
+            <a:r>
+              <a:rPr lang="en-US" altLang="ja-JP" sz="2000" b="1" dirty="0"/>
+              <a:t>LED</a:t>
+            </a:r>
+            <a:r>
+              <a:rPr lang="ja-JP" altLang="en-US" sz="2000" b="1" dirty="0"/>
+              <a:t>の明るさ調節</a:t>
+            </a:r>
+            <a:endParaRPr lang="en-US" altLang="ja-JP" sz="2000" b="1" dirty="0"/>
+          </a:p>
+          <a:p>
+            <a:pPr marL="0" indent="0">
+              <a:buNone/>
+            </a:pPr>
+            <a:endParaRPr lang="en-US" altLang="ja-JP" sz="900" dirty="0"/>
+          </a:p>
+          <a:p>
+            <a:pPr marL="0" indent="0">
+              <a:buNone/>
+            </a:pPr>
+            <a:r>
+              <a:rPr lang="ja-JP" altLang="en-US" sz="2000" dirty="0"/>
+              <a:t>　</a:t>
+            </a:r>
+            <a:r>
+              <a:rPr lang="en-US" altLang="ja-JP" sz="2000" dirty="0"/>
+              <a:t>3.  </a:t>
+            </a:r>
+            <a:r>
+              <a:rPr lang="ja-JP" altLang="en-US" sz="2000" b="1" dirty="0"/>
+              <a:t>ブロック崩しゲームのコントローラ作成</a:t>
+            </a:r>
+            <a:endParaRPr lang="en-US" altLang="ja-JP" dirty="0"/>
+          </a:p>
+          <a:p>
+            <a:endParaRPr lang="en-US" altLang="ja-JP" dirty="0"/>
+          </a:p>
+          <a:p>
+            <a:endParaRPr kumimoji="1" lang="ja-JP" altLang="en-US" dirty="0"/>
+          </a:p>
+        </p:txBody>
+      </p:sp>
+      <p:sp>
+        <p:nvSpPr>
+          <p:cNvPr id="4" name="スライド番号プレースホルダー 3">
+            <a:extLst>
+              <a:ext uri="{FF2B5EF4-FFF2-40B4-BE49-F238E27FC236}">
+                <a16:creationId xmlns:a16="http://schemas.microsoft.com/office/drawing/2014/main" id="{8DC9770B-BB1D-1FC5-5754-022680CD8194}"/>
+              </a:ext>
+            </a:extLst>
+          </p:cNvPr>
+          <p:cNvSpPr>
+            <a:spLocks noGrp="1"/>
+          </p:cNvSpPr>
+          <p:nvPr>
+            <p:ph type="sldNum" sz="quarter" idx="12"/>
+          </p:nvPr>
+        </p:nvSpPr>
+        <p:spPr/>
+        <p:txBody>
+          <a:bodyPr/>
+          <a:lstStyle/>
+          <a:p>
+            <a:fld id="{167E14B9-D607-4902-8FEC-B1687B44AC2F}" type="slidenum">
+              <a:rPr lang="ja-JP" altLang="en-US" smtClean="0"/>
+              <a:pPr/>
+              <a:t>13</a:t>
             </a:fld>
             <a:endParaRPr lang="ja-JP" altLang="en-US" dirty="0"/>
           </a:p>
@@ -5906,7 +6743,7 @@
 </p:sld>
 </file>
 
-<file path=ppt/slides/slide13.xml><?xml version="1.0" encoding="utf-8"?>
+<file path=ppt/slides/slide14.xml><?xml version="1.0" encoding="utf-8"?>
 <p:sld xmlns:a="http://schemas.openxmlformats.org/drawingml/2006/main" xmlns:r="http://schemas.openxmlformats.org/officeDocument/2006/relationships" xmlns:p="http://schemas.openxmlformats.org/presentationml/2006/main">
   <p:cSld>
     <p:spTree>
@@ -6052,7 +6889,7 @@
             <a:pPr marL="0" indent="0">
               <a:buNone/>
             </a:pPr>
-            <a:endParaRPr lang="en-US" altLang="ja-JP" sz="2000" b="1" dirty="0">
+            <a:endParaRPr lang="en-US" altLang="ja-JP" sz="1600" b="1" dirty="0">
               <a:solidFill>
                 <a:srgbClr val="FF0000"/>
               </a:solidFill>
@@ -6165,7 +7002,7 @@
             <a:fld id="{167E14B9-D607-4902-8FEC-B1687B44AC2F}" type="slidenum">
               <a:rPr lang="ja-JP" altLang="en-US" smtClean="0"/>
               <a:pPr/>
-              <a:t>13</a:t>
+              <a:t>14</a:t>
             </a:fld>
             <a:endParaRPr lang="ja-JP" altLang="en-US" dirty="0"/>
           </a:p>
@@ -6401,6 +7238,65 @@
           </p:style>
         </p:cxnSp>
       </p:grpSp>
+      <p:sp>
+        <p:nvSpPr>
+          <p:cNvPr id="5" name="テキスト ボックス 4">
+            <a:extLst>
+              <a:ext uri="{FF2B5EF4-FFF2-40B4-BE49-F238E27FC236}">
+                <a16:creationId xmlns:a16="http://schemas.microsoft.com/office/drawing/2014/main" id="{F0EFD680-121F-D738-327E-34EC34E03DEC}"/>
+              </a:ext>
+            </a:extLst>
+          </p:cNvPr>
+          <p:cNvSpPr txBox="1"/>
+          <p:nvPr/>
+        </p:nvSpPr>
+        <p:spPr>
+          <a:xfrm>
+            <a:off x="8904312" y="2225124"/>
+            <a:ext cx="1944216" cy="646331"/>
+          </a:xfrm>
+          <a:prstGeom prst="rect">
+            <a:avLst/>
+          </a:prstGeom>
+          <a:noFill/>
+          <a:ln w="38100">
+            <a:solidFill>
+              <a:schemeClr val="accent6"/>
+            </a:solidFill>
+          </a:ln>
+        </p:spPr>
+        <p:txBody>
+          <a:bodyPr wrap="square" rtlCol="0">
+            <a:spAutoFit/>
+          </a:bodyPr>
+          <a:lstStyle/>
+          <a:p>
+            <a:r>
+              <a:rPr lang="ja-JP" altLang="en-US" sz="1600" dirty="0"/>
+              <a:t>コピー</a:t>
+            </a:r>
+            <a:r>
+              <a:rPr kumimoji="1" lang="en-US" altLang="ja-JP" dirty="0"/>
+              <a:t>         Ctrl + c</a:t>
+            </a:r>
+          </a:p>
+          <a:p>
+            <a:r>
+              <a:rPr lang="ja-JP" altLang="en-US" sz="1600" dirty="0"/>
+              <a:t>ペースト</a:t>
+            </a:r>
+            <a:r>
+              <a:rPr lang="ja-JP" altLang="en-US" dirty="0"/>
+              <a:t>     </a:t>
+            </a:r>
+            <a:r>
+              <a:rPr lang="en-US" altLang="ja-JP" dirty="0"/>
+              <a:t>Ctrl + v</a:t>
+            </a:r>
+            <a:endParaRPr kumimoji="1" lang="ja-JP" altLang="en-US" dirty="0"/>
+          </a:p>
+        </p:txBody>
+      </p:sp>
     </p:spTree>
     <p:extLst>
       <p:ext uri="{BB962C8B-B14F-4D97-AF65-F5344CB8AC3E}">
@@ -6414,7 +7310,7 @@
 </p:sld>
 </file>
 
-<file path=ppt/slides/slide14.xml><?xml version="1.0" encoding="utf-8"?>
+<file path=ppt/slides/slide15.xml><?xml version="1.0" encoding="utf-8"?>
 <p:sld xmlns:a="http://schemas.openxmlformats.org/drawingml/2006/main" xmlns:r="http://schemas.openxmlformats.org/officeDocument/2006/relationships" xmlns:p="http://schemas.openxmlformats.org/presentationml/2006/main">
   <p:cSld>
     <p:spTree>
@@ -6560,7 +7456,7 @@
             <a:pPr marL="0" indent="0">
               <a:buNone/>
             </a:pPr>
-            <a:endParaRPr lang="en-US" altLang="ja-JP" sz="2000" b="1" dirty="0">
+            <a:endParaRPr lang="en-US" altLang="ja-JP" sz="1600" b="1" dirty="0">
               <a:solidFill>
                 <a:srgbClr val="FF0000"/>
               </a:solidFill>
@@ -6696,7 +7592,7 @@
             <a:fld id="{167E14B9-D607-4902-8FEC-B1687B44AC2F}" type="slidenum">
               <a:rPr lang="ja-JP" altLang="en-US" smtClean="0"/>
               <a:pPr/>
-              <a:t>14</a:t>
+              <a:t>15</a:t>
             </a:fld>
             <a:endParaRPr lang="ja-JP" altLang="en-US" dirty="0"/>
           </a:p>
@@ -7200,6 +8096,65 @@
           </p:style>
         </p:cxnSp>
       </p:grpSp>
+      <p:sp>
+        <p:nvSpPr>
+          <p:cNvPr id="5" name="テキスト ボックス 4">
+            <a:extLst>
+              <a:ext uri="{FF2B5EF4-FFF2-40B4-BE49-F238E27FC236}">
+                <a16:creationId xmlns:a16="http://schemas.microsoft.com/office/drawing/2014/main" id="{9452D47D-4130-996E-6567-E066735D9D8F}"/>
+              </a:ext>
+            </a:extLst>
+          </p:cNvPr>
+          <p:cNvSpPr txBox="1"/>
+          <p:nvPr/>
+        </p:nvSpPr>
+        <p:spPr>
+          <a:xfrm>
+            <a:off x="8904312" y="2225124"/>
+            <a:ext cx="1944216" cy="646331"/>
+          </a:xfrm>
+          <a:prstGeom prst="rect">
+            <a:avLst/>
+          </a:prstGeom>
+          <a:noFill/>
+          <a:ln w="38100">
+            <a:solidFill>
+              <a:schemeClr val="accent6"/>
+            </a:solidFill>
+          </a:ln>
+        </p:spPr>
+        <p:txBody>
+          <a:bodyPr wrap="square" rtlCol="0">
+            <a:spAutoFit/>
+          </a:bodyPr>
+          <a:lstStyle/>
+          <a:p>
+            <a:r>
+              <a:rPr lang="ja-JP" altLang="en-US" sz="1600" dirty="0"/>
+              <a:t>コピー</a:t>
+            </a:r>
+            <a:r>
+              <a:rPr kumimoji="1" lang="en-US" altLang="ja-JP" dirty="0"/>
+              <a:t>         Ctrl + c</a:t>
+            </a:r>
+          </a:p>
+          <a:p>
+            <a:r>
+              <a:rPr lang="ja-JP" altLang="en-US" sz="1600" dirty="0"/>
+              <a:t>ペースト</a:t>
+            </a:r>
+            <a:r>
+              <a:rPr lang="ja-JP" altLang="en-US" dirty="0"/>
+              <a:t>     </a:t>
+            </a:r>
+            <a:r>
+              <a:rPr lang="en-US" altLang="ja-JP" dirty="0"/>
+              <a:t>Ctrl + v</a:t>
+            </a:r>
+            <a:endParaRPr kumimoji="1" lang="ja-JP" altLang="en-US" dirty="0"/>
+          </a:p>
+        </p:txBody>
+      </p:sp>
     </p:spTree>
     <p:extLst>
       <p:ext uri="{BB962C8B-B14F-4D97-AF65-F5344CB8AC3E}">
@@ -7213,7 +8168,7 @@
 </p:sld>
 </file>
 
-<file path=ppt/slides/slide15.xml><?xml version="1.0" encoding="utf-8"?>
+<file path=ppt/slides/slide16.xml><?xml version="1.0" encoding="utf-8"?>
 <p:sld xmlns:a="http://schemas.openxmlformats.org/drawingml/2006/main" xmlns:r="http://schemas.openxmlformats.org/officeDocument/2006/relationships" xmlns:p="http://schemas.openxmlformats.org/presentationml/2006/main">
   <p:cSld>
     <p:spTree>
@@ -7361,7 +8316,7 @@
             <a:pPr marL="0" indent="0">
               <a:buNone/>
             </a:pPr>
-            <a:endParaRPr lang="en-US" altLang="ja-JP" sz="2000" b="1" dirty="0">
+            <a:endParaRPr lang="en-US" altLang="ja-JP" sz="1600" b="1" dirty="0">
               <a:solidFill>
                 <a:srgbClr val="FF0000"/>
               </a:solidFill>
@@ -7539,7 +8494,7 @@
             <a:fld id="{167E14B9-D607-4902-8FEC-B1687B44AC2F}" type="slidenum">
               <a:rPr lang="ja-JP" altLang="en-US" smtClean="0"/>
               <a:pPr/>
-              <a:t>15</a:t>
+              <a:t>16</a:t>
             </a:fld>
             <a:endParaRPr lang="ja-JP" altLang="en-US" dirty="0"/>
           </a:p>
@@ -7639,6 +8594,65 @@
           </a:extLst>
         </p:spPr>
       </p:pic>
+      <p:sp>
+        <p:nvSpPr>
+          <p:cNvPr id="5" name="テキスト ボックス 4">
+            <a:extLst>
+              <a:ext uri="{FF2B5EF4-FFF2-40B4-BE49-F238E27FC236}">
+                <a16:creationId xmlns:a16="http://schemas.microsoft.com/office/drawing/2014/main" id="{20662525-705C-6E27-5387-4C05DFF00A0B}"/>
+              </a:ext>
+            </a:extLst>
+          </p:cNvPr>
+          <p:cNvSpPr txBox="1"/>
+          <p:nvPr/>
+        </p:nvSpPr>
+        <p:spPr>
+          <a:xfrm>
+            <a:off x="8904312" y="2225124"/>
+            <a:ext cx="1944216" cy="646331"/>
+          </a:xfrm>
+          <a:prstGeom prst="rect">
+            <a:avLst/>
+          </a:prstGeom>
+          <a:noFill/>
+          <a:ln w="38100">
+            <a:solidFill>
+              <a:schemeClr val="accent6"/>
+            </a:solidFill>
+          </a:ln>
+        </p:spPr>
+        <p:txBody>
+          <a:bodyPr wrap="square" rtlCol="0">
+            <a:spAutoFit/>
+          </a:bodyPr>
+          <a:lstStyle/>
+          <a:p>
+            <a:r>
+              <a:rPr lang="ja-JP" altLang="en-US" sz="1600" dirty="0"/>
+              <a:t>コピー</a:t>
+            </a:r>
+            <a:r>
+              <a:rPr kumimoji="1" lang="en-US" altLang="ja-JP" dirty="0"/>
+              <a:t>         Ctrl + c</a:t>
+            </a:r>
+          </a:p>
+          <a:p>
+            <a:r>
+              <a:rPr lang="ja-JP" altLang="en-US" sz="1600" dirty="0"/>
+              <a:t>ペースト</a:t>
+            </a:r>
+            <a:r>
+              <a:rPr lang="ja-JP" altLang="en-US" dirty="0"/>
+              <a:t>     </a:t>
+            </a:r>
+            <a:r>
+              <a:rPr lang="en-US" altLang="ja-JP" dirty="0"/>
+              <a:t>Ctrl + v</a:t>
+            </a:r>
+            <a:endParaRPr kumimoji="1" lang="ja-JP" altLang="en-US" dirty="0"/>
+          </a:p>
+        </p:txBody>
+      </p:sp>
     </p:spTree>
     <p:extLst>
       <p:ext uri="{BB962C8B-B14F-4D97-AF65-F5344CB8AC3E}">
@@ -7652,7 +8666,7 @@
 </p:sld>
 </file>
 
-<file path=ppt/slides/slide16.xml><?xml version="1.0" encoding="utf-8"?>
+<file path=ppt/slides/slide17.xml><?xml version="1.0" encoding="utf-8"?>
 <p:sld xmlns:a="http://schemas.openxmlformats.org/drawingml/2006/main" xmlns:r="http://schemas.openxmlformats.org/officeDocument/2006/relationships" xmlns:p="http://schemas.openxmlformats.org/presentationml/2006/main">
   <p:cSld>
     <p:spTree>
@@ -7938,7 +8952,7 @@
             <a:fld id="{167E14B9-D607-4902-8FEC-B1687B44AC2F}" type="slidenum">
               <a:rPr lang="ja-JP" altLang="en-US" smtClean="0"/>
               <a:pPr/>
-              <a:t>16</a:t>
+              <a:t>17</a:t>
             </a:fld>
             <a:endParaRPr lang="ja-JP" altLang="en-US" dirty="0"/>
           </a:p>
@@ -8004,7 +9018,7 @@
 </p:sld>
 </file>
 
-<file path=ppt/slides/slide17.xml><?xml version="1.0" encoding="utf-8"?>
+<file path=ppt/slides/slide18.xml><?xml version="1.0" encoding="utf-8"?>
 <p:sld xmlns:a="http://schemas.openxmlformats.org/drawingml/2006/main" xmlns:r="http://schemas.openxmlformats.org/officeDocument/2006/relationships" xmlns:p="http://schemas.openxmlformats.org/presentationml/2006/main">
   <p:cSld>
     <p:spTree>
@@ -8135,7 +9149,7 @@
             <a:pPr marL="0" indent="0">
               <a:buNone/>
             </a:pPr>
-            <a:endParaRPr lang="en-US" altLang="ja-JP" sz="2000" b="1" dirty="0">
+            <a:endParaRPr lang="en-US" altLang="ja-JP" sz="1600" b="1" dirty="0">
               <a:solidFill>
                 <a:srgbClr val="FF0000"/>
               </a:solidFill>
@@ -8248,7 +9262,7 @@
             <a:fld id="{167E14B9-D607-4902-8FEC-B1687B44AC2F}" type="slidenum">
               <a:rPr lang="ja-JP" altLang="en-US" smtClean="0"/>
               <a:pPr/>
-              <a:t>17</a:t>
+              <a:t>18</a:t>
             </a:fld>
             <a:endParaRPr lang="ja-JP" altLang="en-US" dirty="0"/>
           </a:p>
@@ -8600,6 +9614,65 @@
           </a:p>
         </p:txBody>
       </p:sp>
+      <p:sp>
+        <p:nvSpPr>
+          <p:cNvPr id="5" name="テキスト ボックス 4">
+            <a:extLst>
+              <a:ext uri="{FF2B5EF4-FFF2-40B4-BE49-F238E27FC236}">
+                <a16:creationId xmlns:a16="http://schemas.microsoft.com/office/drawing/2014/main" id="{0FE6C59A-A694-DBC2-0CE5-7170ACFCA6C6}"/>
+              </a:ext>
+            </a:extLst>
+          </p:cNvPr>
+          <p:cNvSpPr txBox="1"/>
+          <p:nvPr/>
+        </p:nvSpPr>
+        <p:spPr>
+          <a:xfrm>
+            <a:off x="8904312" y="2225124"/>
+            <a:ext cx="1944216" cy="646331"/>
+          </a:xfrm>
+          <a:prstGeom prst="rect">
+            <a:avLst/>
+          </a:prstGeom>
+          <a:noFill/>
+          <a:ln w="38100">
+            <a:solidFill>
+              <a:schemeClr val="accent6"/>
+            </a:solidFill>
+          </a:ln>
+        </p:spPr>
+        <p:txBody>
+          <a:bodyPr wrap="square" rtlCol="0">
+            <a:spAutoFit/>
+          </a:bodyPr>
+          <a:lstStyle/>
+          <a:p>
+            <a:r>
+              <a:rPr lang="ja-JP" altLang="en-US" sz="1600" dirty="0"/>
+              <a:t>コピー</a:t>
+            </a:r>
+            <a:r>
+              <a:rPr kumimoji="1" lang="en-US" altLang="ja-JP" dirty="0"/>
+              <a:t>         Ctrl + c</a:t>
+            </a:r>
+          </a:p>
+          <a:p>
+            <a:r>
+              <a:rPr lang="ja-JP" altLang="en-US" sz="1600" dirty="0"/>
+              <a:t>ペースト</a:t>
+            </a:r>
+            <a:r>
+              <a:rPr lang="ja-JP" altLang="en-US" dirty="0"/>
+              <a:t>     </a:t>
+            </a:r>
+            <a:r>
+              <a:rPr lang="en-US" altLang="ja-JP" dirty="0"/>
+              <a:t>Ctrl + v</a:t>
+            </a:r>
+            <a:endParaRPr kumimoji="1" lang="ja-JP" altLang="en-US" dirty="0"/>
+          </a:p>
+        </p:txBody>
+      </p:sp>
     </p:spTree>
     <p:extLst>
       <p:ext uri="{BB962C8B-B14F-4D97-AF65-F5344CB8AC3E}">
@@ -8613,7 +9686,7 @@
 </p:sld>
 </file>
 
-<file path=ppt/slides/slide18.xml><?xml version="1.0" encoding="utf-8"?>
+<file path=ppt/slides/slide19.xml><?xml version="1.0" encoding="utf-8"?>
 <p:sld xmlns:a="http://schemas.openxmlformats.org/drawingml/2006/main" xmlns:r="http://schemas.openxmlformats.org/officeDocument/2006/relationships" xmlns:p="http://schemas.openxmlformats.org/presentationml/2006/main">
   <p:cSld>
     <p:spTree>
@@ -8774,7 +9847,7 @@
             <a:pPr marL="0" indent="0">
               <a:buNone/>
             </a:pPr>
-            <a:endParaRPr lang="en-US" altLang="ja-JP" sz="2000" b="1" dirty="0">
+            <a:endParaRPr lang="en-US" altLang="ja-JP" sz="1600" b="1" dirty="0">
               <a:solidFill>
                 <a:srgbClr val="FF0000"/>
               </a:solidFill>
@@ -8891,7 +9964,7 @@
             <a:fld id="{167E14B9-D607-4902-8FEC-B1687B44AC2F}" type="slidenum">
               <a:rPr lang="ja-JP" altLang="en-US" smtClean="0"/>
               <a:pPr/>
-              <a:t>18</a:t>
+              <a:t>19</a:t>
             </a:fld>
             <a:endParaRPr lang="ja-JP" altLang="en-US" dirty="0"/>
           </a:p>
@@ -9227,473 +10300,12 @@
           </a:extLst>
         </p:spPr>
       </p:pic>
-    </p:spTree>
-    <p:extLst>
-      <p:ext uri="{BB962C8B-B14F-4D97-AF65-F5344CB8AC3E}">
-        <p14:creationId xmlns:p14="http://schemas.microsoft.com/office/powerpoint/2010/main" val="2764939259"/>
-      </p:ext>
-    </p:extLst>
-  </p:cSld>
-  <p:clrMapOvr>
-    <a:masterClrMapping/>
-  </p:clrMapOvr>
-</p:sld>
-</file>
-
-<file path=ppt/slides/slide19.xml><?xml version="1.0" encoding="utf-8"?>
-<p:sld xmlns:a="http://schemas.openxmlformats.org/drawingml/2006/main" xmlns:r="http://schemas.openxmlformats.org/officeDocument/2006/relationships" xmlns:p="http://schemas.openxmlformats.org/presentationml/2006/main">
-  <p:cSld>
-    <p:spTree>
-      <p:nvGrpSpPr>
-        <p:cNvPr id="1" name=""/>
-        <p:cNvGrpSpPr/>
-        <p:nvPr/>
-      </p:nvGrpSpPr>
-      <p:grpSpPr>
-        <a:xfrm>
-          <a:off x="0" y="0"/>
-          <a:ext cx="0" cy="0"/>
-          <a:chOff x="0" y="0"/>
-          <a:chExt cx="0" cy="0"/>
-        </a:xfrm>
-      </p:grpSpPr>
       <p:sp>
         <p:nvSpPr>
-          <p:cNvPr id="3" name="コンテンツ プレースホルダー 2">
+          <p:cNvPr id="5" name="テキスト ボックス 4">
             <a:extLst>
               <a:ext uri="{FF2B5EF4-FFF2-40B4-BE49-F238E27FC236}">
-                <a16:creationId xmlns:a16="http://schemas.microsoft.com/office/drawing/2014/main" id="{804809AE-B255-CB38-8F76-32BE480AA851}"/>
-              </a:ext>
-            </a:extLst>
-          </p:cNvPr>
-          <p:cNvSpPr>
-            <a:spLocks noGrp="1"/>
-          </p:cNvSpPr>
-          <p:nvPr>
-            <p:ph idx="1"/>
-          </p:nvPr>
-        </p:nvSpPr>
-        <p:spPr/>
-        <p:txBody>
-          <a:bodyPr>
-            <a:normAutofit/>
-          </a:bodyPr>
-          <a:lstStyle/>
-          <a:p>
-            <a:pPr marL="0" indent="0">
-              <a:buNone/>
-            </a:pPr>
-            <a:r>
-              <a:rPr lang="ja-JP" altLang="en-US" dirty="0"/>
-              <a:t>・・・</a:t>
-            </a:r>
-            <a:r>
-              <a:rPr kumimoji="1" lang="ja-JP" altLang="en-US" b="1" dirty="0">
-                <a:solidFill>
-                  <a:srgbClr val="FF0000"/>
-                </a:solidFill>
-              </a:rPr>
-              <a:t>可変抵抗器による電圧の変化を読み，</a:t>
-            </a:r>
-            <a:r>
-              <a:rPr kumimoji="1" lang="en-US" altLang="ja-JP" b="1" dirty="0">
-                <a:solidFill>
-                  <a:srgbClr val="FF0000"/>
-                </a:solidFill>
-              </a:rPr>
-              <a:t>LED</a:t>
-            </a:r>
-            <a:r>
-              <a:rPr kumimoji="1" lang="ja-JP" altLang="en-US" b="1" dirty="0">
-                <a:solidFill>
-                  <a:srgbClr val="FF0000"/>
-                </a:solidFill>
-              </a:rPr>
-              <a:t>への出力として反映させる</a:t>
-            </a:r>
-            <a:r>
-              <a:rPr lang="ja-JP" altLang="en-US" b="1" dirty="0">
-                <a:solidFill>
-                  <a:srgbClr val="FF0000"/>
-                </a:solidFill>
-              </a:rPr>
-              <a:t> </a:t>
-            </a:r>
-            <a:endParaRPr lang="en-US" altLang="ja-JP" b="1" dirty="0">
-              <a:solidFill>
-                <a:srgbClr val="FF0000"/>
-              </a:solidFill>
-            </a:endParaRPr>
-          </a:p>
-          <a:p>
-            <a:pPr marL="0" indent="0">
-              <a:buNone/>
-            </a:pPr>
-            <a:endParaRPr lang="en-US" altLang="ja-JP" sz="2000" b="1" dirty="0">
-              <a:solidFill>
-                <a:srgbClr val="FF0000"/>
-              </a:solidFill>
-            </a:endParaRPr>
-          </a:p>
-          <a:p>
-            <a:pPr marL="0" indent="0">
-              <a:buNone/>
-            </a:pPr>
-            <a:endParaRPr lang="en-US" altLang="ja-JP" sz="1000" b="1" dirty="0">
-              <a:solidFill>
-                <a:srgbClr val="FF0000"/>
-              </a:solidFill>
-            </a:endParaRPr>
-          </a:p>
-          <a:p>
-            <a:pPr marL="0" indent="0">
-              <a:buNone/>
-            </a:pPr>
-            <a:r>
-              <a:rPr lang="en-US" altLang="ja-JP" b="1" dirty="0"/>
-              <a:t>【 3</a:t>
-            </a:r>
-            <a:r>
-              <a:rPr lang="en-US" altLang="ja-JP" b="1" baseline="30000" dirty="0"/>
-              <a:t>rd</a:t>
-            </a:r>
-            <a:r>
-              <a:rPr lang="en-US" altLang="ja-JP" b="1" dirty="0"/>
-              <a:t> Step 】</a:t>
-            </a:r>
-          </a:p>
-          <a:p>
-            <a:pPr marL="0" indent="0">
-              <a:buNone/>
-            </a:pPr>
-            <a:endParaRPr lang="en-US" altLang="ja-JP" sz="1000" b="1" dirty="0"/>
-          </a:p>
-          <a:p>
-            <a:pPr marL="0" indent="0">
-              <a:buNone/>
-            </a:pPr>
-            <a:r>
-              <a:rPr lang="ja-JP" altLang="en-US" dirty="0"/>
-              <a:t>　</a:t>
-            </a:r>
-            <a:r>
-              <a:rPr lang="ja-JP" altLang="en-US" b="1" dirty="0"/>
-              <a:t>可変抵抗器の値を</a:t>
-            </a:r>
-            <a:r>
-              <a:rPr lang="en-US" altLang="ja-JP" b="1" dirty="0"/>
-              <a:t>LED</a:t>
-            </a:r>
-            <a:r>
-              <a:rPr lang="ja-JP" altLang="en-US" b="1" dirty="0"/>
-              <a:t>への</a:t>
-            </a:r>
-            <a:r>
-              <a:rPr lang="en-US" altLang="ja-JP" b="1" dirty="0"/>
-              <a:t>PWM</a:t>
-            </a:r>
-            <a:r>
-              <a:rPr lang="ja-JP" altLang="en-US" b="1" dirty="0"/>
-              <a:t>出力値として反映</a:t>
-            </a:r>
-            <a:endParaRPr lang="en-US" altLang="ja-JP" b="1" dirty="0"/>
-          </a:p>
-          <a:p>
-            <a:pPr lvl="1"/>
-            <a:r>
-              <a:rPr lang="en-US" altLang="ja-JP" dirty="0"/>
-              <a:t>Step 1, 2 </a:t>
-            </a:r>
-            <a:r>
-              <a:rPr lang="ja-JP" altLang="en-US" dirty="0"/>
-              <a:t>のコードを適切に組み合わせる</a:t>
-            </a:r>
-            <a:endParaRPr lang="en-US" altLang="ja-JP" dirty="0"/>
-          </a:p>
-          <a:p>
-            <a:pPr lvl="1"/>
-            <a:r>
-              <a:rPr lang="ja-JP" altLang="en-US" dirty="0">
-                <a:solidFill>
-                  <a:schemeClr val="accent6"/>
-                </a:solidFill>
-              </a:rPr>
-              <a:t>注：</a:t>
-            </a:r>
-            <a:r>
-              <a:rPr lang="en-US" altLang="ja-JP" dirty="0" err="1">
-                <a:solidFill>
-                  <a:schemeClr val="accent6"/>
-                </a:solidFill>
-              </a:rPr>
-              <a:t>analogRead</a:t>
-            </a:r>
-            <a:r>
-              <a:rPr lang="en-US" altLang="ja-JP" dirty="0">
-                <a:solidFill>
-                  <a:schemeClr val="accent6"/>
-                </a:solidFill>
-              </a:rPr>
-              <a:t>() </a:t>
-            </a:r>
-            <a:r>
-              <a:rPr lang="ja-JP" altLang="en-US" dirty="0">
-                <a:solidFill>
-                  <a:schemeClr val="accent6"/>
-                </a:solidFill>
-              </a:rPr>
-              <a:t>と </a:t>
-            </a:r>
-            <a:r>
-              <a:rPr lang="en-US" altLang="ja-JP" dirty="0" err="1">
-                <a:solidFill>
-                  <a:schemeClr val="accent6"/>
-                </a:solidFill>
-              </a:rPr>
-              <a:t>analogWrite</a:t>
-            </a:r>
-            <a:r>
-              <a:rPr lang="en-US" altLang="ja-JP" dirty="0">
-                <a:solidFill>
-                  <a:schemeClr val="accent6"/>
-                </a:solidFill>
-              </a:rPr>
-              <a:t>() </a:t>
-            </a:r>
-            <a:r>
-              <a:rPr lang="ja-JP" altLang="en-US" dirty="0">
-                <a:solidFill>
-                  <a:schemeClr val="accent6"/>
-                </a:solidFill>
-              </a:rPr>
-              <a:t>の分解能は違う</a:t>
-            </a:r>
-            <a:endParaRPr lang="en-US" altLang="ja-JP" dirty="0">
-              <a:solidFill>
-                <a:schemeClr val="accent6"/>
-              </a:solidFill>
-            </a:endParaRPr>
-          </a:p>
-          <a:p>
-            <a:pPr lvl="1"/>
-            <a:endParaRPr lang="en-US" altLang="ja-JP" dirty="0"/>
-          </a:p>
-          <a:p>
-            <a:pPr lvl="1"/>
-            <a:r>
-              <a:rPr lang="en-US" altLang="ja-JP" dirty="0"/>
-              <a:t>map </a:t>
-            </a:r>
-            <a:r>
-              <a:rPr lang="ja-JP" altLang="en-US" dirty="0"/>
-              <a:t>関数を用いて範囲を合わせる</a:t>
-            </a:r>
-            <a:endParaRPr lang="en-US" altLang="ja-JP" dirty="0"/>
-          </a:p>
-          <a:p>
-            <a:pPr lvl="2"/>
-            <a:r>
-              <a:rPr lang="en-US" altLang="ja-JP" sz="1600" dirty="0" err="1"/>
-              <a:t>outputValue</a:t>
-            </a:r>
-            <a:r>
-              <a:rPr lang="en-US" altLang="ja-JP" sz="1600" dirty="0"/>
-              <a:t> = map(</a:t>
-            </a:r>
-            <a:r>
-              <a:rPr lang="en-US" altLang="ja-JP" sz="1600" dirty="0" err="1"/>
-              <a:t>sensorValue</a:t>
-            </a:r>
-            <a:r>
-              <a:rPr lang="en-US" altLang="ja-JP" sz="1600" dirty="0"/>
-              <a:t>, 0, 1023, 0, 255);</a:t>
-            </a:r>
-            <a:endParaRPr lang="en-US" altLang="ja-JP" dirty="0"/>
-          </a:p>
-          <a:p>
-            <a:pPr marL="457200" lvl="1" indent="0">
-              <a:buNone/>
-            </a:pPr>
-            <a:endParaRPr lang="en-US" altLang="ja-JP" dirty="0"/>
-          </a:p>
-          <a:p>
-            <a:pPr marL="457200" lvl="1" indent="0">
-              <a:buNone/>
-            </a:pPr>
-            <a:endParaRPr lang="en-US" altLang="ja-JP" dirty="0"/>
-          </a:p>
-          <a:p>
-            <a:pPr marL="457200" lvl="1" indent="0">
-              <a:buNone/>
-            </a:pPr>
-            <a:endParaRPr lang="en-US" altLang="ja-JP" dirty="0"/>
-          </a:p>
-          <a:p>
-            <a:pPr marL="457200" lvl="1" indent="0">
-              <a:buNone/>
-            </a:pPr>
-            <a:endParaRPr lang="en-US" altLang="ja-JP" dirty="0"/>
-          </a:p>
-          <a:p>
-            <a:pPr lvl="1"/>
-            <a:r>
-              <a:rPr lang="ja-JP" altLang="en-US" dirty="0"/>
-              <a:t>解答例：</a:t>
-            </a:r>
-            <a:r>
-              <a:rPr lang="en-US" altLang="ja-JP" dirty="0"/>
-              <a:t>File &gt; Examples &gt; 01.Basics &gt; </a:t>
-            </a:r>
-            <a:r>
-              <a:rPr lang="en-US" altLang="ja-JP" dirty="0" err="1"/>
-              <a:t>AnalogInOutSerial</a:t>
-            </a:r>
-            <a:r>
-              <a:rPr lang="en-US" altLang="ja-JP" dirty="0"/>
-              <a:t>. </a:t>
-            </a:r>
-          </a:p>
-          <a:p>
-            <a:pPr marL="0" indent="0">
-              <a:buNone/>
-            </a:pPr>
-            <a:endParaRPr lang="en-US" altLang="ja-JP" dirty="0"/>
-          </a:p>
-          <a:p>
-            <a:endParaRPr lang="en-US" altLang="ja-JP" dirty="0"/>
-          </a:p>
-          <a:p>
-            <a:endParaRPr kumimoji="1" lang="ja-JP" altLang="en-US" dirty="0"/>
-          </a:p>
-        </p:txBody>
-      </p:sp>
-      <p:sp>
-        <p:nvSpPr>
-          <p:cNvPr id="2" name="タイトル 1">
-            <a:extLst>
-              <a:ext uri="{FF2B5EF4-FFF2-40B4-BE49-F238E27FC236}">
-                <a16:creationId xmlns:a16="http://schemas.microsoft.com/office/drawing/2014/main" id="{E83F635B-04E1-3E2F-6A1A-E28F471867BC}"/>
-              </a:ext>
-            </a:extLst>
-          </p:cNvPr>
-          <p:cNvSpPr>
-            <a:spLocks noGrp="1"/>
-          </p:cNvSpPr>
-          <p:nvPr>
-            <p:ph type="title"/>
-          </p:nvPr>
-        </p:nvSpPr>
-        <p:spPr/>
-        <p:txBody>
-          <a:bodyPr/>
-          <a:lstStyle/>
-          <a:p>
-            <a:r>
-              <a:rPr lang="en-US" altLang="ja-JP" dirty="0">
-                <a:latin typeface="Times New Roman" panose="02020603050405020304" pitchFamily="18" charset="0"/>
-                <a:cs typeface="Times New Roman" panose="02020603050405020304" pitchFamily="18" charset="0"/>
-              </a:rPr>
-              <a:t>2. </a:t>
-            </a:r>
-            <a:r>
-              <a:rPr kumimoji="1" lang="ja-JP" altLang="en-US" dirty="0"/>
-              <a:t>可変抵抗による</a:t>
-            </a:r>
-            <a:r>
-              <a:rPr lang="en-US" altLang="ja-JP" dirty="0"/>
-              <a:t>LED</a:t>
-            </a:r>
-            <a:r>
-              <a:rPr lang="ja-JP" altLang="en-US" dirty="0"/>
-              <a:t>の明るさ調節</a:t>
-            </a:r>
-            <a:endParaRPr kumimoji="1" lang="ja-JP" altLang="en-US" dirty="0"/>
-          </a:p>
-        </p:txBody>
-      </p:sp>
-      <p:sp>
-        <p:nvSpPr>
-          <p:cNvPr id="4" name="スライド番号プレースホルダー 3">
-            <a:extLst>
-              <a:ext uri="{FF2B5EF4-FFF2-40B4-BE49-F238E27FC236}">
-                <a16:creationId xmlns:a16="http://schemas.microsoft.com/office/drawing/2014/main" id="{55FCAD2E-5B05-AB02-3590-68DD22631CF3}"/>
-              </a:ext>
-            </a:extLst>
-          </p:cNvPr>
-          <p:cNvSpPr>
-            <a:spLocks noGrp="1"/>
-          </p:cNvSpPr>
-          <p:nvPr>
-            <p:ph type="sldNum" sz="quarter" idx="12"/>
-          </p:nvPr>
-        </p:nvSpPr>
-        <p:spPr/>
-        <p:txBody>
-          <a:bodyPr/>
-          <a:lstStyle/>
-          <a:p>
-            <a:fld id="{167E14B9-D607-4902-8FEC-B1687B44AC2F}" type="slidenum">
-              <a:rPr lang="ja-JP" altLang="en-US" smtClean="0"/>
-              <a:pPr/>
-              <a:t>19</a:t>
-            </a:fld>
-            <a:endParaRPr lang="ja-JP" altLang="en-US" dirty="0"/>
-          </a:p>
-        </p:txBody>
-      </p:sp>
-      <p:pic>
-        <p:nvPicPr>
-          <p:cNvPr id="4098" name="Picture 2">
-            <a:extLst>
-              <a:ext uri="{FF2B5EF4-FFF2-40B4-BE49-F238E27FC236}">
-                <a16:creationId xmlns:a16="http://schemas.microsoft.com/office/drawing/2014/main" id="{D0F898AB-80B0-2CD1-2247-2C315BDBDA0A}"/>
-              </a:ext>
-            </a:extLst>
-          </p:cNvPr>
-          <p:cNvPicPr>
-            <a:picLocks noChangeAspect="1" noChangeArrowheads="1"/>
-          </p:cNvPicPr>
-          <p:nvPr/>
-        </p:nvPicPr>
-        <p:blipFill>
-          <a:blip r:embed="rId2" cstate="print">
-            <a:extLst>
-              <a:ext uri="{28A0092B-C50C-407E-A947-70E740481C1C}">
-                <a14:useLocalDpi xmlns:a14="http://schemas.microsoft.com/office/drawing/2010/main" val="0"/>
-              </a:ext>
-            </a:extLst>
-          </a:blip>
-          <a:srcRect/>
-          <a:stretch>
-            <a:fillRect/>
-          </a:stretch>
-        </p:blipFill>
-        <p:spPr bwMode="auto">
-          <a:xfrm>
-            <a:off x="8341456" y="3284984"/>
-            <a:ext cx="2459102" cy="2974888"/>
-          </a:xfrm>
-          <a:prstGeom prst="rect">
-            <a:avLst/>
-          </a:prstGeom>
-          <a:noFill/>
-          <a:extLst>
-            <a:ext uri="{909E8E84-426E-40DD-AFC4-6F175D3DCCD1}">
-              <a14:hiddenFill xmlns:a14="http://schemas.microsoft.com/office/drawing/2010/main">
-                <a:solidFill>
-                  <a:srgbClr val="FFFFFF"/>
-                </a:solidFill>
-              </a14:hiddenFill>
-            </a:ext>
-          </a:extLst>
-        </p:spPr>
-      </p:pic>
-      <p:sp>
-        <p:nvSpPr>
-          <p:cNvPr id="11" name="テキスト ボックス 10">
-            <a:extLst>
-              <a:ext uri="{FF2B5EF4-FFF2-40B4-BE49-F238E27FC236}">
-                <a16:creationId xmlns:a16="http://schemas.microsoft.com/office/drawing/2014/main" id="{9BF7FEC9-7FEE-D704-905C-2D7D1716866E}"/>
+                <a16:creationId xmlns:a16="http://schemas.microsoft.com/office/drawing/2014/main" id="{D61F628A-F782-DF46-90F4-24A06A54BB7E}"/>
               </a:ext>
             </a:extLst>
           </p:cNvPr>
@@ -9702,13 +10314,18 @@
         </p:nvSpPr>
         <p:spPr>
           <a:xfrm>
-            <a:off x="1847528" y="3939045"/>
-            <a:ext cx="1512168" cy="276999"/>
+            <a:off x="8904312" y="2225124"/>
+            <a:ext cx="1944216" cy="646331"/>
           </a:xfrm>
           <a:prstGeom prst="rect">
             <a:avLst/>
           </a:prstGeom>
           <a:noFill/>
+          <a:ln w="38100">
+            <a:solidFill>
+              <a:schemeClr val="accent6"/>
+            </a:solidFill>
+          </a:ln>
         </p:spPr>
         <p:txBody>
           <a:bodyPr wrap="square" rtlCol="0">
@@ -9716,110 +10333,36 @@
           </a:bodyPr>
           <a:lstStyle/>
           <a:p>
-            <a:pPr algn="ctr"/>
-            <a:r>
-              <a:rPr kumimoji="1" lang="en-US" altLang="ja-JP" sz="1200" dirty="0"/>
-              <a:t>10 bit (0 ~ 1023)</a:t>
-            </a:r>
-            <a:endParaRPr kumimoji="1" lang="ja-JP" altLang="en-US" sz="1200" dirty="0"/>
-          </a:p>
-        </p:txBody>
-      </p:sp>
-      <p:sp>
-        <p:nvSpPr>
-          <p:cNvPr id="15" name="テキスト ボックス 14">
-            <a:extLst>
-              <a:ext uri="{FF2B5EF4-FFF2-40B4-BE49-F238E27FC236}">
-                <a16:creationId xmlns:a16="http://schemas.microsoft.com/office/drawing/2014/main" id="{0F863286-BCC1-C9EF-466C-C24F6614426D}"/>
-              </a:ext>
-            </a:extLst>
-          </p:cNvPr>
-          <p:cNvSpPr txBox="1"/>
-          <p:nvPr/>
-        </p:nvSpPr>
-        <p:spPr>
-          <a:xfrm>
-            <a:off x="3708558" y="3933056"/>
-            <a:ext cx="1512168" cy="276999"/>
-          </a:xfrm>
-          <a:prstGeom prst="rect">
-            <a:avLst/>
-          </a:prstGeom>
-          <a:noFill/>
-        </p:spPr>
-        <p:txBody>
-          <a:bodyPr wrap="square" rtlCol="0">
-            <a:spAutoFit/>
-          </a:bodyPr>
-          <a:lstStyle/>
-          <a:p>
-            <a:pPr algn="ctr"/>
-            <a:r>
-              <a:rPr lang="en-US" altLang="ja-JP" sz="1200" dirty="0"/>
-              <a:t>8</a:t>
-            </a:r>
-            <a:r>
-              <a:rPr kumimoji="1" lang="en-US" altLang="ja-JP" sz="1200" dirty="0"/>
-              <a:t> bit (0 ~ 255)</a:t>
-            </a:r>
-            <a:endParaRPr kumimoji="1" lang="ja-JP" altLang="en-US" sz="1200" dirty="0"/>
-          </a:p>
-        </p:txBody>
-      </p:sp>
-      <p:sp>
-        <p:nvSpPr>
-          <p:cNvPr id="17" name="テキスト ボックス 16">
-            <a:extLst>
-              <a:ext uri="{FF2B5EF4-FFF2-40B4-BE49-F238E27FC236}">
-                <a16:creationId xmlns:a16="http://schemas.microsoft.com/office/drawing/2014/main" id="{F08B163F-F9F3-4CE4-9106-18688CB5965A}"/>
-              </a:ext>
-            </a:extLst>
-          </p:cNvPr>
-          <p:cNvSpPr txBox="1"/>
-          <p:nvPr/>
-        </p:nvSpPr>
-        <p:spPr>
-          <a:xfrm>
-            <a:off x="911424" y="5149768"/>
-            <a:ext cx="7920880" cy="276999"/>
-          </a:xfrm>
-          <a:prstGeom prst="rect">
-            <a:avLst/>
-          </a:prstGeom>
-          <a:noFill/>
-        </p:spPr>
-        <p:txBody>
-          <a:bodyPr wrap="square" rtlCol="0">
-            <a:spAutoFit/>
-          </a:bodyPr>
-          <a:lstStyle/>
-          <a:p>
-            <a:r>
-              <a:rPr lang="ja-JP" altLang="en-US" sz="1200" dirty="0"/>
-              <a:t>* </a:t>
-            </a:r>
-            <a:r>
-              <a:rPr lang="en-US" altLang="ja-JP" sz="1200" dirty="0"/>
-              <a:t> </a:t>
-            </a:r>
-            <a:r>
-              <a:rPr lang="ja-JP" altLang="en-US" sz="1200" dirty="0"/>
-              <a:t>解説： </a:t>
-            </a:r>
-            <a:r>
-              <a:rPr kumimoji="1" lang="en-US" altLang="ja-JP" sz="1200" dirty="0">
-                <a:hlinkClick r:id="rId3"/>
-              </a:rPr>
-              <a:t>https://burariweb.info/electronic-work/arduino-learning/arduino-variable-resistor-analog-input.html</a:t>
-            </a:r>
-            <a:endParaRPr kumimoji="1" lang="ja-JP" altLang="en-US" sz="1200" dirty="0"/>
+            <a:r>
+              <a:rPr lang="ja-JP" altLang="en-US" sz="1600" dirty="0"/>
+              <a:t>コピー</a:t>
+            </a:r>
+            <a:r>
+              <a:rPr kumimoji="1" lang="en-US" altLang="ja-JP" dirty="0"/>
+              <a:t>         Ctrl + c</a:t>
+            </a:r>
+          </a:p>
+          <a:p>
+            <a:r>
+              <a:rPr lang="ja-JP" altLang="en-US" sz="1600" dirty="0"/>
+              <a:t>ペースト</a:t>
+            </a:r>
+            <a:r>
+              <a:rPr lang="ja-JP" altLang="en-US" dirty="0"/>
+              <a:t>     </a:t>
+            </a:r>
+            <a:r>
+              <a:rPr lang="en-US" altLang="ja-JP" dirty="0"/>
+              <a:t>Ctrl + v</a:t>
+            </a:r>
+            <a:endParaRPr kumimoji="1" lang="ja-JP" altLang="en-US" dirty="0"/>
           </a:p>
         </p:txBody>
       </p:sp>
     </p:spTree>
     <p:extLst>
       <p:ext uri="{BB962C8B-B14F-4D97-AF65-F5344CB8AC3E}">
-        <p14:creationId xmlns:p14="http://schemas.microsoft.com/office/powerpoint/2010/main" val="3223235661"/>
+        <p14:creationId xmlns:p14="http://schemas.microsoft.com/office/powerpoint/2010/main" val="2764939259"/>
       </p:ext>
     </p:extLst>
   </p:cSld>
@@ -10196,10 +10739,320 @@
       </p:grpSpPr>
       <p:sp>
         <p:nvSpPr>
+          <p:cNvPr id="3" name="コンテンツ プレースホルダー 2">
+            <a:extLst>
+              <a:ext uri="{FF2B5EF4-FFF2-40B4-BE49-F238E27FC236}">
+                <a16:creationId xmlns:a16="http://schemas.microsoft.com/office/drawing/2014/main" id="{804809AE-B255-CB38-8F76-32BE480AA851}"/>
+              </a:ext>
+            </a:extLst>
+          </p:cNvPr>
+          <p:cNvSpPr>
+            <a:spLocks noGrp="1"/>
+          </p:cNvSpPr>
+          <p:nvPr>
+            <p:ph idx="1"/>
+          </p:nvPr>
+        </p:nvSpPr>
+        <p:spPr/>
+        <p:txBody>
+          <a:bodyPr>
+            <a:normAutofit/>
+          </a:bodyPr>
+          <a:lstStyle/>
+          <a:p>
+            <a:pPr marL="0" indent="0">
+              <a:buNone/>
+            </a:pPr>
+            <a:r>
+              <a:rPr lang="ja-JP" altLang="en-US" dirty="0"/>
+              <a:t>・・・</a:t>
+            </a:r>
+            <a:r>
+              <a:rPr kumimoji="1" lang="ja-JP" altLang="en-US" b="1" dirty="0">
+                <a:solidFill>
+                  <a:srgbClr val="FF0000"/>
+                </a:solidFill>
+              </a:rPr>
+              <a:t>可変抵抗器による電圧の変化を読み，</a:t>
+            </a:r>
+            <a:r>
+              <a:rPr kumimoji="1" lang="en-US" altLang="ja-JP" b="1" dirty="0">
+                <a:solidFill>
+                  <a:srgbClr val="FF0000"/>
+                </a:solidFill>
+              </a:rPr>
+              <a:t>LED</a:t>
+            </a:r>
+            <a:r>
+              <a:rPr kumimoji="1" lang="ja-JP" altLang="en-US" b="1" dirty="0">
+                <a:solidFill>
+                  <a:srgbClr val="FF0000"/>
+                </a:solidFill>
+              </a:rPr>
+              <a:t>への出力として反映させる</a:t>
+            </a:r>
+            <a:r>
+              <a:rPr lang="ja-JP" altLang="en-US" b="1" dirty="0">
+                <a:solidFill>
+                  <a:srgbClr val="FF0000"/>
+                </a:solidFill>
+              </a:rPr>
+              <a:t> </a:t>
+            </a:r>
+            <a:endParaRPr lang="en-US" altLang="ja-JP" b="1" dirty="0">
+              <a:solidFill>
+                <a:srgbClr val="FF0000"/>
+              </a:solidFill>
+            </a:endParaRPr>
+          </a:p>
+          <a:p>
+            <a:pPr marL="0" indent="0">
+              <a:buNone/>
+            </a:pPr>
+            <a:endParaRPr lang="en-US" altLang="ja-JP" sz="1600" b="1" dirty="0">
+              <a:solidFill>
+                <a:srgbClr val="FF0000"/>
+              </a:solidFill>
+            </a:endParaRPr>
+          </a:p>
+          <a:p>
+            <a:pPr marL="0" indent="0">
+              <a:buNone/>
+            </a:pPr>
+            <a:endParaRPr lang="en-US" altLang="ja-JP" sz="1000" b="1" dirty="0">
+              <a:solidFill>
+                <a:srgbClr val="FF0000"/>
+              </a:solidFill>
+            </a:endParaRPr>
+          </a:p>
+          <a:p>
+            <a:pPr marL="0" indent="0">
+              <a:buNone/>
+            </a:pPr>
+            <a:r>
+              <a:rPr lang="en-US" altLang="ja-JP" b="1" dirty="0"/>
+              <a:t>【 3</a:t>
+            </a:r>
+            <a:r>
+              <a:rPr lang="en-US" altLang="ja-JP" b="1" baseline="30000" dirty="0"/>
+              <a:t>rd</a:t>
+            </a:r>
+            <a:r>
+              <a:rPr lang="en-US" altLang="ja-JP" b="1" dirty="0"/>
+              <a:t> Step 】</a:t>
+            </a:r>
+          </a:p>
+          <a:p>
+            <a:pPr marL="0" indent="0">
+              <a:buNone/>
+            </a:pPr>
+            <a:endParaRPr lang="en-US" altLang="ja-JP" sz="1000" b="1" dirty="0"/>
+          </a:p>
+          <a:p>
+            <a:pPr marL="0" indent="0">
+              <a:buNone/>
+            </a:pPr>
+            <a:r>
+              <a:rPr lang="ja-JP" altLang="en-US" dirty="0"/>
+              <a:t>　</a:t>
+            </a:r>
+            <a:r>
+              <a:rPr lang="ja-JP" altLang="en-US" b="1" dirty="0"/>
+              <a:t>可変抵抗器の値を</a:t>
+            </a:r>
+            <a:r>
+              <a:rPr lang="en-US" altLang="ja-JP" b="1" dirty="0"/>
+              <a:t>LED</a:t>
+            </a:r>
+            <a:r>
+              <a:rPr lang="ja-JP" altLang="en-US" b="1" dirty="0"/>
+              <a:t>への</a:t>
+            </a:r>
+            <a:r>
+              <a:rPr lang="en-US" altLang="ja-JP" b="1" dirty="0"/>
+              <a:t>PWM</a:t>
+            </a:r>
+            <a:r>
+              <a:rPr lang="ja-JP" altLang="en-US" b="1" dirty="0"/>
+              <a:t>出力値として反映</a:t>
+            </a:r>
+            <a:endParaRPr lang="en-US" altLang="ja-JP" b="1" dirty="0"/>
+          </a:p>
+          <a:p>
+            <a:pPr lvl="1"/>
+            <a:r>
+              <a:rPr lang="en-US" altLang="ja-JP" dirty="0"/>
+              <a:t>Step 1, 2 </a:t>
+            </a:r>
+            <a:r>
+              <a:rPr lang="ja-JP" altLang="en-US" dirty="0"/>
+              <a:t>のコードを適切に組み合わせる</a:t>
+            </a:r>
+            <a:endParaRPr lang="en-US" altLang="ja-JP" dirty="0"/>
+          </a:p>
+          <a:p>
+            <a:pPr lvl="1"/>
+            <a:r>
+              <a:rPr lang="ja-JP" altLang="en-US" dirty="0">
+                <a:solidFill>
+                  <a:schemeClr val="accent6"/>
+                </a:solidFill>
+              </a:rPr>
+              <a:t>注：</a:t>
+            </a:r>
+            <a:r>
+              <a:rPr lang="en-US" altLang="ja-JP" dirty="0" err="1">
+                <a:solidFill>
+                  <a:schemeClr val="accent6"/>
+                </a:solidFill>
+              </a:rPr>
+              <a:t>analogRead</a:t>
+            </a:r>
+            <a:r>
+              <a:rPr lang="en-US" altLang="ja-JP" dirty="0">
+                <a:solidFill>
+                  <a:schemeClr val="accent6"/>
+                </a:solidFill>
+              </a:rPr>
+              <a:t>() </a:t>
+            </a:r>
+            <a:r>
+              <a:rPr lang="ja-JP" altLang="en-US" dirty="0">
+                <a:solidFill>
+                  <a:schemeClr val="accent6"/>
+                </a:solidFill>
+              </a:rPr>
+              <a:t>と </a:t>
+            </a:r>
+            <a:r>
+              <a:rPr lang="en-US" altLang="ja-JP" dirty="0" err="1">
+                <a:solidFill>
+                  <a:schemeClr val="accent6"/>
+                </a:solidFill>
+              </a:rPr>
+              <a:t>analogWrite</a:t>
+            </a:r>
+            <a:r>
+              <a:rPr lang="en-US" altLang="ja-JP" dirty="0">
+                <a:solidFill>
+                  <a:schemeClr val="accent6"/>
+                </a:solidFill>
+              </a:rPr>
+              <a:t>() </a:t>
+            </a:r>
+            <a:r>
+              <a:rPr lang="ja-JP" altLang="en-US" dirty="0">
+                <a:solidFill>
+                  <a:schemeClr val="accent6"/>
+                </a:solidFill>
+              </a:rPr>
+              <a:t>の分解能は違う</a:t>
+            </a:r>
+            <a:endParaRPr lang="en-US" altLang="ja-JP" dirty="0">
+              <a:solidFill>
+                <a:schemeClr val="accent6"/>
+              </a:solidFill>
+            </a:endParaRPr>
+          </a:p>
+          <a:p>
+            <a:pPr lvl="1"/>
+            <a:endParaRPr lang="en-US" altLang="ja-JP" dirty="0"/>
+          </a:p>
+          <a:p>
+            <a:pPr lvl="1"/>
+            <a:r>
+              <a:rPr lang="en-US" altLang="ja-JP" dirty="0"/>
+              <a:t>map </a:t>
+            </a:r>
+            <a:r>
+              <a:rPr lang="ja-JP" altLang="en-US" dirty="0"/>
+              <a:t>関数を用いて範囲を合わせる</a:t>
+            </a:r>
+            <a:endParaRPr lang="en-US" altLang="ja-JP" dirty="0"/>
+          </a:p>
+          <a:p>
+            <a:pPr lvl="2"/>
+            <a:r>
+              <a:rPr lang="en-US" altLang="ja-JP" sz="1600" dirty="0" err="1"/>
+              <a:t>outputValue</a:t>
+            </a:r>
+            <a:r>
+              <a:rPr lang="en-US" altLang="ja-JP" sz="1600" dirty="0"/>
+              <a:t> = map(</a:t>
+            </a:r>
+            <a:r>
+              <a:rPr lang="en-US" altLang="ja-JP" sz="1600" dirty="0" err="1"/>
+              <a:t>sensorValue</a:t>
+            </a:r>
+            <a:r>
+              <a:rPr lang="en-US" altLang="ja-JP" sz="1600" dirty="0"/>
+              <a:t>, 0, 1023, 0, 255);</a:t>
+            </a:r>
+            <a:endParaRPr lang="en-US" altLang="ja-JP" dirty="0"/>
+          </a:p>
+          <a:p>
+            <a:pPr marL="457200" lvl="1" indent="0">
+              <a:buNone/>
+            </a:pPr>
+            <a:endParaRPr lang="en-US" altLang="ja-JP" dirty="0"/>
+          </a:p>
+          <a:p>
+            <a:pPr marL="457200" lvl="1" indent="0">
+              <a:buNone/>
+            </a:pPr>
+            <a:endParaRPr lang="en-US" altLang="ja-JP" dirty="0"/>
+          </a:p>
+          <a:p>
+            <a:pPr marL="457200" lvl="1" indent="0">
+              <a:buNone/>
+            </a:pPr>
+            <a:endParaRPr lang="en-US" altLang="ja-JP" dirty="0"/>
+          </a:p>
+          <a:p>
+            <a:pPr marL="457200" lvl="1" indent="0">
+              <a:buNone/>
+            </a:pPr>
+            <a:endParaRPr lang="en-US" altLang="ja-JP" dirty="0"/>
+          </a:p>
+          <a:p>
+            <a:pPr lvl="1"/>
+            <a:r>
+              <a:rPr lang="ja-JP" altLang="en-US" dirty="0"/>
+              <a:t>解答例：</a:t>
+            </a:r>
+            <a:r>
+              <a:rPr lang="en-US" altLang="ja-JP" dirty="0"/>
+              <a:t>File &gt; Examples &gt; 01.Basics &gt; </a:t>
+            </a:r>
+            <a:r>
+              <a:rPr lang="en-US" altLang="ja-JP" dirty="0" err="1"/>
+              <a:t>AnalogInOutSerial</a:t>
+            </a:r>
+            <a:r>
+              <a:rPr lang="en-US" altLang="ja-JP" dirty="0"/>
+              <a:t>. </a:t>
+            </a:r>
+          </a:p>
+          <a:p>
+            <a:pPr marL="0" indent="0">
+              <a:buNone/>
+            </a:pPr>
+            <a:endParaRPr lang="en-US" altLang="ja-JP" dirty="0"/>
+          </a:p>
+          <a:p>
+            <a:endParaRPr lang="en-US" altLang="ja-JP" dirty="0"/>
+          </a:p>
+          <a:p>
+            <a:endParaRPr kumimoji="1" lang="ja-JP" altLang="en-US" dirty="0"/>
+          </a:p>
+        </p:txBody>
+      </p:sp>
+      <p:sp>
+        <p:nvSpPr>
           <p:cNvPr id="2" name="タイトル 1">
             <a:extLst>
               <a:ext uri="{FF2B5EF4-FFF2-40B4-BE49-F238E27FC236}">
-                <a16:creationId xmlns:a16="http://schemas.microsoft.com/office/drawing/2014/main" id="{861E04A1-68B5-35D5-40AE-BD0057FC9410}"/>
+                <a16:creationId xmlns:a16="http://schemas.microsoft.com/office/drawing/2014/main" id="{E83F635B-04E1-3E2F-6A1A-E28F471867BC}"/>
               </a:ext>
             </a:extLst>
           </p:cNvPr>
@@ -10216,6 +11069,344 @@
           <a:lstStyle/>
           <a:p>
             <a:r>
+              <a:rPr lang="en-US" altLang="ja-JP" dirty="0">
+                <a:latin typeface="Times New Roman" panose="02020603050405020304" pitchFamily="18" charset="0"/>
+                <a:cs typeface="Times New Roman" panose="02020603050405020304" pitchFamily="18" charset="0"/>
+              </a:rPr>
+              <a:t>2. </a:t>
+            </a:r>
+            <a:r>
+              <a:rPr kumimoji="1" lang="ja-JP" altLang="en-US" dirty="0"/>
+              <a:t>可変抵抗による</a:t>
+            </a:r>
+            <a:r>
+              <a:rPr lang="en-US" altLang="ja-JP" dirty="0"/>
+              <a:t>LED</a:t>
+            </a:r>
+            <a:r>
+              <a:rPr lang="ja-JP" altLang="en-US" dirty="0"/>
+              <a:t>の明るさ調節</a:t>
+            </a:r>
+            <a:endParaRPr kumimoji="1" lang="ja-JP" altLang="en-US" dirty="0"/>
+          </a:p>
+        </p:txBody>
+      </p:sp>
+      <p:sp>
+        <p:nvSpPr>
+          <p:cNvPr id="4" name="スライド番号プレースホルダー 3">
+            <a:extLst>
+              <a:ext uri="{FF2B5EF4-FFF2-40B4-BE49-F238E27FC236}">
+                <a16:creationId xmlns:a16="http://schemas.microsoft.com/office/drawing/2014/main" id="{55FCAD2E-5B05-AB02-3590-68DD22631CF3}"/>
+              </a:ext>
+            </a:extLst>
+          </p:cNvPr>
+          <p:cNvSpPr>
+            <a:spLocks noGrp="1"/>
+          </p:cNvSpPr>
+          <p:nvPr>
+            <p:ph type="sldNum" sz="quarter" idx="12"/>
+          </p:nvPr>
+        </p:nvSpPr>
+        <p:spPr/>
+        <p:txBody>
+          <a:bodyPr/>
+          <a:lstStyle/>
+          <a:p>
+            <a:fld id="{167E14B9-D607-4902-8FEC-B1687B44AC2F}" type="slidenum">
+              <a:rPr lang="ja-JP" altLang="en-US" smtClean="0"/>
+              <a:pPr/>
+              <a:t>20</a:t>
+            </a:fld>
+            <a:endParaRPr lang="ja-JP" altLang="en-US" dirty="0"/>
+          </a:p>
+        </p:txBody>
+      </p:sp>
+      <p:pic>
+        <p:nvPicPr>
+          <p:cNvPr id="4098" name="Picture 2">
+            <a:extLst>
+              <a:ext uri="{FF2B5EF4-FFF2-40B4-BE49-F238E27FC236}">
+                <a16:creationId xmlns:a16="http://schemas.microsoft.com/office/drawing/2014/main" id="{D0F898AB-80B0-2CD1-2247-2C315BDBDA0A}"/>
+              </a:ext>
+            </a:extLst>
+          </p:cNvPr>
+          <p:cNvPicPr>
+            <a:picLocks noChangeAspect="1" noChangeArrowheads="1"/>
+          </p:cNvPicPr>
+          <p:nvPr/>
+        </p:nvPicPr>
+        <p:blipFill>
+          <a:blip r:embed="rId2" cstate="print">
+            <a:extLst>
+              <a:ext uri="{28A0092B-C50C-407E-A947-70E740481C1C}">
+                <a14:useLocalDpi xmlns:a14="http://schemas.microsoft.com/office/drawing/2010/main" val="0"/>
+              </a:ext>
+            </a:extLst>
+          </a:blip>
+          <a:srcRect/>
+          <a:stretch>
+            <a:fillRect/>
+          </a:stretch>
+        </p:blipFill>
+        <p:spPr bwMode="auto">
+          <a:xfrm>
+            <a:off x="8341456" y="3284984"/>
+            <a:ext cx="2459102" cy="2974888"/>
+          </a:xfrm>
+          <a:prstGeom prst="rect">
+            <a:avLst/>
+          </a:prstGeom>
+          <a:noFill/>
+          <a:extLst>
+            <a:ext uri="{909E8E84-426E-40DD-AFC4-6F175D3DCCD1}">
+              <a14:hiddenFill xmlns:a14="http://schemas.microsoft.com/office/drawing/2010/main">
+                <a:solidFill>
+                  <a:srgbClr val="FFFFFF"/>
+                </a:solidFill>
+              </a14:hiddenFill>
+            </a:ext>
+          </a:extLst>
+        </p:spPr>
+      </p:pic>
+      <p:sp>
+        <p:nvSpPr>
+          <p:cNvPr id="11" name="テキスト ボックス 10">
+            <a:extLst>
+              <a:ext uri="{FF2B5EF4-FFF2-40B4-BE49-F238E27FC236}">
+                <a16:creationId xmlns:a16="http://schemas.microsoft.com/office/drawing/2014/main" id="{9BF7FEC9-7FEE-D704-905C-2D7D1716866E}"/>
+              </a:ext>
+            </a:extLst>
+          </p:cNvPr>
+          <p:cNvSpPr txBox="1"/>
+          <p:nvPr/>
+        </p:nvSpPr>
+        <p:spPr>
+          <a:xfrm>
+            <a:off x="1847528" y="3939045"/>
+            <a:ext cx="1512168" cy="276999"/>
+          </a:xfrm>
+          <a:prstGeom prst="rect">
+            <a:avLst/>
+          </a:prstGeom>
+          <a:noFill/>
+        </p:spPr>
+        <p:txBody>
+          <a:bodyPr wrap="square" rtlCol="0">
+            <a:spAutoFit/>
+          </a:bodyPr>
+          <a:lstStyle/>
+          <a:p>
+            <a:pPr algn="ctr"/>
+            <a:r>
+              <a:rPr kumimoji="1" lang="en-US" altLang="ja-JP" sz="1200" dirty="0"/>
+              <a:t>10 bit (0 ~ 1023)</a:t>
+            </a:r>
+            <a:endParaRPr kumimoji="1" lang="ja-JP" altLang="en-US" sz="1200" dirty="0"/>
+          </a:p>
+        </p:txBody>
+      </p:sp>
+      <p:sp>
+        <p:nvSpPr>
+          <p:cNvPr id="15" name="テキスト ボックス 14">
+            <a:extLst>
+              <a:ext uri="{FF2B5EF4-FFF2-40B4-BE49-F238E27FC236}">
+                <a16:creationId xmlns:a16="http://schemas.microsoft.com/office/drawing/2014/main" id="{0F863286-BCC1-C9EF-466C-C24F6614426D}"/>
+              </a:ext>
+            </a:extLst>
+          </p:cNvPr>
+          <p:cNvSpPr txBox="1"/>
+          <p:nvPr/>
+        </p:nvSpPr>
+        <p:spPr>
+          <a:xfrm>
+            <a:off x="3708558" y="3933056"/>
+            <a:ext cx="1512168" cy="276999"/>
+          </a:xfrm>
+          <a:prstGeom prst="rect">
+            <a:avLst/>
+          </a:prstGeom>
+          <a:noFill/>
+        </p:spPr>
+        <p:txBody>
+          <a:bodyPr wrap="square" rtlCol="0">
+            <a:spAutoFit/>
+          </a:bodyPr>
+          <a:lstStyle/>
+          <a:p>
+            <a:pPr algn="ctr"/>
+            <a:r>
+              <a:rPr lang="en-US" altLang="ja-JP" sz="1200" dirty="0"/>
+              <a:t>8</a:t>
+            </a:r>
+            <a:r>
+              <a:rPr kumimoji="1" lang="en-US" altLang="ja-JP" sz="1200" dirty="0"/>
+              <a:t> bit (0 ~ 255)</a:t>
+            </a:r>
+            <a:endParaRPr kumimoji="1" lang="ja-JP" altLang="en-US" sz="1200" dirty="0"/>
+          </a:p>
+        </p:txBody>
+      </p:sp>
+      <p:sp>
+        <p:nvSpPr>
+          <p:cNvPr id="17" name="テキスト ボックス 16">
+            <a:extLst>
+              <a:ext uri="{FF2B5EF4-FFF2-40B4-BE49-F238E27FC236}">
+                <a16:creationId xmlns:a16="http://schemas.microsoft.com/office/drawing/2014/main" id="{F08B163F-F9F3-4CE4-9106-18688CB5965A}"/>
+              </a:ext>
+            </a:extLst>
+          </p:cNvPr>
+          <p:cNvSpPr txBox="1"/>
+          <p:nvPr/>
+        </p:nvSpPr>
+        <p:spPr>
+          <a:xfrm>
+            <a:off x="911424" y="5149768"/>
+            <a:ext cx="7920880" cy="276999"/>
+          </a:xfrm>
+          <a:prstGeom prst="rect">
+            <a:avLst/>
+          </a:prstGeom>
+          <a:noFill/>
+        </p:spPr>
+        <p:txBody>
+          <a:bodyPr wrap="square" rtlCol="0">
+            <a:spAutoFit/>
+          </a:bodyPr>
+          <a:lstStyle/>
+          <a:p>
+            <a:r>
+              <a:rPr lang="ja-JP" altLang="en-US" sz="1200" dirty="0"/>
+              <a:t>* </a:t>
+            </a:r>
+            <a:r>
+              <a:rPr lang="en-US" altLang="ja-JP" sz="1200" dirty="0"/>
+              <a:t> </a:t>
+            </a:r>
+            <a:r>
+              <a:rPr lang="ja-JP" altLang="en-US" sz="1200" dirty="0"/>
+              <a:t>解説： </a:t>
+            </a:r>
+            <a:r>
+              <a:rPr kumimoji="1" lang="en-US" altLang="ja-JP" sz="1200" dirty="0">
+                <a:hlinkClick r:id="rId3"/>
+              </a:rPr>
+              <a:t>https://burariweb.info/electronic-work/arduino-learning/arduino-variable-resistor-analog-input.html</a:t>
+            </a:r>
+            <a:endParaRPr kumimoji="1" lang="ja-JP" altLang="en-US" sz="1200" dirty="0"/>
+          </a:p>
+        </p:txBody>
+      </p:sp>
+      <p:sp>
+        <p:nvSpPr>
+          <p:cNvPr id="5" name="テキスト ボックス 4">
+            <a:extLst>
+              <a:ext uri="{FF2B5EF4-FFF2-40B4-BE49-F238E27FC236}">
+                <a16:creationId xmlns:a16="http://schemas.microsoft.com/office/drawing/2014/main" id="{E1659404-4FB3-A913-705F-14B8616465A0}"/>
+              </a:ext>
+            </a:extLst>
+          </p:cNvPr>
+          <p:cNvSpPr txBox="1"/>
+          <p:nvPr/>
+        </p:nvSpPr>
+        <p:spPr>
+          <a:xfrm>
+            <a:off x="8904312" y="2225124"/>
+            <a:ext cx="1944216" cy="646331"/>
+          </a:xfrm>
+          <a:prstGeom prst="rect">
+            <a:avLst/>
+          </a:prstGeom>
+          <a:noFill/>
+          <a:ln w="38100">
+            <a:solidFill>
+              <a:schemeClr val="accent6"/>
+            </a:solidFill>
+          </a:ln>
+        </p:spPr>
+        <p:txBody>
+          <a:bodyPr wrap="square" rtlCol="0">
+            <a:spAutoFit/>
+          </a:bodyPr>
+          <a:lstStyle/>
+          <a:p>
+            <a:r>
+              <a:rPr lang="ja-JP" altLang="en-US" sz="1600" dirty="0"/>
+              <a:t>コピー</a:t>
+            </a:r>
+            <a:r>
+              <a:rPr kumimoji="1" lang="en-US" altLang="ja-JP" dirty="0"/>
+              <a:t>         Ctrl + c</a:t>
+            </a:r>
+          </a:p>
+          <a:p>
+            <a:r>
+              <a:rPr lang="ja-JP" altLang="en-US" sz="1600" dirty="0"/>
+              <a:t>ペースト</a:t>
+            </a:r>
+            <a:r>
+              <a:rPr lang="ja-JP" altLang="en-US" dirty="0"/>
+              <a:t>     </a:t>
+            </a:r>
+            <a:r>
+              <a:rPr lang="en-US" altLang="ja-JP" dirty="0"/>
+              <a:t>Ctrl + v</a:t>
+            </a:r>
+            <a:endParaRPr kumimoji="1" lang="ja-JP" altLang="en-US" dirty="0"/>
+          </a:p>
+        </p:txBody>
+      </p:sp>
+    </p:spTree>
+    <p:extLst>
+      <p:ext uri="{BB962C8B-B14F-4D97-AF65-F5344CB8AC3E}">
+        <p14:creationId xmlns:p14="http://schemas.microsoft.com/office/powerpoint/2010/main" val="3223235661"/>
+      </p:ext>
+    </p:extLst>
+  </p:cSld>
+  <p:clrMapOvr>
+    <a:masterClrMapping/>
+  </p:clrMapOvr>
+</p:sld>
+</file>
+
+<file path=ppt/slides/slide21.xml><?xml version="1.0" encoding="utf-8"?>
+<p:sld xmlns:a="http://schemas.openxmlformats.org/drawingml/2006/main" xmlns:r="http://schemas.openxmlformats.org/officeDocument/2006/relationships" xmlns:p="http://schemas.openxmlformats.org/presentationml/2006/main">
+  <p:cSld>
+    <p:spTree>
+      <p:nvGrpSpPr>
+        <p:cNvPr id="1" name=""/>
+        <p:cNvGrpSpPr/>
+        <p:nvPr/>
+      </p:nvGrpSpPr>
+      <p:grpSpPr>
+        <a:xfrm>
+          <a:off x="0" y="0"/>
+          <a:ext cx="0" cy="0"/>
+          <a:chOff x="0" y="0"/>
+          <a:chExt cx="0" cy="0"/>
+        </a:xfrm>
+      </p:grpSpPr>
+      <p:sp>
+        <p:nvSpPr>
+          <p:cNvPr id="2" name="タイトル 1">
+            <a:extLst>
+              <a:ext uri="{FF2B5EF4-FFF2-40B4-BE49-F238E27FC236}">
+                <a16:creationId xmlns:a16="http://schemas.microsoft.com/office/drawing/2014/main" id="{861E04A1-68B5-35D5-40AE-BD0057FC9410}"/>
+              </a:ext>
+            </a:extLst>
+          </p:cNvPr>
+          <p:cNvSpPr>
+            <a:spLocks noGrp="1"/>
+          </p:cNvSpPr>
+          <p:nvPr>
+            <p:ph type="title"/>
+          </p:nvPr>
+        </p:nvSpPr>
+        <p:spPr/>
+        <p:txBody>
+          <a:bodyPr/>
+          <a:lstStyle/>
+          <a:p>
+            <a:r>
               <a:rPr kumimoji="1" lang="ja-JP" altLang="en-US" dirty="0"/>
               <a:t>本講座の目的</a:t>
             </a:r>
@@ -10461,7 +11652,7 @@
             <a:fld id="{167E14B9-D607-4902-8FEC-B1687B44AC2F}" type="slidenum">
               <a:rPr lang="ja-JP" altLang="en-US" smtClean="0"/>
               <a:pPr/>
-              <a:t>20</a:t>
+              <a:t>21</a:t>
             </a:fld>
             <a:endParaRPr lang="ja-JP" altLang="en-US" dirty="0"/>
           </a:p>
@@ -10527,7 +11718,7 @@
 </p:sld>
 </file>
 
-<file path=ppt/slides/slide21.xml><?xml version="1.0" encoding="utf-8"?>
+<file path=ppt/slides/slide22.xml><?xml version="1.0" encoding="utf-8"?>
 <p:sld xmlns:a="http://schemas.openxmlformats.org/drawingml/2006/main" xmlns:r="http://schemas.openxmlformats.org/officeDocument/2006/relationships" xmlns:p="http://schemas.openxmlformats.org/presentationml/2006/main">
   <p:cSld>
     <p:spTree>
@@ -10686,7 +11877,7 @@
             <a:fld id="{167E14B9-D607-4902-8FEC-B1687B44AC2F}" type="slidenum">
               <a:rPr lang="ja-JP" altLang="en-US" smtClean="0"/>
               <a:pPr/>
-              <a:t>21</a:t>
+              <a:t>22</a:t>
             </a:fld>
             <a:endParaRPr lang="ja-JP" altLang="en-US" dirty="0"/>
           </a:p>
@@ -10706,7 +11897,7 @@
         </p:nvGrpSpPr>
         <p:grpSpPr>
           <a:xfrm>
-            <a:off x="7172172" y="3897280"/>
+            <a:off x="7032104" y="3897280"/>
             <a:ext cx="2385198" cy="2397654"/>
             <a:chOff x="7172172" y="3897280"/>
             <a:chExt cx="2385198" cy="2397654"/>
@@ -11201,244 +12392,161 @@
           </p:txBody>
         </p:sp>
       </p:grpSp>
+      <p:pic>
+        <p:nvPicPr>
+          <p:cNvPr id="8" name="グラフィックス 7">
+            <a:extLst>
+              <a:ext uri="{FF2B5EF4-FFF2-40B4-BE49-F238E27FC236}">
+                <a16:creationId xmlns:a16="http://schemas.microsoft.com/office/drawing/2014/main" id="{FE05DFE5-13D4-8EB8-0258-5121FF118C4A}"/>
+              </a:ext>
+            </a:extLst>
+          </p:cNvPr>
+          <p:cNvPicPr>
+            <a:picLocks noChangeAspect="1"/>
+          </p:cNvPicPr>
+          <p:nvPr/>
+        </p:nvPicPr>
+        <p:blipFill>
+          <a:blip r:embed="rId4" cstate="print">
+            <a:extLst>
+              <a:ext uri="{28A0092B-C50C-407E-A947-70E740481C1C}">
+                <a14:useLocalDpi xmlns:a14="http://schemas.microsoft.com/office/drawing/2010/main" val="0"/>
+              </a:ext>
+              <a:ext uri="{96DAC541-7B7A-43D3-8B79-37D633B846F1}">
+                <asvg:svgBlip xmlns:asvg="http://schemas.microsoft.com/office/drawing/2016/SVG/main" r:embed="rId5"/>
+              </a:ext>
+              <a:ext uri="{837473B0-CC2E-450A-ABE3-18F120FF3D39}">
+                <a1611:picAttrSrcUrl xmlns:a1611="http://schemas.microsoft.com/office/drawing/2016/11/main" r:id="rId6"/>
+              </a:ext>
+            </a:extLst>
+          </a:blip>
+          <a:stretch>
+            <a:fillRect/>
+          </a:stretch>
+        </p:blipFill>
+        <p:spPr>
+          <a:xfrm rot="14978079" flipH="1">
+            <a:off x="8947654" y="3174660"/>
+            <a:ext cx="1060858" cy="1137490"/>
+          </a:xfrm>
+          <a:prstGeom prst="rect">
+            <a:avLst/>
+          </a:prstGeom>
+        </p:spPr>
+      </p:pic>
+      <p:grpSp>
+        <p:nvGrpSpPr>
+          <p:cNvPr id="9" name="グループ化 8">
+            <a:extLst>
+              <a:ext uri="{FF2B5EF4-FFF2-40B4-BE49-F238E27FC236}">
+                <a16:creationId xmlns:a16="http://schemas.microsoft.com/office/drawing/2014/main" id="{817E8FBB-EB1C-5423-9C79-5E474450083B}"/>
+              </a:ext>
+            </a:extLst>
+          </p:cNvPr>
+          <p:cNvGrpSpPr/>
+          <p:nvPr/>
+        </p:nvGrpSpPr>
+        <p:grpSpPr>
+          <a:xfrm>
+            <a:off x="5155949" y="3762268"/>
+            <a:ext cx="1495891" cy="2040012"/>
+            <a:chOff x="2742542" y="5399277"/>
+            <a:chExt cx="1495891" cy="2040012"/>
+          </a:xfrm>
+        </p:grpSpPr>
+        <p:sp>
+          <p:nvSpPr>
+            <p:cNvPr id="11" name="テキスト ボックス 10">
+              <a:extLst>
+                <a:ext uri="{FF2B5EF4-FFF2-40B4-BE49-F238E27FC236}">
+                  <a16:creationId xmlns:a16="http://schemas.microsoft.com/office/drawing/2014/main" id="{D18DD1B5-AAFE-165D-58AD-825C28DECAB9}"/>
+                </a:ext>
+              </a:extLst>
+            </p:cNvPr>
+            <p:cNvSpPr txBox="1"/>
+            <p:nvPr/>
+          </p:nvSpPr>
+          <p:spPr>
+            <a:xfrm>
+              <a:off x="2742542" y="5399277"/>
+              <a:ext cx="1495891" cy="307777"/>
+            </a:xfrm>
+            <a:prstGeom prst="rect">
+              <a:avLst/>
+            </a:prstGeom>
+            <a:noFill/>
+          </p:spPr>
+          <p:txBody>
+            <a:bodyPr wrap="square" rtlCol="0">
+              <a:spAutoFit/>
+            </a:bodyPr>
+            <a:lstStyle/>
+            <a:p>
+              <a:pPr lvl="1"/>
+              <a:r>
+                <a:rPr lang="ja-JP" altLang="en-US" sz="1400" b="1" dirty="0">
+                  <a:solidFill>
+                    <a:schemeClr val="accent6"/>
+                  </a:solidFill>
+                </a:rPr>
+                <a:t>操作する</a:t>
+              </a:r>
+              <a:endParaRPr lang="en-US" altLang="ja-JP" sz="1400" b="1" dirty="0">
+                <a:solidFill>
+                  <a:schemeClr val="accent6"/>
+                </a:solidFill>
+              </a:endParaRPr>
+            </a:p>
+          </p:txBody>
+        </p:sp>
+        <p:cxnSp>
+          <p:nvCxnSpPr>
+            <p:cNvPr id="19" name="直線コネクタ 18">
+              <a:extLst>
+                <a:ext uri="{FF2B5EF4-FFF2-40B4-BE49-F238E27FC236}">
+                  <a16:creationId xmlns:a16="http://schemas.microsoft.com/office/drawing/2014/main" id="{3B72DD3B-7202-032C-3BCC-74388FFF97FD}"/>
+                </a:ext>
+              </a:extLst>
+            </p:cNvPr>
+            <p:cNvCxnSpPr>
+              <a:cxnSpLocks/>
+            </p:cNvCxnSpPr>
+            <p:nvPr/>
+          </p:nvCxnSpPr>
+          <p:spPr>
+            <a:xfrm flipV="1">
+              <a:off x="2841729" y="5642073"/>
+              <a:ext cx="355950" cy="1797216"/>
+            </a:xfrm>
+            <a:prstGeom prst="line">
+              <a:avLst/>
+            </a:prstGeom>
+            <a:ln w="28575">
+              <a:solidFill>
+                <a:schemeClr val="accent6"/>
+              </a:solidFill>
+            </a:ln>
+          </p:spPr>
+          <p:style>
+            <a:lnRef idx="1">
+              <a:schemeClr val="accent1"/>
+            </a:lnRef>
+            <a:fillRef idx="0">
+              <a:schemeClr val="accent1"/>
+            </a:fillRef>
+            <a:effectRef idx="0">
+              <a:schemeClr val="accent1"/>
+            </a:effectRef>
+            <a:fontRef idx="minor">
+              <a:schemeClr val="tx1"/>
+            </a:fontRef>
+          </p:style>
+        </p:cxnSp>
+      </p:grpSp>
     </p:spTree>
     <p:extLst>
       <p:ext uri="{BB962C8B-B14F-4D97-AF65-F5344CB8AC3E}">
         <p14:creationId xmlns:p14="http://schemas.microsoft.com/office/powerpoint/2010/main" val="2988143952"/>
-      </p:ext>
-    </p:extLst>
-  </p:cSld>
-  <p:clrMapOvr>
-    <a:masterClrMapping/>
-  </p:clrMapOvr>
-</p:sld>
-</file>
-
-<file path=ppt/slides/slide22.xml><?xml version="1.0" encoding="utf-8"?>
-<p:sld xmlns:a="http://schemas.openxmlformats.org/drawingml/2006/main" xmlns:r="http://schemas.openxmlformats.org/officeDocument/2006/relationships" xmlns:p="http://schemas.openxmlformats.org/presentationml/2006/main">
-  <p:cSld>
-    <p:spTree>
-      <p:nvGrpSpPr>
-        <p:cNvPr id="1" name=""/>
-        <p:cNvGrpSpPr/>
-        <p:nvPr/>
-      </p:nvGrpSpPr>
-      <p:grpSpPr>
-        <a:xfrm>
-          <a:off x="0" y="0"/>
-          <a:ext cx="0" cy="0"/>
-          <a:chOff x="0" y="0"/>
-          <a:chExt cx="0" cy="0"/>
-        </a:xfrm>
-      </p:grpSpPr>
-      <p:sp>
-        <p:nvSpPr>
-          <p:cNvPr id="2" name="タイトル 1">
-            <a:extLst>
-              <a:ext uri="{FF2B5EF4-FFF2-40B4-BE49-F238E27FC236}">
-                <a16:creationId xmlns:a16="http://schemas.microsoft.com/office/drawing/2014/main" id="{E83F635B-04E1-3E2F-6A1A-E28F471867BC}"/>
-              </a:ext>
-            </a:extLst>
-          </p:cNvPr>
-          <p:cNvSpPr>
-            <a:spLocks noGrp="1"/>
-          </p:cNvSpPr>
-          <p:nvPr>
-            <p:ph type="title"/>
-          </p:nvPr>
-        </p:nvSpPr>
-        <p:spPr/>
-        <p:txBody>
-          <a:bodyPr/>
-          <a:lstStyle/>
-          <a:p>
-            <a:r>
-              <a:rPr lang="en-US" altLang="ja-JP" dirty="0">
-                <a:latin typeface="Times New Roman" panose="02020603050405020304" pitchFamily="18" charset="0"/>
-                <a:cs typeface="Times New Roman" panose="02020603050405020304" pitchFamily="18" charset="0"/>
-              </a:rPr>
-              <a:t>3.</a:t>
-            </a:r>
-            <a:r>
-              <a:rPr lang="ja-JP" altLang="en-US" dirty="0">
-                <a:latin typeface="Times New Roman" panose="02020603050405020304" pitchFamily="18" charset="0"/>
-                <a:cs typeface="Times New Roman" panose="02020603050405020304" pitchFamily="18" charset="0"/>
-              </a:rPr>
-              <a:t>  </a:t>
-            </a:r>
-            <a:r>
-              <a:rPr lang="ja-JP" altLang="en-US" dirty="0"/>
-              <a:t>ブロック崩しゲームのコントローラ作成</a:t>
-            </a:r>
-            <a:endParaRPr kumimoji="1" lang="ja-JP" altLang="en-US" dirty="0"/>
-          </a:p>
-        </p:txBody>
-      </p:sp>
-      <p:sp>
-        <p:nvSpPr>
-          <p:cNvPr id="3" name="コンテンツ プレースホルダー 2">
-            <a:extLst>
-              <a:ext uri="{FF2B5EF4-FFF2-40B4-BE49-F238E27FC236}">
-                <a16:creationId xmlns:a16="http://schemas.microsoft.com/office/drawing/2014/main" id="{804809AE-B255-CB38-8F76-32BE480AA851}"/>
-              </a:ext>
-            </a:extLst>
-          </p:cNvPr>
-          <p:cNvSpPr>
-            <a:spLocks noGrp="1"/>
-          </p:cNvSpPr>
-          <p:nvPr>
-            <p:ph idx="1"/>
-          </p:nvPr>
-        </p:nvSpPr>
-        <p:spPr/>
-        <p:txBody>
-          <a:bodyPr/>
-          <a:lstStyle/>
-          <a:p>
-            <a:pPr marL="0" indent="0">
-              <a:buNone/>
-            </a:pPr>
-            <a:r>
-              <a:rPr lang="ja-JP" altLang="en-US" dirty="0"/>
-              <a:t>・・・</a:t>
-            </a:r>
-            <a:r>
-              <a:rPr kumimoji="1" lang="ja-JP" altLang="en-US" b="1" dirty="0">
-                <a:solidFill>
-                  <a:srgbClr val="FF0000"/>
-                </a:solidFill>
-              </a:rPr>
-              <a:t>ブロック崩しのバーを可変抵抗器で操作しよう</a:t>
-            </a:r>
-            <a:endParaRPr lang="en-US" altLang="ja-JP" b="1" dirty="0">
-              <a:solidFill>
-                <a:srgbClr val="FF0000"/>
-              </a:solidFill>
-            </a:endParaRPr>
-          </a:p>
-          <a:p>
-            <a:pPr marL="0" indent="0">
-              <a:buNone/>
-            </a:pPr>
-            <a:endParaRPr lang="en-US" altLang="ja-JP" sz="2000" b="1" dirty="0">
-              <a:solidFill>
-                <a:srgbClr val="FF0000"/>
-              </a:solidFill>
-            </a:endParaRPr>
-          </a:p>
-          <a:p>
-            <a:pPr marL="0" indent="0">
-              <a:buNone/>
-            </a:pPr>
-            <a:endParaRPr lang="en-US" altLang="ja-JP" sz="1000" b="1" dirty="0">
-              <a:solidFill>
-                <a:srgbClr val="FF0000"/>
-              </a:solidFill>
-            </a:endParaRPr>
-          </a:p>
-          <a:p>
-            <a:pPr marL="0" indent="0">
-              <a:buNone/>
-            </a:pPr>
-            <a:r>
-              <a:rPr lang="en-US" altLang="ja-JP" b="1" dirty="0"/>
-              <a:t>【 1</a:t>
-            </a:r>
-            <a:r>
-              <a:rPr lang="en-US" altLang="ja-JP" b="1" baseline="30000" dirty="0"/>
-              <a:t>st</a:t>
-            </a:r>
-            <a:r>
-              <a:rPr lang="en-US" altLang="ja-JP" b="1" dirty="0"/>
-              <a:t> Step 】</a:t>
-            </a:r>
-          </a:p>
-          <a:p>
-            <a:pPr marL="0" indent="0">
-              <a:buNone/>
-            </a:pPr>
-            <a:endParaRPr lang="en-US" altLang="ja-JP" sz="1000" dirty="0"/>
-          </a:p>
-          <a:p>
-            <a:pPr marL="0" indent="0">
-              <a:buNone/>
-            </a:pPr>
-            <a:r>
-              <a:rPr lang="ja-JP" altLang="en-US" dirty="0"/>
-              <a:t>　</a:t>
-            </a:r>
-            <a:r>
-              <a:rPr lang="ja-JP" altLang="en-US" b="1" dirty="0"/>
-              <a:t>ブロック崩しのソースコードを用意</a:t>
-            </a:r>
-            <a:endParaRPr lang="en-US" altLang="ja-JP" b="1" dirty="0"/>
-          </a:p>
-          <a:p>
-            <a:pPr lvl="1"/>
-            <a:r>
-              <a:rPr lang="en-US" altLang="ja-JP" dirty="0"/>
-              <a:t>Sample: </a:t>
-            </a:r>
-            <a:r>
-              <a:rPr lang="en-US" altLang="ja-JP" dirty="0">
-                <a:hlinkClick r:id="rId2"/>
-              </a:rPr>
-              <a:t>BlockGame_SimpleVer.py</a:t>
-            </a:r>
-            <a:endParaRPr lang="en-US" altLang="ja-JP" dirty="0"/>
-          </a:p>
-          <a:p>
-            <a:pPr lvl="1"/>
-            <a:endParaRPr lang="en-US" altLang="ja-JP" dirty="0"/>
-          </a:p>
-          <a:p>
-            <a:pPr marL="0" indent="0">
-              <a:buNone/>
-            </a:pPr>
-            <a:endParaRPr lang="en-US" altLang="ja-JP" dirty="0"/>
-          </a:p>
-          <a:p>
-            <a:endParaRPr lang="en-US" altLang="ja-JP" dirty="0"/>
-          </a:p>
-          <a:p>
-            <a:endParaRPr kumimoji="1" lang="ja-JP" altLang="en-US" dirty="0"/>
-          </a:p>
-        </p:txBody>
-      </p:sp>
-      <p:sp>
-        <p:nvSpPr>
-          <p:cNvPr id="4" name="スライド番号プレースホルダー 3">
-            <a:extLst>
-              <a:ext uri="{FF2B5EF4-FFF2-40B4-BE49-F238E27FC236}">
-                <a16:creationId xmlns:a16="http://schemas.microsoft.com/office/drawing/2014/main" id="{55FCAD2E-5B05-AB02-3590-68DD22631CF3}"/>
-              </a:ext>
-            </a:extLst>
-          </p:cNvPr>
-          <p:cNvSpPr>
-            <a:spLocks noGrp="1"/>
-          </p:cNvSpPr>
-          <p:nvPr>
-            <p:ph type="sldNum" sz="quarter" idx="12"/>
-          </p:nvPr>
-        </p:nvSpPr>
-        <p:spPr/>
-        <p:txBody>
-          <a:bodyPr/>
-          <a:lstStyle/>
-          <a:p>
-            <a:fld id="{167E14B9-D607-4902-8FEC-B1687B44AC2F}" type="slidenum">
-              <a:rPr lang="ja-JP" altLang="en-US" smtClean="0"/>
-              <a:pPr/>
-              <a:t>22</a:t>
-            </a:fld>
-            <a:endParaRPr lang="ja-JP" altLang="en-US" dirty="0"/>
-          </a:p>
-        </p:txBody>
-      </p:sp>
-    </p:spTree>
-    <p:extLst>
-      <p:ext uri="{BB962C8B-B14F-4D97-AF65-F5344CB8AC3E}">
-        <p14:creationId xmlns:p14="http://schemas.microsoft.com/office/powerpoint/2010/main" val="2823323749"/>
       </p:ext>
     </p:extLst>
   </p:cSld>
@@ -11470,6 +12578,2977 @@
           <p:cNvPr id="2" name="タイトル 1">
             <a:extLst>
               <a:ext uri="{FF2B5EF4-FFF2-40B4-BE49-F238E27FC236}">
+                <a16:creationId xmlns:a16="http://schemas.microsoft.com/office/drawing/2014/main" id="{E83F635B-04E1-3E2F-6A1A-E28F471867BC}"/>
+              </a:ext>
+            </a:extLst>
+          </p:cNvPr>
+          <p:cNvSpPr>
+            <a:spLocks noGrp="1"/>
+          </p:cNvSpPr>
+          <p:nvPr>
+            <p:ph type="title"/>
+          </p:nvPr>
+        </p:nvSpPr>
+        <p:spPr/>
+        <p:txBody>
+          <a:bodyPr/>
+          <a:lstStyle/>
+          <a:p>
+            <a:r>
+              <a:rPr lang="en-US" altLang="ja-JP" dirty="0">
+                <a:latin typeface="Times New Roman" panose="02020603050405020304" pitchFamily="18" charset="0"/>
+                <a:cs typeface="Times New Roman" panose="02020603050405020304" pitchFamily="18" charset="0"/>
+              </a:rPr>
+              <a:t>3.</a:t>
+            </a:r>
+            <a:r>
+              <a:rPr lang="ja-JP" altLang="en-US" dirty="0">
+                <a:latin typeface="Times New Roman" panose="02020603050405020304" pitchFamily="18" charset="0"/>
+                <a:cs typeface="Times New Roman" panose="02020603050405020304" pitchFamily="18" charset="0"/>
+              </a:rPr>
+              <a:t>  </a:t>
+            </a:r>
+            <a:r>
+              <a:rPr lang="ja-JP" altLang="en-US" dirty="0"/>
+              <a:t>ブロック崩しゲームのコントローラ作成</a:t>
+            </a:r>
+            <a:endParaRPr kumimoji="1" lang="ja-JP" altLang="en-US" dirty="0"/>
+          </a:p>
+        </p:txBody>
+      </p:sp>
+      <p:sp>
+        <p:nvSpPr>
+          <p:cNvPr id="3" name="コンテンツ プレースホルダー 2">
+            <a:extLst>
+              <a:ext uri="{FF2B5EF4-FFF2-40B4-BE49-F238E27FC236}">
+                <a16:creationId xmlns:a16="http://schemas.microsoft.com/office/drawing/2014/main" id="{804809AE-B255-CB38-8F76-32BE480AA851}"/>
+              </a:ext>
+            </a:extLst>
+          </p:cNvPr>
+          <p:cNvSpPr>
+            <a:spLocks noGrp="1"/>
+          </p:cNvSpPr>
+          <p:nvPr>
+            <p:ph idx="1"/>
+          </p:nvPr>
+        </p:nvSpPr>
+        <p:spPr/>
+        <p:txBody>
+          <a:bodyPr/>
+          <a:lstStyle/>
+          <a:p>
+            <a:pPr marL="0" indent="0">
+              <a:buNone/>
+            </a:pPr>
+            <a:r>
+              <a:rPr lang="ja-JP" altLang="en-US" dirty="0"/>
+              <a:t>・・・</a:t>
+            </a:r>
+            <a:r>
+              <a:rPr kumimoji="1" lang="ja-JP" altLang="en-US" sz="2400" b="1" dirty="0">
+                <a:solidFill>
+                  <a:srgbClr val="FF0000"/>
+                </a:solidFill>
+              </a:rPr>
+              <a:t>ブロック崩しのバーを可変抵抗器で操作 </a:t>
+            </a:r>
+            <a:endParaRPr lang="en-US" altLang="ja-JP" b="1" dirty="0">
+              <a:solidFill>
+                <a:srgbClr val="FF0000"/>
+              </a:solidFill>
+            </a:endParaRPr>
+          </a:p>
+          <a:p>
+            <a:pPr marL="0" indent="0">
+              <a:buNone/>
+            </a:pPr>
+            <a:endParaRPr lang="en-US" altLang="ja-JP" sz="1600" b="1" dirty="0">
+              <a:solidFill>
+                <a:srgbClr val="FF0000"/>
+              </a:solidFill>
+            </a:endParaRPr>
+          </a:p>
+          <a:p>
+            <a:pPr marL="0" indent="0">
+              <a:buNone/>
+            </a:pPr>
+            <a:endParaRPr lang="en-US" altLang="ja-JP" sz="1000" b="1" dirty="0">
+              <a:solidFill>
+                <a:srgbClr val="FF0000"/>
+              </a:solidFill>
+            </a:endParaRPr>
+          </a:p>
+          <a:p>
+            <a:pPr marL="0" indent="0">
+              <a:buNone/>
+            </a:pPr>
+            <a:r>
+              <a:rPr lang="en-US" altLang="ja-JP" b="1" dirty="0"/>
+              <a:t>【 </a:t>
+            </a:r>
+            <a:r>
+              <a:rPr lang="ja-JP" altLang="en-US" b="1" dirty="0"/>
+              <a:t>参考</a:t>
+            </a:r>
+            <a:r>
+              <a:rPr lang="en-US" altLang="ja-JP" b="1" dirty="0"/>
+              <a:t> 】</a:t>
+            </a:r>
+          </a:p>
+          <a:p>
+            <a:pPr marL="0" indent="0">
+              <a:buNone/>
+            </a:pPr>
+            <a:endParaRPr lang="en-US" altLang="ja-JP" sz="1000" dirty="0"/>
+          </a:p>
+          <a:p>
+            <a:pPr marL="0" indent="0">
+              <a:buNone/>
+            </a:pPr>
+            <a:r>
+              <a:rPr lang="ja-JP" altLang="en-US" dirty="0"/>
+              <a:t>　</a:t>
+            </a:r>
+            <a:r>
+              <a:rPr lang="en-US" altLang="ja-JP" b="1" dirty="0"/>
+              <a:t>python – Arduino </a:t>
+            </a:r>
+            <a:r>
+              <a:rPr lang="ja-JP" altLang="en-US" b="1" dirty="0"/>
+              <a:t>間でシリアル通信をしよう</a:t>
+            </a:r>
+            <a:endParaRPr lang="en-US" altLang="ja-JP" dirty="0"/>
+          </a:p>
+          <a:p>
+            <a:pPr lvl="1"/>
+            <a:r>
+              <a:rPr lang="ja-JP" altLang="en-US" dirty="0"/>
+              <a:t>参考：</a:t>
+            </a:r>
+            <a:r>
+              <a:rPr lang="en-US" altLang="ja-JP" dirty="0">
+                <a:hlinkClick r:id="rId2"/>
+              </a:rPr>
+              <a:t>Serial Communication between Python and Arduino</a:t>
+            </a:r>
+            <a:endParaRPr lang="en-US" altLang="ja-JP" dirty="0"/>
+          </a:p>
+          <a:p>
+            <a:pPr lvl="1"/>
+            <a:r>
+              <a:rPr lang="en-US" altLang="ja-JP" dirty="0"/>
+              <a:t>Arduino </a:t>
+            </a:r>
+            <a:r>
+              <a:rPr lang="ja-JP" altLang="en-US" dirty="0"/>
+              <a:t>側からの送信　</a:t>
+            </a:r>
+            <a:r>
+              <a:rPr lang="en-US" altLang="ja-JP" dirty="0" err="1"/>
+              <a:t>serial.print</a:t>
+            </a:r>
+            <a:r>
+              <a:rPr lang="en-US" altLang="ja-JP" dirty="0"/>
+              <a:t>()</a:t>
+            </a:r>
+          </a:p>
+          <a:p>
+            <a:pPr lvl="1"/>
+            <a:r>
+              <a:rPr lang="en-US" altLang="ja-JP" dirty="0"/>
+              <a:t>Python </a:t>
+            </a:r>
+            <a:r>
+              <a:rPr lang="ja-JP" altLang="en-US" dirty="0"/>
+              <a:t>側での受信　　</a:t>
+            </a:r>
+            <a:r>
+              <a:rPr lang="en-US" altLang="ja-JP" dirty="0" err="1"/>
+              <a:t>self.readline</a:t>
+            </a:r>
+            <a:r>
+              <a:rPr lang="en-US" altLang="ja-JP" dirty="0"/>
+              <a:t>()</a:t>
+            </a:r>
+          </a:p>
+          <a:p>
+            <a:pPr lvl="1"/>
+            <a:endParaRPr lang="en-US" altLang="ja-JP" dirty="0"/>
+          </a:p>
+          <a:p>
+            <a:pPr lvl="1"/>
+            <a:endParaRPr lang="en-US" altLang="ja-JP" dirty="0"/>
+          </a:p>
+          <a:p>
+            <a:pPr lvl="1"/>
+            <a:endParaRPr lang="en-US" altLang="ja-JP" dirty="0"/>
+          </a:p>
+          <a:p>
+            <a:endParaRPr lang="en-US" altLang="ja-JP" dirty="0"/>
+          </a:p>
+          <a:p>
+            <a:pPr marL="0" indent="0">
+              <a:buNone/>
+            </a:pPr>
+            <a:endParaRPr lang="en-US" altLang="ja-JP" dirty="0"/>
+          </a:p>
+          <a:p>
+            <a:endParaRPr lang="en-US" altLang="ja-JP" dirty="0"/>
+          </a:p>
+          <a:p>
+            <a:endParaRPr kumimoji="1" lang="ja-JP" altLang="en-US" dirty="0"/>
+          </a:p>
+        </p:txBody>
+      </p:sp>
+      <p:sp>
+        <p:nvSpPr>
+          <p:cNvPr id="4" name="スライド番号プレースホルダー 3">
+            <a:extLst>
+              <a:ext uri="{FF2B5EF4-FFF2-40B4-BE49-F238E27FC236}">
+                <a16:creationId xmlns:a16="http://schemas.microsoft.com/office/drawing/2014/main" id="{55FCAD2E-5B05-AB02-3590-68DD22631CF3}"/>
+              </a:ext>
+            </a:extLst>
+          </p:cNvPr>
+          <p:cNvSpPr>
+            <a:spLocks noGrp="1"/>
+          </p:cNvSpPr>
+          <p:nvPr>
+            <p:ph type="sldNum" sz="quarter" idx="12"/>
+          </p:nvPr>
+        </p:nvSpPr>
+        <p:spPr/>
+        <p:txBody>
+          <a:bodyPr/>
+          <a:lstStyle/>
+          <a:p>
+            <a:fld id="{167E14B9-D607-4902-8FEC-B1687B44AC2F}" type="slidenum">
+              <a:rPr lang="ja-JP" altLang="en-US" smtClean="0"/>
+              <a:pPr/>
+              <a:t>23</a:t>
+            </a:fld>
+            <a:endParaRPr lang="ja-JP" altLang="en-US" dirty="0"/>
+          </a:p>
+        </p:txBody>
+      </p:sp>
+      <p:pic>
+        <p:nvPicPr>
+          <p:cNvPr id="6" name="図 5">
+            <a:extLst>
+              <a:ext uri="{FF2B5EF4-FFF2-40B4-BE49-F238E27FC236}">
+                <a16:creationId xmlns:a16="http://schemas.microsoft.com/office/drawing/2014/main" id="{8147E116-8C6E-957E-A2C1-5E23DDF61366}"/>
+              </a:ext>
+            </a:extLst>
+          </p:cNvPr>
+          <p:cNvPicPr>
+            <a:picLocks noChangeAspect="1"/>
+          </p:cNvPicPr>
+          <p:nvPr/>
+        </p:nvPicPr>
+        <p:blipFill>
+          <a:blip r:embed="rId3"/>
+          <a:stretch>
+            <a:fillRect/>
+          </a:stretch>
+        </p:blipFill>
+        <p:spPr>
+          <a:xfrm>
+            <a:off x="2124466" y="4484429"/>
+            <a:ext cx="2693379" cy="1870770"/>
+          </a:xfrm>
+          <a:prstGeom prst="rect">
+            <a:avLst/>
+          </a:prstGeom>
+        </p:spPr>
+      </p:pic>
+      <p:sp>
+        <p:nvSpPr>
+          <p:cNvPr id="17" name="テキスト ボックス 16">
+            <a:extLst>
+              <a:ext uri="{FF2B5EF4-FFF2-40B4-BE49-F238E27FC236}">
+                <a16:creationId xmlns:a16="http://schemas.microsoft.com/office/drawing/2014/main" id="{B28310AE-625A-8DCF-9295-79D7E4A15742}"/>
+              </a:ext>
+            </a:extLst>
+          </p:cNvPr>
+          <p:cNvSpPr txBox="1"/>
+          <p:nvPr/>
+        </p:nvSpPr>
+        <p:spPr>
+          <a:xfrm>
+            <a:off x="2787080" y="6384450"/>
+            <a:ext cx="1368152" cy="307777"/>
+          </a:xfrm>
+          <a:prstGeom prst="rect">
+            <a:avLst/>
+          </a:prstGeom>
+          <a:noFill/>
+        </p:spPr>
+        <p:txBody>
+          <a:bodyPr wrap="square" rtlCol="0">
+            <a:spAutoFit/>
+          </a:bodyPr>
+          <a:lstStyle/>
+          <a:p>
+            <a:pPr algn="ctr"/>
+            <a:r>
+              <a:rPr kumimoji="1" lang="en-US" altLang="ja-JP" sz="1400" dirty="0"/>
+              <a:t>Arduino </a:t>
+            </a:r>
+            <a:r>
+              <a:rPr kumimoji="1" lang="ja-JP" altLang="en-US" sz="1400" dirty="0"/>
+              <a:t>コード</a:t>
+            </a:r>
+          </a:p>
+        </p:txBody>
+      </p:sp>
+      <p:sp>
+        <p:nvSpPr>
+          <p:cNvPr id="18" name="テキスト ボックス 17">
+            <a:extLst>
+              <a:ext uri="{FF2B5EF4-FFF2-40B4-BE49-F238E27FC236}">
+                <a16:creationId xmlns:a16="http://schemas.microsoft.com/office/drawing/2014/main" id="{1878D12C-D364-20FE-1E4C-3F186801EF16}"/>
+              </a:ext>
+            </a:extLst>
+          </p:cNvPr>
+          <p:cNvSpPr txBox="1"/>
+          <p:nvPr/>
+        </p:nvSpPr>
+        <p:spPr>
+          <a:xfrm>
+            <a:off x="7680176" y="6394462"/>
+            <a:ext cx="1368152" cy="307777"/>
+          </a:xfrm>
+          <a:prstGeom prst="rect">
+            <a:avLst/>
+          </a:prstGeom>
+          <a:noFill/>
+        </p:spPr>
+        <p:txBody>
+          <a:bodyPr wrap="square" rtlCol="0">
+            <a:spAutoFit/>
+          </a:bodyPr>
+          <a:lstStyle/>
+          <a:p>
+            <a:pPr algn="ctr"/>
+            <a:r>
+              <a:rPr kumimoji="1" lang="en-US" altLang="ja-JP" sz="1400" dirty="0"/>
+              <a:t>Python </a:t>
+            </a:r>
+            <a:r>
+              <a:rPr kumimoji="1" lang="ja-JP" altLang="en-US" sz="1400" dirty="0"/>
+              <a:t>コード</a:t>
+            </a:r>
+          </a:p>
+        </p:txBody>
+      </p:sp>
+      <p:pic>
+        <p:nvPicPr>
+          <p:cNvPr id="20" name="図 19">
+            <a:extLst>
+              <a:ext uri="{FF2B5EF4-FFF2-40B4-BE49-F238E27FC236}">
+                <a16:creationId xmlns:a16="http://schemas.microsoft.com/office/drawing/2014/main" id="{4A2B71F4-2901-D3DE-F995-AF572EF98E7D}"/>
+              </a:ext>
+            </a:extLst>
+          </p:cNvPr>
+          <p:cNvPicPr>
+            <a:picLocks noChangeAspect="1"/>
+          </p:cNvPicPr>
+          <p:nvPr/>
+        </p:nvPicPr>
+        <p:blipFill>
+          <a:blip r:embed="rId4"/>
+          <a:stretch>
+            <a:fillRect/>
+          </a:stretch>
+        </p:blipFill>
+        <p:spPr>
+          <a:xfrm>
+            <a:off x="6096000" y="4016853"/>
+            <a:ext cx="4536504" cy="2303543"/>
+          </a:xfrm>
+          <a:prstGeom prst="rect">
+            <a:avLst/>
+          </a:prstGeom>
+        </p:spPr>
+      </p:pic>
+      <p:pic>
+        <p:nvPicPr>
+          <p:cNvPr id="21" name="図 20">
+            <a:extLst>
+              <a:ext uri="{FF2B5EF4-FFF2-40B4-BE49-F238E27FC236}">
+                <a16:creationId xmlns:a16="http://schemas.microsoft.com/office/drawing/2014/main" id="{53BD262F-3AD6-DB28-165E-720AEAC96C88}"/>
+              </a:ext>
+            </a:extLst>
+          </p:cNvPr>
+          <p:cNvPicPr>
+            <a:picLocks noChangeAspect="1"/>
+          </p:cNvPicPr>
+          <p:nvPr/>
+        </p:nvPicPr>
+        <p:blipFill>
+          <a:blip r:embed="rId5"/>
+          <a:stretch>
+            <a:fillRect/>
+          </a:stretch>
+        </p:blipFill>
+        <p:spPr>
+          <a:xfrm>
+            <a:off x="8004608" y="1700808"/>
+            <a:ext cx="3060825" cy="1295306"/>
+          </a:xfrm>
+          <a:prstGeom prst="rect">
+            <a:avLst/>
+          </a:prstGeom>
+        </p:spPr>
+      </p:pic>
+      <p:grpSp>
+        <p:nvGrpSpPr>
+          <p:cNvPr id="22" name="グループ化 21">
+            <a:extLst>
+              <a:ext uri="{FF2B5EF4-FFF2-40B4-BE49-F238E27FC236}">
+                <a16:creationId xmlns:a16="http://schemas.microsoft.com/office/drawing/2014/main" id="{3E333950-F8A0-BA4B-01D1-A7A0D9192BEB}"/>
+              </a:ext>
+            </a:extLst>
+          </p:cNvPr>
+          <p:cNvGrpSpPr/>
+          <p:nvPr/>
+        </p:nvGrpSpPr>
+        <p:grpSpPr>
+          <a:xfrm>
+            <a:off x="8249965" y="3672701"/>
+            <a:ext cx="2521161" cy="798120"/>
+            <a:chOff x="2439198" y="5404941"/>
+            <a:chExt cx="2521161" cy="798120"/>
+          </a:xfrm>
+        </p:grpSpPr>
+        <p:sp>
+          <p:nvSpPr>
+            <p:cNvPr id="23" name="テキスト ボックス 22">
+              <a:extLst>
+                <a:ext uri="{FF2B5EF4-FFF2-40B4-BE49-F238E27FC236}">
+                  <a16:creationId xmlns:a16="http://schemas.microsoft.com/office/drawing/2014/main" id="{EEDFDA29-78F5-21B4-3D0C-5FF43E145118}"/>
+                </a:ext>
+              </a:extLst>
+            </p:cNvPr>
+            <p:cNvSpPr txBox="1"/>
+            <p:nvPr/>
+          </p:nvSpPr>
+          <p:spPr>
+            <a:xfrm>
+              <a:off x="2439198" y="5404941"/>
+              <a:ext cx="2521161" cy="307777"/>
+            </a:xfrm>
+            <a:prstGeom prst="rect">
+              <a:avLst/>
+            </a:prstGeom>
+            <a:noFill/>
+          </p:spPr>
+          <p:txBody>
+            <a:bodyPr wrap="square" rtlCol="0">
+              <a:spAutoFit/>
+            </a:bodyPr>
+            <a:lstStyle/>
+            <a:p>
+              <a:pPr lvl="1"/>
+              <a:r>
+                <a:rPr lang="ja-JP" altLang="en-US" sz="1400" b="1" dirty="0">
+                  <a:solidFill>
+                    <a:schemeClr val="accent6"/>
+                  </a:solidFill>
+                </a:rPr>
+                <a:t>適切なポートを指定</a:t>
+              </a:r>
+              <a:endParaRPr lang="en-US" altLang="ja-JP" sz="1400" b="1" dirty="0">
+                <a:solidFill>
+                  <a:schemeClr val="accent6"/>
+                </a:solidFill>
+              </a:endParaRPr>
+            </a:p>
+          </p:txBody>
+        </p:sp>
+        <p:cxnSp>
+          <p:nvCxnSpPr>
+            <p:cNvPr id="24" name="直線コネクタ 23">
+              <a:extLst>
+                <a:ext uri="{FF2B5EF4-FFF2-40B4-BE49-F238E27FC236}">
+                  <a16:creationId xmlns:a16="http://schemas.microsoft.com/office/drawing/2014/main" id="{0FC98984-96E1-1EB4-5F37-239766153782}"/>
+                </a:ext>
+              </a:extLst>
+            </p:cNvPr>
+            <p:cNvCxnSpPr>
+              <a:cxnSpLocks/>
+            </p:cNvCxnSpPr>
+            <p:nvPr/>
+          </p:nvCxnSpPr>
+          <p:spPr>
+            <a:xfrm flipV="1">
+              <a:off x="2553485" y="5553377"/>
+              <a:ext cx="389769" cy="649684"/>
+            </a:xfrm>
+            <a:prstGeom prst="line">
+              <a:avLst/>
+            </a:prstGeom>
+            <a:ln w="28575">
+              <a:solidFill>
+                <a:schemeClr val="accent6"/>
+              </a:solidFill>
+            </a:ln>
+          </p:spPr>
+          <p:style>
+            <a:lnRef idx="1">
+              <a:schemeClr val="accent1"/>
+            </a:lnRef>
+            <a:fillRef idx="0">
+              <a:schemeClr val="accent1"/>
+            </a:fillRef>
+            <a:effectRef idx="0">
+              <a:schemeClr val="accent1"/>
+            </a:effectRef>
+            <a:fontRef idx="minor">
+              <a:schemeClr val="tx1"/>
+            </a:fontRef>
+          </p:style>
+        </p:cxnSp>
+      </p:grpSp>
+      <p:cxnSp>
+        <p:nvCxnSpPr>
+          <p:cNvPr id="36" name="直線矢印コネクタ 35">
+            <a:extLst>
+              <a:ext uri="{FF2B5EF4-FFF2-40B4-BE49-F238E27FC236}">
+                <a16:creationId xmlns:a16="http://schemas.microsoft.com/office/drawing/2014/main" id="{4735C907-0E01-7B65-2236-A79A9B548D0F}"/>
+              </a:ext>
+            </a:extLst>
+          </p:cNvPr>
+          <p:cNvCxnSpPr>
+            <a:cxnSpLocks/>
+          </p:cNvCxnSpPr>
+          <p:nvPr/>
+        </p:nvCxnSpPr>
+        <p:spPr>
+          <a:xfrm flipV="1">
+            <a:off x="5015880" y="5339981"/>
+            <a:ext cx="1584176" cy="767546"/>
+          </a:xfrm>
+          <a:prstGeom prst="straightConnector1">
+            <a:avLst/>
+          </a:prstGeom>
+          <a:ln w="76200">
+            <a:solidFill>
+              <a:schemeClr val="accent4"/>
+            </a:solidFill>
+            <a:tailEnd type="triangle"/>
+          </a:ln>
+        </p:spPr>
+        <p:style>
+          <a:lnRef idx="1">
+            <a:schemeClr val="accent1"/>
+          </a:lnRef>
+          <a:fillRef idx="0">
+            <a:schemeClr val="accent1"/>
+          </a:fillRef>
+          <a:effectRef idx="0">
+            <a:schemeClr val="accent1"/>
+          </a:effectRef>
+          <a:fontRef idx="minor">
+            <a:schemeClr val="tx1"/>
+          </a:fontRef>
+        </p:style>
+      </p:cxnSp>
+      <p:cxnSp>
+        <p:nvCxnSpPr>
+          <p:cNvPr id="37" name="直線矢印コネクタ 36">
+            <a:extLst>
+              <a:ext uri="{FF2B5EF4-FFF2-40B4-BE49-F238E27FC236}">
+                <a16:creationId xmlns:a16="http://schemas.microsoft.com/office/drawing/2014/main" id="{64EE7136-5D8C-FDA1-23D8-02F6F682F1AE}"/>
+              </a:ext>
+            </a:extLst>
+          </p:cNvPr>
+          <p:cNvCxnSpPr>
+            <a:cxnSpLocks/>
+          </p:cNvCxnSpPr>
+          <p:nvPr/>
+        </p:nvCxnSpPr>
+        <p:spPr>
+          <a:xfrm flipH="1">
+            <a:off x="4943872" y="5013176"/>
+            <a:ext cx="1656184" cy="804579"/>
+          </a:xfrm>
+          <a:prstGeom prst="straightConnector1">
+            <a:avLst/>
+          </a:prstGeom>
+          <a:ln w="76200">
+            <a:solidFill>
+              <a:schemeClr val="accent4"/>
+            </a:solidFill>
+            <a:tailEnd type="triangle"/>
+          </a:ln>
+        </p:spPr>
+        <p:style>
+          <a:lnRef idx="1">
+            <a:schemeClr val="accent1"/>
+          </a:lnRef>
+          <a:fillRef idx="0">
+            <a:schemeClr val="accent1"/>
+          </a:fillRef>
+          <a:effectRef idx="0">
+            <a:schemeClr val="accent1"/>
+          </a:effectRef>
+          <a:fontRef idx="minor">
+            <a:schemeClr val="tx1"/>
+          </a:fontRef>
+        </p:style>
+      </p:cxnSp>
+    </p:spTree>
+    <p:extLst>
+      <p:ext uri="{BB962C8B-B14F-4D97-AF65-F5344CB8AC3E}">
+        <p14:creationId xmlns:p14="http://schemas.microsoft.com/office/powerpoint/2010/main" val="108881233"/>
+      </p:ext>
+    </p:extLst>
+  </p:cSld>
+  <p:clrMapOvr>
+    <a:masterClrMapping/>
+  </p:clrMapOvr>
+</p:sld>
+</file>
+
+<file path=ppt/slides/slide24.xml><?xml version="1.0" encoding="utf-8"?>
+<p:sld xmlns:a="http://schemas.openxmlformats.org/drawingml/2006/main" xmlns:r="http://schemas.openxmlformats.org/officeDocument/2006/relationships" xmlns:p="http://schemas.openxmlformats.org/presentationml/2006/main">
+  <p:cSld>
+    <p:spTree>
+      <p:nvGrpSpPr>
+        <p:cNvPr id="1" name=""/>
+        <p:cNvGrpSpPr/>
+        <p:nvPr/>
+      </p:nvGrpSpPr>
+      <p:grpSpPr>
+        <a:xfrm>
+          <a:off x="0" y="0"/>
+          <a:ext cx="0" cy="0"/>
+          <a:chOff x="0" y="0"/>
+          <a:chExt cx="0" cy="0"/>
+        </a:xfrm>
+      </p:grpSpPr>
+      <p:sp>
+        <p:nvSpPr>
+          <p:cNvPr id="2" name="タイトル 1">
+            <a:extLst>
+              <a:ext uri="{FF2B5EF4-FFF2-40B4-BE49-F238E27FC236}">
+                <a16:creationId xmlns:a16="http://schemas.microsoft.com/office/drawing/2014/main" id="{E83F635B-04E1-3E2F-6A1A-E28F471867BC}"/>
+              </a:ext>
+            </a:extLst>
+          </p:cNvPr>
+          <p:cNvSpPr>
+            <a:spLocks noGrp="1"/>
+          </p:cNvSpPr>
+          <p:nvPr>
+            <p:ph type="title"/>
+          </p:nvPr>
+        </p:nvSpPr>
+        <p:spPr/>
+        <p:txBody>
+          <a:bodyPr/>
+          <a:lstStyle/>
+          <a:p>
+            <a:r>
+              <a:rPr lang="en-US" altLang="ja-JP" dirty="0">
+                <a:latin typeface="Times New Roman" panose="02020603050405020304" pitchFamily="18" charset="0"/>
+                <a:cs typeface="Times New Roman" panose="02020603050405020304" pitchFamily="18" charset="0"/>
+              </a:rPr>
+              <a:t>3.</a:t>
+            </a:r>
+            <a:r>
+              <a:rPr lang="ja-JP" altLang="en-US" dirty="0">
+                <a:latin typeface="Times New Roman" panose="02020603050405020304" pitchFamily="18" charset="0"/>
+                <a:cs typeface="Times New Roman" panose="02020603050405020304" pitchFamily="18" charset="0"/>
+              </a:rPr>
+              <a:t>  </a:t>
+            </a:r>
+            <a:r>
+              <a:rPr lang="ja-JP" altLang="en-US" dirty="0"/>
+              <a:t>ブロック崩しゲームのコントローラ作成</a:t>
+            </a:r>
+            <a:endParaRPr kumimoji="1" lang="ja-JP" altLang="en-US" dirty="0"/>
+          </a:p>
+        </p:txBody>
+      </p:sp>
+      <p:sp>
+        <p:nvSpPr>
+          <p:cNvPr id="3" name="コンテンツ プレースホルダー 2">
+            <a:extLst>
+              <a:ext uri="{FF2B5EF4-FFF2-40B4-BE49-F238E27FC236}">
+                <a16:creationId xmlns:a16="http://schemas.microsoft.com/office/drawing/2014/main" id="{804809AE-B255-CB38-8F76-32BE480AA851}"/>
+              </a:ext>
+            </a:extLst>
+          </p:cNvPr>
+          <p:cNvSpPr>
+            <a:spLocks noGrp="1"/>
+          </p:cNvSpPr>
+          <p:nvPr>
+            <p:ph idx="1"/>
+          </p:nvPr>
+        </p:nvSpPr>
+        <p:spPr/>
+        <p:txBody>
+          <a:bodyPr/>
+          <a:lstStyle/>
+          <a:p>
+            <a:pPr marL="0" indent="0">
+              <a:buNone/>
+            </a:pPr>
+            <a:r>
+              <a:rPr lang="ja-JP" altLang="en-US" dirty="0"/>
+              <a:t>・・・</a:t>
+            </a:r>
+            <a:r>
+              <a:rPr kumimoji="1" lang="ja-JP" altLang="en-US" sz="2400" b="1" dirty="0">
+                <a:solidFill>
+                  <a:srgbClr val="FF0000"/>
+                </a:solidFill>
+              </a:rPr>
+              <a:t>ブロック崩しのバーを可変抵抗器で操作 </a:t>
+            </a:r>
+            <a:endParaRPr lang="en-US" altLang="ja-JP" b="1" dirty="0">
+              <a:solidFill>
+                <a:srgbClr val="FF0000"/>
+              </a:solidFill>
+            </a:endParaRPr>
+          </a:p>
+          <a:p>
+            <a:pPr marL="0" indent="0">
+              <a:buNone/>
+            </a:pPr>
+            <a:endParaRPr lang="en-US" altLang="ja-JP" sz="1600" b="1" dirty="0">
+              <a:solidFill>
+                <a:srgbClr val="FF0000"/>
+              </a:solidFill>
+            </a:endParaRPr>
+          </a:p>
+          <a:p>
+            <a:pPr marL="0" indent="0">
+              <a:buNone/>
+            </a:pPr>
+            <a:endParaRPr lang="en-US" altLang="ja-JP" sz="1000" b="1" dirty="0">
+              <a:solidFill>
+                <a:srgbClr val="FF0000"/>
+              </a:solidFill>
+            </a:endParaRPr>
+          </a:p>
+          <a:p>
+            <a:pPr marL="0" indent="0">
+              <a:buNone/>
+            </a:pPr>
+            <a:r>
+              <a:rPr lang="en-US" altLang="ja-JP" b="1" dirty="0"/>
+              <a:t>【 1</a:t>
+            </a:r>
+            <a:r>
+              <a:rPr lang="en-US" altLang="ja-JP" b="1" baseline="30000" dirty="0"/>
+              <a:t>st</a:t>
+            </a:r>
+            <a:r>
+              <a:rPr lang="en-US" altLang="ja-JP" b="1" dirty="0"/>
+              <a:t> Step 】</a:t>
+            </a:r>
+          </a:p>
+          <a:p>
+            <a:pPr marL="0" indent="0">
+              <a:buNone/>
+            </a:pPr>
+            <a:endParaRPr lang="en-US" altLang="ja-JP" sz="1000" dirty="0"/>
+          </a:p>
+          <a:p>
+            <a:pPr marL="0" indent="0">
+              <a:buNone/>
+            </a:pPr>
+            <a:r>
+              <a:rPr lang="ja-JP" altLang="en-US" dirty="0"/>
+              <a:t>　</a:t>
+            </a:r>
+            <a:r>
+              <a:rPr lang="en-US" altLang="ja-JP" b="1" dirty="0"/>
+              <a:t>Arduino </a:t>
+            </a:r>
+            <a:r>
+              <a:rPr lang="ja-JP" altLang="en-US" b="1" dirty="0"/>
+              <a:t>側のセットアップ</a:t>
+            </a:r>
+            <a:endParaRPr lang="en-US" altLang="ja-JP" b="1" dirty="0"/>
+          </a:p>
+          <a:p>
+            <a:pPr lvl="1"/>
+            <a:r>
+              <a:rPr lang="ja-JP" altLang="en-US" dirty="0"/>
+              <a:t>可変抵抗の接続 </a:t>
+            </a:r>
+            <a:r>
+              <a:rPr lang="en-US" altLang="ja-JP" sz="1400" dirty="0"/>
+              <a:t>(GND, 5V, </a:t>
+            </a:r>
+            <a:r>
+              <a:rPr lang="en-US" altLang="ja-JP" sz="1400" dirty="0" err="1"/>
+              <a:t>AnalogPin</a:t>
+            </a:r>
+            <a:r>
+              <a:rPr lang="en-US" altLang="ja-JP" sz="1400" dirty="0"/>
+              <a:t>)</a:t>
+            </a:r>
+          </a:p>
+          <a:p>
+            <a:pPr lvl="1"/>
+            <a:r>
+              <a:rPr lang="en-US" altLang="ja-JP" dirty="0"/>
+              <a:t>Arduino </a:t>
+            </a:r>
+            <a:r>
+              <a:rPr lang="ja-JP" altLang="en-US" dirty="0"/>
+              <a:t>プログラムの書き込み</a:t>
+            </a:r>
+            <a:endParaRPr lang="en-US" altLang="ja-JP" dirty="0"/>
+          </a:p>
+          <a:p>
+            <a:pPr lvl="2"/>
+            <a:r>
+              <a:rPr lang="en-US" altLang="ja-JP" dirty="0"/>
+              <a:t>File &gt; Examples &gt; 01.Basics &gt; </a:t>
+            </a:r>
+            <a:r>
+              <a:rPr lang="en-US" altLang="ja-JP" dirty="0" err="1"/>
+              <a:t>AnalogReadSerial</a:t>
+            </a:r>
+            <a:r>
+              <a:rPr lang="en-US" altLang="ja-JP" dirty="0"/>
+              <a:t>. </a:t>
+            </a:r>
+            <a:r>
+              <a:rPr lang="ja-JP" altLang="en-US" dirty="0"/>
+              <a:t> </a:t>
+            </a:r>
+            <a:endParaRPr lang="en-US" altLang="ja-JP" dirty="0"/>
+          </a:p>
+          <a:p>
+            <a:pPr lvl="1"/>
+            <a:endParaRPr lang="en-US" altLang="ja-JP" b="1" dirty="0"/>
+          </a:p>
+          <a:p>
+            <a:pPr marL="0" indent="0">
+              <a:buNone/>
+            </a:pPr>
+            <a:r>
+              <a:rPr lang="ja-JP" altLang="en-US" b="1" dirty="0"/>
+              <a:t>　</a:t>
+            </a:r>
+            <a:r>
+              <a:rPr lang="en-US" altLang="ja-JP" b="1" dirty="0"/>
+              <a:t>Python </a:t>
+            </a:r>
+            <a:r>
+              <a:rPr lang="ja-JP" altLang="en-US" b="1" dirty="0"/>
+              <a:t>側のセットアップ</a:t>
+            </a:r>
+            <a:endParaRPr lang="en-US" altLang="ja-JP" b="1" dirty="0"/>
+          </a:p>
+          <a:p>
+            <a:pPr lvl="1"/>
+            <a:r>
+              <a:rPr lang="en-US" altLang="ja-JP" dirty="0"/>
+              <a:t>Python</a:t>
+            </a:r>
+            <a:r>
+              <a:rPr lang="ja-JP" altLang="en-US" dirty="0"/>
+              <a:t> </a:t>
+            </a:r>
+            <a:r>
+              <a:rPr lang="en-US" altLang="ja-JP" dirty="0"/>
+              <a:t>&amp;</a:t>
+            </a:r>
+            <a:r>
+              <a:rPr lang="ja-JP" altLang="en-US" dirty="0"/>
+              <a:t> </a:t>
+            </a:r>
+            <a:r>
+              <a:rPr lang="en-US" altLang="ja-JP" dirty="0" err="1"/>
+              <a:t>Pyserial</a:t>
+            </a:r>
+            <a:r>
+              <a:rPr lang="ja-JP" altLang="en-US" dirty="0"/>
+              <a:t> の入手</a:t>
+            </a:r>
+            <a:endParaRPr lang="en-US" altLang="ja-JP" dirty="0"/>
+          </a:p>
+          <a:p>
+            <a:pPr lvl="2"/>
+            <a:r>
+              <a:rPr lang="ja-JP" altLang="en-US" dirty="0"/>
+              <a:t>参考：</a:t>
+            </a:r>
+            <a:r>
+              <a:rPr lang="en-US" altLang="ja-JP" dirty="0">
+                <a:hlinkClick r:id="rId2"/>
+              </a:rPr>
+              <a:t> Serial Communication between Python and Arduino</a:t>
+            </a:r>
+            <a:endParaRPr lang="en-US" altLang="ja-JP" dirty="0"/>
+          </a:p>
+          <a:p>
+            <a:pPr lvl="1"/>
+            <a:r>
+              <a:rPr lang="ja-JP" altLang="en-US" dirty="0"/>
+              <a:t>ブロック崩しのソースコードを入手</a:t>
+            </a:r>
+            <a:endParaRPr lang="en-US" altLang="ja-JP" dirty="0"/>
+          </a:p>
+          <a:p>
+            <a:pPr lvl="2"/>
+            <a:r>
+              <a:rPr lang="ja-JP" altLang="en-US" dirty="0"/>
+              <a:t>サンプルコード：</a:t>
+            </a:r>
+            <a:r>
+              <a:rPr lang="en-US" altLang="ja-JP" dirty="0">
+                <a:hlinkClick r:id="rId3"/>
+              </a:rPr>
+              <a:t>BlockGame_SimpleVer.py</a:t>
+            </a:r>
+            <a:endParaRPr lang="en-US" altLang="ja-JP" dirty="0"/>
+          </a:p>
+          <a:p>
+            <a:pPr lvl="2"/>
+            <a:endParaRPr lang="en-US" altLang="ja-JP" dirty="0"/>
+          </a:p>
+          <a:p>
+            <a:pPr lvl="1"/>
+            <a:endParaRPr lang="en-US" altLang="ja-JP" dirty="0"/>
+          </a:p>
+          <a:p>
+            <a:pPr lvl="1"/>
+            <a:endParaRPr lang="en-US" altLang="ja-JP" dirty="0"/>
+          </a:p>
+          <a:p>
+            <a:endParaRPr lang="en-US" altLang="ja-JP" dirty="0"/>
+          </a:p>
+          <a:p>
+            <a:pPr marL="0" indent="0">
+              <a:buNone/>
+            </a:pPr>
+            <a:endParaRPr lang="en-US" altLang="ja-JP" dirty="0"/>
+          </a:p>
+          <a:p>
+            <a:endParaRPr lang="en-US" altLang="ja-JP" dirty="0"/>
+          </a:p>
+          <a:p>
+            <a:endParaRPr kumimoji="1" lang="ja-JP" altLang="en-US" dirty="0"/>
+          </a:p>
+        </p:txBody>
+      </p:sp>
+      <p:sp>
+        <p:nvSpPr>
+          <p:cNvPr id="4" name="スライド番号プレースホルダー 3">
+            <a:extLst>
+              <a:ext uri="{FF2B5EF4-FFF2-40B4-BE49-F238E27FC236}">
+                <a16:creationId xmlns:a16="http://schemas.microsoft.com/office/drawing/2014/main" id="{55FCAD2E-5B05-AB02-3590-68DD22631CF3}"/>
+              </a:ext>
+            </a:extLst>
+          </p:cNvPr>
+          <p:cNvSpPr>
+            <a:spLocks noGrp="1"/>
+          </p:cNvSpPr>
+          <p:nvPr>
+            <p:ph type="sldNum" sz="quarter" idx="12"/>
+          </p:nvPr>
+        </p:nvSpPr>
+        <p:spPr/>
+        <p:txBody>
+          <a:bodyPr/>
+          <a:lstStyle/>
+          <a:p>
+            <a:fld id="{167E14B9-D607-4902-8FEC-B1687B44AC2F}" type="slidenum">
+              <a:rPr lang="ja-JP" altLang="en-US" smtClean="0"/>
+              <a:pPr/>
+              <a:t>24</a:t>
+            </a:fld>
+            <a:endParaRPr lang="ja-JP" altLang="en-US" dirty="0"/>
+          </a:p>
+        </p:txBody>
+      </p:sp>
+      <p:pic>
+        <p:nvPicPr>
+          <p:cNvPr id="21" name="図 20">
+            <a:extLst>
+              <a:ext uri="{FF2B5EF4-FFF2-40B4-BE49-F238E27FC236}">
+                <a16:creationId xmlns:a16="http://schemas.microsoft.com/office/drawing/2014/main" id="{53BD262F-3AD6-DB28-165E-720AEAC96C88}"/>
+              </a:ext>
+            </a:extLst>
+          </p:cNvPr>
+          <p:cNvPicPr>
+            <a:picLocks noChangeAspect="1"/>
+          </p:cNvPicPr>
+          <p:nvPr/>
+        </p:nvPicPr>
+        <p:blipFill>
+          <a:blip r:embed="rId4"/>
+          <a:stretch>
+            <a:fillRect/>
+          </a:stretch>
+        </p:blipFill>
+        <p:spPr>
+          <a:xfrm>
+            <a:off x="8004608" y="1700808"/>
+            <a:ext cx="3060825" cy="1295306"/>
+          </a:xfrm>
+          <a:prstGeom prst="rect">
+            <a:avLst/>
+          </a:prstGeom>
+        </p:spPr>
+      </p:pic>
+      <p:pic>
+        <p:nvPicPr>
+          <p:cNvPr id="5" name="Picture 2">
+            <a:extLst>
+              <a:ext uri="{FF2B5EF4-FFF2-40B4-BE49-F238E27FC236}">
+                <a16:creationId xmlns:a16="http://schemas.microsoft.com/office/drawing/2014/main" id="{94E721C9-4D48-E72E-66B9-4EB1247B200E}"/>
+              </a:ext>
+            </a:extLst>
+          </p:cNvPr>
+          <p:cNvPicPr>
+            <a:picLocks noChangeAspect="1" noChangeArrowheads="1"/>
+          </p:cNvPicPr>
+          <p:nvPr/>
+        </p:nvPicPr>
+        <p:blipFill>
+          <a:blip r:embed="rId5" cstate="print">
+            <a:extLst>
+              <a:ext uri="{28A0092B-C50C-407E-A947-70E740481C1C}">
+                <a14:useLocalDpi xmlns:a14="http://schemas.microsoft.com/office/drawing/2010/main" val="0"/>
+              </a:ext>
+            </a:extLst>
+          </a:blip>
+          <a:srcRect/>
+          <a:stretch>
+            <a:fillRect/>
+          </a:stretch>
+        </p:blipFill>
+        <p:spPr bwMode="auto">
+          <a:xfrm>
+            <a:off x="5573744" y="2996114"/>
+            <a:ext cx="1044512" cy="828356"/>
+          </a:xfrm>
+          <a:prstGeom prst="rect">
+            <a:avLst/>
+          </a:prstGeom>
+          <a:noFill/>
+          <a:extLst>
+            <a:ext uri="{909E8E84-426E-40DD-AFC4-6F175D3DCCD1}">
+              <a14:hiddenFill xmlns:a14="http://schemas.microsoft.com/office/drawing/2010/main">
+                <a:solidFill>
+                  <a:srgbClr val="FFFFFF"/>
+                </a:solidFill>
+              </a14:hiddenFill>
+            </a:ext>
+          </a:extLst>
+        </p:spPr>
+      </p:pic>
+      <p:sp>
+        <p:nvSpPr>
+          <p:cNvPr id="6" name="テキスト ボックス 5">
+            <a:extLst>
+              <a:ext uri="{FF2B5EF4-FFF2-40B4-BE49-F238E27FC236}">
+                <a16:creationId xmlns:a16="http://schemas.microsoft.com/office/drawing/2014/main" id="{B2922AE8-BF5A-9C27-C81F-98DB2A31FD1E}"/>
+              </a:ext>
+            </a:extLst>
+          </p:cNvPr>
+          <p:cNvSpPr txBox="1"/>
+          <p:nvPr/>
+        </p:nvSpPr>
+        <p:spPr>
+          <a:xfrm>
+            <a:off x="7032104" y="3933056"/>
+            <a:ext cx="2376264" cy="338554"/>
+          </a:xfrm>
+          <a:prstGeom prst="rect">
+            <a:avLst/>
+          </a:prstGeom>
+          <a:noFill/>
+        </p:spPr>
+        <p:txBody>
+          <a:bodyPr wrap="square" rtlCol="0">
+            <a:spAutoFit/>
+          </a:bodyPr>
+          <a:lstStyle/>
+          <a:p>
+            <a:r>
+              <a:rPr kumimoji="1" lang="ja-JP" altLang="en-US" sz="1600" b="1" dirty="0">
+                <a:solidFill>
+                  <a:schemeClr val="accent6"/>
+                </a:solidFill>
+              </a:rPr>
+              <a:t>← 課題</a:t>
+            </a:r>
+            <a:r>
+              <a:rPr kumimoji="1" lang="en-US" altLang="ja-JP" sz="1600" b="1" dirty="0">
+                <a:solidFill>
+                  <a:schemeClr val="accent6"/>
+                </a:solidFill>
+              </a:rPr>
+              <a:t>2</a:t>
+            </a:r>
+            <a:r>
+              <a:rPr kumimoji="1" lang="ja-JP" altLang="en-US" sz="1600" b="1" dirty="0">
+                <a:solidFill>
+                  <a:schemeClr val="accent6"/>
+                </a:solidFill>
+              </a:rPr>
+              <a:t>の </a:t>
+            </a:r>
+            <a:r>
+              <a:rPr kumimoji="1" lang="en-US" altLang="ja-JP" sz="1600" b="1" dirty="0">
+                <a:solidFill>
+                  <a:schemeClr val="accent6"/>
+                </a:solidFill>
+              </a:rPr>
+              <a:t>Step 2</a:t>
+            </a:r>
+            <a:r>
+              <a:rPr kumimoji="1" lang="ja-JP" altLang="en-US" sz="1600" b="1" dirty="0">
+                <a:solidFill>
+                  <a:schemeClr val="accent6"/>
+                </a:solidFill>
+              </a:rPr>
+              <a:t>と同じ</a:t>
+            </a:r>
+          </a:p>
+        </p:txBody>
+      </p:sp>
+      <p:pic>
+        <p:nvPicPr>
+          <p:cNvPr id="7" name="Picture 2" descr="ゼロからはじめるPython (10) 100行程度でブロック崩しゲームを作ってみよう - ライブドアニュース">
+            <a:extLst>
+              <a:ext uri="{FF2B5EF4-FFF2-40B4-BE49-F238E27FC236}">
+                <a16:creationId xmlns:a16="http://schemas.microsoft.com/office/drawing/2014/main" id="{6BA83F39-BAF6-9CBE-833E-9DF5402E67D2}"/>
+              </a:ext>
+            </a:extLst>
+          </p:cNvPr>
+          <p:cNvPicPr>
+            <a:picLocks noChangeAspect="1" noChangeArrowheads="1"/>
+          </p:cNvPicPr>
+          <p:nvPr/>
+        </p:nvPicPr>
+        <p:blipFill>
+          <a:blip r:embed="rId6">
+            <a:extLst>
+              <a:ext uri="{28A0092B-C50C-407E-A947-70E740481C1C}">
+                <a14:useLocalDpi xmlns:a14="http://schemas.microsoft.com/office/drawing/2010/main" val="0"/>
+              </a:ext>
+            </a:extLst>
+          </a:blip>
+          <a:srcRect/>
+          <a:stretch>
+            <a:fillRect/>
+          </a:stretch>
+        </p:blipFill>
+        <p:spPr bwMode="auto">
+          <a:xfrm>
+            <a:off x="8184232" y="5080857"/>
+            <a:ext cx="1576828" cy="1084069"/>
+          </a:xfrm>
+          <a:prstGeom prst="rect">
+            <a:avLst/>
+          </a:prstGeom>
+          <a:noFill/>
+          <a:extLst>
+            <a:ext uri="{909E8E84-426E-40DD-AFC4-6F175D3DCCD1}">
+              <a14:hiddenFill xmlns:a14="http://schemas.microsoft.com/office/drawing/2010/main">
+                <a:solidFill>
+                  <a:srgbClr val="FFFFFF"/>
+                </a:solidFill>
+              </a14:hiddenFill>
+            </a:ext>
+          </a:extLst>
+        </p:spPr>
+      </p:pic>
+      <p:sp>
+        <p:nvSpPr>
+          <p:cNvPr id="8" name="テキスト ボックス 7">
+            <a:extLst>
+              <a:ext uri="{FF2B5EF4-FFF2-40B4-BE49-F238E27FC236}">
+                <a16:creationId xmlns:a16="http://schemas.microsoft.com/office/drawing/2014/main" id="{DCCEAF96-D29A-FE82-65F0-34296C2138F8}"/>
+              </a:ext>
+            </a:extLst>
+          </p:cNvPr>
+          <p:cNvSpPr txBox="1"/>
+          <p:nvPr/>
+        </p:nvSpPr>
+        <p:spPr>
+          <a:xfrm>
+            <a:off x="7824192" y="6273925"/>
+            <a:ext cx="2664296" cy="338554"/>
+          </a:xfrm>
+          <a:prstGeom prst="rect">
+            <a:avLst/>
+          </a:prstGeom>
+          <a:noFill/>
+        </p:spPr>
+        <p:txBody>
+          <a:bodyPr wrap="square" rtlCol="0">
+            <a:spAutoFit/>
+          </a:bodyPr>
+          <a:lstStyle/>
+          <a:p>
+            <a:r>
+              <a:rPr lang="ja-JP" altLang="en-US" sz="1600" b="1" dirty="0">
+                <a:solidFill>
+                  <a:schemeClr val="accent6"/>
+                </a:solidFill>
+              </a:rPr>
+              <a:t>↑</a:t>
+            </a:r>
+            <a:r>
+              <a:rPr kumimoji="1" lang="ja-JP" altLang="en-US" sz="1600" b="1" dirty="0">
+                <a:solidFill>
+                  <a:schemeClr val="accent6"/>
+                </a:solidFill>
+              </a:rPr>
+              <a:t> 実行して遊んでみよう</a:t>
+            </a:r>
+          </a:p>
+        </p:txBody>
+      </p:sp>
+    </p:spTree>
+    <p:extLst>
+      <p:ext uri="{BB962C8B-B14F-4D97-AF65-F5344CB8AC3E}">
+        <p14:creationId xmlns:p14="http://schemas.microsoft.com/office/powerpoint/2010/main" val="2868761093"/>
+      </p:ext>
+    </p:extLst>
+  </p:cSld>
+  <p:clrMapOvr>
+    <a:masterClrMapping/>
+  </p:clrMapOvr>
+</p:sld>
+</file>
+
+<file path=ppt/slides/slide25.xml><?xml version="1.0" encoding="utf-8"?>
+<p:sld xmlns:a="http://schemas.openxmlformats.org/drawingml/2006/main" xmlns:r="http://schemas.openxmlformats.org/officeDocument/2006/relationships" xmlns:p="http://schemas.openxmlformats.org/presentationml/2006/main">
+  <p:cSld>
+    <p:spTree>
+      <p:nvGrpSpPr>
+        <p:cNvPr id="1" name=""/>
+        <p:cNvGrpSpPr/>
+        <p:nvPr/>
+      </p:nvGrpSpPr>
+      <p:grpSpPr>
+        <a:xfrm>
+          <a:off x="0" y="0"/>
+          <a:ext cx="0" cy="0"/>
+          <a:chOff x="0" y="0"/>
+          <a:chExt cx="0" cy="0"/>
+        </a:xfrm>
+      </p:grpSpPr>
+      <p:sp>
+        <p:nvSpPr>
+          <p:cNvPr id="2" name="タイトル 1">
+            <a:extLst>
+              <a:ext uri="{FF2B5EF4-FFF2-40B4-BE49-F238E27FC236}">
+                <a16:creationId xmlns:a16="http://schemas.microsoft.com/office/drawing/2014/main" id="{E83F635B-04E1-3E2F-6A1A-E28F471867BC}"/>
+              </a:ext>
+            </a:extLst>
+          </p:cNvPr>
+          <p:cNvSpPr>
+            <a:spLocks noGrp="1"/>
+          </p:cNvSpPr>
+          <p:nvPr>
+            <p:ph type="title"/>
+          </p:nvPr>
+        </p:nvSpPr>
+        <p:spPr/>
+        <p:txBody>
+          <a:bodyPr/>
+          <a:lstStyle/>
+          <a:p>
+            <a:r>
+              <a:rPr lang="en-US" altLang="ja-JP" dirty="0">
+                <a:latin typeface="Times New Roman" panose="02020603050405020304" pitchFamily="18" charset="0"/>
+                <a:cs typeface="Times New Roman" panose="02020603050405020304" pitchFamily="18" charset="0"/>
+              </a:rPr>
+              <a:t>3.</a:t>
+            </a:r>
+            <a:r>
+              <a:rPr lang="ja-JP" altLang="en-US" dirty="0">
+                <a:latin typeface="Times New Roman" panose="02020603050405020304" pitchFamily="18" charset="0"/>
+                <a:cs typeface="Times New Roman" panose="02020603050405020304" pitchFamily="18" charset="0"/>
+              </a:rPr>
+              <a:t>  </a:t>
+            </a:r>
+            <a:r>
+              <a:rPr lang="ja-JP" altLang="en-US" dirty="0"/>
+              <a:t>ブロック崩しゲームのコントローラ作成</a:t>
+            </a:r>
+            <a:endParaRPr kumimoji="1" lang="ja-JP" altLang="en-US" dirty="0"/>
+          </a:p>
+        </p:txBody>
+      </p:sp>
+      <p:sp>
+        <p:nvSpPr>
+          <p:cNvPr id="3" name="コンテンツ プレースホルダー 2">
+            <a:extLst>
+              <a:ext uri="{FF2B5EF4-FFF2-40B4-BE49-F238E27FC236}">
+                <a16:creationId xmlns:a16="http://schemas.microsoft.com/office/drawing/2014/main" id="{804809AE-B255-CB38-8F76-32BE480AA851}"/>
+              </a:ext>
+            </a:extLst>
+          </p:cNvPr>
+          <p:cNvSpPr>
+            <a:spLocks noGrp="1"/>
+          </p:cNvSpPr>
+          <p:nvPr>
+            <p:ph idx="1"/>
+          </p:nvPr>
+        </p:nvSpPr>
+        <p:spPr/>
+        <p:txBody>
+          <a:bodyPr/>
+          <a:lstStyle/>
+          <a:p>
+            <a:pPr marL="0" indent="0">
+              <a:buNone/>
+            </a:pPr>
+            <a:r>
+              <a:rPr lang="ja-JP" altLang="en-US" dirty="0"/>
+              <a:t>・・・</a:t>
+            </a:r>
+            <a:r>
+              <a:rPr kumimoji="1" lang="ja-JP" altLang="en-US" sz="2400" b="1" dirty="0">
+                <a:solidFill>
+                  <a:srgbClr val="FF0000"/>
+                </a:solidFill>
+              </a:rPr>
+              <a:t>ブロック崩しのバーを可変抵抗器で操作 </a:t>
+            </a:r>
+            <a:endParaRPr lang="en-US" altLang="ja-JP" b="1" dirty="0">
+              <a:solidFill>
+                <a:srgbClr val="FF0000"/>
+              </a:solidFill>
+            </a:endParaRPr>
+          </a:p>
+          <a:p>
+            <a:pPr marL="0" indent="0">
+              <a:buNone/>
+            </a:pPr>
+            <a:endParaRPr lang="en-US" altLang="ja-JP" sz="1600" b="1" dirty="0">
+              <a:solidFill>
+                <a:srgbClr val="FF0000"/>
+              </a:solidFill>
+            </a:endParaRPr>
+          </a:p>
+          <a:p>
+            <a:pPr marL="0" indent="0">
+              <a:buNone/>
+            </a:pPr>
+            <a:endParaRPr lang="en-US" altLang="ja-JP" sz="1000" b="1" dirty="0">
+              <a:solidFill>
+                <a:srgbClr val="FF0000"/>
+              </a:solidFill>
+            </a:endParaRPr>
+          </a:p>
+          <a:p>
+            <a:pPr marL="0" indent="0">
+              <a:buNone/>
+            </a:pPr>
+            <a:r>
+              <a:rPr lang="en-US" altLang="ja-JP" b="1" dirty="0"/>
+              <a:t>【 2</a:t>
+            </a:r>
+            <a:r>
+              <a:rPr lang="en-US" altLang="ja-JP" b="1" baseline="30000" dirty="0"/>
+              <a:t>nd</a:t>
+            </a:r>
+            <a:r>
+              <a:rPr lang="en-US" altLang="ja-JP" b="1" dirty="0"/>
+              <a:t> Step 】</a:t>
+            </a:r>
+          </a:p>
+          <a:p>
+            <a:pPr marL="0" indent="0">
+              <a:buNone/>
+            </a:pPr>
+            <a:endParaRPr lang="en-US" altLang="ja-JP" sz="1000" dirty="0"/>
+          </a:p>
+          <a:p>
+            <a:pPr marL="0" indent="0">
+              <a:buNone/>
+            </a:pPr>
+            <a:r>
+              <a:rPr lang="ja-JP" altLang="en-US" dirty="0"/>
+              <a:t>　</a:t>
+            </a:r>
+            <a:r>
+              <a:rPr lang="ja-JP" altLang="en-US" b="1" dirty="0"/>
+              <a:t>ブロック崩しのコードを解読</a:t>
+            </a:r>
+            <a:endParaRPr lang="en-US" altLang="ja-JP" dirty="0">
+              <a:hlinkClick r:id="rId2"/>
+            </a:endParaRPr>
+          </a:p>
+          <a:p>
+            <a:pPr lvl="1"/>
+            <a:r>
+              <a:rPr lang="en-US" altLang="ja-JP" dirty="0"/>
+              <a:t>Bar </a:t>
+            </a:r>
+            <a:r>
+              <a:rPr lang="ja-JP" altLang="en-US" dirty="0"/>
+              <a:t>を動かす部分を探し出す</a:t>
+            </a:r>
+            <a:endParaRPr lang="en-US" altLang="ja-JP" dirty="0"/>
+          </a:p>
+          <a:p>
+            <a:pPr lvl="1"/>
+            <a:r>
+              <a:rPr lang="en-US" altLang="ja-JP" dirty="0" err="1"/>
+              <a:t>BlockBreaker</a:t>
+            </a:r>
+            <a:r>
+              <a:rPr lang="ja-JP" altLang="en-US" dirty="0"/>
+              <a:t> クラスの中の</a:t>
+            </a:r>
+            <a:r>
+              <a:rPr lang="en-US" altLang="ja-JP" dirty="0" err="1"/>
+              <a:t>self.motion</a:t>
+            </a:r>
+            <a:r>
+              <a:rPr lang="en-US" altLang="ja-JP" dirty="0"/>
+              <a:t> </a:t>
+            </a:r>
+            <a:r>
+              <a:rPr lang="ja-JP" altLang="en-US" dirty="0"/>
+              <a:t>関数があやしい，，，</a:t>
+            </a:r>
+            <a:endParaRPr lang="en-US" altLang="ja-JP" dirty="0"/>
+          </a:p>
+          <a:p>
+            <a:endParaRPr lang="en-US" altLang="ja-JP" dirty="0"/>
+          </a:p>
+          <a:p>
+            <a:pPr marL="0" indent="0">
+              <a:buNone/>
+            </a:pPr>
+            <a:endParaRPr lang="en-US" altLang="ja-JP" dirty="0"/>
+          </a:p>
+          <a:p>
+            <a:endParaRPr lang="en-US" altLang="ja-JP" dirty="0"/>
+          </a:p>
+          <a:p>
+            <a:endParaRPr kumimoji="1" lang="ja-JP" altLang="en-US" dirty="0"/>
+          </a:p>
+        </p:txBody>
+      </p:sp>
+      <p:sp>
+        <p:nvSpPr>
+          <p:cNvPr id="4" name="スライド番号プレースホルダー 3">
+            <a:extLst>
+              <a:ext uri="{FF2B5EF4-FFF2-40B4-BE49-F238E27FC236}">
+                <a16:creationId xmlns:a16="http://schemas.microsoft.com/office/drawing/2014/main" id="{55FCAD2E-5B05-AB02-3590-68DD22631CF3}"/>
+              </a:ext>
+            </a:extLst>
+          </p:cNvPr>
+          <p:cNvSpPr>
+            <a:spLocks noGrp="1"/>
+          </p:cNvSpPr>
+          <p:nvPr>
+            <p:ph type="sldNum" sz="quarter" idx="12"/>
+          </p:nvPr>
+        </p:nvSpPr>
+        <p:spPr/>
+        <p:txBody>
+          <a:bodyPr/>
+          <a:lstStyle/>
+          <a:p>
+            <a:fld id="{167E14B9-D607-4902-8FEC-B1687B44AC2F}" type="slidenum">
+              <a:rPr lang="ja-JP" altLang="en-US" smtClean="0"/>
+              <a:pPr/>
+              <a:t>25</a:t>
+            </a:fld>
+            <a:endParaRPr lang="ja-JP" altLang="en-US" dirty="0"/>
+          </a:p>
+        </p:txBody>
+      </p:sp>
+      <p:sp>
+        <p:nvSpPr>
+          <p:cNvPr id="7" name="テキスト ボックス 6">
+            <a:extLst>
+              <a:ext uri="{FF2B5EF4-FFF2-40B4-BE49-F238E27FC236}">
+                <a16:creationId xmlns:a16="http://schemas.microsoft.com/office/drawing/2014/main" id="{412789B1-C4ED-300F-5285-9319BCF7DA7E}"/>
+              </a:ext>
+            </a:extLst>
+          </p:cNvPr>
+          <p:cNvSpPr txBox="1"/>
+          <p:nvPr/>
+        </p:nvSpPr>
+        <p:spPr>
+          <a:xfrm>
+            <a:off x="4605439" y="6387449"/>
+            <a:ext cx="2173604" cy="307777"/>
+          </a:xfrm>
+          <a:prstGeom prst="rect">
+            <a:avLst/>
+          </a:prstGeom>
+          <a:noFill/>
+        </p:spPr>
+        <p:txBody>
+          <a:bodyPr wrap="square" rtlCol="0">
+            <a:spAutoFit/>
+          </a:bodyPr>
+          <a:lstStyle/>
+          <a:p>
+            <a:pPr algn="ctr"/>
+            <a:r>
+              <a:rPr lang="ja-JP" altLang="en-US" sz="1400" dirty="0"/>
+              <a:t>プログラム</a:t>
+            </a:r>
+            <a:r>
+              <a:rPr kumimoji="1" lang="ja-JP" altLang="en-US" sz="1400" dirty="0"/>
+              <a:t>の抜粋</a:t>
+            </a:r>
+          </a:p>
+        </p:txBody>
+      </p:sp>
+      <p:pic>
+        <p:nvPicPr>
+          <p:cNvPr id="11" name="図 10">
+            <a:extLst>
+              <a:ext uri="{FF2B5EF4-FFF2-40B4-BE49-F238E27FC236}">
+                <a16:creationId xmlns:a16="http://schemas.microsoft.com/office/drawing/2014/main" id="{F7DDD6D1-D9DC-B7B0-B92B-2F5D2D5052A3}"/>
+              </a:ext>
+            </a:extLst>
+          </p:cNvPr>
+          <p:cNvPicPr>
+            <a:picLocks noChangeAspect="1"/>
+          </p:cNvPicPr>
+          <p:nvPr/>
+        </p:nvPicPr>
+        <p:blipFill>
+          <a:blip r:embed="rId3"/>
+          <a:stretch>
+            <a:fillRect/>
+          </a:stretch>
+        </p:blipFill>
+        <p:spPr>
+          <a:xfrm>
+            <a:off x="1343472" y="4032340"/>
+            <a:ext cx="8697539" cy="2372056"/>
+          </a:xfrm>
+          <a:prstGeom prst="rect">
+            <a:avLst/>
+          </a:prstGeom>
+        </p:spPr>
+      </p:pic>
+      <p:grpSp>
+        <p:nvGrpSpPr>
+          <p:cNvPr id="8" name="グループ化 7">
+            <a:extLst>
+              <a:ext uri="{FF2B5EF4-FFF2-40B4-BE49-F238E27FC236}">
+                <a16:creationId xmlns:a16="http://schemas.microsoft.com/office/drawing/2014/main" id="{874229BF-F14E-0D26-F32B-0A5DD695048E}"/>
+              </a:ext>
+            </a:extLst>
+          </p:cNvPr>
+          <p:cNvGrpSpPr/>
+          <p:nvPr/>
+        </p:nvGrpSpPr>
+        <p:grpSpPr>
+          <a:xfrm>
+            <a:off x="6311900" y="5363343"/>
+            <a:ext cx="2131243" cy="307777"/>
+            <a:chOff x="2553485" y="6049172"/>
+            <a:chExt cx="2131243" cy="307777"/>
+          </a:xfrm>
+        </p:grpSpPr>
+        <p:sp>
+          <p:nvSpPr>
+            <p:cNvPr id="9" name="テキスト ボックス 8">
+              <a:extLst>
+                <a:ext uri="{FF2B5EF4-FFF2-40B4-BE49-F238E27FC236}">
+                  <a16:creationId xmlns:a16="http://schemas.microsoft.com/office/drawing/2014/main" id="{5C466920-4ADD-95C9-B5A9-B712A77B7F1A}"/>
+                </a:ext>
+              </a:extLst>
+            </p:cNvPr>
+            <p:cNvSpPr txBox="1"/>
+            <p:nvPr/>
+          </p:nvSpPr>
+          <p:spPr>
+            <a:xfrm>
+              <a:off x="2653782" y="6049172"/>
+              <a:ext cx="2030946" cy="307777"/>
+            </a:xfrm>
+            <a:prstGeom prst="rect">
+              <a:avLst/>
+            </a:prstGeom>
+            <a:noFill/>
+          </p:spPr>
+          <p:txBody>
+            <a:bodyPr wrap="square" rtlCol="0">
+              <a:spAutoFit/>
+            </a:bodyPr>
+            <a:lstStyle/>
+            <a:p>
+              <a:pPr lvl="1"/>
+              <a:r>
+                <a:rPr lang="en-US" altLang="ja-JP" sz="1400" b="1" dirty="0">
+                  <a:solidFill>
+                    <a:schemeClr val="accent6"/>
+                  </a:solidFill>
+                </a:rPr>
+                <a:t>Bar </a:t>
+              </a:r>
+              <a:r>
+                <a:rPr lang="ja-JP" altLang="en-US" sz="1400" b="1" dirty="0">
+                  <a:solidFill>
+                    <a:schemeClr val="accent6"/>
+                  </a:solidFill>
+                </a:rPr>
+                <a:t>を動かす部分</a:t>
+              </a:r>
+              <a:endParaRPr lang="en-US" altLang="ja-JP" sz="1400" b="1" dirty="0">
+                <a:solidFill>
+                  <a:schemeClr val="accent6"/>
+                </a:solidFill>
+              </a:endParaRPr>
+            </a:p>
+          </p:txBody>
+        </p:sp>
+        <p:cxnSp>
+          <p:nvCxnSpPr>
+            <p:cNvPr id="10" name="直線コネクタ 9">
+              <a:extLst>
+                <a:ext uri="{FF2B5EF4-FFF2-40B4-BE49-F238E27FC236}">
+                  <a16:creationId xmlns:a16="http://schemas.microsoft.com/office/drawing/2014/main" id="{74217E99-C3FD-3013-40A0-61A25F7F88C9}"/>
+                </a:ext>
+              </a:extLst>
+            </p:cNvPr>
+            <p:cNvCxnSpPr>
+              <a:cxnSpLocks/>
+            </p:cNvCxnSpPr>
+            <p:nvPr/>
+          </p:nvCxnSpPr>
+          <p:spPr>
+            <a:xfrm>
+              <a:off x="2553485" y="6203061"/>
+              <a:ext cx="446770" cy="0"/>
+            </a:xfrm>
+            <a:prstGeom prst="line">
+              <a:avLst/>
+            </a:prstGeom>
+            <a:ln w="28575">
+              <a:solidFill>
+                <a:schemeClr val="accent6"/>
+              </a:solidFill>
+            </a:ln>
+          </p:spPr>
+          <p:style>
+            <a:lnRef idx="1">
+              <a:schemeClr val="accent1"/>
+            </a:lnRef>
+            <a:fillRef idx="0">
+              <a:schemeClr val="accent1"/>
+            </a:fillRef>
+            <a:effectRef idx="0">
+              <a:schemeClr val="accent1"/>
+            </a:effectRef>
+            <a:fontRef idx="minor">
+              <a:schemeClr val="tx1"/>
+            </a:fontRef>
+          </p:style>
+        </p:cxnSp>
+      </p:grpSp>
+      <p:sp>
+        <p:nvSpPr>
+          <p:cNvPr id="13" name="テキスト ボックス 12">
+            <a:extLst>
+              <a:ext uri="{FF2B5EF4-FFF2-40B4-BE49-F238E27FC236}">
+                <a16:creationId xmlns:a16="http://schemas.microsoft.com/office/drawing/2014/main" id="{E4999A06-7B8D-0310-B3D5-23B63659EC5B}"/>
+              </a:ext>
+            </a:extLst>
+          </p:cNvPr>
+          <p:cNvSpPr txBox="1"/>
+          <p:nvPr/>
+        </p:nvSpPr>
+        <p:spPr>
+          <a:xfrm>
+            <a:off x="6535285" y="5647708"/>
+            <a:ext cx="3105002" cy="523220"/>
+          </a:xfrm>
+          <a:prstGeom prst="rect">
+            <a:avLst/>
+          </a:prstGeom>
+          <a:noFill/>
+        </p:spPr>
+        <p:txBody>
+          <a:bodyPr wrap="square" rtlCol="0">
+            <a:spAutoFit/>
+          </a:bodyPr>
+          <a:lstStyle/>
+          <a:p>
+            <a:r>
+              <a:rPr kumimoji="1" lang="ja-JP" altLang="en-US" sz="1400" b="1" dirty="0">
+                <a:solidFill>
+                  <a:schemeClr val="accent6"/>
+                </a:solidFill>
+              </a:rPr>
+              <a:t>＊マウスの座標を </a:t>
+            </a:r>
+            <a:r>
+              <a:rPr kumimoji="1" lang="en-US" altLang="ja-JP" sz="1400" b="1" dirty="0" err="1">
+                <a:solidFill>
+                  <a:schemeClr val="accent6"/>
+                </a:solidFill>
+              </a:rPr>
+              <a:t>self.motion</a:t>
+            </a:r>
+            <a:r>
+              <a:rPr kumimoji="1" lang="en-US" altLang="ja-JP" sz="1400" b="1" dirty="0">
+                <a:solidFill>
+                  <a:schemeClr val="accent6"/>
+                </a:solidFill>
+              </a:rPr>
+              <a:t> </a:t>
+            </a:r>
+            <a:r>
+              <a:rPr kumimoji="1" lang="ja-JP" altLang="en-US" sz="1400" b="1" dirty="0">
+                <a:solidFill>
+                  <a:schemeClr val="accent6"/>
+                </a:solidFill>
+              </a:rPr>
+              <a:t>関数に渡している</a:t>
+            </a:r>
+          </a:p>
+        </p:txBody>
+      </p:sp>
+      <p:sp>
+        <p:nvSpPr>
+          <p:cNvPr id="14" name="テキスト ボックス 13">
+            <a:extLst>
+              <a:ext uri="{FF2B5EF4-FFF2-40B4-BE49-F238E27FC236}">
+                <a16:creationId xmlns:a16="http://schemas.microsoft.com/office/drawing/2014/main" id="{AC8FE4BE-0C66-2459-DECC-EDAC2397DFF3}"/>
+              </a:ext>
+            </a:extLst>
+          </p:cNvPr>
+          <p:cNvSpPr txBox="1"/>
+          <p:nvPr/>
+        </p:nvSpPr>
+        <p:spPr>
+          <a:xfrm>
+            <a:off x="8616280" y="2225124"/>
+            <a:ext cx="2160240" cy="369332"/>
+          </a:xfrm>
+          <a:prstGeom prst="rect">
+            <a:avLst/>
+          </a:prstGeom>
+          <a:noFill/>
+          <a:ln w="38100">
+            <a:solidFill>
+              <a:schemeClr val="accent6"/>
+            </a:solidFill>
+          </a:ln>
+        </p:spPr>
+        <p:txBody>
+          <a:bodyPr wrap="square" rtlCol="0">
+            <a:spAutoFit/>
+          </a:bodyPr>
+          <a:lstStyle/>
+          <a:p>
+            <a:r>
+              <a:rPr lang="ja-JP" altLang="en-US" sz="1600" dirty="0"/>
+              <a:t>単語検索</a:t>
+            </a:r>
+            <a:r>
+              <a:rPr kumimoji="1" lang="en-US" altLang="ja-JP" dirty="0"/>
+              <a:t>        Ctrl + </a:t>
+            </a:r>
+            <a:r>
+              <a:rPr lang="en-US" altLang="ja-JP" dirty="0"/>
+              <a:t>f</a:t>
+            </a:r>
+            <a:endParaRPr kumimoji="1" lang="en-US" altLang="ja-JP" dirty="0"/>
+          </a:p>
+        </p:txBody>
+      </p:sp>
+      <p:sp>
+        <p:nvSpPr>
+          <p:cNvPr id="15" name="テキスト ボックス 14">
+            <a:extLst>
+              <a:ext uri="{FF2B5EF4-FFF2-40B4-BE49-F238E27FC236}">
+                <a16:creationId xmlns:a16="http://schemas.microsoft.com/office/drawing/2014/main" id="{11E006FC-BF93-CBD4-B0B3-077AAB057FC3}"/>
+              </a:ext>
+            </a:extLst>
+          </p:cNvPr>
+          <p:cNvSpPr txBox="1"/>
+          <p:nvPr/>
+        </p:nvSpPr>
+        <p:spPr>
+          <a:xfrm>
+            <a:off x="7869257" y="2779881"/>
+            <a:ext cx="3542060" cy="369332"/>
+          </a:xfrm>
+          <a:prstGeom prst="rect">
+            <a:avLst/>
+          </a:prstGeom>
+          <a:noFill/>
+        </p:spPr>
+        <p:txBody>
+          <a:bodyPr wrap="square" rtlCol="0">
+            <a:spAutoFit/>
+          </a:bodyPr>
+          <a:lstStyle/>
+          <a:p>
+            <a:r>
+              <a:rPr kumimoji="1" lang="en-US" altLang="ja-JP" dirty="0"/>
+              <a:t>“motion” </a:t>
+            </a:r>
+            <a:r>
+              <a:rPr kumimoji="1" lang="ja-JP" altLang="en-US" dirty="0"/>
+              <a:t>で検索して中身を確認</a:t>
+            </a:r>
+          </a:p>
+        </p:txBody>
+      </p:sp>
+    </p:spTree>
+    <p:extLst>
+      <p:ext uri="{BB962C8B-B14F-4D97-AF65-F5344CB8AC3E}">
+        <p14:creationId xmlns:p14="http://schemas.microsoft.com/office/powerpoint/2010/main" val="472468855"/>
+      </p:ext>
+    </p:extLst>
+  </p:cSld>
+  <p:clrMapOvr>
+    <a:masterClrMapping/>
+  </p:clrMapOvr>
+</p:sld>
+</file>
+
+<file path=ppt/slides/slide26.xml><?xml version="1.0" encoding="utf-8"?>
+<p:sld xmlns:a="http://schemas.openxmlformats.org/drawingml/2006/main" xmlns:r="http://schemas.openxmlformats.org/officeDocument/2006/relationships" xmlns:p="http://schemas.openxmlformats.org/presentationml/2006/main">
+  <p:cSld>
+    <p:spTree>
+      <p:nvGrpSpPr>
+        <p:cNvPr id="1" name=""/>
+        <p:cNvGrpSpPr/>
+        <p:nvPr/>
+      </p:nvGrpSpPr>
+      <p:grpSpPr>
+        <a:xfrm>
+          <a:off x="0" y="0"/>
+          <a:ext cx="0" cy="0"/>
+          <a:chOff x="0" y="0"/>
+          <a:chExt cx="0" cy="0"/>
+        </a:xfrm>
+      </p:grpSpPr>
+      <p:sp>
+        <p:nvSpPr>
+          <p:cNvPr id="2" name="タイトル 1">
+            <a:extLst>
+              <a:ext uri="{FF2B5EF4-FFF2-40B4-BE49-F238E27FC236}">
+                <a16:creationId xmlns:a16="http://schemas.microsoft.com/office/drawing/2014/main" id="{E83F635B-04E1-3E2F-6A1A-E28F471867BC}"/>
+              </a:ext>
+            </a:extLst>
+          </p:cNvPr>
+          <p:cNvSpPr>
+            <a:spLocks noGrp="1"/>
+          </p:cNvSpPr>
+          <p:nvPr>
+            <p:ph type="title"/>
+          </p:nvPr>
+        </p:nvSpPr>
+        <p:spPr/>
+        <p:txBody>
+          <a:bodyPr/>
+          <a:lstStyle/>
+          <a:p>
+            <a:r>
+              <a:rPr lang="en-US" altLang="ja-JP" dirty="0">
+                <a:latin typeface="Times New Roman" panose="02020603050405020304" pitchFamily="18" charset="0"/>
+                <a:cs typeface="Times New Roman" panose="02020603050405020304" pitchFamily="18" charset="0"/>
+              </a:rPr>
+              <a:t>3.</a:t>
+            </a:r>
+            <a:r>
+              <a:rPr lang="ja-JP" altLang="en-US" dirty="0">
+                <a:latin typeface="Times New Roman" panose="02020603050405020304" pitchFamily="18" charset="0"/>
+                <a:cs typeface="Times New Roman" panose="02020603050405020304" pitchFamily="18" charset="0"/>
+              </a:rPr>
+              <a:t>  </a:t>
+            </a:r>
+            <a:r>
+              <a:rPr lang="ja-JP" altLang="en-US" dirty="0"/>
+              <a:t>ブロック崩しゲームのコントローラ作成</a:t>
+            </a:r>
+            <a:endParaRPr kumimoji="1" lang="ja-JP" altLang="en-US" dirty="0"/>
+          </a:p>
+        </p:txBody>
+      </p:sp>
+      <p:sp>
+        <p:nvSpPr>
+          <p:cNvPr id="3" name="コンテンツ プレースホルダー 2">
+            <a:extLst>
+              <a:ext uri="{FF2B5EF4-FFF2-40B4-BE49-F238E27FC236}">
+                <a16:creationId xmlns:a16="http://schemas.microsoft.com/office/drawing/2014/main" id="{804809AE-B255-CB38-8F76-32BE480AA851}"/>
+              </a:ext>
+            </a:extLst>
+          </p:cNvPr>
+          <p:cNvSpPr>
+            <a:spLocks noGrp="1"/>
+          </p:cNvSpPr>
+          <p:nvPr>
+            <p:ph idx="1"/>
+          </p:nvPr>
+        </p:nvSpPr>
+        <p:spPr/>
+        <p:txBody>
+          <a:bodyPr/>
+          <a:lstStyle/>
+          <a:p>
+            <a:pPr marL="0" indent="0">
+              <a:buNone/>
+            </a:pPr>
+            <a:r>
+              <a:rPr lang="ja-JP" altLang="en-US" dirty="0"/>
+              <a:t>・・・</a:t>
+            </a:r>
+            <a:r>
+              <a:rPr kumimoji="1" lang="ja-JP" altLang="en-US" sz="2400" b="1" dirty="0">
+                <a:solidFill>
+                  <a:srgbClr val="FF0000"/>
+                </a:solidFill>
+              </a:rPr>
+              <a:t>ブロック崩しのバーを可変抵抗器で操作 </a:t>
+            </a:r>
+            <a:endParaRPr lang="en-US" altLang="ja-JP" b="1" dirty="0">
+              <a:solidFill>
+                <a:srgbClr val="FF0000"/>
+              </a:solidFill>
+            </a:endParaRPr>
+          </a:p>
+          <a:p>
+            <a:pPr marL="0" indent="0">
+              <a:buNone/>
+            </a:pPr>
+            <a:endParaRPr lang="en-US" altLang="ja-JP" sz="1600" b="1" dirty="0">
+              <a:solidFill>
+                <a:srgbClr val="FF0000"/>
+              </a:solidFill>
+            </a:endParaRPr>
+          </a:p>
+          <a:p>
+            <a:pPr marL="0" indent="0">
+              <a:buNone/>
+            </a:pPr>
+            <a:endParaRPr lang="en-US" altLang="ja-JP" sz="1000" b="1" dirty="0">
+              <a:solidFill>
+                <a:srgbClr val="FF0000"/>
+              </a:solidFill>
+            </a:endParaRPr>
+          </a:p>
+          <a:p>
+            <a:pPr marL="0" indent="0">
+              <a:buNone/>
+            </a:pPr>
+            <a:r>
+              <a:rPr lang="en-US" altLang="ja-JP" b="1" dirty="0"/>
+              <a:t>【 2</a:t>
+            </a:r>
+            <a:r>
+              <a:rPr lang="en-US" altLang="ja-JP" b="1" baseline="30000" dirty="0"/>
+              <a:t>nd</a:t>
+            </a:r>
+            <a:r>
+              <a:rPr lang="en-US" altLang="ja-JP" b="1" dirty="0"/>
+              <a:t> Step 】</a:t>
+            </a:r>
+          </a:p>
+          <a:p>
+            <a:pPr marL="0" indent="0">
+              <a:buNone/>
+            </a:pPr>
+            <a:endParaRPr lang="en-US" altLang="ja-JP" sz="1000" dirty="0"/>
+          </a:p>
+          <a:p>
+            <a:pPr marL="0" indent="0">
+              <a:buNone/>
+            </a:pPr>
+            <a:r>
+              <a:rPr lang="ja-JP" altLang="en-US" dirty="0"/>
+              <a:t>　</a:t>
+            </a:r>
+            <a:r>
+              <a:rPr lang="ja-JP" altLang="en-US" b="1" dirty="0"/>
+              <a:t>ゲームバー制御部の確認</a:t>
+            </a:r>
+            <a:endParaRPr lang="en-US" altLang="ja-JP" dirty="0"/>
+          </a:p>
+          <a:p>
+            <a:pPr lvl="1"/>
+            <a:r>
+              <a:rPr lang="ja-JP" altLang="en-US" dirty="0"/>
+              <a:t>マウス座標が</a:t>
+            </a:r>
+            <a:r>
+              <a:rPr lang="en-US" altLang="ja-JP" dirty="0"/>
+              <a:t>”</a:t>
+            </a:r>
+            <a:r>
+              <a:rPr lang="en-US" altLang="ja-JP" dirty="0" err="1"/>
+              <a:t>event.x</a:t>
+            </a:r>
+            <a:r>
+              <a:rPr lang="en-US" altLang="ja-JP" dirty="0"/>
+              <a:t>”</a:t>
+            </a:r>
+            <a:r>
+              <a:rPr lang="ja-JP" altLang="en-US" dirty="0"/>
+              <a:t>として </a:t>
+            </a:r>
+            <a:r>
+              <a:rPr lang="en-US" altLang="ja-JP" dirty="0" err="1"/>
+              <a:t>bar.move</a:t>
+            </a:r>
+            <a:r>
+              <a:rPr lang="en-US" altLang="ja-JP" dirty="0"/>
+              <a:t> </a:t>
+            </a:r>
+            <a:r>
+              <a:rPr lang="ja-JP" altLang="en-US" dirty="0"/>
+              <a:t>に渡されている</a:t>
+            </a:r>
+            <a:endParaRPr lang="en-US" altLang="ja-JP" dirty="0"/>
+          </a:p>
+          <a:p>
+            <a:pPr lvl="1"/>
+            <a:r>
+              <a:rPr lang="en-US" altLang="ja-JP" dirty="0" err="1"/>
+              <a:t>bar.move</a:t>
+            </a:r>
+            <a:r>
+              <a:rPr lang="ja-JP" altLang="en-US" dirty="0"/>
+              <a:t>に渡す引数を可変抵抗の値に変更すればいい</a:t>
+            </a:r>
+            <a:r>
+              <a:rPr lang="en-US" altLang="ja-JP" dirty="0"/>
+              <a:t>	</a:t>
+            </a:r>
+          </a:p>
+          <a:p>
+            <a:endParaRPr kumimoji="1" lang="ja-JP" altLang="en-US" dirty="0"/>
+          </a:p>
+        </p:txBody>
+      </p:sp>
+      <p:sp>
+        <p:nvSpPr>
+          <p:cNvPr id="4" name="スライド番号プレースホルダー 3">
+            <a:extLst>
+              <a:ext uri="{FF2B5EF4-FFF2-40B4-BE49-F238E27FC236}">
+                <a16:creationId xmlns:a16="http://schemas.microsoft.com/office/drawing/2014/main" id="{55FCAD2E-5B05-AB02-3590-68DD22631CF3}"/>
+              </a:ext>
+            </a:extLst>
+          </p:cNvPr>
+          <p:cNvSpPr>
+            <a:spLocks noGrp="1"/>
+          </p:cNvSpPr>
+          <p:nvPr>
+            <p:ph type="sldNum" sz="quarter" idx="12"/>
+          </p:nvPr>
+        </p:nvSpPr>
+        <p:spPr/>
+        <p:txBody>
+          <a:bodyPr/>
+          <a:lstStyle/>
+          <a:p>
+            <a:fld id="{167E14B9-D607-4902-8FEC-B1687B44AC2F}" type="slidenum">
+              <a:rPr lang="ja-JP" altLang="en-US" smtClean="0"/>
+              <a:pPr/>
+              <a:t>26</a:t>
+            </a:fld>
+            <a:endParaRPr lang="ja-JP" altLang="en-US" dirty="0"/>
+          </a:p>
+        </p:txBody>
+      </p:sp>
+      <p:sp>
+        <p:nvSpPr>
+          <p:cNvPr id="14" name="テキスト ボックス 13">
+            <a:extLst>
+              <a:ext uri="{FF2B5EF4-FFF2-40B4-BE49-F238E27FC236}">
+                <a16:creationId xmlns:a16="http://schemas.microsoft.com/office/drawing/2014/main" id="{AC8FE4BE-0C66-2459-DECC-EDAC2397DFF3}"/>
+              </a:ext>
+            </a:extLst>
+          </p:cNvPr>
+          <p:cNvSpPr txBox="1"/>
+          <p:nvPr/>
+        </p:nvSpPr>
+        <p:spPr>
+          <a:xfrm>
+            <a:off x="8616280" y="2225124"/>
+            <a:ext cx="2160240" cy="369332"/>
+          </a:xfrm>
+          <a:prstGeom prst="rect">
+            <a:avLst/>
+          </a:prstGeom>
+          <a:noFill/>
+          <a:ln w="38100">
+            <a:solidFill>
+              <a:schemeClr val="accent6"/>
+            </a:solidFill>
+          </a:ln>
+        </p:spPr>
+        <p:txBody>
+          <a:bodyPr wrap="square" rtlCol="0">
+            <a:spAutoFit/>
+          </a:bodyPr>
+          <a:lstStyle/>
+          <a:p>
+            <a:r>
+              <a:rPr lang="ja-JP" altLang="en-US" sz="1600" dirty="0"/>
+              <a:t>単語検索</a:t>
+            </a:r>
+            <a:r>
+              <a:rPr kumimoji="1" lang="en-US" altLang="ja-JP" dirty="0"/>
+              <a:t>        Ctrl + </a:t>
+            </a:r>
+            <a:r>
+              <a:rPr lang="en-US" altLang="ja-JP" dirty="0"/>
+              <a:t>f</a:t>
+            </a:r>
+            <a:endParaRPr kumimoji="1" lang="en-US" altLang="ja-JP" dirty="0"/>
+          </a:p>
+        </p:txBody>
+      </p:sp>
+      <p:sp>
+        <p:nvSpPr>
+          <p:cNvPr id="15" name="テキスト ボックス 14">
+            <a:extLst>
+              <a:ext uri="{FF2B5EF4-FFF2-40B4-BE49-F238E27FC236}">
+                <a16:creationId xmlns:a16="http://schemas.microsoft.com/office/drawing/2014/main" id="{11E006FC-BF93-CBD4-B0B3-077AAB057FC3}"/>
+              </a:ext>
+            </a:extLst>
+          </p:cNvPr>
+          <p:cNvSpPr txBox="1"/>
+          <p:nvPr/>
+        </p:nvSpPr>
+        <p:spPr>
+          <a:xfrm>
+            <a:off x="1657355" y="5987021"/>
+            <a:ext cx="4268778" cy="369332"/>
+          </a:xfrm>
+          <a:prstGeom prst="rect">
+            <a:avLst/>
+          </a:prstGeom>
+          <a:noFill/>
+        </p:spPr>
+        <p:txBody>
+          <a:bodyPr wrap="square" rtlCol="0">
+            <a:spAutoFit/>
+          </a:bodyPr>
+          <a:lstStyle/>
+          <a:p>
+            <a:pPr algn="ctr"/>
+            <a:r>
+              <a:rPr kumimoji="1" lang="en-US" altLang="ja-JP" b="1" dirty="0">
+                <a:solidFill>
+                  <a:schemeClr val="accent6"/>
+                </a:solidFill>
+              </a:rPr>
+              <a:t>“</a:t>
+            </a:r>
+            <a:r>
+              <a:rPr kumimoji="1" lang="en-US" altLang="ja-JP" sz="1600" b="1" dirty="0">
+                <a:solidFill>
+                  <a:schemeClr val="accent6"/>
+                </a:solidFill>
+              </a:rPr>
+              <a:t>move” </a:t>
+            </a:r>
+            <a:r>
+              <a:rPr kumimoji="1" lang="ja-JP" altLang="en-US" sz="1600" b="1" dirty="0">
+                <a:solidFill>
+                  <a:schemeClr val="accent6"/>
+                </a:solidFill>
+              </a:rPr>
+              <a:t>で検索して中身を確認しておこう</a:t>
+            </a:r>
+            <a:endParaRPr kumimoji="1" lang="ja-JP" altLang="en-US" b="1" dirty="0">
+              <a:solidFill>
+                <a:schemeClr val="accent6"/>
+              </a:solidFill>
+            </a:endParaRPr>
+          </a:p>
+        </p:txBody>
+      </p:sp>
+      <p:pic>
+        <p:nvPicPr>
+          <p:cNvPr id="5" name="図 4">
+            <a:extLst>
+              <a:ext uri="{FF2B5EF4-FFF2-40B4-BE49-F238E27FC236}">
+                <a16:creationId xmlns:a16="http://schemas.microsoft.com/office/drawing/2014/main" id="{9E649D9A-6227-66D9-5B6D-CEAA859A577A}"/>
+              </a:ext>
+            </a:extLst>
+          </p:cNvPr>
+          <p:cNvPicPr>
+            <a:picLocks noChangeAspect="1"/>
+          </p:cNvPicPr>
+          <p:nvPr/>
+        </p:nvPicPr>
+        <p:blipFill rotWithShape="1">
+          <a:blip r:embed="rId2"/>
+          <a:srcRect t="5946" r="10668" b="3676"/>
+          <a:stretch/>
+        </p:blipFill>
+        <p:spPr>
+          <a:xfrm>
+            <a:off x="1919536" y="4581128"/>
+            <a:ext cx="3744416" cy="792088"/>
+          </a:xfrm>
+          <a:prstGeom prst="rect">
+            <a:avLst/>
+          </a:prstGeom>
+        </p:spPr>
+      </p:pic>
+      <p:sp>
+        <p:nvSpPr>
+          <p:cNvPr id="20" name="テキスト ボックス 19">
+            <a:extLst>
+              <a:ext uri="{FF2B5EF4-FFF2-40B4-BE49-F238E27FC236}">
+                <a16:creationId xmlns:a16="http://schemas.microsoft.com/office/drawing/2014/main" id="{67CEFF5D-AA91-4E4F-182A-8D148AFF2251}"/>
+              </a:ext>
+            </a:extLst>
+          </p:cNvPr>
+          <p:cNvSpPr txBox="1"/>
+          <p:nvPr/>
+        </p:nvSpPr>
+        <p:spPr>
+          <a:xfrm>
+            <a:off x="2704942" y="5449513"/>
+            <a:ext cx="2173604" cy="307777"/>
+          </a:xfrm>
+          <a:prstGeom prst="rect">
+            <a:avLst/>
+          </a:prstGeom>
+          <a:noFill/>
+        </p:spPr>
+        <p:txBody>
+          <a:bodyPr wrap="square" rtlCol="0">
+            <a:spAutoFit/>
+          </a:bodyPr>
+          <a:lstStyle/>
+          <a:p>
+            <a:pPr algn="ctr"/>
+            <a:r>
+              <a:rPr lang="ja-JP" altLang="en-US" sz="1400" dirty="0"/>
+              <a:t>プログラム</a:t>
+            </a:r>
+            <a:r>
+              <a:rPr kumimoji="1" lang="ja-JP" altLang="en-US" sz="1400" dirty="0"/>
+              <a:t>の抜粋</a:t>
+            </a:r>
+          </a:p>
+        </p:txBody>
+      </p:sp>
+      <p:grpSp>
+        <p:nvGrpSpPr>
+          <p:cNvPr id="21" name="グループ化 20">
+            <a:extLst>
+              <a:ext uri="{FF2B5EF4-FFF2-40B4-BE49-F238E27FC236}">
+                <a16:creationId xmlns:a16="http://schemas.microsoft.com/office/drawing/2014/main" id="{7FD52EBA-6444-BF9F-AECD-3256C2096123}"/>
+              </a:ext>
+            </a:extLst>
+          </p:cNvPr>
+          <p:cNvGrpSpPr/>
+          <p:nvPr/>
+        </p:nvGrpSpPr>
+        <p:grpSpPr>
+          <a:xfrm>
+            <a:off x="5462428" y="5112661"/>
+            <a:ext cx="2131243" cy="307777"/>
+            <a:chOff x="2553485" y="6049172"/>
+            <a:chExt cx="2131243" cy="307777"/>
+          </a:xfrm>
+        </p:grpSpPr>
+        <p:sp>
+          <p:nvSpPr>
+            <p:cNvPr id="22" name="テキスト ボックス 21">
+              <a:extLst>
+                <a:ext uri="{FF2B5EF4-FFF2-40B4-BE49-F238E27FC236}">
+                  <a16:creationId xmlns:a16="http://schemas.microsoft.com/office/drawing/2014/main" id="{7788F6BD-B039-97C7-A6EA-3EB31EB45FF1}"/>
+                </a:ext>
+              </a:extLst>
+            </p:cNvPr>
+            <p:cNvSpPr txBox="1"/>
+            <p:nvPr/>
+          </p:nvSpPr>
+          <p:spPr>
+            <a:xfrm>
+              <a:off x="2653782" y="6049172"/>
+              <a:ext cx="2030946" cy="307777"/>
+            </a:xfrm>
+            <a:prstGeom prst="rect">
+              <a:avLst/>
+            </a:prstGeom>
+            <a:noFill/>
+          </p:spPr>
+          <p:txBody>
+            <a:bodyPr wrap="square" rtlCol="0">
+              <a:spAutoFit/>
+            </a:bodyPr>
+            <a:lstStyle/>
+            <a:p>
+              <a:pPr lvl="1"/>
+              <a:r>
+                <a:rPr lang="en-US" altLang="ja-JP" sz="1400" b="1" dirty="0">
+                  <a:solidFill>
+                    <a:schemeClr val="accent6"/>
+                  </a:solidFill>
+                </a:rPr>
+                <a:t>Bar </a:t>
+              </a:r>
+              <a:r>
+                <a:rPr lang="ja-JP" altLang="en-US" sz="1400" b="1" dirty="0">
+                  <a:solidFill>
+                    <a:schemeClr val="accent6"/>
+                  </a:solidFill>
+                </a:rPr>
+                <a:t>を動かす部分</a:t>
+              </a:r>
+              <a:endParaRPr lang="en-US" altLang="ja-JP" sz="1400" b="1" dirty="0">
+                <a:solidFill>
+                  <a:schemeClr val="accent6"/>
+                </a:solidFill>
+              </a:endParaRPr>
+            </a:p>
+          </p:txBody>
+        </p:sp>
+        <p:cxnSp>
+          <p:nvCxnSpPr>
+            <p:cNvPr id="23" name="直線コネクタ 22">
+              <a:extLst>
+                <a:ext uri="{FF2B5EF4-FFF2-40B4-BE49-F238E27FC236}">
+                  <a16:creationId xmlns:a16="http://schemas.microsoft.com/office/drawing/2014/main" id="{32CEDE88-5362-B483-78FC-8BB1DC5F8267}"/>
+                </a:ext>
+              </a:extLst>
+            </p:cNvPr>
+            <p:cNvCxnSpPr>
+              <a:cxnSpLocks/>
+            </p:cNvCxnSpPr>
+            <p:nvPr/>
+          </p:nvCxnSpPr>
+          <p:spPr>
+            <a:xfrm>
+              <a:off x="2553485" y="6203061"/>
+              <a:ext cx="446770" cy="0"/>
+            </a:xfrm>
+            <a:prstGeom prst="line">
+              <a:avLst/>
+            </a:prstGeom>
+            <a:ln w="28575">
+              <a:solidFill>
+                <a:schemeClr val="accent6"/>
+              </a:solidFill>
+            </a:ln>
+          </p:spPr>
+          <p:style>
+            <a:lnRef idx="1">
+              <a:schemeClr val="accent1"/>
+            </a:lnRef>
+            <a:fillRef idx="0">
+              <a:schemeClr val="accent1"/>
+            </a:fillRef>
+            <a:effectRef idx="0">
+              <a:schemeClr val="accent1"/>
+            </a:effectRef>
+            <a:fontRef idx="minor">
+              <a:schemeClr val="tx1"/>
+            </a:fontRef>
+          </p:style>
+        </p:cxnSp>
+      </p:grpSp>
+    </p:spTree>
+    <p:extLst>
+      <p:ext uri="{BB962C8B-B14F-4D97-AF65-F5344CB8AC3E}">
+        <p14:creationId xmlns:p14="http://schemas.microsoft.com/office/powerpoint/2010/main" val="775782492"/>
+      </p:ext>
+    </p:extLst>
+  </p:cSld>
+  <p:clrMapOvr>
+    <a:masterClrMapping/>
+  </p:clrMapOvr>
+</p:sld>
+</file>
+
+<file path=ppt/slides/slide27.xml><?xml version="1.0" encoding="utf-8"?>
+<p:sld xmlns:a="http://schemas.openxmlformats.org/drawingml/2006/main" xmlns:r="http://schemas.openxmlformats.org/officeDocument/2006/relationships" xmlns:p="http://schemas.openxmlformats.org/presentationml/2006/main">
+  <p:cSld>
+    <p:spTree>
+      <p:nvGrpSpPr>
+        <p:cNvPr id="1" name=""/>
+        <p:cNvGrpSpPr/>
+        <p:nvPr/>
+      </p:nvGrpSpPr>
+      <p:grpSpPr>
+        <a:xfrm>
+          <a:off x="0" y="0"/>
+          <a:ext cx="0" cy="0"/>
+          <a:chOff x="0" y="0"/>
+          <a:chExt cx="0" cy="0"/>
+        </a:xfrm>
+      </p:grpSpPr>
+      <p:sp>
+        <p:nvSpPr>
+          <p:cNvPr id="2" name="タイトル 1">
+            <a:extLst>
+              <a:ext uri="{FF2B5EF4-FFF2-40B4-BE49-F238E27FC236}">
+                <a16:creationId xmlns:a16="http://schemas.microsoft.com/office/drawing/2014/main" id="{E83F635B-04E1-3E2F-6A1A-E28F471867BC}"/>
+              </a:ext>
+            </a:extLst>
+          </p:cNvPr>
+          <p:cNvSpPr>
+            <a:spLocks noGrp="1"/>
+          </p:cNvSpPr>
+          <p:nvPr>
+            <p:ph type="title"/>
+          </p:nvPr>
+        </p:nvSpPr>
+        <p:spPr/>
+        <p:txBody>
+          <a:bodyPr/>
+          <a:lstStyle/>
+          <a:p>
+            <a:r>
+              <a:rPr lang="en-US" altLang="ja-JP" dirty="0">
+                <a:latin typeface="Times New Roman" panose="02020603050405020304" pitchFamily="18" charset="0"/>
+                <a:cs typeface="Times New Roman" panose="02020603050405020304" pitchFamily="18" charset="0"/>
+              </a:rPr>
+              <a:t>3.</a:t>
+            </a:r>
+            <a:r>
+              <a:rPr lang="ja-JP" altLang="en-US" dirty="0">
+                <a:latin typeface="Times New Roman" panose="02020603050405020304" pitchFamily="18" charset="0"/>
+                <a:cs typeface="Times New Roman" panose="02020603050405020304" pitchFamily="18" charset="0"/>
+              </a:rPr>
+              <a:t>  </a:t>
+            </a:r>
+            <a:r>
+              <a:rPr lang="ja-JP" altLang="en-US" dirty="0"/>
+              <a:t>ブロック崩しゲームのコントローラ作成</a:t>
+            </a:r>
+            <a:endParaRPr kumimoji="1" lang="ja-JP" altLang="en-US" dirty="0"/>
+          </a:p>
+        </p:txBody>
+      </p:sp>
+      <p:sp>
+        <p:nvSpPr>
+          <p:cNvPr id="3" name="コンテンツ プレースホルダー 2">
+            <a:extLst>
+              <a:ext uri="{FF2B5EF4-FFF2-40B4-BE49-F238E27FC236}">
+                <a16:creationId xmlns:a16="http://schemas.microsoft.com/office/drawing/2014/main" id="{804809AE-B255-CB38-8F76-32BE480AA851}"/>
+              </a:ext>
+            </a:extLst>
+          </p:cNvPr>
+          <p:cNvSpPr>
+            <a:spLocks noGrp="1"/>
+          </p:cNvSpPr>
+          <p:nvPr>
+            <p:ph idx="1"/>
+          </p:nvPr>
+        </p:nvSpPr>
+        <p:spPr/>
+        <p:txBody>
+          <a:bodyPr/>
+          <a:lstStyle/>
+          <a:p>
+            <a:pPr marL="0" indent="0">
+              <a:buNone/>
+            </a:pPr>
+            <a:r>
+              <a:rPr lang="ja-JP" altLang="en-US" dirty="0"/>
+              <a:t>・・・</a:t>
+            </a:r>
+            <a:r>
+              <a:rPr kumimoji="1" lang="ja-JP" altLang="en-US" sz="2400" b="1" dirty="0">
+                <a:solidFill>
+                  <a:srgbClr val="FF0000"/>
+                </a:solidFill>
+              </a:rPr>
+              <a:t>ブロック崩しのバーを可変抵抗器で操作 </a:t>
+            </a:r>
+            <a:endParaRPr lang="en-US" altLang="ja-JP" b="1" dirty="0">
+              <a:solidFill>
+                <a:srgbClr val="FF0000"/>
+              </a:solidFill>
+            </a:endParaRPr>
+          </a:p>
+          <a:p>
+            <a:pPr marL="0" indent="0">
+              <a:buNone/>
+            </a:pPr>
+            <a:endParaRPr lang="en-US" altLang="ja-JP" sz="1600" b="1" dirty="0">
+              <a:solidFill>
+                <a:srgbClr val="FF0000"/>
+              </a:solidFill>
+            </a:endParaRPr>
+          </a:p>
+          <a:p>
+            <a:pPr marL="0" indent="0">
+              <a:buNone/>
+            </a:pPr>
+            <a:endParaRPr lang="en-US" altLang="ja-JP" sz="1000" b="1" dirty="0">
+              <a:solidFill>
+                <a:srgbClr val="FF0000"/>
+              </a:solidFill>
+            </a:endParaRPr>
+          </a:p>
+          <a:p>
+            <a:pPr marL="0" indent="0">
+              <a:buNone/>
+            </a:pPr>
+            <a:r>
+              <a:rPr lang="en-US" altLang="ja-JP" b="1" dirty="0"/>
+              <a:t>【 3</a:t>
+            </a:r>
+            <a:r>
+              <a:rPr lang="en-US" altLang="ja-JP" b="1" baseline="30000" dirty="0"/>
+              <a:t>rd</a:t>
+            </a:r>
+            <a:r>
+              <a:rPr lang="en-US" altLang="ja-JP" b="1" dirty="0"/>
+              <a:t> Step 】</a:t>
+            </a:r>
+          </a:p>
+          <a:p>
+            <a:pPr marL="0" indent="0">
+              <a:buNone/>
+            </a:pPr>
+            <a:endParaRPr lang="en-US" altLang="ja-JP" sz="1000" dirty="0"/>
+          </a:p>
+          <a:p>
+            <a:pPr marL="0" indent="0">
+              <a:buNone/>
+            </a:pPr>
+            <a:r>
+              <a:rPr lang="ja-JP" altLang="en-US" dirty="0"/>
+              <a:t>　</a:t>
+            </a:r>
+            <a:r>
+              <a:rPr lang="ja-JP" altLang="en-US" b="1" dirty="0"/>
+              <a:t>ゲームバー制御部の改造</a:t>
+            </a:r>
+            <a:endParaRPr lang="en-US" altLang="ja-JP" b="1" dirty="0"/>
+          </a:p>
+          <a:p>
+            <a:pPr marL="0" indent="0">
+              <a:buNone/>
+            </a:pPr>
+            <a:endParaRPr lang="en-US" altLang="ja-JP" b="1" dirty="0"/>
+          </a:p>
+          <a:p>
+            <a:pPr lvl="1"/>
+            <a:r>
+              <a:rPr lang="ja-JP" altLang="en-US" b="1" dirty="0">
+                <a:solidFill>
+                  <a:schemeClr val="accent6"/>
+                </a:solidFill>
+              </a:rPr>
+              <a:t>① シリアルポートの初期化</a:t>
+            </a:r>
+            <a:endParaRPr lang="en-US" altLang="ja-JP" b="1" dirty="0">
+              <a:solidFill>
+                <a:schemeClr val="accent6"/>
+              </a:solidFill>
+            </a:endParaRPr>
+          </a:p>
+          <a:p>
+            <a:pPr lvl="1"/>
+            <a:r>
+              <a:rPr lang="ja-JP" altLang="en-US" b="1" dirty="0">
+                <a:solidFill>
+                  <a:schemeClr val="accent6"/>
+                </a:solidFill>
+              </a:rPr>
+              <a:t>② </a:t>
+            </a:r>
+            <a:r>
+              <a:rPr lang="en-US" altLang="ja-JP" b="1" dirty="0">
+                <a:solidFill>
+                  <a:schemeClr val="accent6"/>
+                </a:solidFill>
+              </a:rPr>
+              <a:t>motion</a:t>
+            </a:r>
+            <a:r>
+              <a:rPr lang="ja-JP" altLang="en-US" b="1" dirty="0">
+                <a:solidFill>
+                  <a:schemeClr val="accent6"/>
+                </a:solidFill>
+              </a:rPr>
+              <a:t>関数の中身を変更</a:t>
+            </a:r>
+            <a:endParaRPr lang="en-US" altLang="ja-JP" b="1" dirty="0">
+              <a:solidFill>
+                <a:schemeClr val="accent6"/>
+              </a:solidFill>
+            </a:endParaRPr>
+          </a:p>
+          <a:p>
+            <a:pPr marL="457200" lvl="1" indent="0">
+              <a:buNone/>
+            </a:pPr>
+            <a:endParaRPr lang="en-US" altLang="ja-JP" b="1" dirty="0"/>
+          </a:p>
+          <a:p>
+            <a:pPr marL="457200" lvl="1" indent="0">
+              <a:buNone/>
+            </a:pPr>
+            <a:r>
+              <a:rPr lang="ja-JP" altLang="en-US" b="1" dirty="0"/>
+              <a:t>この状態で実行しても動かない，，，</a:t>
+            </a:r>
+            <a:endParaRPr lang="en-US" altLang="ja-JP" b="1" dirty="0"/>
+          </a:p>
+          <a:p>
+            <a:pPr lvl="1"/>
+            <a:r>
+              <a:rPr lang="ja-JP" altLang="en-US" b="1" dirty="0">
+                <a:solidFill>
+                  <a:schemeClr val="accent6"/>
+                </a:solidFill>
+              </a:rPr>
+              <a:t>③ メインループへの追加</a:t>
+            </a:r>
+            <a:endParaRPr lang="en-US" altLang="ja-JP" b="1" dirty="0">
+              <a:solidFill>
+                <a:schemeClr val="accent6"/>
+              </a:solidFill>
+            </a:endParaRPr>
+          </a:p>
+          <a:p>
+            <a:pPr lvl="1"/>
+            <a:endParaRPr lang="en-US" altLang="ja-JP" dirty="0"/>
+          </a:p>
+          <a:p>
+            <a:endParaRPr lang="en-US" altLang="ja-JP" dirty="0"/>
+          </a:p>
+          <a:p>
+            <a:endParaRPr kumimoji="1" lang="ja-JP" altLang="en-US" dirty="0"/>
+          </a:p>
+        </p:txBody>
+      </p:sp>
+      <p:sp>
+        <p:nvSpPr>
+          <p:cNvPr id="4" name="スライド番号プレースホルダー 3">
+            <a:extLst>
+              <a:ext uri="{FF2B5EF4-FFF2-40B4-BE49-F238E27FC236}">
+                <a16:creationId xmlns:a16="http://schemas.microsoft.com/office/drawing/2014/main" id="{55FCAD2E-5B05-AB02-3590-68DD22631CF3}"/>
+              </a:ext>
+            </a:extLst>
+          </p:cNvPr>
+          <p:cNvSpPr>
+            <a:spLocks noGrp="1"/>
+          </p:cNvSpPr>
+          <p:nvPr>
+            <p:ph type="sldNum" sz="quarter" idx="12"/>
+          </p:nvPr>
+        </p:nvSpPr>
+        <p:spPr/>
+        <p:txBody>
+          <a:bodyPr/>
+          <a:lstStyle/>
+          <a:p>
+            <a:fld id="{167E14B9-D607-4902-8FEC-B1687B44AC2F}" type="slidenum">
+              <a:rPr lang="ja-JP" altLang="en-US" smtClean="0"/>
+              <a:pPr/>
+              <a:t>27</a:t>
+            </a:fld>
+            <a:endParaRPr lang="ja-JP" altLang="en-US" dirty="0"/>
+          </a:p>
+        </p:txBody>
+      </p:sp>
+      <p:pic>
+        <p:nvPicPr>
+          <p:cNvPr id="6" name="図 5">
+            <a:extLst>
+              <a:ext uri="{FF2B5EF4-FFF2-40B4-BE49-F238E27FC236}">
+                <a16:creationId xmlns:a16="http://schemas.microsoft.com/office/drawing/2014/main" id="{F1B4FB5C-A89E-7375-15C9-60A18DBC9261}"/>
+              </a:ext>
+            </a:extLst>
+          </p:cNvPr>
+          <p:cNvPicPr>
+            <a:picLocks noChangeAspect="1"/>
+          </p:cNvPicPr>
+          <p:nvPr/>
+        </p:nvPicPr>
+        <p:blipFill>
+          <a:blip r:embed="rId2"/>
+          <a:stretch>
+            <a:fillRect/>
+          </a:stretch>
+        </p:blipFill>
+        <p:spPr>
+          <a:xfrm>
+            <a:off x="5746794" y="1913936"/>
+            <a:ext cx="6445206" cy="4944063"/>
+          </a:xfrm>
+          <a:prstGeom prst="rect">
+            <a:avLst/>
+          </a:prstGeom>
+        </p:spPr>
+      </p:pic>
+      <p:sp>
+        <p:nvSpPr>
+          <p:cNvPr id="9" name="テキスト ボックス 8">
+            <a:extLst>
+              <a:ext uri="{FF2B5EF4-FFF2-40B4-BE49-F238E27FC236}">
+                <a16:creationId xmlns:a16="http://schemas.microsoft.com/office/drawing/2014/main" id="{88CE1242-2B98-6EEE-6EC5-80AAC62C181C}"/>
+              </a:ext>
+            </a:extLst>
+          </p:cNvPr>
+          <p:cNvSpPr txBox="1"/>
+          <p:nvPr/>
+        </p:nvSpPr>
+        <p:spPr>
+          <a:xfrm>
+            <a:off x="5170730" y="2558374"/>
+            <a:ext cx="576064" cy="369332"/>
+          </a:xfrm>
+          <a:prstGeom prst="rect">
+            <a:avLst/>
+          </a:prstGeom>
+          <a:noFill/>
+        </p:spPr>
+        <p:txBody>
+          <a:bodyPr wrap="square" rtlCol="0">
+            <a:spAutoFit/>
+          </a:bodyPr>
+          <a:lstStyle/>
+          <a:p>
+            <a:pPr algn="ctr"/>
+            <a:r>
+              <a:rPr kumimoji="1" lang="ja-JP" altLang="en-US" b="1" dirty="0">
+                <a:solidFill>
+                  <a:schemeClr val="accent6"/>
+                </a:solidFill>
+              </a:rPr>
+              <a:t>①</a:t>
+            </a:r>
+          </a:p>
+        </p:txBody>
+      </p:sp>
+      <p:sp>
+        <p:nvSpPr>
+          <p:cNvPr id="10" name="テキスト ボックス 9">
+            <a:extLst>
+              <a:ext uri="{FF2B5EF4-FFF2-40B4-BE49-F238E27FC236}">
+                <a16:creationId xmlns:a16="http://schemas.microsoft.com/office/drawing/2014/main" id="{F572EC50-8F83-11AD-D835-E35F49C43614}"/>
+              </a:ext>
+            </a:extLst>
+          </p:cNvPr>
+          <p:cNvSpPr txBox="1"/>
+          <p:nvPr/>
+        </p:nvSpPr>
+        <p:spPr>
+          <a:xfrm>
+            <a:off x="5170730" y="3670310"/>
+            <a:ext cx="576064" cy="369332"/>
+          </a:xfrm>
+          <a:prstGeom prst="rect">
+            <a:avLst/>
+          </a:prstGeom>
+          <a:noFill/>
+        </p:spPr>
+        <p:txBody>
+          <a:bodyPr wrap="square" rtlCol="0">
+            <a:spAutoFit/>
+          </a:bodyPr>
+          <a:lstStyle/>
+          <a:p>
+            <a:pPr algn="ctr"/>
+            <a:r>
+              <a:rPr lang="ja-JP" altLang="en-US" b="1" dirty="0">
+                <a:solidFill>
+                  <a:schemeClr val="accent6"/>
+                </a:solidFill>
+              </a:rPr>
+              <a:t>②</a:t>
+            </a:r>
+            <a:endParaRPr kumimoji="1" lang="ja-JP" altLang="en-US" b="1" dirty="0">
+              <a:solidFill>
+                <a:schemeClr val="accent6"/>
+              </a:solidFill>
+            </a:endParaRPr>
+          </a:p>
+        </p:txBody>
+      </p:sp>
+      <p:pic>
+        <p:nvPicPr>
+          <p:cNvPr id="15" name="図 14">
+            <a:extLst>
+              <a:ext uri="{FF2B5EF4-FFF2-40B4-BE49-F238E27FC236}">
+                <a16:creationId xmlns:a16="http://schemas.microsoft.com/office/drawing/2014/main" id="{83618A34-2782-12A4-BC62-0B69091BA261}"/>
+              </a:ext>
+            </a:extLst>
+          </p:cNvPr>
+          <p:cNvPicPr>
+            <a:picLocks noChangeAspect="1"/>
+          </p:cNvPicPr>
+          <p:nvPr/>
+        </p:nvPicPr>
+        <p:blipFill>
+          <a:blip r:embed="rId3"/>
+          <a:stretch>
+            <a:fillRect/>
+          </a:stretch>
+        </p:blipFill>
+        <p:spPr>
+          <a:xfrm>
+            <a:off x="1271464" y="5463561"/>
+            <a:ext cx="3600400" cy="1164384"/>
+          </a:xfrm>
+          <a:prstGeom prst="rect">
+            <a:avLst/>
+          </a:prstGeom>
+        </p:spPr>
+      </p:pic>
+      <p:grpSp>
+        <p:nvGrpSpPr>
+          <p:cNvPr id="16" name="グループ化 15">
+            <a:extLst>
+              <a:ext uri="{FF2B5EF4-FFF2-40B4-BE49-F238E27FC236}">
+                <a16:creationId xmlns:a16="http://schemas.microsoft.com/office/drawing/2014/main" id="{1E61498D-AF5C-2BA7-87EF-12D8AFFF53CB}"/>
+              </a:ext>
+            </a:extLst>
+          </p:cNvPr>
+          <p:cNvGrpSpPr/>
+          <p:nvPr/>
+        </p:nvGrpSpPr>
+        <p:grpSpPr>
+          <a:xfrm>
+            <a:off x="2984510" y="5949280"/>
+            <a:ext cx="1022512" cy="307777"/>
+            <a:chOff x="2653782" y="6049172"/>
+            <a:chExt cx="2030946" cy="307777"/>
+          </a:xfrm>
+        </p:grpSpPr>
+        <p:sp>
+          <p:nvSpPr>
+            <p:cNvPr id="17" name="テキスト ボックス 16">
+              <a:extLst>
+                <a:ext uri="{FF2B5EF4-FFF2-40B4-BE49-F238E27FC236}">
+                  <a16:creationId xmlns:a16="http://schemas.microsoft.com/office/drawing/2014/main" id="{95165F7C-606A-20E0-C1AA-0431F48130BB}"/>
+                </a:ext>
+              </a:extLst>
+            </p:cNvPr>
+            <p:cNvSpPr txBox="1"/>
+            <p:nvPr/>
+          </p:nvSpPr>
+          <p:spPr>
+            <a:xfrm>
+              <a:off x="2653782" y="6049172"/>
+              <a:ext cx="2030946" cy="307777"/>
+            </a:xfrm>
+            <a:prstGeom prst="rect">
+              <a:avLst/>
+            </a:prstGeom>
+            <a:noFill/>
+          </p:spPr>
+          <p:txBody>
+            <a:bodyPr wrap="square" rtlCol="0">
+              <a:spAutoFit/>
+            </a:bodyPr>
+            <a:lstStyle/>
+            <a:p>
+              <a:pPr lvl="1"/>
+              <a:r>
+                <a:rPr lang="ja-JP" altLang="en-US" sz="1400" b="1" dirty="0">
+                  <a:solidFill>
+                    <a:schemeClr val="accent6"/>
+                  </a:solidFill>
+                </a:rPr>
+                <a:t>追加</a:t>
+              </a:r>
+              <a:endParaRPr lang="en-US" altLang="ja-JP" sz="1400" b="1" dirty="0">
+                <a:solidFill>
+                  <a:schemeClr val="accent6"/>
+                </a:solidFill>
+              </a:endParaRPr>
+            </a:p>
+          </p:txBody>
+        </p:sp>
+        <p:cxnSp>
+          <p:nvCxnSpPr>
+            <p:cNvPr id="18" name="直線コネクタ 17">
+              <a:extLst>
+                <a:ext uri="{FF2B5EF4-FFF2-40B4-BE49-F238E27FC236}">
+                  <a16:creationId xmlns:a16="http://schemas.microsoft.com/office/drawing/2014/main" id="{2ACFB5AD-7FD0-2F73-8D5F-154225577C28}"/>
+                </a:ext>
+              </a:extLst>
+            </p:cNvPr>
+            <p:cNvCxnSpPr>
+              <a:cxnSpLocks/>
+            </p:cNvCxnSpPr>
+            <p:nvPr/>
+          </p:nvCxnSpPr>
+          <p:spPr>
+            <a:xfrm flipV="1">
+              <a:off x="2826890" y="6184747"/>
+              <a:ext cx="549465" cy="18313"/>
+            </a:xfrm>
+            <a:prstGeom prst="line">
+              <a:avLst/>
+            </a:prstGeom>
+            <a:ln w="28575">
+              <a:solidFill>
+                <a:schemeClr val="accent6"/>
+              </a:solidFill>
+            </a:ln>
+          </p:spPr>
+          <p:style>
+            <a:lnRef idx="1">
+              <a:schemeClr val="accent1"/>
+            </a:lnRef>
+            <a:fillRef idx="0">
+              <a:schemeClr val="accent1"/>
+            </a:fillRef>
+            <a:effectRef idx="0">
+              <a:schemeClr val="accent1"/>
+            </a:effectRef>
+            <a:fontRef idx="minor">
+              <a:schemeClr val="tx1"/>
+            </a:fontRef>
+          </p:style>
+        </p:cxnSp>
+      </p:grpSp>
+    </p:spTree>
+    <p:extLst>
+      <p:ext uri="{BB962C8B-B14F-4D97-AF65-F5344CB8AC3E}">
+        <p14:creationId xmlns:p14="http://schemas.microsoft.com/office/powerpoint/2010/main" val="987891935"/>
+      </p:ext>
+    </p:extLst>
+  </p:cSld>
+  <p:clrMapOvr>
+    <a:masterClrMapping/>
+  </p:clrMapOvr>
+</p:sld>
+</file>
+
+<file path=ppt/slides/slide28.xml><?xml version="1.0" encoding="utf-8"?>
+<p:sld xmlns:a="http://schemas.openxmlformats.org/drawingml/2006/main" xmlns:r="http://schemas.openxmlformats.org/officeDocument/2006/relationships" xmlns:p="http://schemas.openxmlformats.org/presentationml/2006/main">
+  <p:cSld>
+    <p:spTree>
+      <p:nvGrpSpPr>
+        <p:cNvPr id="1" name=""/>
+        <p:cNvGrpSpPr/>
+        <p:nvPr/>
+      </p:nvGrpSpPr>
+      <p:grpSpPr>
+        <a:xfrm>
+          <a:off x="0" y="0"/>
+          <a:ext cx="0" cy="0"/>
+          <a:chOff x="0" y="0"/>
+          <a:chExt cx="0" cy="0"/>
+        </a:xfrm>
+      </p:grpSpPr>
+      <p:sp>
+        <p:nvSpPr>
+          <p:cNvPr id="2" name="タイトル 1">
+            <a:extLst>
+              <a:ext uri="{FF2B5EF4-FFF2-40B4-BE49-F238E27FC236}">
                 <a16:creationId xmlns:a16="http://schemas.microsoft.com/office/drawing/2014/main" id="{7C0BD70C-E20D-CACD-CE21-DB6F00BAE40F}"/>
               </a:ext>
             </a:extLst>
@@ -11534,134 +15613,25 @@
             <a:pPr marL="0" indent="0">
               <a:buNone/>
             </a:pPr>
-            <a:endParaRPr lang="en-US" altLang="ja-JP" sz="2000" dirty="0"/>
+            <a:endParaRPr kumimoji="1" lang="en-US" altLang="ja-JP" dirty="0"/>
           </a:p>
           <a:p>
             <a:pPr marL="0" indent="0">
               <a:buNone/>
             </a:pPr>
             <a:r>
-              <a:rPr lang="en-US" altLang="ja-JP" sz="2000" dirty="0"/>
-              <a:t>[</a:t>
-            </a:r>
-            <a:r>
-              <a:rPr lang="ja-JP" altLang="en-US" sz="2000" dirty="0"/>
-              <a:t>ブロック崩しゲーム </a:t>
-            </a:r>
-            <a:r>
-              <a:rPr lang="en-US" altLang="ja-JP" sz="2000" dirty="0"/>
-              <a:t>- python</a:t>
-            </a:r>
-            <a:r>
-              <a:rPr lang="ja-JP" altLang="en-US" sz="2000" dirty="0"/>
-              <a:t>ソース</a:t>
-            </a:r>
-            <a:r>
-              <a:rPr lang="en-US" altLang="ja-JP" sz="2000" dirty="0"/>
-              <a:t>]</a:t>
-            </a:r>
-          </a:p>
-          <a:p>
-            <a:pPr marL="0" indent="0">
-              <a:buNone/>
-            </a:pPr>
-            <a:endParaRPr lang="en-US" altLang="ja-JP" sz="900" dirty="0"/>
-          </a:p>
-          <a:p>
-            <a:r>
-              <a:rPr lang="en-US" altLang="ja-JP" sz="1600" dirty="0">
-                <a:hlinkClick r:id="rId2"/>
-              </a:rPr>
-              <a:t>https://kusakarism.info/?p=11237</a:t>
-            </a:r>
-            <a:endParaRPr lang="en-US" altLang="ja-JP" sz="1600" dirty="0"/>
-          </a:p>
-          <a:p>
-            <a:endParaRPr lang="en-US" altLang="ja-JP" sz="700" dirty="0"/>
-          </a:p>
-          <a:p>
-            <a:r>
-              <a:rPr lang="en-US" altLang="ja-JP" sz="1600" dirty="0">
-                <a:hlinkClick r:id="rId3"/>
-              </a:rPr>
-              <a:t>https://github.com/M-yuhki/breakout</a:t>
-            </a:r>
-            <a:endParaRPr lang="en-US" altLang="ja-JP" sz="1600" dirty="0"/>
-          </a:p>
-          <a:p>
-            <a:pPr marL="457200" indent="-457200">
-              <a:buFont typeface="+mj-lt"/>
-              <a:buAutoNum type="arabicPeriod"/>
-            </a:pPr>
-            <a:endParaRPr lang="en-US" altLang="ja-JP" sz="700" dirty="0"/>
-          </a:p>
-          <a:p>
-            <a:r>
-              <a:rPr lang="en-US" altLang="ja-JP" sz="1600" dirty="0">
-                <a:hlinkClick r:id="rId4"/>
-              </a:rPr>
-              <a:t>https://note.com/forte_python/n/na2575fd1a30f</a:t>
-            </a:r>
-            <a:endParaRPr lang="en-US" altLang="ja-JP" sz="1600" dirty="0"/>
-          </a:p>
-          <a:p>
-            <a:pPr marL="457200" indent="-457200">
-              <a:buFont typeface="+mj-lt"/>
-              <a:buAutoNum type="arabicPeriod"/>
-            </a:pPr>
-            <a:endParaRPr lang="en-US" altLang="ja-JP" sz="2000" dirty="0"/>
-          </a:p>
-          <a:p>
-            <a:pPr marL="0" indent="0">
-              <a:buNone/>
-            </a:pPr>
-            <a:r>
-              <a:rPr lang="en-US" altLang="ja-JP" sz="2000" dirty="0"/>
-              <a:t>[python – Arduino </a:t>
-            </a:r>
-            <a:r>
-              <a:rPr lang="ja-JP" altLang="en-US" sz="2000" dirty="0"/>
-              <a:t>間のシリアル通信</a:t>
-            </a:r>
-            <a:r>
-              <a:rPr lang="en-US" altLang="ja-JP" sz="2000" dirty="0"/>
-              <a:t>]</a:t>
-            </a:r>
-          </a:p>
-          <a:p>
-            <a:r>
-              <a:rPr lang="en-US" altLang="ja-JP" sz="1600" dirty="0">
-                <a:hlinkClick r:id="rId5"/>
-              </a:rPr>
-              <a:t>Serial Communication between Python and Arduino</a:t>
-            </a:r>
-            <a:endParaRPr lang="en-US" altLang="ja-JP" sz="1600" dirty="0"/>
-          </a:p>
-          <a:p>
-            <a:pPr marL="0" indent="0">
-              <a:buNone/>
-            </a:pPr>
-            <a:endParaRPr lang="en-US" altLang="ja-JP" dirty="0"/>
-          </a:p>
-          <a:p>
-            <a:pPr marL="0" indent="0">
-              <a:buNone/>
-            </a:pPr>
-            <a:endParaRPr lang="en-US" altLang="ja-JP" sz="1000" dirty="0"/>
-          </a:p>
-          <a:p>
-            <a:pPr marL="0" indent="0">
-              <a:buNone/>
-            </a:pPr>
-            <a:r>
-              <a:rPr lang="ja-JP" altLang="en-US" b="1" dirty="0">
+              <a:rPr kumimoji="1" lang="ja-JP" altLang="en-US" dirty="0"/>
+              <a:t>　</a:t>
+            </a:r>
+            <a:r>
+              <a:rPr lang="ja-JP" altLang="en-US" sz="3200" b="1" dirty="0">
                 <a:solidFill>
                   <a:srgbClr val="FF0000"/>
                 </a:solidFill>
               </a:rPr>
-              <a:t>　ソースコードからバーを動かす部分を見つけだし，</a:t>
-            </a:r>
-            <a:endParaRPr lang="en-US" altLang="ja-JP" b="1" dirty="0">
+              <a:t>完成</a:t>
+            </a:r>
+            <a:endParaRPr lang="en-US" altLang="ja-JP" sz="3200" b="1" dirty="0">
               <a:solidFill>
                 <a:srgbClr val="FF0000"/>
               </a:solidFill>
@@ -11671,16 +15641,68 @@
             <a:pPr marL="0" indent="0">
               <a:buNone/>
             </a:pPr>
-            <a:r>
-              <a:rPr lang="en-US" altLang="ja-JP" b="1" dirty="0">
-                <a:solidFill>
-                  <a:srgbClr val="FF0000"/>
-                </a:solidFill>
-              </a:rPr>
-              <a:t>	</a:t>
-            </a:r>
-            <a:r>
-              <a:rPr lang="ja-JP" altLang="en-US" b="1" dirty="0">
+            <a:endParaRPr kumimoji="1" lang="en-US" altLang="ja-JP" sz="3200" b="1" dirty="0">
+              <a:solidFill>
+                <a:srgbClr val="FF0000"/>
+              </a:solidFill>
+            </a:endParaRPr>
+          </a:p>
+          <a:p>
+            <a:pPr marL="0" indent="0">
+              <a:buNone/>
+            </a:pPr>
+            <a:endParaRPr lang="en-US" altLang="ja-JP" sz="3200" b="1" dirty="0">
+              <a:solidFill>
+                <a:srgbClr val="FF0000"/>
+              </a:solidFill>
+            </a:endParaRPr>
+          </a:p>
+          <a:p>
+            <a:pPr marL="0" indent="0">
+              <a:buNone/>
+            </a:pPr>
+            <a:endParaRPr kumimoji="1" lang="en-US" altLang="ja-JP" sz="3200" b="1" dirty="0">
+              <a:solidFill>
+                <a:srgbClr val="FF0000"/>
+              </a:solidFill>
+            </a:endParaRPr>
+          </a:p>
+          <a:p>
+            <a:pPr marL="0" indent="0">
+              <a:buNone/>
+            </a:pPr>
+            <a:endParaRPr lang="en-US" altLang="ja-JP" sz="3200" b="1" dirty="0">
+              <a:solidFill>
+                <a:srgbClr val="FF0000"/>
+              </a:solidFill>
+            </a:endParaRPr>
+          </a:p>
+          <a:p>
+            <a:pPr marL="0" indent="0">
+              <a:buNone/>
+            </a:pPr>
+            <a:endParaRPr kumimoji="1" lang="en-US" altLang="ja-JP" sz="3200" b="1" dirty="0">
+              <a:solidFill>
+                <a:srgbClr val="FF0000"/>
+              </a:solidFill>
+            </a:endParaRPr>
+          </a:p>
+          <a:p>
+            <a:pPr marL="0" indent="0">
+              <a:buNone/>
+            </a:pPr>
+            <a:endParaRPr lang="en-US" altLang="ja-JP" sz="3200" b="1" dirty="0">
+              <a:solidFill>
+                <a:srgbClr val="FF0000"/>
+              </a:solidFill>
+            </a:endParaRPr>
+          </a:p>
+          <a:p>
+            <a:pPr marL="0" indent="0" algn="ctr">
+              <a:buNone/>
+            </a:pPr>
+            <a:r>
+              <a:rPr lang="ja-JP" altLang="en-US" sz="3200" b="1" dirty="0">
                 <a:solidFill>
                   <a:srgbClr val="FF0000"/>
                 </a:solidFill>
@@ -11688,41 +15710,20 @@
               <a:t>　</a:t>
             </a:r>
             <a:r>
-              <a:rPr lang="en-US" altLang="ja-JP" b="1" dirty="0">
-                <a:solidFill>
-                  <a:srgbClr val="FF0000"/>
-                </a:solidFill>
+              <a:rPr lang="ja-JP" altLang="en-US" sz="1800" b="1" dirty="0"/>
+              <a:t>解答例：</a:t>
+            </a:r>
+            <a:r>
+              <a:rPr kumimoji="1" lang="ja-JP" altLang="en-US" dirty="0"/>
+              <a:t>　</a:t>
+            </a:r>
+            <a:r>
+              <a:rPr kumimoji="1" lang="en-US" altLang="ja-JP" dirty="0">
+                <a:hlinkClick r:id="rId2"/>
               </a:rPr>
-              <a:t>Arduino </a:t>
-            </a:r>
-            <a:r>
-              <a:rPr lang="ja-JP" altLang="en-US" b="1" dirty="0">
-                <a:solidFill>
-                  <a:srgbClr val="FF0000"/>
-                </a:solidFill>
-              </a:rPr>
-              <a:t>からの信号によって動かすように変更すればよい</a:t>
-            </a:r>
-            <a:endParaRPr lang="en-US" altLang="ja-JP" b="1" dirty="0">
-              <a:solidFill>
-                <a:srgbClr val="FF0000"/>
-              </a:solidFill>
-            </a:endParaRPr>
-          </a:p>
-          <a:p>
-            <a:pPr marL="0" indent="0">
-              <a:buNone/>
-            </a:pPr>
-            <a:endParaRPr lang="en-US" altLang="ja-JP" dirty="0"/>
-          </a:p>
-          <a:p>
-            <a:pPr marL="0" indent="0">
-              <a:buNone/>
-            </a:pPr>
-            <a:endParaRPr lang="en-US" altLang="ja-JP" dirty="0"/>
-          </a:p>
-          <a:p>
-            <a:endParaRPr lang="en-US" altLang="ja-JP" dirty="0"/>
+              <a:t>myBlockGame.py</a:t>
+            </a:r>
+            <a:endParaRPr kumimoji="1" lang="en-US" altLang="ja-JP" dirty="0"/>
           </a:p>
         </p:txBody>
       </p:sp>
@@ -11750,16 +15751,697 @@
             <a:fld id="{167E14B9-D607-4902-8FEC-B1687B44AC2F}" type="slidenum">
               <a:rPr lang="ja-JP" altLang="en-US" smtClean="0"/>
               <a:pPr/>
-              <a:t>23</a:t>
+              <a:t>28</a:t>
             </a:fld>
             <a:endParaRPr lang="ja-JP" altLang="en-US" dirty="0"/>
           </a:p>
         </p:txBody>
       </p:sp>
+      <p:grpSp>
+        <p:nvGrpSpPr>
+          <p:cNvPr id="5" name="グループ化 4">
+            <a:extLst>
+              <a:ext uri="{FF2B5EF4-FFF2-40B4-BE49-F238E27FC236}">
+                <a16:creationId xmlns:a16="http://schemas.microsoft.com/office/drawing/2014/main" id="{ACA9C20A-AEF4-1E91-6052-34530718BA37}"/>
+              </a:ext>
+            </a:extLst>
+          </p:cNvPr>
+          <p:cNvGrpSpPr/>
+          <p:nvPr/>
+        </p:nvGrpSpPr>
+        <p:grpSpPr>
+          <a:xfrm>
+            <a:off x="1860424" y="2060848"/>
+            <a:ext cx="8186404" cy="3081958"/>
+            <a:chOff x="1860424" y="1865579"/>
+            <a:chExt cx="8186404" cy="3081958"/>
+          </a:xfrm>
+        </p:grpSpPr>
+        <p:grpSp>
+          <p:nvGrpSpPr>
+            <p:cNvPr id="17" name="グループ化 16">
+              <a:extLst>
+                <a:ext uri="{FF2B5EF4-FFF2-40B4-BE49-F238E27FC236}">
+                  <a16:creationId xmlns:a16="http://schemas.microsoft.com/office/drawing/2014/main" id="{7164E5A5-963D-08FB-4D59-8199AF765881}"/>
+                </a:ext>
+              </a:extLst>
+            </p:cNvPr>
+            <p:cNvGrpSpPr/>
+            <p:nvPr/>
+          </p:nvGrpSpPr>
+          <p:grpSpPr>
+            <a:xfrm>
+              <a:off x="7032104" y="2549883"/>
+              <a:ext cx="2385198" cy="2397654"/>
+              <a:chOff x="7172172" y="3897280"/>
+              <a:chExt cx="2385198" cy="2397654"/>
+            </a:xfrm>
+          </p:grpSpPr>
+          <p:pic>
+            <p:nvPicPr>
+              <p:cNvPr id="1028" name="Picture 4" descr="☆16型☆単連可変抵抗器 - aitendo">
+                <a:extLst>
+                  <a:ext uri="{FF2B5EF4-FFF2-40B4-BE49-F238E27FC236}">
+                    <a16:creationId xmlns:a16="http://schemas.microsoft.com/office/drawing/2014/main" id="{32C2259D-7F2A-2532-9A21-3E261A22262C}"/>
+                  </a:ext>
+                </a:extLst>
+              </p:cNvPr>
+              <p:cNvPicPr>
+                <a:picLocks noChangeAspect="1" noChangeArrowheads="1"/>
+              </p:cNvPicPr>
+              <p:nvPr/>
+            </p:nvPicPr>
+            <p:blipFill>
+              <a:blip r:embed="rId3">
+                <a:extLst>
+                  <a:ext uri="{28A0092B-C50C-407E-A947-70E740481C1C}">
+                    <a14:useLocalDpi xmlns:a14="http://schemas.microsoft.com/office/drawing/2010/main" val="0"/>
+                  </a:ext>
+                </a:extLst>
+              </a:blip>
+              <a:srcRect/>
+              <a:stretch>
+                <a:fillRect/>
+              </a:stretch>
+            </p:blipFill>
+            <p:spPr bwMode="auto">
+              <a:xfrm>
+                <a:off x="7176120" y="3897280"/>
+                <a:ext cx="2381250" cy="1905000"/>
+              </a:xfrm>
+              <a:prstGeom prst="rect">
+                <a:avLst/>
+              </a:prstGeom>
+              <a:noFill/>
+              <a:extLst>
+                <a:ext uri="{909E8E84-426E-40DD-AFC4-6F175D3DCCD1}">
+                  <a14:hiddenFill xmlns:a14="http://schemas.microsoft.com/office/drawing/2010/main">
+                    <a:solidFill>
+                      <a:srgbClr val="FFFFFF"/>
+                    </a:solidFill>
+                  </a14:hiddenFill>
+                </a:ext>
+              </a:extLst>
+            </p:spPr>
+          </p:pic>
+          <p:sp>
+            <p:nvSpPr>
+              <p:cNvPr id="7" name="テキスト ボックス 6">
+                <a:extLst>
+                  <a:ext uri="{FF2B5EF4-FFF2-40B4-BE49-F238E27FC236}">
+                    <a16:creationId xmlns:a16="http://schemas.microsoft.com/office/drawing/2014/main" id="{7BB7C97E-D24B-F336-6317-132CEC243FE2}"/>
+                  </a:ext>
+                </a:extLst>
+              </p:cNvPr>
+              <p:cNvSpPr txBox="1"/>
+              <p:nvPr/>
+            </p:nvSpPr>
+            <p:spPr>
+              <a:xfrm>
+                <a:off x="7462178" y="5956380"/>
+                <a:ext cx="1515077" cy="338554"/>
+              </a:xfrm>
+              <a:prstGeom prst="rect">
+                <a:avLst/>
+              </a:prstGeom>
+              <a:noFill/>
+            </p:spPr>
+            <p:txBody>
+              <a:bodyPr wrap="square" rtlCol="0">
+                <a:spAutoFit/>
+              </a:bodyPr>
+              <a:lstStyle/>
+              <a:p>
+                <a:pPr algn="ctr"/>
+                <a:r>
+                  <a:rPr kumimoji="1" lang="ja-JP" altLang="en-US" sz="1600" dirty="0"/>
+                  <a:t>可変抵抗器</a:t>
+                </a:r>
+              </a:p>
+            </p:txBody>
+          </p:sp>
+          <p:sp>
+            <p:nvSpPr>
+              <p:cNvPr id="13" name="矢印: 左カーブ 12">
+                <a:extLst>
+                  <a:ext uri="{FF2B5EF4-FFF2-40B4-BE49-F238E27FC236}">
+                    <a16:creationId xmlns:a16="http://schemas.microsoft.com/office/drawing/2014/main" id="{5FE9E66E-0D1B-7BC5-A549-8FB4AA043661}"/>
+                  </a:ext>
+                </a:extLst>
+              </p:cNvPr>
+              <p:cNvSpPr/>
+              <p:nvPr/>
+            </p:nvSpPr>
+            <p:spPr>
+              <a:xfrm>
+                <a:off x="8544272" y="4077072"/>
+                <a:ext cx="580012" cy="576064"/>
+              </a:xfrm>
+              <a:prstGeom prst="curvedLeftArrow">
+                <a:avLst/>
+              </a:prstGeom>
+              <a:solidFill>
+                <a:schemeClr val="accent3">
+                  <a:lumMod val="75000"/>
+                </a:schemeClr>
+              </a:solidFill>
+              <a:ln>
+                <a:noFill/>
+              </a:ln>
+            </p:spPr>
+            <p:style>
+              <a:lnRef idx="2">
+                <a:schemeClr val="accent1">
+                  <a:shade val="15000"/>
+                </a:schemeClr>
+              </a:lnRef>
+              <a:fillRef idx="1">
+                <a:schemeClr val="accent1"/>
+              </a:fillRef>
+              <a:effectRef idx="0">
+                <a:schemeClr val="accent1"/>
+              </a:effectRef>
+              <a:fontRef idx="minor">
+                <a:schemeClr val="lt1"/>
+              </a:fontRef>
+            </p:style>
+            <p:txBody>
+              <a:bodyPr rtlCol="0" anchor="ctr"/>
+              <a:lstStyle/>
+              <a:p>
+                <a:pPr algn="ctr"/>
+                <a:endParaRPr kumimoji="1" lang="ja-JP" altLang="en-US">
+                  <a:solidFill>
+                    <a:schemeClr val="tx1"/>
+                  </a:solidFill>
+                </a:endParaRPr>
+              </a:p>
+            </p:txBody>
+          </p:sp>
+          <p:sp>
+            <p:nvSpPr>
+              <p:cNvPr id="14" name="矢印: 右カーブ 13">
+                <a:extLst>
+                  <a:ext uri="{FF2B5EF4-FFF2-40B4-BE49-F238E27FC236}">
+                    <a16:creationId xmlns:a16="http://schemas.microsoft.com/office/drawing/2014/main" id="{71D5A592-604A-09D4-34AF-4B19867E2B76}"/>
+                  </a:ext>
+                </a:extLst>
+              </p:cNvPr>
+              <p:cNvSpPr/>
+              <p:nvPr/>
+            </p:nvSpPr>
+            <p:spPr>
+              <a:xfrm>
+                <a:off x="7172172" y="4050297"/>
+                <a:ext cx="580012" cy="576064"/>
+              </a:xfrm>
+              <a:prstGeom prst="curvedRightArrow">
+                <a:avLst/>
+              </a:prstGeom>
+              <a:solidFill>
+                <a:srgbClr val="FFC000"/>
+              </a:solidFill>
+              <a:ln>
+                <a:noFill/>
+              </a:ln>
+            </p:spPr>
+            <p:style>
+              <a:lnRef idx="2">
+                <a:schemeClr val="accent1">
+                  <a:shade val="15000"/>
+                </a:schemeClr>
+              </a:lnRef>
+              <a:fillRef idx="1">
+                <a:schemeClr val="accent1"/>
+              </a:fillRef>
+              <a:effectRef idx="0">
+                <a:schemeClr val="accent1"/>
+              </a:effectRef>
+              <a:fontRef idx="minor">
+                <a:schemeClr val="lt1"/>
+              </a:fontRef>
+            </p:style>
+            <p:txBody>
+              <a:bodyPr rtlCol="0" anchor="ctr"/>
+              <a:lstStyle/>
+              <a:p>
+                <a:pPr algn="ctr"/>
+                <a:endParaRPr kumimoji="1" lang="ja-JP" altLang="en-US">
+                  <a:solidFill>
+                    <a:schemeClr val="tx1"/>
+                  </a:solidFill>
+                </a:endParaRPr>
+              </a:p>
+            </p:txBody>
+          </p:sp>
+        </p:grpSp>
+        <p:grpSp>
+          <p:nvGrpSpPr>
+            <p:cNvPr id="18" name="グループ化 17">
+              <a:extLst>
+                <a:ext uri="{FF2B5EF4-FFF2-40B4-BE49-F238E27FC236}">
+                  <a16:creationId xmlns:a16="http://schemas.microsoft.com/office/drawing/2014/main" id="{A4163290-6E5C-1509-1579-BCE3C6146710}"/>
+                </a:ext>
+              </a:extLst>
+            </p:cNvPr>
+            <p:cNvGrpSpPr/>
+            <p:nvPr/>
+          </p:nvGrpSpPr>
+          <p:grpSpPr>
+            <a:xfrm>
+              <a:off x="1860424" y="2454633"/>
+              <a:ext cx="4523608" cy="2492904"/>
+              <a:chOff x="1756378" y="3802030"/>
+              <a:chExt cx="4523608" cy="2492904"/>
+            </a:xfrm>
+          </p:grpSpPr>
+          <p:pic>
+            <p:nvPicPr>
+              <p:cNvPr id="1026" name="Picture 2" descr="ゼロからはじめるPython (10) 100行程度でブロック崩しゲームを作ってみよう - ライブドアニュース">
+                <a:extLst>
+                  <a:ext uri="{FF2B5EF4-FFF2-40B4-BE49-F238E27FC236}">
+                    <a16:creationId xmlns:a16="http://schemas.microsoft.com/office/drawing/2014/main" id="{A8A8A7FE-F2E2-9A1F-B9C6-625980300698}"/>
+                  </a:ext>
+                </a:extLst>
+              </p:cNvPr>
+              <p:cNvPicPr>
+                <a:picLocks noChangeAspect="1" noChangeArrowheads="1"/>
+              </p:cNvPicPr>
+              <p:nvPr/>
+            </p:nvPicPr>
+            <p:blipFill>
+              <a:blip r:embed="rId4">
+                <a:extLst>
+                  <a:ext uri="{28A0092B-C50C-407E-A947-70E740481C1C}">
+                    <a14:useLocalDpi xmlns:a14="http://schemas.microsoft.com/office/drawing/2010/main" val="0"/>
+                  </a:ext>
+                </a:extLst>
+              </a:blip>
+              <a:srcRect/>
+              <a:stretch>
+                <a:fillRect/>
+              </a:stretch>
+            </p:blipFill>
+            <p:spPr bwMode="auto">
+              <a:xfrm>
+                <a:off x="2140590" y="3802030"/>
+                <a:ext cx="3048000" cy="2095500"/>
+              </a:xfrm>
+              <a:prstGeom prst="rect">
+                <a:avLst/>
+              </a:prstGeom>
+              <a:noFill/>
+              <a:extLst>
+                <a:ext uri="{909E8E84-426E-40DD-AFC4-6F175D3DCCD1}">
+                  <a14:hiddenFill xmlns:a14="http://schemas.microsoft.com/office/drawing/2010/main">
+                    <a:solidFill>
+                      <a:srgbClr val="FFFFFF"/>
+                    </a:solidFill>
+                  </a14:hiddenFill>
+                </a:ext>
+              </a:extLst>
+            </p:spPr>
+          </p:pic>
+          <p:sp>
+            <p:nvSpPr>
+              <p:cNvPr id="6" name="テキスト ボックス 5">
+                <a:extLst>
+                  <a:ext uri="{FF2B5EF4-FFF2-40B4-BE49-F238E27FC236}">
+                    <a16:creationId xmlns:a16="http://schemas.microsoft.com/office/drawing/2014/main" id="{8BBA6125-AACB-458D-2EBB-9F2ADC22F42E}"/>
+                  </a:ext>
+                </a:extLst>
+              </p:cNvPr>
+              <p:cNvSpPr txBox="1"/>
+              <p:nvPr/>
+            </p:nvSpPr>
+            <p:spPr>
+              <a:xfrm>
+                <a:off x="1756378" y="5956380"/>
+                <a:ext cx="3816424" cy="338554"/>
+              </a:xfrm>
+              <a:prstGeom prst="rect">
+                <a:avLst/>
+              </a:prstGeom>
+              <a:noFill/>
+            </p:spPr>
+            <p:txBody>
+              <a:bodyPr wrap="square" rtlCol="0">
+                <a:spAutoFit/>
+              </a:bodyPr>
+              <a:lstStyle/>
+              <a:p>
+                <a:pPr algn="ctr"/>
+                <a:r>
+                  <a:rPr kumimoji="1" lang="en-US" altLang="ja-JP" sz="1600" dirty="0"/>
+                  <a:t>Python</a:t>
+                </a:r>
+                <a:r>
+                  <a:rPr kumimoji="1" lang="ja-JP" altLang="en-US" sz="1600" dirty="0"/>
+                  <a:t>で書かれたブロック崩しゲーム</a:t>
+                </a:r>
+              </a:p>
+            </p:txBody>
+          </p:sp>
+          <p:sp>
+            <p:nvSpPr>
+              <p:cNvPr id="10" name="テキスト ボックス 9">
+                <a:extLst>
+                  <a:ext uri="{FF2B5EF4-FFF2-40B4-BE49-F238E27FC236}">
+                    <a16:creationId xmlns:a16="http://schemas.microsoft.com/office/drawing/2014/main" id="{52A02C9D-851E-F75D-83A2-91A2B131486F}"/>
+                  </a:ext>
+                </a:extLst>
+              </p:cNvPr>
+              <p:cNvSpPr txBox="1"/>
+              <p:nvPr/>
+            </p:nvSpPr>
+            <p:spPr>
+              <a:xfrm>
+                <a:off x="5507040" y="5111492"/>
+                <a:ext cx="772946" cy="338554"/>
+              </a:xfrm>
+              <a:prstGeom prst="rect">
+                <a:avLst/>
+              </a:prstGeom>
+              <a:noFill/>
+            </p:spPr>
+            <p:txBody>
+              <a:bodyPr wrap="square" rtlCol="0">
+                <a:spAutoFit/>
+              </a:bodyPr>
+              <a:lstStyle/>
+              <a:p>
+                <a:pPr algn="ctr"/>
+                <a:r>
+                  <a:rPr kumimoji="1" lang="ja-JP" altLang="en-US" sz="1600" dirty="0"/>
+                  <a:t>バー</a:t>
+                </a:r>
+              </a:p>
+            </p:txBody>
+          </p:sp>
+          <p:cxnSp>
+            <p:nvCxnSpPr>
+              <p:cNvPr id="12" name="直線コネクタ 11">
+                <a:extLst>
+                  <a:ext uri="{FF2B5EF4-FFF2-40B4-BE49-F238E27FC236}">
+                    <a16:creationId xmlns:a16="http://schemas.microsoft.com/office/drawing/2014/main" id="{497F173A-C655-F2B6-8C5D-5DBAB1D87770}"/>
+                  </a:ext>
+                </a:extLst>
+              </p:cNvPr>
+              <p:cNvCxnSpPr/>
+              <p:nvPr/>
+            </p:nvCxnSpPr>
+            <p:spPr>
+              <a:xfrm flipV="1">
+                <a:off x="5151090" y="5301208"/>
+                <a:ext cx="421712" cy="501072"/>
+              </a:xfrm>
+              <a:prstGeom prst="line">
+                <a:avLst/>
+              </a:prstGeom>
+              <a:ln w="38100">
+                <a:solidFill>
+                  <a:schemeClr val="tx1"/>
+                </a:solidFill>
+              </a:ln>
+            </p:spPr>
+            <p:style>
+              <a:lnRef idx="1">
+                <a:schemeClr val="accent1"/>
+              </a:lnRef>
+              <a:fillRef idx="0">
+                <a:schemeClr val="accent1"/>
+              </a:fillRef>
+              <a:effectRef idx="0">
+                <a:schemeClr val="accent1"/>
+              </a:effectRef>
+              <a:fontRef idx="minor">
+                <a:schemeClr val="tx1"/>
+              </a:fontRef>
+            </p:style>
+          </p:cxnSp>
+          <p:sp>
+            <p:nvSpPr>
+              <p:cNvPr id="15" name="矢印: 右 14">
+                <a:extLst>
+                  <a:ext uri="{FF2B5EF4-FFF2-40B4-BE49-F238E27FC236}">
+                    <a16:creationId xmlns:a16="http://schemas.microsoft.com/office/drawing/2014/main" id="{8C68AB4E-3703-51C3-722A-C0B79C06273C}"/>
+                  </a:ext>
+                </a:extLst>
+              </p:cNvPr>
+              <p:cNvSpPr/>
+              <p:nvPr/>
+            </p:nvSpPr>
+            <p:spPr>
+              <a:xfrm>
+                <a:off x="3851948" y="5408327"/>
+                <a:ext cx="687102" cy="246423"/>
+              </a:xfrm>
+              <a:prstGeom prst="rightArrow">
+                <a:avLst/>
+              </a:prstGeom>
+              <a:solidFill>
+                <a:schemeClr val="accent3">
+                  <a:lumMod val="75000"/>
+                </a:schemeClr>
+              </a:solidFill>
+              <a:ln>
+                <a:noFill/>
+              </a:ln>
+            </p:spPr>
+            <p:style>
+              <a:lnRef idx="2">
+                <a:schemeClr val="accent1">
+                  <a:shade val="15000"/>
+                </a:schemeClr>
+              </a:lnRef>
+              <a:fillRef idx="1">
+                <a:schemeClr val="accent1"/>
+              </a:fillRef>
+              <a:effectRef idx="0">
+                <a:schemeClr val="accent1"/>
+              </a:effectRef>
+              <a:fontRef idx="minor">
+                <a:schemeClr val="lt1"/>
+              </a:fontRef>
+            </p:style>
+            <p:txBody>
+              <a:bodyPr rtlCol="0" anchor="ctr"/>
+              <a:lstStyle/>
+              <a:p>
+                <a:pPr algn="ctr"/>
+                <a:endParaRPr kumimoji="1" lang="ja-JP" altLang="en-US"/>
+              </a:p>
+            </p:txBody>
+          </p:sp>
+          <p:sp>
+            <p:nvSpPr>
+              <p:cNvPr id="16" name="矢印: 右 15">
+                <a:extLst>
+                  <a:ext uri="{FF2B5EF4-FFF2-40B4-BE49-F238E27FC236}">
+                    <a16:creationId xmlns:a16="http://schemas.microsoft.com/office/drawing/2014/main" id="{0A808C9A-8377-009F-893B-F82FAF08E116}"/>
+                  </a:ext>
+                </a:extLst>
+              </p:cNvPr>
+              <p:cNvSpPr/>
+              <p:nvPr/>
+            </p:nvSpPr>
+            <p:spPr>
+              <a:xfrm rot="10800000">
+                <a:off x="2783633" y="5408326"/>
+                <a:ext cx="687102" cy="232116"/>
+              </a:xfrm>
+              <a:prstGeom prst="rightArrow">
+                <a:avLst/>
+              </a:prstGeom>
+              <a:solidFill>
+                <a:srgbClr val="FFC000"/>
+              </a:solidFill>
+              <a:ln>
+                <a:noFill/>
+              </a:ln>
+            </p:spPr>
+            <p:style>
+              <a:lnRef idx="2">
+                <a:schemeClr val="accent1">
+                  <a:shade val="15000"/>
+                </a:schemeClr>
+              </a:lnRef>
+              <a:fillRef idx="1">
+                <a:schemeClr val="accent1"/>
+              </a:fillRef>
+              <a:effectRef idx="0">
+                <a:schemeClr val="accent1"/>
+              </a:effectRef>
+              <a:fontRef idx="minor">
+                <a:schemeClr val="lt1"/>
+              </a:fontRef>
+            </p:style>
+            <p:txBody>
+              <a:bodyPr rtlCol="0" anchor="ctr"/>
+              <a:lstStyle/>
+              <a:p>
+                <a:pPr algn="ctr"/>
+                <a:endParaRPr kumimoji="1" lang="ja-JP" altLang="en-US"/>
+              </a:p>
+            </p:txBody>
+          </p:sp>
+        </p:grpSp>
+        <p:pic>
+          <p:nvPicPr>
+            <p:cNvPr id="8" name="グラフィックス 7">
+              <a:extLst>
+                <a:ext uri="{FF2B5EF4-FFF2-40B4-BE49-F238E27FC236}">
+                  <a16:creationId xmlns:a16="http://schemas.microsoft.com/office/drawing/2014/main" id="{FE05DFE5-13D4-8EB8-0258-5121FF118C4A}"/>
+                </a:ext>
+              </a:extLst>
+            </p:cNvPr>
+            <p:cNvPicPr>
+              <a:picLocks noChangeAspect="1"/>
+            </p:cNvPicPr>
+            <p:nvPr/>
+          </p:nvPicPr>
+          <p:blipFill>
+            <a:blip r:embed="rId5" cstate="print">
+              <a:extLst>
+                <a:ext uri="{28A0092B-C50C-407E-A947-70E740481C1C}">
+                  <a14:useLocalDpi xmlns:a14="http://schemas.microsoft.com/office/drawing/2010/main" val="0"/>
+                </a:ext>
+                <a:ext uri="{96DAC541-7B7A-43D3-8B79-37D633B846F1}">
+                  <asvg:svgBlip xmlns:asvg="http://schemas.microsoft.com/office/drawing/2016/SVG/main" r:embed="rId6"/>
+                </a:ext>
+                <a:ext uri="{837473B0-CC2E-450A-ABE3-18F120FF3D39}">
+                  <a1611:picAttrSrcUrl xmlns:a1611="http://schemas.microsoft.com/office/drawing/2016/11/main" r:id="rId7"/>
+                </a:ext>
+              </a:extLst>
+            </a:blip>
+            <a:stretch>
+              <a:fillRect/>
+            </a:stretch>
+          </p:blipFill>
+          <p:spPr>
+            <a:xfrm rot="14978079" flipH="1">
+              <a:off x="8947654" y="1827263"/>
+              <a:ext cx="1060858" cy="1137490"/>
+            </a:xfrm>
+            <a:prstGeom prst="rect">
+              <a:avLst/>
+            </a:prstGeom>
+          </p:spPr>
+        </p:pic>
+        <p:grpSp>
+          <p:nvGrpSpPr>
+            <p:cNvPr id="9" name="グループ化 8">
+              <a:extLst>
+                <a:ext uri="{FF2B5EF4-FFF2-40B4-BE49-F238E27FC236}">
+                  <a16:creationId xmlns:a16="http://schemas.microsoft.com/office/drawing/2014/main" id="{817E8FBB-EB1C-5423-9C79-5E474450083B}"/>
+                </a:ext>
+              </a:extLst>
+            </p:cNvPr>
+            <p:cNvGrpSpPr/>
+            <p:nvPr/>
+          </p:nvGrpSpPr>
+          <p:grpSpPr>
+            <a:xfrm>
+              <a:off x="5155949" y="2414871"/>
+              <a:ext cx="1495891" cy="2040012"/>
+              <a:chOff x="2742542" y="5399277"/>
+              <a:chExt cx="1495891" cy="2040012"/>
+            </a:xfrm>
+          </p:grpSpPr>
+          <p:sp>
+            <p:nvSpPr>
+              <p:cNvPr id="11" name="テキスト ボックス 10">
+                <a:extLst>
+                  <a:ext uri="{FF2B5EF4-FFF2-40B4-BE49-F238E27FC236}">
+                    <a16:creationId xmlns:a16="http://schemas.microsoft.com/office/drawing/2014/main" id="{D18DD1B5-AAFE-165D-58AD-825C28DECAB9}"/>
+                  </a:ext>
+                </a:extLst>
+              </p:cNvPr>
+              <p:cNvSpPr txBox="1"/>
+              <p:nvPr/>
+            </p:nvSpPr>
+            <p:spPr>
+              <a:xfrm>
+                <a:off x="2742542" y="5399277"/>
+                <a:ext cx="1495891" cy="307777"/>
+              </a:xfrm>
+              <a:prstGeom prst="rect">
+                <a:avLst/>
+              </a:prstGeom>
+              <a:noFill/>
+            </p:spPr>
+            <p:txBody>
+              <a:bodyPr wrap="square" rtlCol="0">
+                <a:spAutoFit/>
+              </a:bodyPr>
+              <a:lstStyle/>
+              <a:p>
+                <a:pPr lvl="1"/>
+                <a:r>
+                  <a:rPr lang="ja-JP" altLang="en-US" sz="1400" b="1" dirty="0">
+                    <a:solidFill>
+                      <a:schemeClr val="accent6"/>
+                    </a:solidFill>
+                  </a:rPr>
+                  <a:t>操作する</a:t>
+                </a:r>
+                <a:endParaRPr lang="en-US" altLang="ja-JP" sz="1400" b="1" dirty="0">
+                  <a:solidFill>
+                    <a:schemeClr val="accent6"/>
+                  </a:solidFill>
+                </a:endParaRPr>
+              </a:p>
+            </p:txBody>
+          </p:sp>
+          <p:cxnSp>
+            <p:nvCxnSpPr>
+              <p:cNvPr id="19" name="直線コネクタ 18">
+                <a:extLst>
+                  <a:ext uri="{FF2B5EF4-FFF2-40B4-BE49-F238E27FC236}">
+                    <a16:creationId xmlns:a16="http://schemas.microsoft.com/office/drawing/2014/main" id="{3B72DD3B-7202-032C-3BCC-74388FFF97FD}"/>
+                  </a:ext>
+                </a:extLst>
+              </p:cNvPr>
+              <p:cNvCxnSpPr>
+                <a:cxnSpLocks/>
+              </p:cNvCxnSpPr>
+              <p:nvPr/>
+            </p:nvCxnSpPr>
+            <p:spPr>
+              <a:xfrm flipV="1">
+                <a:off x="2841729" y="5642073"/>
+                <a:ext cx="355950" cy="1797216"/>
+              </a:xfrm>
+              <a:prstGeom prst="line">
+                <a:avLst/>
+              </a:prstGeom>
+              <a:ln w="28575">
+                <a:solidFill>
+                  <a:schemeClr val="accent6"/>
+                </a:solidFill>
+              </a:ln>
+            </p:spPr>
+            <p:style>
+              <a:lnRef idx="1">
+                <a:schemeClr val="accent1"/>
+              </a:lnRef>
+              <a:fillRef idx="0">
+                <a:schemeClr val="accent1"/>
+              </a:fillRef>
+              <a:effectRef idx="0">
+                <a:schemeClr val="accent1"/>
+              </a:effectRef>
+              <a:fontRef idx="minor">
+                <a:schemeClr val="tx1"/>
+              </a:fontRef>
+            </p:style>
+          </p:cxnSp>
+        </p:grpSp>
+      </p:grpSp>
     </p:spTree>
     <p:extLst>
       <p:ext uri="{BB962C8B-B14F-4D97-AF65-F5344CB8AC3E}">
-        <p14:creationId xmlns:p14="http://schemas.microsoft.com/office/powerpoint/2010/main" val="2535721023"/>
+        <p14:creationId xmlns:p14="http://schemas.microsoft.com/office/powerpoint/2010/main" val="384732152"/>
       </p:ext>
     </p:extLst>
   </p:cSld>
@@ -11769,7 +16451,7 @@
 </p:sld>
 </file>
 
-<file path=ppt/slides/slide24.xml><?xml version="1.0" encoding="utf-8"?>
+<file path=ppt/slides/slide29.xml><?xml version="1.0" encoding="utf-8"?>
 <p:sld xmlns:a="http://schemas.openxmlformats.org/drawingml/2006/main" xmlns:r="http://schemas.openxmlformats.org/officeDocument/2006/relationships" xmlns:p="http://schemas.openxmlformats.org/presentationml/2006/main" show="0">
   <p:cSld>
     <p:spTree>
@@ -11791,7 +16473,7 @@
           <p:cNvPr id="2" name="タイトル 1">
             <a:extLst>
               <a:ext uri="{FF2B5EF4-FFF2-40B4-BE49-F238E27FC236}">
-                <a16:creationId xmlns:a16="http://schemas.microsoft.com/office/drawing/2014/main" id="{BD33E9A6-484D-5BB8-2A4D-FF686FCE15DD}"/>
+                <a16:creationId xmlns:a16="http://schemas.microsoft.com/office/drawing/2014/main" id="{7C0BD70C-E20D-CACD-CE21-DB6F00BAE40F}"/>
               </a:ext>
             </a:extLst>
           </p:cNvPr>
@@ -11808,12 +16490,22 @@
           <a:lstStyle/>
           <a:p>
             <a:r>
+              <a:rPr lang="en-US" altLang="ja-JP" dirty="0">
+                <a:latin typeface="Times New Roman" panose="02020603050405020304" pitchFamily="18" charset="0"/>
+                <a:cs typeface="Times New Roman" panose="02020603050405020304" pitchFamily="18" charset="0"/>
+              </a:rPr>
+              <a:t>3.</a:t>
+            </a:r>
+            <a:r>
+              <a:rPr lang="ja-JP" altLang="en-US" dirty="0">
+                <a:latin typeface="Times New Roman" panose="02020603050405020304" pitchFamily="18" charset="0"/>
+                <a:cs typeface="Times New Roman" panose="02020603050405020304" pitchFamily="18" charset="0"/>
+              </a:rPr>
+              <a:t>  </a:t>
+            </a:r>
+            <a:r>
               <a:rPr lang="ja-JP" altLang="en-US" dirty="0"/>
-              <a:t>参考文献</a:t>
-            </a:r>
-            <a:r>
-              <a:rPr kumimoji="1" lang="en-US" altLang="ja-JP" dirty="0"/>
-              <a:t> </a:t>
+              <a:t>ブロック崩しゲームのコントローラ作成</a:t>
             </a:r>
             <a:endParaRPr kumimoji="1" lang="ja-JP" altLang="en-US" dirty="0"/>
           </a:p>
@@ -11824,7 +16516,7 @@
           <p:cNvPr id="3" name="コンテンツ プレースホルダー 2">
             <a:extLst>
               <a:ext uri="{FF2B5EF4-FFF2-40B4-BE49-F238E27FC236}">
-                <a16:creationId xmlns:a16="http://schemas.microsoft.com/office/drawing/2014/main" id="{DD1B458C-BF86-9340-7EF7-D1A751294E7C}"/>
+                <a16:creationId xmlns:a16="http://schemas.microsoft.com/office/drawing/2014/main" id="{5199E655-E993-F4D9-2313-2A4979FD5CC4}"/>
               </a:ext>
             </a:extLst>
           </p:cNvPr>
@@ -11837,86 +16529,203 @@
         </p:nvSpPr>
         <p:spPr/>
         <p:txBody>
-          <a:bodyPr/>
+          <a:bodyPr>
+            <a:normAutofit/>
+          </a:bodyPr>
           <a:lstStyle/>
           <a:p>
-            <a:endParaRPr kumimoji="1" lang="en-US" altLang="ja-JP" dirty="0"/>
-          </a:p>
-          <a:p>
-            <a:r>
-              <a:rPr lang="en-US" altLang="ja-JP" b="1" i="0" dirty="0">
-                <a:solidFill>
-                  <a:srgbClr val="374146"/>
-                </a:solidFill>
-                <a:effectLst/>
-                <a:highlight>
-                  <a:srgbClr val="FFFFFF"/>
-                </a:highlight>
-                <a:latin typeface="Open Sans" panose="020B0606030504020204" pitchFamily="34" charset="0"/>
-              </a:rPr>
-              <a:t>What is Arduino?</a:t>
-            </a:r>
-            <a:endParaRPr kumimoji="1" lang="en-US" altLang="ja-JP" dirty="0"/>
-          </a:p>
-          <a:p>
-            <a:pPr lvl="1"/>
-            <a:r>
-              <a:rPr kumimoji="1" lang="en-US" altLang="ja-JP" dirty="0">
+            <a:pPr marL="0" indent="0">
+              <a:buNone/>
+            </a:pPr>
+            <a:endParaRPr lang="en-US" altLang="ja-JP" sz="2000" dirty="0"/>
+          </a:p>
+          <a:p>
+            <a:pPr marL="0" indent="0">
+              <a:buNone/>
+            </a:pPr>
+            <a:r>
+              <a:rPr lang="en-US" altLang="ja-JP" sz="2000" dirty="0"/>
+              <a:t>[</a:t>
+            </a:r>
+            <a:r>
+              <a:rPr lang="ja-JP" altLang="en-US" sz="2000" dirty="0"/>
+              <a:t>ブロック崩しゲーム </a:t>
+            </a:r>
+            <a:r>
+              <a:rPr lang="en-US" altLang="ja-JP" sz="2000" dirty="0"/>
+              <a:t>- python</a:t>
+            </a:r>
+            <a:r>
+              <a:rPr lang="ja-JP" altLang="en-US" sz="2000" dirty="0"/>
+              <a:t>ソース</a:t>
+            </a:r>
+            <a:r>
+              <a:rPr lang="en-US" altLang="ja-JP" sz="2000" dirty="0"/>
+              <a:t>]</a:t>
+            </a:r>
+          </a:p>
+          <a:p>
+            <a:pPr marL="0" indent="0">
+              <a:buNone/>
+            </a:pPr>
+            <a:endParaRPr lang="en-US" altLang="ja-JP" sz="900" dirty="0"/>
+          </a:p>
+          <a:p>
+            <a:r>
+              <a:rPr lang="en-US" altLang="ja-JP" sz="1600" dirty="0">
                 <a:hlinkClick r:id="rId2"/>
               </a:rPr>
-              <a:t>https://docs.arduino.cc/learn/starting-guide/whats-arduino/</a:t>
-            </a:r>
-            <a:endParaRPr kumimoji="1" lang="en-US" altLang="ja-JP" dirty="0"/>
-          </a:p>
-          <a:p>
-            <a:pPr lvl="1"/>
-            <a:endParaRPr lang="en-US" altLang="ja-JP" b="1" dirty="0"/>
-          </a:p>
-          <a:p>
-            <a:r>
-              <a:rPr kumimoji="1" lang="ja-JP" altLang="en-US" b="1" dirty="0"/>
-              <a:t>ブレッドボードの基礎</a:t>
-            </a:r>
-            <a:endParaRPr kumimoji="1" lang="en-US" altLang="ja-JP" b="1" dirty="0"/>
-          </a:p>
-          <a:p>
-            <a:pPr lvl="1"/>
-            <a:r>
-              <a:rPr kumimoji="1" lang="en-US" altLang="ja-JP" dirty="0">
+              <a:t>https://kusakarism.info/?p=11237</a:t>
+            </a:r>
+            <a:endParaRPr lang="en-US" altLang="ja-JP" sz="1600" dirty="0"/>
+          </a:p>
+          <a:p>
+            <a:endParaRPr lang="en-US" altLang="ja-JP" sz="700" dirty="0"/>
+          </a:p>
+          <a:p>
+            <a:r>
+              <a:rPr lang="en-US" altLang="ja-JP" sz="1600" dirty="0">
                 <a:hlinkClick r:id="rId3"/>
               </a:rPr>
-              <a:t>https://iot.keicode.com/electronics/what-is-breadboard.php</a:t>
-            </a:r>
-            <a:endParaRPr kumimoji="1" lang="en-US" altLang="ja-JP" dirty="0"/>
-          </a:p>
-          <a:p>
-            <a:pPr lvl="1"/>
-            <a:endParaRPr lang="en-US" altLang="ja-JP" dirty="0"/>
-          </a:p>
-          <a:p>
-            <a:r>
-              <a:rPr kumimoji="1" lang="ja-JP" altLang="en-US" b="1" dirty="0"/>
-              <a:t>スイッチによる</a:t>
-            </a:r>
-            <a:r>
-              <a:rPr kumimoji="1" lang="en-US" altLang="ja-JP" b="1" dirty="0"/>
-              <a:t>L</a:t>
-            </a:r>
-            <a:r>
-              <a:rPr kumimoji="1" lang="ja-JP" altLang="en-US" b="1" dirty="0"/>
-              <a:t>チカ</a:t>
-            </a:r>
-            <a:endParaRPr kumimoji="1" lang="en-US" altLang="ja-JP" b="1" dirty="0"/>
-          </a:p>
-          <a:p>
-            <a:pPr lvl="1"/>
-            <a:r>
-              <a:rPr kumimoji="1" lang="en-US" altLang="ja-JP" dirty="0">
+              <a:t>https://github.com/M-yuhki/breakout</a:t>
+            </a:r>
+            <a:endParaRPr lang="en-US" altLang="ja-JP" sz="1600" dirty="0"/>
+          </a:p>
+          <a:p>
+            <a:pPr marL="457200" indent="-457200">
+              <a:buFont typeface="+mj-lt"/>
+              <a:buAutoNum type="arabicPeriod"/>
+            </a:pPr>
+            <a:endParaRPr lang="en-US" altLang="ja-JP" sz="700" dirty="0"/>
+          </a:p>
+          <a:p>
+            <a:r>
+              <a:rPr lang="en-US" altLang="ja-JP" sz="1600" dirty="0">
                 <a:hlinkClick r:id="rId4"/>
               </a:rPr>
-              <a:t>https://burariweb.info/electronic-work/arduino-tips/arduino-internal-pullup.html</a:t>
-            </a:r>
-            <a:endParaRPr kumimoji="1" lang="en-US" altLang="ja-JP" dirty="0"/>
+              <a:t>https://note.com/forte_python/n/na2575fd1a30f</a:t>
+            </a:r>
+            <a:endParaRPr lang="en-US" altLang="ja-JP" sz="1600" dirty="0"/>
+          </a:p>
+          <a:p>
+            <a:pPr marL="457200" indent="-457200">
+              <a:buFont typeface="+mj-lt"/>
+              <a:buAutoNum type="arabicPeriod"/>
+            </a:pPr>
+            <a:endParaRPr lang="en-US" altLang="ja-JP" sz="2000" dirty="0"/>
+          </a:p>
+          <a:p>
+            <a:pPr marL="0" indent="0">
+              <a:buNone/>
+            </a:pPr>
+            <a:r>
+              <a:rPr lang="en-US" altLang="ja-JP" sz="2000" dirty="0"/>
+              <a:t>[python – Arduino </a:t>
+            </a:r>
+            <a:r>
+              <a:rPr lang="ja-JP" altLang="en-US" sz="2000" dirty="0"/>
+              <a:t>間のシリアル通信</a:t>
+            </a:r>
+            <a:r>
+              <a:rPr lang="en-US" altLang="ja-JP" sz="2000" dirty="0"/>
+              <a:t>]</a:t>
+            </a:r>
+          </a:p>
+          <a:p>
+            <a:r>
+              <a:rPr lang="en-US" altLang="ja-JP" sz="1600" dirty="0">
+                <a:hlinkClick r:id="rId5"/>
+              </a:rPr>
+              <a:t>Serial Communication between Python and Arduino</a:t>
+            </a:r>
+            <a:endParaRPr lang="en-US" altLang="ja-JP" sz="1600" dirty="0"/>
+          </a:p>
+          <a:p>
+            <a:pPr marL="0" indent="0">
+              <a:buNone/>
+            </a:pPr>
+            <a:endParaRPr lang="en-US" altLang="ja-JP" dirty="0"/>
+          </a:p>
+          <a:p>
+            <a:pPr marL="0" indent="0">
+              <a:buNone/>
+            </a:pPr>
+            <a:endParaRPr lang="en-US" altLang="ja-JP" sz="1000" dirty="0"/>
+          </a:p>
+          <a:p>
+            <a:pPr marL="0" indent="0">
+              <a:buNone/>
+            </a:pPr>
+            <a:r>
+              <a:rPr lang="ja-JP" altLang="en-US" b="1" dirty="0">
+                <a:solidFill>
+                  <a:srgbClr val="FF0000"/>
+                </a:solidFill>
+              </a:rPr>
+              <a:t>　ソースコードからバーを動かす部分を見つけだし，</a:t>
+            </a:r>
+            <a:endParaRPr lang="en-US" altLang="ja-JP" b="1" dirty="0">
+              <a:solidFill>
+                <a:srgbClr val="FF0000"/>
+              </a:solidFill>
+            </a:endParaRPr>
+          </a:p>
+          <a:p>
+            <a:pPr marL="0" indent="0">
+              <a:buNone/>
+            </a:pPr>
+            <a:r>
+              <a:rPr lang="en-US" altLang="ja-JP" b="1" dirty="0">
+                <a:solidFill>
+                  <a:srgbClr val="FF0000"/>
+                </a:solidFill>
+              </a:rPr>
+              <a:t>	</a:t>
+            </a:r>
+            <a:r>
+              <a:rPr lang="ja-JP" altLang="en-US" b="1" dirty="0">
+                <a:solidFill>
+                  <a:srgbClr val="FF0000"/>
+                </a:solidFill>
+              </a:rPr>
+              <a:t>　</a:t>
+            </a:r>
+            <a:r>
+              <a:rPr lang="en-US" altLang="ja-JP" b="1" dirty="0">
+                <a:solidFill>
+                  <a:srgbClr val="FF0000"/>
+                </a:solidFill>
+              </a:rPr>
+              <a:t>Arduino </a:t>
+            </a:r>
+            <a:r>
+              <a:rPr lang="ja-JP" altLang="en-US" b="1" dirty="0">
+                <a:solidFill>
+                  <a:srgbClr val="FF0000"/>
+                </a:solidFill>
+              </a:rPr>
+              <a:t>からの信号によって動かすように変更すればよい</a:t>
+            </a:r>
+            <a:endParaRPr lang="en-US" altLang="ja-JP" b="1" dirty="0">
+              <a:solidFill>
+                <a:srgbClr val="FF0000"/>
+              </a:solidFill>
+            </a:endParaRPr>
+          </a:p>
+          <a:p>
+            <a:pPr marL="0" indent="0">
+              <a:buNone/>
+            </a:pPr>
+            <a:endParaRPr lang="en-US" altLang="ja-JP" dirty="0"/>
+          </a:p>
+          <a:p>
+            <a:pPr marL="0" indent="0">
+              <a:buNone/>
+            </a:pPr>
+            <a:endParaRPr lang="en-US" altLang="ja-JP" dirty="0"/>
+          </a:p>
+          <a:p>
+            <a:endParaRPr lang="en-US" altLang="ja-JP" dirty="0"/>
           </a:p>
         </p:txBody>
       </p:sp>
@@ -11925,7 +16734,7 @@
           <p:cNvPr id="4" name="スライド番号プレースホルダー 3">
             <a:extLst>
               <a:ext uri="{FF2B5EF4-FFF2-40B4-BE49-F238E27FC236}">
-                <a16:creationId xmlns:a16="http://schemas.microsoft.com/office/drawing/2014/main" id="{F8FC0969-DEB0-FBCB-3F36-AEAF65C9F9E0}"/>
+                <a16:creationId xmlns:a16="http://schemas.microsoft.com/office/drawing/2014/main" id="{EA2BD82D-D8B2-0B30-1CDE-182FCBE9A5F7}"/>
               </a:ext>
             </a:extLst>
           </p:cNvPr>
@@ -11944,7 +16753,7 @@
             <a:fld id="{167E14B9-D607-4902-8FEC-B1687B44AC2F}" type="slidenum">
               <a:rPr lang="ja-JP" altLang="en-US" smtClean="0"/>
               <a:pPr/>
-              <a:t>24</a:t>
+              <a:t>29</a:t>
             </a:fld>
             <a:endParaRPr lang="ja-JP" altLang="en-US" dirty="0"/>
           </a:p>
@@ -11953,7 +16762,7 @@
     </p:spTree>
     <p:extLst>
       <p:ext uri="{BB962C8B-B14F-4D97-AF65-F5344CB8AC3E}">
-        <p14:creationId xmlns:p14="http://schemas.microsoft.com/office/powerpoint/2010/main" val="1952524426"/>
+        <p14:creationId xmlns:p14="http://schemas.microsoft.com/office/powerpoint/2010/main" val="2535721023"/>
       </p:ext>
     </p:extLst>
   </p:cSld>
@@ -12419,6 +17228,200 @@
     <p:extLst>
       <p:ext uri="{BB962C8B-B14F-4D97-AF65-F5344CB8AC3E}">
         <p14:creationId xmlns:p14="http://schemas.microsoft.com/office/powerpoint/2010/main" val="1972453685"/>
+      </p:ext>
+    </p:extLst>
+  </p:cSld>
+  <p:clrMapOvr>
+    <a:masterClrMapping/>
+  </p:clrMapOvr>
+</p:sld>
+</file>
+
+<file path=ppt/slides/slide30.xml><?xml version="1.0" encoding="utf-8"?>
+<p:sld xmlns:a="http://schemas.openxmlformats.org/drawingml/2006/main" xmlns:r="http://schemas.openxmlformats.org/officeDocument/2006/relationships" xmlns:p="http://schemas.openxmlformats.org/presentationml/2006/main" show="0">
+  <p:cSld>
+    <p:spTree>
+      <p:nvGrpSpPr>
+        <p:cNvPr id="1" name=""/>
+        <p:cNvGrpSpPr/>
+        <p:nvPr/>
+      </p:nvGrpSpPr>
+      <p:grpSpPr>
+        <a:xfrm>
+          <a:off x="0" y="0"/>
+          <a:ext cx="0" cy="0"/>
+          <a:chOff x="0" y="0"/>
+          <a:chExt cx="0" cy="0"/>
+        </a:xfrm>
+      </p:grpSpPr>
+      <p:sp>
+        <p:nvSpPr>
+          <p:cNvPr id="2" name="タイトル 1">
+            <a:extLst>
+              <a:ext uri="{FF2B5EF4-FFF2-40B4-BE49-F238E27FC236}">
+                <a16:creationId xmlns:a16="http://schemas.microsoft.com/office/drawing/2014/main" id="{BD33E9A6-484D-5BB8-2A4D-FF686FCE15DD}"/>
+              </a:ext>
+            </a:extLst>
+          </p:cNvPr>
+          <p:cNvSpPr>
+            <a:spLocks noGrp="1"/>
+          </p:cNvSpPr>
+          <p:nvPr>
+            <p:ph type="title"/>
+          </p:nvPr>
+        </p:nvSpPr>
+        <p:spPr/>
+        <p:txBody>
+          <a:bodyPr/>
+          <a:lstStyle/>
+          <a:p>
+            <a:r>
+              <a:rPr lang="ja-JP" altLang="en-US" dirty="0"/>
+              <a:t>参考文献</a:t>
+            </a:r>
+            <a:r>
+              <a:rPr kumimoji="1" lang="en-US" altLang="ja-JP" dirty="0"/>
+              <a:t> </a:t>
+            </a:r>
+            <a:endParaRPr kumimoji="1" lang="ja-JP" altLang="en-US" dirty="0"/>
+          </a:p>
+        </p:txBody>
+      </p:sp>
+      <p:sp>
+        <p:nvSpPr>
+          <p:cNvPr id="3" name="コンテンツ プレースホルダー 2">
+            <a:extLst>
+              <a:ext uri="{FF2B5EF4-FFF2-40B4-BE49-F238E27FC236}">
+                <a16:creationId xmlns:a16="http://schemas.microsoft.com/office/drawing/2014/main" id="{DD1B458C-BF86-9340-7EF7-D1A751294E7C}"/>
+              </a:ext>
+            </a:extLst>
+          </p:cNvPr>
+          <p:cNvSpPr>
+            <a:spLocks noGrp="1"/>
+          </p:cNvSpPr>
+          <p:nvPr>
+            <p:ph idx="1"/>
+          </p:nvPr>
+        </p:nvSpPr>
+        <p:spPr/>
+        <p:txBody>
+          <a:bodyPr/>
+          <a:lstStyle/>
+          <a:p>
+            <a:endParaRPr kumimoji="1" lang="en-US" altLang="ja-JP" dirty="0"/>
+          </a:p>
+          <a:p>
+            <a:r>
+              <a:rPr lang="en-US" altLang="ja-JP" b="1" i="0" dirty="0">
+                <a:solidFill>
+                  <a:srgbClr val="374146"/>
+                </a:solidFill>
+                <a:effectLst/>
+                <a:highlight>
+                  <a:srgbClr val="FFFFFF"/>
+                </a:highlight>
+                <a:latin typeface="Open Sans" panose="020B0606030504020204" pitchFamily="34" charset="0"/>
+              </a:rPr>
+              <a:t>What is Arduino?</a:t>
+            </a:r>
+            <a:endParaRPr kumimoji="1" lang="en-US" altLang="ja-JP" dirty="0"/>
+          </a:p>
+          <a:p>
+            <a:pPr lvl="1"/>
+            <a:r>
+              <a:rPr kumimoji="1" lang="en-US" altLang="ja-JP" dirty="0">
+                <a:hlinkClick r:id="rId2"/>
+              </a:rPr>
+              <a:t>https://docs.arduino.cc/learn/starting-guide/whats-arduino/</a:t>
+            </a:r>
+            <a:endParaRPr kumimoji="1" lang="en-US" altLang="ja-JP" dirty="0"/>
+          </a:p>
+          <a:p>
+            <a:pPr lvl="1"/>
+            <a:endParaRPr lang="en-US" altLang="ja-JP" b="1" dirty="0"/>
+          </a:p>
+          <a:p>
+            <a:r>
+              <a:rPr kumimoji="1" lang="ja-JP" altLang="en-US" b="1" dirty="0"/>
+              <a:t>ブレッドボードの基礎</a:t>
+            </a:r>
+            <a:endParaRPr kumimoji="1" lang="en-US" altLang="ja-JP" b="1" dirty="0"/>
+          </a:p>
+          <a:p>
+            <a:pPr lvl="1"/>
+            <a:r>
+              <a:rPr kumimoji="1" lang="en-US" altLang="ja-JP" dirty="0">
+                <a:hlinkClick r:id="rId3"/>
+              </a:rPr>
+              <a:t>https://iot.keicode.com/electronics/what-is-breadboard.php</a:t>
+            </a:r>
+            <a:endParaRPr kumimoji="1" lang="en-US" altLang="ja-JP" dirty="0"/>
+          </a:p>
+          <a:p>
+            <a:pPr lvl="1"/>
+            <a:endParaRPr lang="en-US" altLang="ja-JP" dirty="0"/>
+          </a:p>
+          <a:p>
+            <a:r>
+              <a:rPr kumimoji="1" lang="ja-JP" altLang="en-US" b="1" dirty="0"/>
+              <a:t>スイッチによる</a:t>
+            </a:r>
+            <a:r>
+              <a:rPr kumimoji="1" lang="en-US" altLang="ja-JP" b="1" dirty="0"/>
+              <a:t>L</a:t>
+            </a:r>
+            <a:r>
+              <a:rPr kumimoji="1" lang="ja-JP" altLang="en-US" b="1" dirty="0"/>
+              <a:t>チカ</a:t>
+            </a:r>
+            <a:endParaRPr kumimoji="1" lang="en-US" altLang="ja-JP" b="1" dirty="0"/>
+          </a:p>
+          <a:p>
+            <a:pPr lvl="1"/>
+            <a:r>
+              <a:rPr kumimoji="1" lang="en-US" altLang="ja-JP" dirty="0">
+                <a:hlinkClick r:id="rId4"/>
+              </a:rPr>
+              <a:t>https://burariweb.info/electronic-work/arduino-tips/arduino-internal-pullup.html</a:t>
+            </a:r>
+            <a:endParaRPr kumimoji="1" lang="en-US" altLang="ja-JP" dirty="0"/>
+          </a:p>
+        </p:txBody>
+      </p:sp>
+      <p:sp>
+        <p:nvSpPr>
+          <p:cNvPr id="4" name="スライド番号プレースホルダー 3">
+            <a:extLst>
+              <a:ext uri="{FF2B5EF4-FFF2-40B4-BE49-F238E27FC236}">
+                <a16:creationId xmlns:a16="http://schemas.microsoft.com/office/drawing/2014/main" id="{F8FC0969-DEB0-FBCB-3F36-AEAF65C9F9E0}"/>
+              </a:ext>
+            </a:extLst>
+          </p:cNvPr>
+          <p:cNvSpPr>
+            <a:spLocks noGrp="1"/>
+          </p:cNvSpPr>
+          <p:nvPr>
+            <p:ph type="sldNum" sz="quarter" idx="12"/>
+          </p:nvPr>
+        </p:nvSpPr>
+        <p:spPr/>
+        <p:txBody>
+          <a:bodyPr/>
+          <a:lstStyle/>
+          <a:p>
+            <a:fld id="{167E14B9-D607-4902-8FEC-B1687B44AC2F}" type="slidenum">
+              <a:rPr lang="ja-JP" altLang="en-US" smtClean="0"/>
+              <a:pPr/>
+              <a:t>30</a:t>
+            </a:fld>
+            <a:endParaRPr lang="ja-JP" altLang="en-US" dirty="0"/>
+          </a:p>
+        </p:txBody>
+      </p:sp>
+    </p:spTree>
+    <p:extLst>
+      <p:ext uri="{BB962C8B-B14F-4D97-AF65-F5344CB8AC3E}">
+        <p14:creationId xmlns:p14="http://schemas.microsoft.com/office/powerpoint/2010/main" val="1952524426"/>
       </p:ext>
     </p:extLst>
   </p:cSld>
@@ -15183,26 +20186,50 @@
           <a:p>
             <a:pPr marL="857250" lvl="1" indent="-457200"/>
             <a:r>
-              <a:rPr lang="ja-JP" altLang="en-US" sz="1600" dirty="0"/>
+              <a:rPr lang="ja-JP" altLang="en-US" sz="1600" b="1" dirty="0">
+                <a:solidFill>
+                  <a:schemeClr val="accent6"/>
+                </a:solidFill>
+              </a:rPr>
               <a:t>ツールタブで正しい</a:t>
             </a:r>
             <a:r>
-              <a:rPr lang="ja-JP" altLang="en-US" sz="1600" u="sng" dirty="0"/>
+              <a:rPr lang="ja-JP" altLang="en-US" sz="1600" b="1" u="sng" dirty="0">
+                <a:solidFill>
+                  <a:schemeClr val="accent6"/>
+                </a:solidFill>
+              </a:rPr>
               <a:t>ボード名</a:t>
             </a:r>
             <a:r>
-              <a:rPr lang="ja-JP" altLang="en-US" sz="1600" dirty="0"/>
+              <a:rPr lang="ja-JP" altLang="en-US" sz="1600" b="1" dirty="0">
+                <a:solidFill>
+                  <a:schemeClr val="accent6"/>
+                </a:solidFill>
+              </a:rPr>
               <a:t>と</a:t>
             </a:r>
             <a:r>
-              <a:rPr lang="ja-JP" altLang="en-US" sz="1600" u="sng" dirty="0"/>
+              <a:rPr lang="ja-JP" altLang="en-US" sz="1600" b="1" u="sng" dirty="0">
+                <a:solidFill>
+                  <a:schemeClr val="accent6"/>
+                </a:solidFill>
+              </a:rPr>
               <a:t>ポート</a:t>
             </a:r>
             <a:r>
-              <a:rPr lang="ja-JP" altLang="en-US" sz="1600" dirty="0"/>
+              <a:rPr lang="ja-JP" altLang="en-US" sz="1600" b="1" dirty="0">
+                <a:solidFill>
+                  <a:schemeClr val="accent6"/>
+                </a:solidFill>
+              </a:rPr>
               <a:t>を選択</a:t>
             </a:r>
-            <a:endParaRPr lang="en-US" altLang="ja-JP" sz="1600" dirty="0"/>
+            <a:endParaRPr lang="en-US" altLang="ja-JP" sz="1600" b="1" dirty="0">
+              <a:solidFill>
+                <a:schemeClr val="accent6"/>
+              </a:solidFill>
+            </a:endParaRPr>
           </a:p>
           <a:p>
             <a:pPr marL="800100" lvl="2" indent="0">

--- a/Arduino-Basics/Arduino講座1.pptx
+++ b/Arduino-Basics/Arduino講座1.pptx
@@ -5,10 +5,10 @@
     <p:sldMasterId id="2147483648" r:id="rId1"/>
   </p:sldMasterIdLst>
   <p:notesMasterIdLst>
-    <p:notesMasterId r:id="rId32"/>
+    <p:notesMasterId r:id="rId34"/>
   </p:notesMasterIdLst>
   <p:handoutMasterIdLst>
-    <p:handoutMasterId r:id="rId33"/>
+    <p:handoutMasterId r:id="rId35"/>
   </p:handoutMasterIdLst>
   <p:sldIdLst>
     <p:sldId id="256" r:id="rId2"/>
@@ -38,9 +38,11 @@
     <p:sldId id="289" r:id="rId26"/>
     <p:sldId id="294" r:id="rId27"/>
     <p:sldId id="290" r:id="rId28"/>
-    <p:sldId id="295" r:id="rId29"/>
-    <p:sldId id="275" r:id="rId30"/>
-    <p:sldId id="274" r:id="rId31"/>
+    <p:sldId id="296" r:id="rId29"/>
+    <p:sldId id="295" r:id="rId30"/>
+    <p:sldId id="297" r:id="rId31"/>
+    <p:sldId id="275" r:id="rId32"/>
+    <p:sldId id="274" r:id="rId33"/>
   </p:sldIdLst>
   <p:sldSz cx="12192000" cy="6858000"/>
   <p:notesSz cx="9926638" cy="6797675"/>
@@ -243,7 +245,7 @@
           <a:p>
             <a:fld id="{61D52CAA-1629-4F3B-BC32-28EF3794F7FF}" type="datetimeFigureOut">
               <a:rPr kumimoji="1" lang="ja-JP" altLang="en-US" smtClean="0"/>
-              <a:t>2024/5/1</a:t>
+              <a:t>2024/5/17</a:t>
             </a:fld>
             <a:endParaRPr kumimoji="1" lang="ja-JP" altLang="en-US"/>
           </a:p>
@@ -408,7 +410,7 @@
           <a:p>
             <a:fld id="{E8A95779-CF2D-49CB-8DDC-484EC6F920B8}" type="datetimeFigureOut">
               <a:rPr kumimoji="1" lang="ja-JP" altLang="en-US" smtClean="0"/>
-              <a:t>2024/5/1</a:t>
+              <a:t>2024/5/17</a:t>
             </a:fld>
             <a:endParaRPr kumimoji="1" lang="ja-JP" altLang="en-US"/>
           </a:p>
@@ -886,7 +888,7 @@
           <a:p>
             <a:fld id="{49E4A2EE-82B8-459E-BAD9-68F0572733D4}" type="datetime1">
               <a:rPr kumimoji="1" lang="ja-JP" altLang="en-US" smtClean="0"/>
-              <a:t>2024/5/1</a:t>
+              <a:t>2024/5/17</a:t>
             </a:fld>
             <a:endParaRPr kumimoji="1" lang="ja-JP" altLang="en-US"/>
           </a:p>
@@ -1063,7 +1065,7 @@
           <a:p>
             <a:fld id="{7C66CE52-B912-41FC-909F-A50C0A600600}" type="datetime1">
               <a:rPr kumimoji="1" lang="ja-JP" altLang="en-US" smtClean="0"/>
-              <a:t>2024/5/1</a:t>
+              <a:t>2024/5/17</a:t>
             </a:fld>
             <a:endParaRPr kumimoji="1" lang="ja-JP" altLang="en-US"/>
           </a:p>
@@ -1273,7 +1275,7 @@
           <a:p>
             <a:fld id="{B86E3337-ADA4-4DA0-B249-E4E732D2ED9A}" type="datetime1">
               <a:rPr kumimoji="1" lang="ja-JP" altLang="en-US" smtClean="0"/>
-              <a:t>2024/5/1</a:t>
+              <a:t>2024/5/17</a:t>
             </a:fld>
             <a:endParaRPr kumimoji="1" lang="ja-JP" altLang="en-US"/>
           </a:p>
@@ -1515,7 +1517,7 @@
           <a:p>
             <a:fld id="{DF84F4DC-3C72-410D-87E4-A0D0E3440389}" type="datetime1">
               <a:rPr kumimoji="1" lang="ja-JP" altLang="en-US" smtClean="0"/>
-              <a:t>2024/5/1</a:t>
+              <a:t>2024/5/17</a:t>
             </a:fld>
             <a:endParaRPr kumimoji="1" lang="ja-JP" altLang="en-US"/>
           </a:p>
@@ -1815,7 +1817,7 @@
           <a:p>
             <a:fld id="{220318DF-8AE2-439A-BBF2-FDF6B47D1697}" type="datetime1">
               <a:rPr kumimoji="1" lang="ja-JP" altLang="en-US" smtClean="0"/>
-              <a:t>2024/5/1</a:t>
+              <a:t>2024/5/17</a:t>
             </a:fld>
             <a:endParaRPr kumimoji="1" lang="ja-JP" altLang="en-US"/>
           </a:p>
@@ -2164,7 +2166,7 @@
           <a:p>
             <a:fld id="{E30D6303-F4D8-45D5-B534-5D37418C3C2F}" type="datetime1">
               <a:rPr kumimoji="1" lang="ja-JP" altLang="en-US" smtClean="0"/>
-              <a:t>2024/5/1</a:t>
+              <a:t>2024/5/17</a:t>
             </a:fld>
             <a:endParaRPr kumimoji="1" lang="ja-JP" altLang="en-US"/>
           </a:p>
@@ -2647,7 +2649,7 @@
           <a:p>
             <a:fld id="{6A67610D-136C-4651-9391-42C47935B03F}" type="datetime1">
               <a:rPr kumimoji="1" lang="ja-JP" altLang="en-US" smtClean="0"/>
-              <a:t>2024/5/1</a:t>
+              <a:t>2024/5/17</a:t>
             </a:fld>
             <a:endParaRPr kumimoji="1" lang="ja-JP" altLang="en-US"/>
           </a:p>
@@ -2764,7 +2766,7 @@
           <a:p>
             <a:fld id="{2921171F-A464-4519-B2F3-0A794BA79D94}" type="datetime1">
               <a:rPr kumimoji="1" lang="ja-JP" altLang="en-US" smtClean="0"/>
-              <a:t>2024/5/1</a:t>
+              <a:t>2024/5/17</a:t>
             </a:fld>
             <a:endParaRPr kumimoji="1" lang="ja-JP" altLang="en-US"/>
           </a:p>
@@ -2859,7 +2861,7 @@
           <a:p>
             <a:fld id="{E80CA86D-75D3-4C2B-90B2-F9D3AAFCB9A3}" type="datetime1">
               <a:rPr kumimoji="1" lang="ja-JP" altLang="en-US" smtClean="0"/>
-              <a:t>2024/5/1</a:t>
+              <a:t>2024/5/17</a:t>
             </a:fld>
             <a:endParaRPr kumimoji="1" lang="ja-JP" altLang="en-US"/>
           </a:p>
@@ -3166,7 +3168,7 @@
           <a:p>
             <a:fld id="{DAF57502-37DE-427E-96ED-9F5F542057C3}" type="datetime1">
               <a:rPr kumimoji="1" lang="ja-JP" altLang="en-US" smtClean="0"/>
-              <a:t>2024/5/1</a:t>
+              <a:t>2024/5/17</a:t>
             </a:fld>
             <a:endParaRPr kumimoji="1" lang="ja-JP" altLang="en-US"/>
           </a:p>
@@ -3421,7 +3423,7 @@
           <a:p>
             <a:fld id="{0BCFF1FF-8B83-45E3-A4A8-27105D12E67F}" type="datetime1">
               <a:rPr kumimoji="1" lang="ja-JP" altLang="en-US" smtClean="0"/>
-              <a:t>2024/5/1</a:t>
+              <a:t>2024/5/17</a:t>
             </a:fld>
             <a:endParaRPr kumimoji="1" lang="ja-JP" altLang="en-US"/>
           </a:p>
@@ -3664,7 +3666,7 @@
           <a:p>
             <a:fld id="{159CD5AA-60CC-4185-95B1-148B4B00604C}" type="datetime1">
               <a:rPr kumimoji="1" lang="ja-JP" altLang="en-US" smtClean="0"/>
-              <a:t>2024/5/1</a:t>
+              <a:t>2024/5/17</a:t>
             </a:fld>
             <a:endParaRPr kumimoji="1" lang="ja-JP" altLang="en-US"/>
           </a:p>
@@ -14990,282 +14992,12 @@
           <a:chExt cx="0" cy="0"/>
         </a:xfrm>
       </p:grpSpPr>
-      <p:sp>
-        <p:nvSpPr>
-          <p:cNvPr id="2" name="タイトル 1">
-            <a:extLst>
-              <a:ext uri="{FF2B5EF4-FFF2-40B4-BE49-F238E27FC236}">
-                <a16:creationId xmlns:a16="http://schemas.microsoft.com/office/drawing/2014/main" id="{E83F635B-04E1-3E2F-6A1A-E28F471867BC}"/>
-              </a:ext>
-            </a:extLst>
-          </p:cNvPr>
-          <p:cNvSpPr>
-            <a:spLocks noGrp="1"/>
-          </p:cNvSpPr>
-          <p:nvPr>
-            <p:ph type="title"/>
-          </p:nvPr>
-        </p:nvSpPr>
-        <p:spPr/>
-        <p:txBody>
-          <a:bodyPr/>
-          <a:lstStyle/>
-          <a:p>
-            <a:r>
-              <a:rPr lang="en-US" altLang="ja-JP" dirty="0">
-                <a:latin typeface="Times New Roman" panose="02020603050405020304" pitchFamily="18" charset="0"/>
-                <a:cs typeface="Times New Roman" panose="02020603050405020304" pitchFamily="18" charset="0"/>
-              </a:rPr>
-              <a:t>3.</a:t>
-            </a:r>
-            <a:r>
-              <a:rPr lang="ja-JP" altLang="en-US" dirty="0">
-                <a:latin typeface="Times New Roman" panose="02020603050405020304" pitchFamily="18" charset="0"/>
-                <a:cs typeface="Times New Roman" panose="02020603050405020304" pitchFamily="18" charset="0"/>
-              </a:rPr>
-              <a:t>  </a:t>
-            </a:r>
-            <a:r>
-              <a:rPr lang="ja-JP" altLang="en-US" dirty="0"/>
-              <a:t>ブロック崩しゲームのコントローラ作成</a:t>
-            </a:r>
-            <a:endParaRPr kumimoji="1" lang="ja-JP" altLang="en-US" dirty="0"/>
-          </a:p>
-        </p:txBody>
-      </p:sp>
-      <p:sp>
-        <p:nvSpPr>
-          <p:cNvPr id="3" name="コンテンツ プレースホルダー 2">
-            <a:extLst>
-              <a:ext uri="{FF2B5EF4-FFF2-40B4-BE49-F238E27FC236}">
-                <a16:creationId xmlns:a16="http://schemas.microsoft.com/office/drawing/2014/main" id="{804809AE-B255-CB38-8F76-32BE480AA851}"/>
-              </a:ext>
-            </a:extLst>
-          </p:cNvPr>
-          <p:cNvSpPr>
-            <a:spLocks noGrp="1"/>
-          </p:cNvSpPr>
-          <p:nvPr>
-            <p:ph idx="1"/>
-          </p:nvPr>
-        </p:nvSpPr>
-        <p:spPr/>
-        <p:txBody>
-          <a:bodyPr/>
-          <a:lstStyle/>
-          <a:p>
-            <a:pPr marL="0" indent="0">
-              <a:buNone/>
-            </a:pPr>
-            <a:r>
-              <a:rPr lang="ja-JP" altLang="en-US" dirty="0"/>
-              <a:t>・・・</a:t>
-            </a:r>
-            <a:r>
-              <a:rPr kumimoji="1" lang="ja-JP" altLang="en-US" sz="2400" b="1" dirty="0">
-                <a:solidFill>
-                  <a:srgbClr val="FF0000"/>
-                </a:solidFill>
-              </a:rPr>
-              <a:t>ブロック崩しのバーを可変抵抗器で操作 </a:t>
-            </a:r>
-            <a:endParaRPr lang="en-US" altLang="ja-JP" b="1" dirty="0">
-              <a:solidFill>
-                <a:srgbClr val="FF0000"/>
-              </a:solidFill>
-            </a:endParaRPr>
-          </a:p>
-          <a:p>
-            <a:pPr marL="0" indent="0">
-              <a:buNone/>
-            </a:pPr>
-            <a:endParaRPr lang="en-US" altLang="ja-JP" sz="1600" b="1" dirty="0">
-              <a:solidFill>
-                <a:srgbClr val="FF0000"/>
-              </a:solidFill>
-            </a:endParaRPr>
-          </a:p>
-          <a:p>
-            <a:pPr marL="0" indent="0">
-              <a:buNone/>
-            </a:pPr>
-            <a:endParaRPr lang="en-US" altLang="ja-JP" sz="1000" b="1" dirty="0">
-              <a:solidFill>
-                <a:srgbClr val="FF0000"/>
-              </a:solidFill>
-            </a:endParaRPr>
-          </a:p>
-          <a:p>
-            <a:pPr marL="0" indent="0">
-              <a:buNone/>
-            </a:pPr>
-            <a:r>
-              <a:rPr lang="en-US" altLang="ja-JP" b="1" dirty="0"/>
-              <a:t>【 3</a:t>
-            </a:r>
-            <a:r>
-              <a:rPr lang="en-US" altLang="ja-JP" b="1" baseline="30000" dirty="0"/>
-              <a:t>rd</a:t>
-            </a:r>
-            <a:r>
-              <a:rPr lang="en-US" altLang="ja-JP" b="1" dirty="0"/>
-              <a:t> Step 】</a:t>
-            </a:r>
-          </a:p>
-          <a:p>
-            <a:pPr marL="0" indent="0">
-              <a:buNone/>
-            </a:pPr>
-            <a:endParaRPr lang="en-US" altLang="ja-JP" sz="1000" dirty="0"/>
-          </a:p>
-          <a:p>
-            <a:pPr marL="0" indent="0">
-              <a:buNone/>
-            </a:pPr>
-            <a:r>
-              <a:rPr lang="ja-JP" altLang="en-US" dirty="0"/>
-              <a:t>　</a:t>
-            </a:r>
-            <a:r>
-              <a:rPr lang="ja-JP" altLang="en-US" b="1" dirty="0"/>
-              <a:t>ゲームバー制御部の改造</a:t>
-            </a:r>
-            <a:endParaRPr lang="en-US" altLang="ja-JP" b="1" dirty="0"/>
-          </a:p>
-          <a:p>
-            <a:pPr marL="0" indent="0">
-              <a:buNone/>
-            </a:pPr>
-            <a:endParaRPr lang="en-US" altLang="ja-JP" b="1" dirty="0"/>
-          </a:p>
-          <a:p>
-            <a:pPr lvl="1"/>
-            <a:r>
-              <a:rPr lang="ja-JP" altLang="en-US" b="1" dirty="0">
-                <a:solidFill>
-                  <a:schemeClr val="accent6"/>
-                </a:solidFill>
-              </a:rPr>
-              <a:t>① シリアルポートの初期化</a:t>
-            </a:r>
-            <a:endParaRPr lang="en-US" altLang="ja-JP" b="1" dirty="0">
-              <a:solidFill>
-                <a:schemeClr val="accent6"/>
-              </a:solidFill>
-            </a:endParaRPr>
-          </a:p>
-          <a:p>
-            <a:pPr lvl="1"/>
-            <a:r>
-              <a:rPr lang="ja-JP" altLang="en-US" b="1" dirty="0">
-                <a:solidFill>
-                  <a:schemeClr val="accent6"/>
-                </a:solidFill>
-              </a:rPr>
-              <a:t>② </a:t>
-            </a:r>
-            <a:r>
-              <a:rPr lang="en-US" altLang="ja-JP" b="1" dirty="0">
-                <a:solidFill>
-                  <a:schemeClr val="accent6"/>
-                </a:solidFill>
-              </a:rPr>
-              <a:t>motion</a:t>
-            </a:r>
-            <a:r>
-              <a:rPr lang="ja-JP" altLang="en-US" b="1" dirty="0">
-                <a:solidFill>
-                  <a:schemeClr val="accent6"/>
-                </a:solidFill>
-              </a:rPr>
-              <a:t>関数の中身を変更</a:t>
-            </a:r>
-            <a:endParaRPr lang="en-US" altLang="ja-JP" b="1" dirty="0">
-              <a:solidFill>
-                <a:schemeClr val="accent6"/>
-              </a:solidFill>
-            </a:endParaRPr>
-          </a:p>
-          <a:p>
-            <a:pPr marL="457200" lvl="1" indent="0">
-              <a:buNone/>
-            </a:pPr>
-            <a:endParaRPr lang="en-US" altLang="ja-JP" b="1" dirty="0"/>
-          </a:p>
-          <a:p>
-            <a:pPr marL="457200" lvl="1" indent="0">
-              <a:buNone/>
-            </a:pPr>
-            <a:r>
-              <a:rPr lang="ja-JP" altLang="en-US" b="1" dirty="0"/>
-              <a:t>この状態で実行しても動かない，，，</a:t>
-            </a:r>
-            <a:endParaRPr lang="en-US" altLang="ja-JP" b="1" dirty="0"/>
-          </a:p>
-          <a:p>
-            <a:pPr lvl="1"/>
-            <a:r>
-              <a:rPr lang="ja-JP" altLang="en-US" b="1" dirty="0">
-                <a:solidFill>
-                  <a:schemeClr val="accent6"/>
-                </a:solidFill>
-              </a:rPr>
-              <a:t>③ メインループへの追加</a:t>
-            </a:r>
-            <a:endParaRPr lang="en-US" altLang="ja-JP" b="1" dirty="0">
-              <a:solidFill>
-                <a:schemeClr val="accent6"/>
-              </a:solidFill>
-            </a:endParaRPr>
-          </a:p>
-          <a:p>
-            <a:pPr lvl="1"/>
-            <a:endParaRPr lang="en-US" altLang="ja-JP" dirty="0"/>
-          </a:p>
-          <a:p>
-            <a:endParaRPr lang="en-US" altLang="ja-JP" dirty="0"/>
-          </a:p>
-          <a:p>
-            <a:endParaRPr kumimoji="1" lang="ja-JP" altLang="en-US" dirty="0"/>
-          </a:p>
-        </p:txBody>
-      </p:sp>
-      <p:sp>
-        <p:nvSpPr>
-          <p:cNvPr id="4" name="スライド番号プレースホルダー 3">
-            <a:extLst>
-              <a:ext uri="{FF2B5EF4-FFF2-40B4-BE49-F238E27FC236}">
-                <a16:creationId xmlns:a16="http://schemas.microsoft.com/office/drawing/2014/main" id="{55FCAD2E-5B05-AB02-3590-68DD22631CF3}"/>
-              </a:ext>
-            </a:extLst>
-          </p:cNvPr>
-          <p:cNvSpPr>
-            <a:spLocks noGrp="1"/>
-          </p:cNvSpPr>
-          <p:nvPr>
-            <p:ph type="sldNum" sz="quarter" idx="12"/>
-          </p:nvPr>
-        </p:nvSpPr>
-        <p:spPr/>
-        <p:txBody>
-          <a:bodyPr/>
-          <a:lstStyle/>
-          <a:p>
-            <a:fld id="{167E14B9-D607-4902-8FEC-B1687B44AC2F}" type="slidenum">
-              <a:rPr lang="ja-JP" altLang="en-US" smtClean="0"/>
-              <a:pPr/>
-              <a:t>27</a:t>
-            </a:fld>
-            <a:endParaRPr lang="ja-JP" altLang="en-US" dirty="0"/>
-          </a:p>
-        </p:txBody>
-      </p:sp>
       <p:pic>
         <p:nvPicPr>
-          <p:cNvPr id="6" name="図 5">
-            <a:extLst>
-              <a:ext uri="{FF2B5EF4-FFF2-40B4-BE49-F238E27FC236}">
-                <a16:creationId xmlns:a16="http://schemas.microsoft.com/office/drawing/2014/main" id="{F1B4FB5C-A89E-7375-15C9-60A18DBC9261}"/>
+          <p:cNvPr id="14" name="図 13">
+            <a:extLst>
+              <a:ext uri="{FF2B5EF4-FFF2-40B4-BE49-F238E27FC236}">
+                <a16:creationId xmlns:a16="http://schemas.microsoft.com/office/drawing/2014/main" id="{443F83A3-280F-C8F8-519F-1C5E096D44A0}"/>
               </a:ext>
             </a:extLst>
           </p:cNvPr>
@@ -15282,14 +15014,284 @@
         </p:blipFill>
         <p:spPr>
           <a:xfrm>
-            <a:off x="5746794" y="1913936"/>
-            <a:ext cx="6445206" cy="4944063"/>
+            <a:off x="5768220" y="1913937"/>
+            <a:ext cx="6448460" cy="4944063"/>
           </a:xfrm>
           <a:prstGeom prst="rect">
             <a:avLst/>
           </a:prstGeom>
         </p:spPr>
       </p:pic>
+      <p:sp>
+        <p:nvSpPr>
+          <p:cNvPr id="2" name="タイトル 1">
+            <a:extLst>
+              <a:ext uri="{FF2B5EF4-FFF2-40B4-BE49-F238E27FC236}">
+                <a16:creationId xmlns:a16="http://schemas.microsoft.com/office/drawing/2014/main" id="{E83F635B-04E1-3E2F-6A1A-E28F471867BC}"/>
+              </a:ext>
+            </a:extLst>
+          </p:cNvPr>
+          <p:cNvSpPr>
+            <a:spLocks noGrp="1"/>
+          </p:cNvSpPr>
+          <p:nvPr>
+            <p:ph type="title"/>
+          </p:nvPr>
+        </p:nvSpPr>
+        <p:spPr/>
+        <p:txBody>
+          <a:bodyPr/>
+          <a:lstStyle/>
+          <a:p>
+            <a:r>
+              <a:rPr lang="en-US" altLang="ja-JP" dirty="0">
+                <a:latin typeface="Times New Roman" panose="02020603050405020304" pitchFamily="18" charset="0"/>
+                <a:cs typeface="Times New Roman" panose="02020603050405020304" pitchFamily="18" charset="0"/>
+              </a:rPr>
+              <a:t>3.</a:t>
+            </a:r>
+            <a:r>
+              <a:rPr lang="ja-JP" altLang="en-US" dirty="0">
+                <a:latin typeface="Times New Roman" panose="02020603050405020304" pitchFamily="18" charset="0"/>
+                <a:cs typeface="Times New Roman" panose="02020603050405020304" pitchFamily="18" charset="0"/>
+              </a:rPr>
+              <a:t>  </a:t>
+            </a:r>
+            <a:r>
+              <a:rPr lang="ja-JP" altLang="en-US" dirty="0"/>
+              <a:t>ブロック崩しゲームのコントローラ作成</a:t>
+            </a:r>
+            <a:endParaRPr kumimoji="1" lang="ja-JP" altLang="en-US" dirty="0"/>
+          </a:p>
+        </p:txBody>
+      </p:sp>
+      <p:sp>
+        <p:nvSpPr>
+          <p:cNvPr id="3" name="コンテンツ プレースホルダー 2">
+            <a:extLst>
+              <a:ext uri="{FF2B5EF4-FFF2-40B4-BE49-F238E27FC236}">
+                <a16:creationId xmlns:a16="http://schemas.microsoft.com/office/drawing/2014/main" id="{804809AE-B255-CB38-8F76-32BE480AA851}"/>
+              </a:ext>
+            </a:extLst>
+          </p:cNvPr>
+          <p:cNvSpPr>
+            <a:spLocks noGrp="1"/>
+          </p:cNvSpPr>
+          <p:nvPr>
+            <p:ph idx="1"/>
+          </p:nvPr>
+        </p:nvSpPr>
+        <p:spPr/>
+        <p:txBody>
+          <a:bodyPr/>
+          <a:lstStyle/>
+          <a:p>
+            <a:pPr marL="0" indent="0">
+              <a:buNone/>
+            </a:pPr>
+            <a:r>
+              <a:rPr lang="ja-JP" altLang="en-US" dirty="0"/>
+              <a:t>・・・</a:t>
+            </a:r>
+            <a:r>
+              <a:rPr kumimoji="1" lang="ja-JP" altLang="en-US" sz="2400" b="1" dirty="0">
+                <a:solidFill>
+                  <a:srgbClr val="FF0000"/>
+                </a:solidFill>
+              </a:rPr>
+              <a:t>ブロック崩しのバーを可変抵抗器で操作 </a:t>
+            </a:r>
+            <a:endParaRPr lang="en-US" altLang="ja-JP" b="1" dirty="0">
+              <a:solidFill>
+                <a:srgbClr val="FF0000"/>
+              </a:solidFill>
+            </a:endParaRPr>
+          </a:p>
+          <a:p>
+            <a:pPr marL="0" indent="0">
+              <a:buNone/>
+            </a:pPr>
+            <a:endParaRPr lang="en-US" altLang="ja-JP" sz="1600" b="1" dirty="0">
+              <a:solidFill>
+                <a:srgbClr val="FF0000"/>
+              </a:solidFill>
+            </a:endParaRPr>
+          </a:p>
+          <a:p>
+            <a:pPr marL="0" indent="0">
+              <a:buNone/>
+            </a:pPr>
+            <a:endParaRPr lang="en-US" altLang="ja-JP" sz="1000" b="1" dirty="0">
+              <a:solidFill>
+                <a:srgbClr val="FF0000"/>
+              </a:solidFill>
+            </a:endParaRPr>
+          </a:p>
+          <a:p>
+            <a:pPr marL="0" indent="0">
+              <a:buNone/>
+            </a:pPr>
+            <a:r>
+              <a:rPr lang="en-US" altLang="ja-JP" b="1" dirty="0"/>
+              <a:t>【 3</a:t>
+            </a:r>
+            <a:r>
+              <a:rPr lang="en-US" altLang="ja-JP" b="1" baseline="30000" dirty="0"/>
+              <a:t>rd</a:t>
+            </a:r>
+            <a:r>
+              <a:rPr lang="en-US" altLang="ja-JP" b="1" dirty="0"/>
+              <a:t> Step 】</a:t>
+            </a:r>
+          </a:p>
+          <a:p>
+            <a:pPr marL="0" indent="0">
+              <a:buNone/>
+            </a:pPr>
+            <a:endParaRPr lang="en-US" altLang="ja-JP" sz="1000" dirty="0"/>
+          </a:p>
+          <a:p>
+            <a:pPr marL="0" indent="0">
+              <a:buNone/>
+            </a:pPr>
+            <a:r>
+              <a:rPr lang="ja-JP" altLang="en-US" dirty="0"/>
+              <a:t>　</a:t>
+            </a:r>
+            <a:r>
+              <a:rPr lang="ja-JP" altLang="en-US" b="1" dirty="0"/>
+              <a:t>ゲームバー制御部の改造</a:t>
+            </a:r>
+            <a:endParaRPr lang="en-US" altLang="ja-JP" b="1" dirty="0"/>
+          </a:p>
+          <a:p>
+            <a:pPr marL="0" indent="0">
+              <a:buNone/>
+            </a:pPr>
+            <a:endParaRPr lang="en-US" altLang="ja-JP" b="1" dirty="0"/>
+          </a:p>
+          <a:p>
+            <a:pPr lvl="1"/>
+            <a:r>
+              <a:rPr lang="ja-JP" altLang="en-US" b="1" dirty="0">
+                <a:solidFill>
+                  <a:schemeClr val="accent6"/>
+                </a:solidFill>
+              </a:rPr>
+              <a:t>① シリアルポートの初期化</a:t>
+            </a:r>
+            <a:endParaRPr lang="en-US" altLang="ja-JP" b="1" dirty="0">
+              <a:solidFill>
+                <a:schemeClr val="accent6"/>
+              </a:solidFill>
+            </a:endParaRPr>
+          </a:p>
+          <a:p>
+            <a:pPr lvl="1"/>
+            <a:r>
+              <a:rPr lang="ja-JP" altLang="en-US" b="1" dirty="0">
+                <a:solidFill>
+                  <a:schemeClr val="accent6"/>
+                </a:solidFill>
+              </a:rPr>
+              <a:t>② </a:t>
+            </a:r>
+            <a:r>
+              <a:rPr lang="en-US" altLang="ja-JP" b="1" dirty="0">
+                <a:solidFill>
+                  <a:schemeClr val="accent6"/>
+                </a:solidFill>
+              </a:rPr>
+              <a:t>motion</a:t>
+            </a:r>
+            <a:r>
+              <a:rPr lang="ja-JP" altLang="en-US" b="1" dirty="0">
+                <a:solidFill>
+                  <a:schemeClr val="accent6"/>
+                </a:solidFill>
+              </a:rPr>
+              <a:t>関数の中身を変更</a:t>
+            </a:r>
+            <a:endParaRPr lang="en-US" altLang="ja-JP" b="1" dirty="0">
+              <a:solidFill>
+                <a:schemeClr val="accent6"/>
+              </a:solidFill>
+            </a:endParaRPr>
+          </a:p>
+          <a:p>
+            <a:pPr marL="457200" lvl="1" indent="0">
+              <a:buNone/>
+            </a:pPr>
+            <a:endParaRPr lang="en-US" altLang="ja-JP" b="1" dirty="0"/>
+          </a:p>
+          <a:p>
+            <a:pPr marL="457200" lvl="1" indent="0">
+              <a:buNone/>
+            </a:pPr>
+            <a:r>
+              <a:rPr lang="ja-JP" altLang="en-US" b="1" dirty="0"/>
+              <a:t>この状態で実行しても動かない，，，</a:t>
+            </a:r>
+            <a:endParaRPr lang="en-US" altLang="ja-JP" b="1" dirty="0"/>
+          </a:p>
+          <a:p>
+            <a:pPr lvl="1"/>
+            <a:r>
+              <a:rPr lang="ja-JP" altLang="en-US" b="1" dirty="0">
+                <a:solidFill>
+                  <a:schemeClr val="accent6"/>
+                </a:solidFill>
+              </a:rPr>
+              <a:t>③ メインループへの追加</a:t>
+            </a:r>
+            <a:endParaRPr lang="en-US" altLang="ja-JP" b="1" dirty="0">
+              <a:solidFill>
+                <a:schemeClr val="accent6"/>
+              </a:solidFill>
+            </a:endParaRPr>
+          </a:p>
+          <a:p>
+            <a:pPr lvl="1"/>
+            <a:endParaRPr lang="en-US" altLang="ja-JP" dirty="0"/>
+          </a:p>
+          <a:p>
+            <a:endParaRPr lang="en-US" altLang="ja-JP" dirty="0"/>
+          </a:p>
+          <a:p>
+            <a:endParaRPr kumimoji="1" lang="ja-JP" altLang="en-US" dirty="0"/>
+          </a:p>
+        </p:txBody>
+      </p:sp>
+      <p:sp>
+        <p:nvSpPr>
+          <p:cNvPr id="4" name="スライド番号プレースホルダー 3">
+            <a:extLst>
+              <a:ext uri="{FF2B5EF4-FFF2-40B4-BE49-F238E27FC236}">
+                <a16:creationId xmlns:a16="http://schemas.microsoft.com/office/drawing/2014/main" id="{55FCAD2E-5B05-AB02-3590-68DD22631CF3}"/>
+              </a:ext>
+            </a:extLst>
+          </p:cNvPr>
+          <p:cNvSpPr>
+            <a:spLocks noGrp="1"/>
+          </p:cNvSpPr>
+          <p:nvPr>
+            <p:ph type="sldNum" sz="quarter" idx="12"/>
+          </p:nvPr>
+        </p:nvSpPr>
+        <p:spPr/>
+        <p:txBody>
+          <a:bodyPr/>
+          <a:lstStyle/>
+          <a:p>
+            <a:fld id="{167E14B9-D607-4902-8FEC-B1687B44AC2F}" type="slidenum">
+              <a:rPr lang="ja-JP" altLang="en-US" smtClean="0"/>
+              <a:pPr/>
+              <a:t>27</a:t>
+            </a:fld>
+            <a:endParaRPr lang="ja-JP" altLang="en-US" dirty="0"/>
+          </a:p>
+        </p:txBody>
+      </p:sp>
       <p:sp>
         <p:nvSpPr>
           <p:cNvPr id="9" name="テキスト ボックス 8">
@@ -15549,6 +15551,361 @@
           <p:cNvPr id="2" name="タイトル 1">
             <a:extLst>
               <a:ext uri="{FF2B5EF4-FFF2-40B4-BE49-F238E27FC236}">
+                <a16:creationId xmlns:a16="http://schemas.microsoft.com/office/drawing/2014/main" id="{E83F635B-04E1-3E2F-6A1A-E28F471867BC}"/>
+              </a:ext>
+            </a:extLst>
+          </p:cNvPr>
+          <p:cNvSpPr>
+            <a:spLocks noGrp="1"/>
+          </p:cNvSpPr>
+          <p:nvPr>
+            <p:ph type="title"/>
+          </p:nvPr>
+        </p:nvSpPr>
+        <p:spPr/>
+        <p:txBody>
+          <a:bodyPr/>
+          <a:lstStyle/>
+          <a:p>
+            <a:r>
+              <a:rPr lang="en-US" altLang="ja-JP" dirty="0">
+                <a:latin typeface="Times New Roman" panose="02020603050405020304" pitchFamily="18" charset="0"/>
+                <a:cs typeface="Times New Roman" panose="02020603050405020304" pitchFamily="18" charset="0"/>
+              </a:rPr>
+              <a:t>3.</a:t>
+            </a:r>
+            <a:r>
+              <a:rPr lang="ja-JP" altLang="en-US" dirty="0">
+                <a:latin typeface="Times New Roman" panose="02020603050405020304" pitchFamily="18" charset="0"/>
+                <a:cs typeface="Times New Roman" panose="02020603050405020304" pitchFamily="18" charset="0"/>
+              </a:rPr>
+              <a:t>  </a:t>
+            </a:r>
+            <a:r>
+              <a:rPr lang="ja-JP" altLang="en-US" dirty="0"/>
+              <a:t>ブロック崩しゲームのコントローラ作成</a:t>
+            </a:r>
+            <a:endParaRPr kumimoji="1" lang="ja-JP" altLang="en-US" dirty="0"/>
+          </a:p>
+        </p:txBody>
+      </p:sp>
+      <p:sp>
+        <p:nvSpPr>
+          <p:cNvPr id="3" name="コンテンツ プレースホルダー 2">
+            <a:extLst>
+              <a:ext uri="{FF2B5EF4-FFF2-40B4-BE49-F238E27FC236}">
+                <a16:creationId xmlns:a16="http://schemas.microsoft.com/office/drawing/2014/main" id="{804809AE-B255-CB38-8F76-32BE480AA851}"/>
+              </a:ext>
+            </a:extLst>
+          </p:cNvPr>
+          <p:cNvSpPr>
+            <a:spLocks noGrp="1"/>
+          </p:cNvSpPr>
+          <p:nvPr>
+            <p:ph idx="1"/>
+          </p:nvPr>
+        </p:nvSpPr>
+        <p:spPr/>
+        <p:txBody>
+          <a:bodyPr/>
+          <a:lstStyle/>
+          <a:p>
+            <a:pPr marL="0" indent="0">
+              <a:buNone/>
+            </a:pPr>
+            <a:r>
+              <a:rPr lang="ja-JP" altLang="en-US" dirty="0"/>
+              <a:t>・・・</a:t>
+            </a:r>
+            <a:r>
+              <a:rPr kumimoji="1" lang="ja-JP" altLang="en-US" sz="2400" b="1" dirty="0">
+                <a:solidFill>
+                  <a:srgbClr val="FF0000"/>
+                </a:solidFill>
+              </a:rPr>
+              <a:t>ブロック崩しのバーを可変抵抗器で操作 </a:t>
+            </a:r>
+            <a:endParaRPr lang="en-US" altLang="ja-JP" b="1" dirty="0">
+              <a:solidFill>
+                <a:srgbClr val="FF0000"/>
+              </a:solidFill>
+            </a:endParaRPr>
+          </a:p>
+          <a:p>
+            <a:pPr marL="0" indent="0">
+              <a:buNone/>
+            </a:pPr>
+            <a:endParaRPr lang="en-US" altLang="ja-JP" sz="1600" b="1" dirty="0">
+              <a:solidFill>
+                <a:srgbClr val="FF0000"/>
+              </a:solidFill>
+            </a:endParaRPr>
+          </a:p>
+          <a:p>
+            <a:pPr marL="0" indent="0">
+              <a:buNone/>
+            </a:pPr>
+            <a:endParaRPr lang="en-US" altLang="ja-JP" sz="1000" b="1" dirty="0">
+              <a:solidFill>
+                <a:srgbClr val="FF0000"/>
+              </a:solidFill>
+            </a:endParaRPr>
+          </a:p>
+          <a:p>
+            <a:pPr marL="0" indent="0">
+              <a:buNone/>
+            </a:pPr>
+            <a:r>
+              <a:rPr lang="en-US" altLang="ja-JP" b="1" dirty="0"/>
+              <a:t>【 </a:t>
+            </a:r>
+            <a:r>
+              <a:rPr lang="ja-JP" altLang="en-US" b="1" dirty="0"/>
+              <a:t>補足</a:t>
+            </a:r>
+            <a:r>
+              <a:rPr lang="en-US" altLang="ja-JP" b="1" dirty="0"/>
+              <a:t>】</a:t>
+            </a:r>
+          </a:p>
+          <a:p>
+            <a:pPr marL="0" indent="0">
+              <a:buNone/>
+            </a:pPr>
+            <a:endParaRPr lang="en-US" altLang="ja-JP" sz="1000" dirty="0"/>
+          </a:p>
+          <a:p>
+            <a:pPr marL="0" indent="0">
+              <a:buNone/>
+            </a:pPr>
+            <a:r>
+              <a:rPr lang="ja-JP" altLang="en-US" dirty="0"/>
+              <a:t>　</a:t>
+            </a:r>
+            <a:r>
+              <a:rPr lang="ja-JP" altLang="en-US" b="1" dirty="0"/>
+              <a:t>エラー処理の追加</a:t>
+            </a:r>
+            <a:endParaRPr lang="en-US" altLang="ja-JP" dirty="0"/>
+          </a:p>
+          <a:p>
+            <a:pPr lvl="1"/>
+            <a:r>
+              <a:rPr lang="ja-JP" altLang="en-US" dirty="0"/>
+              <a:t>プログラム実行ごとに以下のエラーが発生</a:t>
+            </a:r>
+            <a:endParaRPr lang="en-US" altLang="ja-JP" dirty="0"/>
+          </a:p>
+          <a:p>
+            <a:pPr lvl="1"/>
+            <a:endParaRPr lang="en-US" altLang="ja-JP" dirty="0"/>
+          </a:p>
+          <a:p>
+            <a:pPr lvl="1"/>
+            <a:endParaRPr lang="en-US" altLang="ja-JP" dirty="0"/>
+          </a:p>
+          <a:p>
+            <a:pPr lvl="1"/>
+            <a:endParaRPr lang="en-US" altLang="ja-JP" dirty="0"/>
+          </a:p>
+          <a:p>
+            <a:pPr lvl="1"/>
+            <a:r>
+              <a:rPr lang="en-US" altLang="ja-JP" dirty="0"/>
+              <a:t>try – except </a:t>
+            </a:r>
+            <a:r>
+              <a:rPr lang="ja-JP" altLang="en-US" dirty="0"/>
+              <a:t>構文で</a:t>
+            </a:r>
+            <a:r>
+              <a:rPr lang="en-US" altLang="ja-JP" dirty="0"/>
+              <a:t>Arduino </a:t>
+            </a:r>
+            <a:r>
+              <a:rPr lang="ja-JP" altLang="en-US" dirty="0"/>
+              <a:t>からの読み込み失敗時に備える</a:t>
+            </a:r>
+            <a:endParaRPr lang="en-US" altLang="ja-JP" dirty="0"/>
+          </a:p>
+          <a:p>
+            <a:endParaRPr kumimoji="1" lang="ja-JP" altLang="en-US" dirty="0"/>
+          </a:p>
+        </p:txBody>
+      </p:sp>
+      <p:sp>
+        <p:nvSpPr>
+          <p:cNvPr id="4" name="スライド番号プレースホルダー 3">
+            <a:extLst>
+              <a:ext uri="{FF2B5EF4-FFF2-40B4-BE49-F238E27FC236}">
+                <a16:creationId xmlns:a16="http://schemas.microsoft.com/office/drawing/2014/main" id="{55FCAD2E-5B05-AB02-3590-68DD22631CF3}"/>
+              </a:ext>
+            </a:extLst>
+          </p:cNvPr>
+          <p:cNvSpPr>
+            <a:spLocks noGrp="1"/>
+          </p:cNvSpPr>
+          <p:nvPr>
+            <p:ph type="sldNum" sz="quarter" idx="12"/>
+          </p:nvPr>
+        </p:nvSpPr>
+        <p:spPr/>
+        <p:txBody>
+          <a:bodyPr/>
+          <a:lstStyle/>
+          <a:p>
+            <a:fld id="{167E14B9-D607-4902-8FEC-B1687B44AC2F}" type="slidenum">
+              <a:rPr lang="ja-JP" altLang="en-US" smtClean="0"/>
+              <a:pPr/>
+              <a:t>28</a:t>
+            </a:fld>
+            <a:endParaRPr lang="ja-JP" altLang="en-US" dirty="0"/>
+          </a:p>
+        </p:txBody>
+      </p:sp>
+      <p:sp>
+        <p:nvSpPr>
+          <p:cNvPr id="14" name="テキスト ボックス 13">
+            <a:extLst>
+              <a:ext uri="{FF2B5EF4-FFF2-40B4-BE49-F238E27FC236}">
+                <a16:creationId xmlns:a16="http://schemas.microsoft.com/office/drawing/2014/main" id="{AC8FE4BE-0C66-2459-DECC-EDAC2397DFF3}"/>
+              </a:ext>
+            </a:extLst>
+          </p:cNvPr>
+          <p:cNvSpPr txBox="1"/>
+          <p:nvPr/>
+        </p:nvSpPr>
+        <p:spPr>
+          <a:xfrm>
+            <a:off x="8616280" y="2225124"/>
+            <a:ext cx="2160240" cy="369332"/>
+          </a:xfrm>
+          <a:prstGeom prst="rect">
+            <a:avLst/>
+          </a:prstGeom>
+          <a:noFill/>
+          <a:ln w="38100">
+            <a:solidFill>
+              <a:schemeClr val="accent6"/>
+            </a:solidFill>
+          </a:ln>
+        </p:spPr>
+        <p:txBody>
+          <a:bodyPr wrap="square" rtlCol="0">
+            <a:spAutoFit/>
+          </a:bodyPr>
+          <a:lstStyle/>
+          <a:p>
+            <a:r>
+              <a:rPr lang="ja-JP" altLang="en-US" sz="1600" dirty="0"/>
+              <a:t>単語検索</a:t>
+            </a:r>
+            <a:r>
+              <a:rPr kumimoji="1" lang="en-US" altLang="ja-JP" dirty="0"/>
+              <a:t>        Ctrl + </a:t>
+            </a:r>
+            <a:r>
+              <a:rPr lang="en-US" altLang="ja-JP" dirty="0"/>
+              <a:t>f</a:t>
+            </a:r>
+            <a:endParaRPr kumimoji="1" lang="en-US" altLang="ja-JP" dirty="0"/>
+          </a:p>
+        </p:txBody>
+      </p:sp>
+      <p:pic>
+        <p:nvPicPr>
+          <p:cNvPr id="7" name="図 6">
+            <a:extLst>
+              <a:ext uri="{FF2B5EF4-FFF2-40B4-BE49-F238E27FC236}">
+                <a16:creationId xmlns:a16="http://schemas.microsoft.com/office/drawing/2014/main" id="{06FD37F9-2ACA-7AF2-068B-B8DC8DB04640}"/>
+              </a:ext>
+            </a:extLst>
+          </p:cNvPr>
+          <p:cNvPicPr>
+            <a:picLocks noChangeAspect="1"/>
+          </p:cNvPicPr>
+          <p:nvPr/>
+        </p:nvPicPr>
+        <p:blipFill>
+          <a:blip r:embed="rId2"/>
+          <a:stretch>
+            <a:fillRect/>
+          </a:stretch>
+        </p:blipFill>
+        <p:spPr>
+          <a:xfrm>
+            <a:off x="1640586" y="3676335"/>
+            <a:ext cx="4867954" cy="857370"/>
+          </a:xfrm>
+          <a:prstGeom prst="rect">
+            <a:avLst/>
+          </a:prstGeom>
+        </p:spPr>
+      </p:pic>
+      <p:pic>
+        <p:nvPicPr>
+          <p:cNvPr id="9" name="図 8">
+            <a:extLst>
+              <a:ext uri="{FF2B5EF4-FFF2-40B4-BE49-F238E27FC236}">
+                <a16:creationId xmlns:a16="http://schemas.microsoft.com/office/drawing/2014/main" id="{0105A797-177F-538B-1B77-DFF8B41CE3F4}"/>
+              </a:ext>
+            </a:extLst>
+          </p:cNvPr>
+          <p:cNvPicPr>
+            <a:picLocks noChangeAspect="1"/>
+          </p:cNvPicPr>
+          <p:nvPr/>
+        </p:nvPicPr>
+        <p:blipFill rotWithShape="1">
+          <a:blip r:embed="rId3"/>
+          <a:srcRect l="12202" t="33537" r="13593" b="-1"/>
+          <a:stretch/>
+        </p:blipFill>
+        <p:spPr>
+          <a:xfrm>
+            <a:off x="1703512" y="5006908"/>
+            <a:ext cx="4248472" cy="1851092"/>
+          </a:xfrm>
+          <a:prstGeom prst="rect">
+            <a:avLst/>
+          </a:prstGeom>
+        </p:spPr>
+      </p:pic>
+    </p:spTree>
+    <p:extLst>
+      <p:ext uri="{BB962C8B-B14F-4D97-AF65-F5344CB8AC3E}">
+        <p14:creationId xmlns:p14="http://schemas.microsoft.com/office/powerpoint/2010/main" val="3469294514"/>
+      </p:ext>
+    </p:extLst>
+  </p:cSld>
+  <p:clrMapOvr>
+    <a:masterClrMapping/>
+  </p:clrMapOvr>
+</p:sld>
+</file>
+
+<file path=ppt/slides/slide29.xml><?xml version="1.0" encoding="utf-8"?>
+<p:sld xmlns:a="http://schemas.openxmlformats.org/drawingml/2006/main" xmlns:r="http://schemas.openxmlformats.org/officeDocument/2006/relationships" xmlns:p="http://schemas.openxmlformats.org/presentationml/2006/main">
+  <p:cSld>
+    <p:spTree>
+      <p:nvGrpSpPr>
+        <p:cNvPr id="1" name=""/>
+        <p:cNvGrpSpPr/>
+        <p:nvPr/>
+      </p:nvGrpSpPr>
+      <p:grpSpPr>
+        <a:xfrm>
+          <a:off x="0" y="0"/>
+          <a:ext cx="0" cy="0"/>
+          <a:chOff x="0" y="0"/>
+          <a:chExt cx="0" cy="0"/>
+        </a:xfrm>
+      </p:grpSpPr>
+      <p:sp>
+        <p:nvSpPr>
+          <p:cNvPr id="2" name="タイトル 1">
+            <a:extLst>
+              <a:ext uri="{FF2B5EF4-FFF2-40B4-BE49-F238E27FC236}">
                 <a16:creationId xmlns:a16="http://schemas.microsoft.com/office/drawing/2014/main" id="{7C0BD70C-E20D-CACD-CE21-DB6F00BAE40F}"/>
               </a:ext>
             </a:extLst>
@@ -15751,7 +16108,7 @@
             <a:fld id="{167E14B9-D607-4902-8FEC-B1687B44AC2F}" type="slidenum">
               <a:rPr lang="ja-JP" altLang="en-US" smtClean="0"/>
               <a:pPr/>
-              <a:t>28</a:t>
+              <a:t>29</a:t>
             </a:fld>
             <a:endParaRPr lang="ja-JP" altLang="en-US" dirty="0"/>
           </a:p>
@@ -16451,327 +16808,6 @@
 </p:sld>
 </file>
 
-<file path=ppt/slides/slide29.xml><?xml version="1.0" encoding="utf-8"?>
-<p:sld xmlns:a="http://schemas.openxmlformats.org/drawingml/2006/main" xmlns:r="http://schemas.openxmlformats.org/officeDocument/2006/relationships" xmlns:p="http://schemas.openxmlformats.org/presentationml/2006/main" show="0">
-  <p:cSld>
-    <p:spTree>
-      <p:nvGrpSpPr>
-        <p:cNvPr id="1" name=""/>
-        <p:cNvGrpSpPr/>
-        <p:nvPr/>
-      </p:nvGrpSpPr>
-      <p:grpSpPr>
-        <a:xfrm>
-          <a:off x="0" y="0"/>
-          <a:ext cx="0" cy="0"/>
-          <a:chOff x="0" y="0"/>
-          <a:chExt cx="0" cy="0"/>
-        </a:xfrm>
-      </p:grpSpPr>
-      <p:sp>
-        <p:nvSpPr>
-          <p:cNvPr id="2" name="タイトル 1">
-            <a:extLst>
-              <a:ext uri="{FF2B5EF4-FFF2-40B4-BE49-F238E27FC236}">
-                <a16:creationId xmlns:a16="http://schemas.microsoft.com/office/drawing/2014/main" id="{7C0BD70C-E20D-CACD-CE21-DB6F00BAE40F}"/>
-              </a:ext>
-            </a:extLst>
-          </p:cNvPr>
-          <p:cNvSpPr>
-            <a:spLocks noGrp="1"/>
-          </p:cNvSpPr>
-          <p:nvPr>
-            <p:ph type="title"/>
-          </p:nvPr>
-        </p:nvSpPr>
-        <p:spPr/>
-        <p:txBody>
-          <a:bodyPr/>
-          <a:lstStyle/>
-          <a:p>
-            <a:r>
-              <a:rPr lang="en-US" altLang="ja-JP" dirty="0">
-                <a:latin typeface="Times New Roman" panose="02020603050405020304" pitchFamily="18" charset="0"/>
-                <a:cs typeface="Times New Roman" panose="02020603050405020304" pitchFamily="18" charset="0"/>
-              </a:rPr>
-              <a:t>3.</a:t>
-            </a:r>
-            <a:r>
-              <a:rPr lang="ja-JP" altLang="en-US" dirty="0">
-                <a:latin typeface="Times New Roman" panose="02020603050405020304" pitchFamily="18" charset="0"/>
-                <a:cs typeface="Times New Roman" panose="02020603050405020304" pitchFamily="18" charset="0"/>
-              </a:rPr>
-              <a:t>  </a:t>
-            </a:r>
-            <a:r>
-              <a:rPr lang="ja-JP" altLang="en-US" dirty="0"/>
-              <a:t>ブロック崩しゲームのコントローラ作成</a:t>
-            </a:r>
-            <a:endParaRPr kumimoji="1" lang="ja-JP" altLang="en-US" dirty="0"/>
-          </a:p>
-        </p:txBody>
-      </p:sp>
-      <p:sp>
-        <p:nvSpPr>
-          <p:cNvPr id="3" name="コンテンツ プレースホルダー 2">
-            <a:extLst>
-              <a:ext uri="{FF2B5EF4-FFF2-40B4-BE49-F238E27FC236}">
-                <a16:creationId xmlns:a16="http://schemas.microsoft.com/office/drawing/2014/main" id="{5199E655-E993-F4D9-2313-2A4979FD5CC4}"/>
-              </a:ext>
-            </a:extLst>
-          </p:cNvPr>
-          <p:cNvSpPr>
-            <a:spLocks noGrp="1"/>
-          </p:cNvSpPr>
-          <p:nvPr>
-            <p:ph idx="1"/>
-          </p:nvPr>
-        </p:nvSpPr>
-        <p:spPr/>
-        <p:txBody>
-          <a:bodyPr>
-            <a:normAutofit/>
-          </a:bodyPr>
-          <a:lstStyle/>
-          <a:p>
-            <a:pPr marL="0" indent="0">
-              <a:buNone/>
-            </a:pPr>
-            <a:endParaRPr lang="en-US" altLang="ja-JP" sz="2000" dirty="0"/>
-          </a:p>
-          <a:p>
-            <a:pPr marL="0" indent="0">
-              <a:buNone/>
-            </a:pPr>
-            <a:r>
-              <a:rPr lang="en-US" altLang="ja-JP" sz="2000" dirty="0"/>
-              <a:t>[</a:t>
-            </a:r>
-            <a:r>
-              <a:rPr lang="ja-JP" altLang="en-US" sz="2000" dirty="0"/>
-              <a:t>ブロック崩しゲーム </a:t>
-            </a:r>
-            <a:r>
-              <a:rPr lang="en-US" altLang="ja-JP" sz="2000" dirty="0"/>
-              <a:t>- python</a:t>
-            </a:r>
-            <a:r>
-              <a:rPr lang="ja-JP" altLang="en-US" sz="2000" dirty="0"/>
-              <a:t>ソース</a:t>
-            </a:r>
-            <a:r>
-              <a:rPr lang="en-US" altLang="ja-JP" sz="2000" dirty="0"/>
-              <a:t>]</a:t>
-            </a:r>
-          </a:p>
-          <a:p>
-            <a:pPr marL="0" indent="0">
-              <a:buNone/>
-            </a:pPr>
-            <a:endParaRPr lang="en-US" altLang="ja-JP" sz="900" dirty="0"/>
-          </a:p>
-          <a:p>
-            <a:r>
-              <a:rPr lang="en-US" altLang="ja-JP" sz="1600" dirty="0">
-                <a:hlinkClick r:id="rId2"/>
-              </a:rPr>
-              <a:t>https://kusakarism.info/?p=11237</a:t>
-            </a:r>
-            <a:endParaRPr lang="en-US" altLang="ja-JP" sz="1600" dirty="0"/>
-          </a:p>
-          <a:p>
-            <a:endParaRPr lang="en-US" altLang="ja-JP" sz="700" dirty="0"/>
-          </a:p>
-          <a:p>
-            <a:r>
-              <a:rPr lang="en-US" altLang="ja-JP" sz="1600" dirty="0">
-                <a:hlinkClick r:id="rId3"/>
-              </a:rPr>
-              <a:t>https://github.com/M-yuhki/breakout</a:t>
-            </a:r>
-            <a:endParaRPr lang="en-US" altLang="ja-JP" sz="1600" dirty="0"/>
-          </a:p>
-          <a:p>
-            <a:pPr marL="457200" indent="-457200">
-              <a:buFont typeface="+mj-lt"/>
-              <a:buAutoNum type="arabicPeriod"/>
-            </a:pPr>
-            <a:endParaRPr lang="en-US" altLang="ja-JP" sz="700" dirty="0"/>
-          </a:p>
-          <a:p>
-            <a:r>
-              <a:rPr lang="en-US" altLang="ja-JP" sz="1600" dirty="0">
-                <a:hlinkClick r:id="rId4"/>
-              </a:rPr>
-              <a:t>https://note.com/forte_python/n/na2575fd1a30f</a:t>
-            </a:r>
-            <a:endParaRPr lang="en-US" altLang="ja-JP" sz="1600" dirty="0"/>
-          </a:p>
-          <a:p>
-            <a:pPr marL="457200" indent="-457200">
-              <a:buFont typeface="+mj-lt"/>
-              <a:buAutoNum type="arabicPeriod"/>
-            </a:pPr>
-            <a:endParaRPr lang="en-US" altLang="ja-JP" sz="2000" dirty="0"/>
-          </a:p>
-          <a:p>
-            <a:pPr marL="0" indent="0">
-              <a:buNone/>
-            </a:pPr>
-            <a:r>
-              <a:rPr lang="en-US" altLang="ja-JP" sz="2000" dirty="0"/>
-              <a:t>[python – Arduino </a:t>
-            </a:r>
-            <a:r>
-              <a:rPr lang="ja-JP" altLang="en-US" sz="2000" dirty="0"/>
-              <a:t>間のシリアル通信</a:t>
-            </a:r>
-            <a:r>
-              <a:rPr lang="en-US" altLang="ja-JP" sz="2000" dirty="0"/>
-              <a:t>]</a:t>
-            </a:r>
-          </a:p>
-          <a:p>
-            <a:r>
-              <a:rPr lang="en-US" altLang="ja-JP" sz="1600" dirty="0">
-                <a:hlinkClick r:id="rId5"/>
-              </a:rPr>
-              <a:t>Serial Communication between Python and Arduino</a:t>
-            </a:r>
-            <a:endParaRPr lang="en-US" altLang="ja-JP" sz="1600" dirty="0"/>
-          </a:p>
-          <a:p>
-            <a:pPr marL="0" indent="0">
-              <a:buNone/>
-            </a:pPr>
-            <a:endParaRPr lang="en-US" altLang="ja-JP" dirty="0"/>
-          </a:p>
-          <a:p>
-            <a:pPr marL="0" indent="0">
-              <a:buNone/>
-            </a:pPr>
-            <a:endParaRPr lang="en-US" altLang="ja-JP" sz="1000" dirty="0"/>
-          </a:p>
-          <a:p>
-            <a:pPr marL="0" indent="0">
-              <a:buNone/>
-            </a:pPr>
-            <a:r>
-              <a:rPr lang="ja-JP" altLang="en-US" b="1" dirty="0">
-                <a:solidFill>
-                  <a:srgbClr val="FF0000"/>
-                </a:solidFill>
-              </a:rPr>
-              <a:t>　ソースコードからバーを動かす部分を見つけだし，</a:t>
-            </a:r>
-            <a:endParaRPr lang="en-US" altLang="ja-JP" b="1" dirty="0">
-              <a:solidFill>
-                <a:srgbClr val="FF0000"/>
-              </a:solidFill>
-            </a:endParaRPr>
-          </a:p>
-          <a:p>
-            <a:pPr marL="0" indent="0">
-              <a:buNone/>
-            </a:pPr>
-            <a:r>
-              <a:rPr lang="en-US" altLang="ja-JP" b="1" dirty="0">
-                <a:solidFill>
-                  <a:srgbClr val="FF0000"/>
-                </a:solidFill>
-              </a:rPr>
-              <a:t>	</a:t>
-            </a:r>
-            <a:r>
-              <a:rPr lang="ja-JP" altLang="en-US" b="1" dirty="0">
-                <a:solidFill>
-                  <a:srgbClr val="FF0000"/>
-                </a:solidFill>
-              </a:rPr>
-              <a:t>　</a:t>
-            </a:r>
-            <a:r>
-              <a:rPr lang="en-US" altLang="ja-JP" b="1" dirty="0">
-                <a:solidFill>
-                  <a:srgbClr val="FF0000"/>
-                </a:solidFill>
-              </a:rPr>
-              <a:t>Arduino </a:t>
-            </a:r>
-            <a:r>
-              <a:rPr lang="ja-JP" altLang="en-US" b="1" dirty="0">
-                <a:solidFill>
-                  <a:srgbClr val="FF0000"/>
-                </a:solidFill>
-              </a:rPr>
-              <a:t>からの信号によって動かすように変更すればよい</a:t>
-            </a:r>
-            <a:endParaRPr lang="en-US" altLang="ja-JP" b="1" dirty="0">
-              <a:solidFill>
-                <a:srgbClr val="FF0000"/>
-              </a:solidFill>
-            </a:endParaRPr>
-          </a:p>
-          <a:p>
-            <a:pPr marL="0" indent="0">
-              <a:buNone/>
-            </a:pPr>
-            <a:endParaRPr lang="en-US" altLang="ja-JP" dirty="0"/>
-          </a:p>
-          <a:p>
-            <a:pPr marL="0" indent="0">
-              <a:buNone/>
-            </a:pPr>
-            <a:endParaRPr lang="en-US" altLang="ja-JP" dirty="0"/>
-          </a:p>
-          <a:p>
-            <a:endParaRPr lang="en-US" altLang="ja-JP" dirty="0"/>
-          </a:p>
-        </p:txBody>
-      </p:sp>
-      <p:sp>
-        <p:nvSpPr>
-          <p:cNvPr id="4" name="スライド番号プレースホルダー 3">
-            <a:extLst>
-              <a:ext uri="{FF2B5EF4-FFF2-40B4-BE49-F238E27FC236}">
-                <a16:creationId xmlns:a16="http://schemas.microsoft.com/office/drawing/2014/main" id="{EA2BD82D-D8B2-0B30-1CDE-182FCBE9A5F7}"/>
-              </a:ext>
-            </a:extLst>
-          </p:cNvPr>
-          <p:cNvSpPr>
-            <a:spLocks noGrp="1"/>
-          </p:cNvSpPr>
-          <p:nvPr>
-            <p:ph type="sldNum" sz="quarter" idx="12"/>
-          </p:nvPr>
-        </p:nvSpPr>
-        <p:spPr/>
-        <p:txBody>
-          <a:bodyPr/>
-          <a:lstStyle/>
-          <a:p>
-            <a:fld id="{167E14B9-D607-4902-8FEC-B1687B44AC2F}" type="slidenum">
-              <a:rPr lang="ja-JP" altLang="en-US" smtClean="0"/>
-              <a:pPr/>
-              <a:t>29</a:t>
-            </a:fld>
-            <a:endParaRPr lang="ja-JP" altLang="en-US" dirty="0"/>
-          </a:p>
-        </p:txBody>
-      </p:sp>
-    </p:spTree>
-    <p:extLst>
-      <p:ext uri="{BB962C8B-B14F-4D97-AF65-F5344CB8AC3E}">
-        <p14:creationId xmlns:p14="http://schemas.microsoft.com/office/powerpoint/2010/main" val="2535721023"/>
-      </p:ext>
-    </p:extLst>
-  </p:cSld>
-  <p:clrMapOvr>
-    <a:masterClrMapping/>
-  </p:clrMapOvr>
-</p:sld>
-</file>
-
 <file path=ppt/slides/slide3.xml><?xml version="1.0" encoding="utf-8"?>
 <p:sld xmlns:a="http://schemas.openxmlformats.org/drawingml/2006/main" xmlns:r="http://schemas.openxmlformats.org/officeDocument/2006/relationships" xmlns:p="http://schemas.openxmlformats.org/presentationml/2006/main">
   <p:cSld>
@@ -17238,6 +17274,500 @@
 </file>
 
 <file path=ppt/slides/slide30.xml><?xml version="1.0" encoding="utf-8"?>
+<p:sld xmlns:a="http://schemas.openxmlformats.org/drawingml/2006/main" xmlns:r="http://schemas.openxmlformats.org/officeDocument/2006/relationships" xmlns:p="http://schemas.openxmlformats.org/presentationml/2006/main">
+  <p:cSld>
+    <p:spTree>
+      <p:nvGrpSpPr>
+        <p:cNvPr id="1" name=""/>
+        <p:cNvGrpSpPr/>
+        <p:nvPr/>
+      </p:nvGrpSpPr>
+      <p:grpSpPr>
+        <a:xfrm>
+          <a:off x="0" y="0"/>
+          <a:ext cx="0" cy="0"/>
+          <a:chOff x="0" y="0"/>
+          <a:chExt cx="0" cy="0"/>
+        </a:xfrm>
+      </p:grpSpPr>
+      <p:sp>
+        <p:nvSpPr>
+          <p:cNvPr id="2" name="タイトル 1">
+            <a:extLst>
+              <a:ext uri="{FF2B5EF4-FFF2-40B4-BE49-F238E27FC236}">
+                <a16:creationId xmlns:a16="http://schemas.microsoft.com/office/drawing/2014/main" id="{A813A183-BAC2-C21D-8013-5E7AC41C61BF}"/>
+              </a:ext>
+            </a:extLst>
+          </p:cNvPr>
+          <p:cNvSpPr>
+            <a:spLocks noGrp="1"/>
+          </p:cNvSpPr>
+          <p:nvPr>
+            <p:ph type="title"/>
+          </p:nvPr>
+        </p:nvSpPr>
+        <p:spPr/>
+        <p:txBody>
+          <a:bodyPr/>
+          <a:lstStyle/>
+          <a:p>
+            <a:r>
+              <a:rPr lang="en-US" altLang="ja-JP" dirty="0">
+                <a:latin typeface="Times New Roman" panose="02020603050405020304" pitchFamily="18" charset="0"/>
+                <a:cs typeface="Times New Roman" panose="02020603050405020304" pitchFamily="18" charset="0"/>
+              </a:rPr>
+              <a:t>3.</a:t>
+            </a:r>
+            <a:r>
+              <a:rPr lang="ja-JP" altLang="en-US" dirty="0">
+                <a:latin typeface="Times New Roman" panose="02020603050405020304" pitchFamily="18" charset="0"/>
+                <a:cs typeface="Times New Roman" panose="02020603050405020304" pitchFamily="18" charset="0"/>
+              </a:rPr>
+              <a:t>  </a:t>
+            </a:r>
+            <a:r>
+              <a:rPr lang="ja-JP" altLang="en-US" dirty="0"/>
+              <a:t>ブロック崩しゲームのコントローラ作成</a:t>
+            </a:r>
+            <a:endParaRPr kumimoji="1" lang="ja-JP" altLang="en-US" dirty="0"/>
+          </a:p>
+        </p:txBody>
+      </p:sp>
+      <p:sp>
+        <p:nvSpPr>
+          <p:cNvPr id="3" name="コンテンツ プレースホルダー 2">
+            <a:extLst>
+              <a:ext uri="{FF2B5EF4-FFF2-40B4-BE49-F238E27FC236}">
+                <a16:creationId xmlns:a16="http://schemas.microsoft.com/office/drawing/2014/main" id="{552B012F-8BCB-C823-EEB0-FA313E181E22}"/>
+              </a:ext>
+            </a:extLst>
+          </p:cNvPr>
+          <p:cNvSpPr>
+            <a:spLocks noGrp="1"/>
+          </p:cNvSpPr>
+          <p:nvPr>
+            <p:ph idx="1"/>
+          </p:nvPr>
+        </p:nvSpPr>
+        <p:spPr/>
+        <p:txBody>
+          <a:bodyPr/>
+          <a:lstStyle/>
+          <a:p>
+            <a:pPr marL="0" indent="0">
+              <a:buNone/>
+            </a:pPr>
+            <a:r>
+              <a:rPr kumimoji="1" lang="ja-JP" altLang="en-US" dirty="0"/>
+              <a:t>　いろいろカスタマイズしてみよう</a:t>
+            </a:r>
+          </a:p>
+        </p:txBody>
+      </p:sp>
+      <p:sp>
+        <p:nvSpPr>
+          <p:cNvPr id="4" name="スライド番号プレースホルダー 3">
+            <a:extLst>
+              <a:ext uri="{FF2B5EF4-FFF2-40B4-BE49-F238E27FC236}">
+                <a16:creationId xmlns:a16="http://schemas.microsoft.com/office/drawing/2014/main" id="{E92C3BBF-9F72-2761-DFBC-A16EE1298450}"/>
+              </a:ext>
+            </a:extLst>
+          </p:cNvPr>
+          <p:cNvSpPr>
+            <a:spLocks noGrp="1"/>
+          </p:cNvSpPr>
+          <p:nvPr>
+            <p:ph type="sldNum" sz="quarter" idx="12"/>
+          </p:nvPr>
+        </p:nvSpPr>
+        <p:spPr/>
+        <p:txBody>
+          <a:bodyPr/>
+          <a:lstStyle/>
+          <a:p>
+            <a:fld id="{167E14B9-D607-4902-8FEC-B1687B44AC2F}" type="slidenum">
+              <a:rPr lang="ja-JP" altLang="en-US" smtClean="0"/>
+              <a:pPr/>
+              <a:t>30</a:t>
+            </a:fld>
+            <a:endParaRPr lang="ja-JP" altLang="en-US" dirty="0"/>
+          </a:p>
+        </p:txBody>
+      </p:sp>
+      <p:pic>
+        <p:nvPicPr>
+          <p:cNvPr id="10" name="図 9">
+            <a:extLst>
+              <a:ext uri="{FF2B5EF4-FFF2-40B4-BE49-F238E27FC236}">
+                <a16:creationId xmlns:a16="http://schemas.microsoft.com/office/drawing/2014/main" id="{18361802-39E8-CD03-5628-7BA461797E7D}"/>
+              </a:ext>
+            </a:extLst>
+          </p:cNvPr>
+          <p:cNvPicPr>
+            <a:picLocks noChangeAspect="1"/>
+          </p:cNvPicPr>
+          <p:nvPr/>
+        </p:nvPicPr>
+        <p:blipFill>
+          <a:blip r:embed="rId2"/>
+          <a:stretch>
+            <a:fillRect/>
+          </a:stretch>
+        </p:blipFill>
+        <p:spPr>
+          <a:xfrm>
+            <a:off x="1685737" y="2861782"/>
+            <a:ext cx="3537328" cy="3717032"/>
+          </a:xfrm>
+          <a:prstGeom prst="rect">
+            <a:avLst/>
+          </a:prstGeom>
+          <a:ln w="25400">
+            <a:solidFill>
+              <a:schemeClr val="tx1"/>
+            </a:solidFill>
+          </a:ln>
+        </p:spPr>
+      </p:pic>
+      <p:sp>
+        <p:nvSpPr>
+          <p:cNvPr id="11" name="テキスト ボックス 10">
+            <a:extLst>
+              <a:ext uri="{FF2B5EF4-FFF2-40B4-BE49-F238E27FC236}">
+                <a16:creationId xmlns:a16="http://schemas.microsoft.com/office/drawing/2014/main" id="{CC5A80D1-F837-390B-5D28-C1C562205920}"/>
+              </a:ext>
+            </a:extLst>
+          </p:cNvPr>
+          <p:cNvSpPr txBox="1"/>
+          <p:nvPr/>
+        </p:nvSpPr>
+        <p:spPr>
+          <a:xfrm>
+            <a:off x="1467527" y="2288938"/>
+            <a:ext cx="3973747" cy="338554"/>
+          </a:xfrm>
+          <a:prstGeom prst="rect">
+            <a:avLst/>
+          </a:prstGeom>
+          <a:noFill/>
+        </p:spPr>
+        <p:txBody>
+          <a:bodyPr wrap="square" rtlCol="0">
+            <a:spAutoFit/>
+          </a:bodyPr>
+          <a:lstStyle/>
+          <a:p>
+            <a:pPr algn="ctr"/>
+            <a:r>
+              <a:rPr kumimoji="1" lang="ja-JP" altLang="en-US" sz="1600" dirty="0"/>
+              <a:t>↓ スタート画面の追加</a:t>
+            </a:r>
+          </a:p>
+        </p:txBody>
+      </p:sp>
+      <p:pic>
+        <p:nvPicPr>
+          <p:cNvPr id="13" name="図 12" descr="暗い が含まれている画像&#10;&#10;自動的に生成された説明">
+            <a:extLst>
+              <a:ext uri="{FF2B5EF4-FFF2-40B4-BE49-F238E27FC236}">
+                <a16:creationId xmlns:a16="http://schemas.microsoft.com/office/drawing/2014/main" id="{9149FC22-C55A-20BA-A3D6-C7917FEDEE5C}"/>
+              </a:ext>
+            </a:extLst>
+          </p:cNvPr>
+          <p:cNvPicPr>
+            <a:picLocks noChangeAspect="1"/>
+          </p:cNvPicPr>
+          <p:nvPr/>
+        </p:nvPicPr>
+        <p:blipFill>
+          <a:blip r:embed="rId3" cstate="print">
+            <a:extLst>
+              <a:ext uri="{28A0092B-C50C-407E-A947-70E740481C1C}">
+                <a14:useLocalDpi xmlns:a14="http://schemas.microsoft.com/office/drawing/2010/main" val="0"/>
+              </a:ext>
+              <a:ext uri="{837473B0-CC2E-450A-ABE3-18F120FF3D39}">
+                <a1611:picAttrSrcUrl xmlns:a1611="http://schemas.microsoft.com/office/drawing/2016/11/main" r:id="rId4"/>
+              </a:ext>
+            </a:extLst>
+          </a:blip>
+          <a:stretch>
+            <a:fillRect/>
+          </a:stretch>
+        </p:blipFill>
+        <p:spPr>
+          <a:xfrm>
+            <a:off x="6785747" y="2627492"/>
+            <a:ext cx="2210788" cy="1243568"/>
+          </a:xfrm>
+          <a:prstGeom prst="rect">
+            <a:avLst/>
+          </a:prstGeom>
+        </p:spPr>
+      </p:pic>
+      <p:sp>
+        <p:nvSpPr>
+          <p:cNvPr id="15" name="テキスト ボックス 14">
+            <a:extLst>
+              <a:ext uri="{FF2B5EF4-FFF2-40B4-BE49-F238E27FC236}">
+                <a16:creationId xmlns:a16="http://schemas.microsoft.com/office/drawing/2014/main" id="{CAF6BB54-5BDB-3254-0B2B-47AB940B5459}"/>
+              </a:ext>
+            </a:extLst>
+          </p:cNvPr>
+          <p:cNvSpPr txBox="1"/>
+          <p:nvPr/>
+        </p:nvSpPr>
+        <p:spPr>
+          <a:xfrm>
+            <a:off x="5807968" y="2284041"/>
+            <a:ext cx="3973747" cy="338554"/>
+          </a:xfrm>
+          <a:prstGeom prst="rect">
+            <a:avLst/>
+          </a:prstGeom>
+          <a:noFill/>
+        </p:spPr>
+        <p:txBody>
+          <a:bodyPr wrap="square" rtlCol="0">
+            <a:spAutoFit/>
+          </a:bodyPr>
+          <a:lstStyle/>
+          <a:p>
+            <a:pPr algn="ctr"/>
+            <a:r>
+              <a:rPr kumimoji="1" lang="ja-JP" altLang="en-US" sz="1600" dirty="0"/>
+              <a:t>↓ ゲーム音の追加</a:t>
+            </a:r>
+          </a:p>
+        </p:txBody>
+      </p:sp>
+      <p:sp>
+        <p:nvSpPr>
+          <p:cNvPr id="16" name="フレーム (半分) 15">
+            <a:extLst>
+              <a:ext uri="{FF2B5EF4-FFF2-40B4-BE49-F238E27FC236}">
+                <a16:creationId xmlns:a16="http://schemas.microsoft.com/office/drawing/2014/main" id="{AACB9D1B-6BDB-2AC8-757D-B596F357D5D5}"/>
+              </a:ext>
+            </a:extLst>
+          </p:cNvPr>
+          <p:cNvSpPr/>
+          <p:nvPr/>
+        </p:nvSpPr>
+        <p:spPr>
+          <a:xfrm rot="13460388">
+            <a:off x="7079745" y="5067873"/>
+            <a:ext cx="859618" cy="898719"/>
+          </a:xfrm>
+          <a:prstGeom prst="halfFrame">
+            <a:avLst>
+              <a:gd name="adj1" fmla="val 12324"/>
+              <a:gd name="adj2" fmla="val 12324"/>
+            </a:avLst>
+          </a:prstGeom>
+          <a:ln>
+            <a:noFill/>
+          </a:ln>
+        </p:spPr>
+        <p:style>
+          <a:lnRef idx="2">
+            <a:schemeClr val="accent1">
+              <a:shade val="15000"/>
+            </a:schemeClr>
+          </a:lnRef>
+          <a:fillRef idx="1">
+            <a:schemeClr val="accent1"/>
+          </a:fillRef>
+          <a:effectRef idx="0">
+            <a:schemeClr val="accent1"/>
+          </a:effectRef>
+          <a:fontRef idx="minor">
+            <a:schemeClr val="lt1"/>
+          </a:fontRef>
+        </p:style>
+        <p:txBody>
+          <a:bodyPr rtlCol="0" anchor="ctr"/>
+          <a:lstStyle/>
+          <a:p>
+            <a:pPr algn="ctr"/>
+            <a:endParaRPr kumimoji="1" lang="ja-JP" altLang="en-US">
+              <a:solidFill>
+                <a:schemeClr val="tx1"/>
+              </a:solidFill>
+            </a:endParaRPr>
+          </a:p>
+        </p:txBody>
+      </p:sp>
+      <p:sp>
+        <p:nvSpPr>
+          <p:cNvPr id="17" name="テキスト ボックス 16">
+            <a:extLst>
+              <a:ext uri="{FF2B5EF4-FFF2-40B4-BE49-F238E27FC236}">
+                <a16:creationId xmlns:a16="http://schemas.microsoft.com/office/drawing/2014/main" id="{F569597C-E0A0-7C44-B913-1F0544867EBA}"/>
+              </a:ext>
+            </a:extLst>
+          </p:cNvPr>
+          <p:cNvSpPr txBox="1"/>
+          <p:nvPr/>
+        </p:nvSpPr>
+        <p:spPr>
+          <a:xfrm>
+            <a:off x="5851597" y="4844340"/>
+            <a:ext cx="3973747" cy="338554"/>
+          </a:xfrm>
+          <a:prstGeom prst="rect">
+            <a:avLst/>
+          </a:prstGeom>
+          <a:noFill/>
+        </p:spPr>
+        <p:txBody>
+          <a:bodyPr wrap="square" rtlCol="0">
+            <a:spAutoFit/>
+          </a:bodyPr>
+          <a:lstStyle/>
+          <a:p>
+            <a:pPr algn="ctr"/>
+            <a:r>
+              <a:rPr kumimoji="1" lang="ja-JP" altLang="en-US" sz="1600" dirty="0"/>
+              <a:t>↓ バーの形を変えてみる</a:t>
+            </a:r>
+          </a:p>
+        </p:txBody>
+      </p:sp>
+      <p:grpSp>
+        <p:nvGrpSpPr>
+          <p:cNvPr id="20" name="グループ化 19">
+            <a:extLst>
+              <a:ext uri="{FF2B5EF4-FFF2-40B4-BE49-F238E27FC236}">
+                <a16:creationId xmlns:a16="http://schemas.microsoft.com/office/drawing/2014/main" id="{325F8525-B8B4-E9D8-E2AF-CDDCCE6EE86E}"/>
+              </a:ext>
+            </a:extLst>
+          </p:cNvPr>
+          <p:cNvGrpSpPr/>
+          <p:nvPr/>
+        </p:nvGrpSpPr>
+        <p:grpSpPr>
+          <a:xfrm>
+            <a:off x="8755768" y="5618925"/>
+            <a:ext cx="1242932" cy="1328429"/>
+            <a:chOff x="8996534" y="4994586"/>
+            <a:chExt cx="1242932" cy="932087"/>
+          </a:xfrm>
+        </p:grpSpPr>
+        <p:sp>
+          <p:nvSpPr>
+            <p:cNvPr id="18" name="フローチャート: 記憶データ 17">
+              <a:extLst>
+                <a:ext uri="{FF2B5EF4-FFF2-40B4-BE49-F238E27FC236}">
+                  <a16:creationId xmlns:a16="http://schemas.microsoft.com/office/drawing/2014/main" id="{4CA5FA60-578E-BA90-1334-7C20022DA2F7}"/>
+                </a:ext>
+              </a:extLst>
+            </p:cNvPr>
+            <p:cNvSpPr/>
+            <p:nvPr/>
+          </p:nvSpPr>
+          <p:spPr>
+            <a:xfrm rot="16200000">
+              <a:off x="9192068" y="4799053"/>
+              <a:ext cx="851865" cy="1242931"/>
+            </a:xfrm>
+            <a:prstGeom prst="flowChartOnlineStorage">
+              <a:avLst/>
+            </a:prstGeom>
+            <a:ln>
+              <a:noFill/>
+            </a:ln>
+          </p:spPr>
+          <p:style>
+            <a:lnRef idx="2">
+              <a:schemeClr val="accent1">
+                <a:shade val="15000"/>
+              </a:schemeClr>
+            </a:lnRef>
+            <a:fillRef idx="1">
+              <a:schemeClr val="accent1"/>
+            </a:fillRef>
+            <a:effectRef idx="0">
+              <a:schemeClr val="accent1"/>
+            </a:effectRef>
+            <a:fontRef idx="minor">
+              <a:schemeClr val="lt1"/>
+            </a:fontRef>
+          </p:style>
+          <p:txBody>
+            <a:bodyPr rtlCol="0" anchor="ctr"/>
+            <a:lstStyle/>
+            <a:p>
+              <a:pPr algn="ctr"/>
+              <a:endParaRPr kumimoji="1" lang="ja-JP" altLang="en-US"/>
+            </a:p>
+          </p:txBody>
+        </p:sp>
+        <p:sp>
+          <p:nvSpPr>
+            <p:cNvPr id="19" name="フローチャート: 記憶データ 18">
+              <a:extLst>
+                <a:ext uri="{FF2B5EF4-FFF2-40B4-BE49-F238E27FC236}">
+                  <a16:creationId xmlns:a16="http://schemas.microsoft.com/office/drawing/2014/main" id="{D88705AD-1498-C4C4-2990-EC86C7CB6FE7}"/>
+                </a:ext>
+              </a:extLst>
+            </p:cNvPr>
+            <p:cNvSpPr/>
+            <p:nvPr/>
+          </p:nvSpPr>
+          <p:spPr>
+            <a:xfrm rot="16200000">
+              <a:off x="9192066" y="4879274"/>
+              <a:ext cx="851867" cy="1242931"/>
+            </a:xfrm>
+            <a:prstGeom prst="flowChartOnlineStorage">
+              <a:avLst/>
+            </a:prstGeom>
+            <a:solidFill>
+              <a:schemeClr val="bg1"/>
+            </a:solidFill>
+            <a:ln>
+              <a:noFill/>
+            </a:ln>
+          </p:spPr>
+          <p:style>
+            <a:lnRef idx="2">
+              <a:schemeClr val="accent1">
+                <a:shade val="15000"/>
+              </a:schemeClr>
+            </a:lnRef>
+            <a:fillRef idx="1">
+              <a:schemeClr val="accent1"/>
+            </a:fillRef>
+            <a:effectRef idx="0">
+              <a:schemeClr val="accent1"/>
+            </a:effectRef>
+            <a:fontRef idx="minor">
+              <a:schemeClr val="lt1"/>
+            </a:fontRef>
+          </p:style>
+          <p:txBody>
+            <a:bodyPr rtlCol="0" anchor="ctr"/>
+            <a:lstStyle/>
+            <a:p>
+              <a:pPr algn="ctr"/>
+              <a:endParaRPr kumimoji="1" lang="ja-JP" altLang="en-US"/>
+            </a:p>
+          </p:txBody>
+        </p:sp>
+      </p:grpSp>
+    </p:spTree>
+    <p:extLst>
+      <p:ext uri="{BB962C8B-B14F-4D97-AF65-F5344CB8AC3E}">
+        <p14:creationId xmlns:p14="http://schemas.microsoft.com/office/powerpoint/2010/main" val="913084642"/>
+      </p:ext>
+    </p:extLst>
+  </p:cSld>
+  <p:clrMapOvr>
+    <a:masterClrMapping/>
+  </p:clrMapOvr>
+</p:sld>
+</file>
+
+<file path=ppt/slides/slide31.xml><?xml version="1.0" encoding="utf-8"?>
 <p:sld xmlns:a="http://schemas.openxmlformats.org/drawingml/2006/main" xmlns:r="http://schemas.openxmlformats.org/officeDocument/2006/relationships" xmlns:p="http://schemas.openxmlformats.org/presentationml/2006/main" show="0">
   <p:cSld>
     <p:spTree>
@@ -17259,7 +17789,7 @@
           <p:cNvPr id="2" name="タイトル 1">
             <a:extLst>
               <a:ext uri="{FF2B5EF4-FFF2-40B4-BE49-F238E27FC236}">
-                <a16:creationId xmlns:a16="http://schemas.microsoft.com/office/drawing/2014/main" id="{BD33E9A6-484D-5BB8-2A4D-FF686FCE15DD}"/>
+                <a16:creationId xmlns:a16="http://schemas.microsoft.com/office/drawing/2014/main" id="{7C0BD70C-E20D-CACD-CE21-DB6F00BAE40F}"/>
               </a:ext>
             </a:extLst>
           </p:cNvPr>
@@ -17276,6 +17806,327 @@
           <a:lstStyle/>
           <a:p>
             <a:r>
+              <a:rPr lang="en-US" altLang="ja-JP" dirty="0">
+                <a:latin typeface="Times New Roman" panose="02020603050405020304" pitchFamily="18" charset="0"/>
+                <a:cs typeface="Times New Roman" panose="02020603050405020304" pitchFamily="18" charset="0"/>
+              </a:rPr>
+              <a:t>3.</a:t>
+            </a:r>
+            <a:r>
+              <a:rPr lang="ja-JP" altLang="en-US" dirty="0">
+                <a:latin typeface="Times New Roman" panose="02020603050405020304" pitchFamily="18" charset="0"/>
+                <a:cs typeface="Times New Roman" panose="02020603050405020304" pitchFamily="18" charset="0"/>
+              </a:rPr>
+              <a:t>  </a:t>
+            </a:r>
+            <a:r>
+              <a:rPr lang="ja-JP" altLang="en-US" dirty="0"/>
+              <a:t>ブロック崩しゲームのコントローラ作成</a:t>
+            </a:r>
+            <a:endParaRPr kumimoji="1" lang="ja-JP" altLang="en-US" dirty="0"/>
+          </a:p>
+        </p:txBody>
+      </p:sp>
+      <p:sp>
+        <p:nvSpPr>
+          <p:cNvPr id="3" name="コンテンツ プレースホルダー 2">
+            <a:extLst>
+              <a:ext uri="{FF2B5EF4-FFF2-40B4-BE49-F238E27FC236}">
+                <a16:creationId xmlns:a16="http://schemas.microsoft.com/office/drawing/2014/main" id="{5199E655-E993-F4D9-2313-2A4979FD5CC4}"/>
+              </a:ext>
+            </a:extLst>
+          </p:cNvPr>
+          <p:cNvSpPr>
+            <a:spLocks noGrp="1"/>
+          </p:cNvSpPr>
+          <p:nvPr>
+            <p:ph idx="1"/>
+          </p:nvPr>
+        </p:nvSpPr>
+        <p:spPr/>
+        <p:txBody>
+          <a:bodyPr>
+            <a:normAutofit/>
+          </a:bodyPr>
+          <a:lstStyle/>
+          <a:p>
+            <a:pPr marL="0" indent="0">
+              <a:buNone/>
+            </a:pPr>
+            <a:endParaRPr lang="en-US" altLang="ja-JP" sz="2000" dirty="0"/>
+          </a:p>
+          <a:p>
+            <a:pPr marL="0" indent="0">
+              <a:buNone/>
+            </a:pPr>
+            <a:r>
+              <a:rPr lang="en-US" altLang="ja-JP" sz="2000" dirty="0"/>
+              <a:t>[</a:t>
+            </a:r>
+            <a:r>
+              <a:rPr lang="ja-JP" altLang="en-US" sz="2000" dirty="0"/>
+              <a:t>ブロック崩しゲーム </a:t>
+            </a:r>
+            <a:r>
+              <a:rPr lang="en-US" altLang="ja-JP" sz="2000" dirty="0"/>
+              <a:t>- python</a:t>
+            </a:r>
+            <a:r>
+              <a:rPr lang="ja-JP" altLang="en-US" sz="2000" dirty="0"/>
+              <a:t>ソース</a:t>
+            </a:r>
+            <a:r>
+              <a:rPr lang="en-US" altLang="ja-JP" sz="2000" dirty="0"/>
+              <a:t>]</a:t>
+            </a:r>
+          </a:p>
+          <a:p>
+            <a:pPr marL="0" indent="0">
+              <a:buNone/>
+            </a:pPr>
+            <a:endParaRPr lang="en-US" altLang="ja-JP" sz="900" dirty="0"/>
+          </a:p>
+          <a:p>
+            <a:r>
+              <a:rPr lang="en-US" altLang="ja-JP" sz="1600" dirty="0">
+                <a:hlinkClick r:id="rId2"/>
+              </a:rPr>
+              <a:t>https://kusakarism.info/?p=11237</a:t>
+            </a:r>
+            <a:endParaRPr lang="en-US" altLang="ja-JP" sz="1600" dirty="0"/>
+          </a:p>
+          <a:p>
+            <a:endParaRPr lang="en-US" altLang="ja-JP" sz="700" dirty="0"/>
+          </a:p>
+          <a:p>
+            <a:r>
+              <a:rPr lang="en-US" altLang="ja-JP" sz="1600" dirty="0">
+                <a:hlinkClick r:id="rId3"/>
+              </a:rPr>
+              <a:t>https://github.com/M-yuhki/breakout</a:t>
+            </a:r>
+            <a:endParaRPr lang="en-US" altLang="ja-JP" sz="1600" dirty="0"/>
+          </a:p>
+          <a:p>
+            <a:pPr marL="457200" indent="-457200">
+              <a:buFont typeface="+mj-lt"/>
+              <a:buAutoNum type="arabicPeriod"/>
+            </a:pPr>
+            <a:endParaRPr lang="en-US" altLang="ja-JP" sz="700" dirty="0"/>
+          </a:p>
+          <a:p>
+            <a:r>
+              <a:rPr lang="en-US" altLang="ja-JP" sz="1600" dirty="0">
+                <a:hlinkClick r:id="rId4"/>
+              </a:rPr>
+              <a:t>https://note.com/forte_python/n/na2575fd1a30f</a:t>
+            </a:r>
+            <a:endParaRPr lang="en-US" altLang="ja-JP" sz="1600" dirty="0"/>
+          </a:p>
+          <a:p>
+            <a:pPr marL="457200" indent="-457200">
+              <a:buFont typeface="+mj-lt"/>
+              <a:buAutoNum type="arabicPeriod"/>
+            </a:pPr>
+            <a:endParaRPr lang="en-US" altLang="ja-JP" sz="2000" dirty="0"/>
+          </a:p>
+          <a:p>
+            <a:pPr marL="0" indent="0">
+              <a:buNone/>
+            </a:pPr>
+            <a:r>
+              <a:rPr lang="en-US" altLang="ja-JP" sz="2000" dirty="0"/>
+              <a:t>[python – Arduino </a:t>
+            </a:r>
+            <a:r>
+              <a:rPr lang="ja-JP" altLang="en-US" sz="2000" dirty="0"/>
+              <a:t>間のシリアル通信</a:t>
+            </a:r>
+            <a:r>
+              <a:rPr lang="en-US" altLang="ja-JP" sz="2000" dirty="0"/>
+              <a:t>]</a:t>
+            </a:r>
+          </a:p>
+          <a:p>
+            <a:r>
+              <a:rPr lang="en-US" altLang="ja-JP" sz="1600" dirty="0">
+                <a:hlinkClick r:id="rId5"/>
+              </a:rPr>
+              <a:t>Serial Communication between Python and Arduino</a:t>
+            </a:r>
+            <a:endParaRPr lang="en-US" altLang="ja-JP" sz="1600" dirty="0"/>
+          </a:p>
+          <a:p>
+            <a:pPr marL="0" indent="0">
+              <a:buNone/>
+            </a:pPr>
+            <a:endParaRPr lang="en-US" altLang="ja-JP" dirty="0"/>
+          </a:p>
+          <a:p>
+            <a:pPr marL="0" indent="0">
+              <a:buNone/>
+            </a:pPr>
+            <a:endParaRPr lang="en-US" altLang="ja-JP" sz="1000" dirty="0"/>
+          </a:p>
+          <a:p>
+            <a:pPr marL="0" indent="0">
+              <a:buNone/>
+            </a:pPr>
+            <a:r>
+              <a:rPr lang="ja-JP" altLang="en-US" b="1" dirty="0">
+                <a:solidFill>
+                  <a:srgbClr val="FF0000"/>
+                </a:solidFill>
+              </a:rPr>
+              <a:t>　ソースコードからバーを動かす部分を見つけだし，</a:t>
+            </a:r>
+            <a:endParaRPr lang="en-US" altLang="ja-JP" b="1" dirty="0">
+              <a:solidFill>
+                <a:srgbClr val="FF0000"/>
+              </a:solidFill>
+            </a:endParaRPr>
+          </a:p>
+          <a:p>
+            <a:pPr marL="0" indent="0">
+              <a:buNone/>
+            </a:pPr>
+            <a:r>
+              <a:rPr lang="en-US" altLang="ja-JP" b="1" dirty="0">
+                <a:solidFill>
+                  <a:srgbClr val="FF0000"/>
+                </a:solidFill>
+              </a:rPr>
+              <a:t>	</a:t>
+            </a:r>
+            <a:r>
+              <a:rPr lang="ja-JP" altLang="en-US" b="1" dirty="0">
+                <a:solidFill>
+                  <a:srgbClr val="FF0000"/>
+                </a:solidFill>
+              </a:rPr>
+              <a:t>　</a:t>
+            </a:r>
+            <a:r>
+              <a:rPr lang="en-US" altLang="ja-JP" b="1" dirty="0">
+                <a:solidFill>
+                  <a:srgbClr val="FF0000"/>
+                </a:solidFill>
+              </a:rPr>
+              <a:t>Arduino </a:t>
+            </a:r>
+            <a:r>
+              <a:rPr lang="ja-JP" altLang="en-US" b="1" dirty="0">
+                <a:solidFill>
+                  <a:srgbClr val="FF0000"/>
+                </a:solidFill>
+              </a:rPr>
+              <a:t>からの信号によって動かすように変更すればよい</a:t>
+            </a:r>
+            <a:endParaRPr lang="en-US" altLang="ja-JP" b="1" dirty="0">
+              <a:solidFill>
+                <a:srgbClr val="FF0000"/>
+              </a:solidFill>
+            </a:endParaRPr>
+          </a:p>
+          <a:p>
+            <a:pPr marL="0" indent="0">
+              <a:buNone/>
+            </a:pPr>
+            <a:endParaRPr lang="en-US" altLang="ja-JP" dirty="0"/>
+          </a:p>
+          <a:p>
+            <a:pPr marL="0" indent="0">
+              <a:buNone/>
+            </a:pPr>
+            <a:endParaRPr lang="en-US" altLang="ja-JP" dirty="0"/>
+          </a:p>
+          <a:p>
+            <a:endParaRPr lang="en-US" altLang="ja-JP" dirty="0"/>
+          </a:p>
+        </p:txBody>
+      </p:sp>
+      <p:sp>
+        <p:nvSpPr>
+          <p:cNvPr id="4" name="スライド番号プレースホルダー 3">
+            <a:extLst>
+              <a:ext uri="{FF2B5EF4-FFF2-40B4-BE49-F238E27FC236}">
+                <a16:creationId xmlns:a16="http://schemas.microsoft.com/office/drawing/2014/main" id="{EA2BD82D-D8B2-0B30-1CDE-182FCBE9A5F7}"/>
+              </a:ext>
+            </a:extLst>
+          </p:cNvPr>
+          <p:cNvSpPr>
+            <a:spLocks noGrp="1"/>
+          </p:cNvSpPr>
+          <p:nvPr>
+            <p:ph type="sldNum" sz="quarter" idx="12"/>
+          </p:nvPr>
+        </p:nvSpPr>
+        <p:spPr/>
+        <p:txBody>
+          <a:bodyPr/>
+          <a:lstStyle/>
+          <a:p>
+            <a:fld id="{167E14B9-D607-4902-8FEC-B1687B44AC2F}" type="slidenum">
+              <a:rPr lang="ja-JP" altLang="en-US" smtClean="0"/>
+              <a:pPr/>
+              <a:t>31</a:t>
+            </a:fld>
+            <a:endParaRPr lang="ja-JP" altLang="en-US" dirty="0"/>
+          </a:p>
+        </p:txBody>
+      </p:sp>
+    </p:spTree>
+    <p:extLst>
+      <p:ext uri="{BB962C8B-B14F-4D97-AF65-F5344CB8AC3E}">
+        <p14:creationId xmlns:p14="http://schemas.microsoft.com/office/powerpoint/2010/main" val="2535721023"/>
+      </p:ext>
+    </p:extLst>
+  </p:cSld>
+  <p:clrMapOvr>
+    <a:masterClrMapping/>
+  </p:clrMapOvr>
+</p:sld>
+</file>
+
+<file path=ppt/slides/slide32.xml><?xml version="1.0" encoding="utf-8"?>
+<p:sld xmlns:a="http://schemas.openxmlformats.org/drawingml/2006/main" xmlns:r="http://schemas.openxmlformats.org/officeDocument/2006/relationships" xmlns:p="http://schemas.openxmlformats.org/presentationml/2006/main" show="0">
+  <p:cSld>
+    <p:spTree>
+      <p:nvGrpSpPr>
+        <p:cNvPr id="1" name=""/>
+        <p:cNvGrpSpPr/>
+        <p:nvPr/>
+      </p:nvGrpSpPr>
+      <p:grpSpPr>
+        <a:xfrm>
+          <a:off x="0" y="0"/>
+          <a:ext cx="0" cy="0"/>
+          <a:chOff x="0" y="0"/>
+          <a:chExt cx="0" cy="0"/>
+        </a:xfrm>
+      </p:grpSpPr>
+      <p:sp>
+        <p:nvSpPr>
+          <p:cNvPr id="2" name="タイトル 1">
+            <a:extLst>
+              <a:ext uri="{FF2B5EF4-FFF2-40B4-BE49-F238E27FC236}">
+                <a16:creationId xmlns:a16="http://schemas.microsoft.com/office/drawing/2014/main" id="{BD33E9A6-484D-5BB8-2A4D-FF686FCE15DD}"/>
+              </a:ext>
+            </a:extLst>
+          </p:cNvPr>
+          <p:cNvSpPr>
+            <a:spLocks noGrp="1"/>
+          </p:cNvSpPr>
+          <p:nvPr>
+            <p:ph type="title"/>
+          </p:nvPr>
+        </p:nvSpPr>
+        <p:spPr/>
+        <p:txBody>
+          <a:bodyPr/>
+          <a:lstStyle/>
+          <a:p>
+            <a:r>
               <a:rPr lang="ja-JP" altLang="en-US" dirty="0"/>
               <a:t>参考文献</a:t>
             </a:r>
@@ -17412,7 +18263,7 @@
             <a:fld id="{167E14B9-D607-4902-8FEC-B1687B44AC2F}" type="slidenum">
               <a:rPr lang="ja-JP" altLang="en-US" smtClean="0"/>
               <a:pPr/>
-              <a:t>30</a:t>
+              <a:t>32</a:t>
             </a:fld>
             <a:endParaRPr lang="ja-JP" altLang="en-US" dirty="0"/>
           </a:p>
